--- a/Wayne State Course.pptx
+++ b/Wayne State Course.pptx
@@ -9,66 +9,69 @@
     <p:sldId id="257" r:id="rId3"/>
     <p:sldId id="264" r:id="rId4"/>
     <p:sldId id="271" r:id="rId5"/>
-    <p:sldId id="297" r:id="rId6"/>
-    <p:sldId id="272" r:id="rId7"/>
-    <p:sldId id="322" r:id="rId8"/>
-    <p:sldId id="273" r:id="rId9"/>
-    <p:sldId id="274" r:id="rId10"/>
-    <p:sldId id="296" r:id="rId11"/>
-    <p:sldId id="258" r:id="rId12"/>
-    <p:sldId id="265" r:id="rId13"/>
-    <p:sldId id="279" r:id="rId14"/>
-    <p:sldId id="275" r:id="rId15"/>
-    <p:sldId id="276" r:id="rId16"/>
-    <p:sldId id="280" r:id="rId17"/>
-    <p:sldId id="298" r:id="rId18"/>
-    <p:sldId id="278" r:id="rId19"/>
-    <p:sldId id="294" r:id="rId20"/>
-    <p:sldId id="277" r:id="rId21"/>
-    <p:sldId id="293" r:id="rId22"/>
-    <p:sldId id="299" r:id="rId23"/>
-    <p:sldId id="300" r:id="rId24"/>
-    <p:sldId id="295" r:id="rId25"/>
-    <p:sldId id="259" r:id="rId26"/>
-    <p:sldId id="266" r:id="rId27"/>
-    <p:sldId id="281" r:id="rId28"/>
-    <p:sldId id="301" r:id="rId29"/>
-    <p:sldId id="302" r:id="rId30"/>
-    <p:sldId id="303" r:id="rId31"/>
-    <p:sldId id="304" r:id="rId32"/>
-    <p:sldId id="305" r:id="rId33"/>
-    <p:sldId id="282" r:id="rId34"/>
-    <p:sldId id="283" r:id="rId35"/>
-    <p:sldId id="306" r:id="rId36"/>
-    <p:sldId id="284" r:id="rId37"/>
-    <p:sldId id="307" r:id="rId38"/>
-    <p:sldId id="260" r:id="rId39"/>
-    <p:sldId id="267" r:id="rId40"/>
-    <p:sldId id="316" r:id="rId41"/>
-    <p:sldId id="285" r:id="rId42"/>
-    <p:sldId id="308" r:id="rId43"/>
-    <p:sldId id="309" r:id="rId44"/>
-    <p:sldId id="286" r:id="rId45"/>
-    <p:sldId id="287" r:id="rId46"/>
-    <p:sldId id="321" r:id="rId47"/>
-    <p:sldId id="310" r:id="rId48"/>
-    <p:sldId id="311" r:id="rId49"/>
-    <p:sldId id="312" r:id="rId50"/>
-    <p:sldId id="261" r:id="rId51"/>
-    <p:sldId id="268" r:id="rId52"/>
-    <p:sldId id="317" r:id="rId53"/>
-    <p:sldId id="318" r:id="rId54"/>
-    <p:sldId id="290" r:id="rId55"/>
-    <p:sldId id="319" r:id="rId56"/>
-    <p:sldId id="313" r:id="rId57"/>
-    <p:sldId id="320" r:id="rId58"/>
-    <p:sldId id="314" r:id="rId59"/>
-    <p:sldId id="262" r:id="rId60"/>
-    <p:sldId id="291" r:id="rId61"/>
-    <p:sldId id="292" r:id="rId62"/>
-    <p:sldId id="315" r:id="rId63"/>
-    <p:sldId id="263" r:id="rId64"/>
-    <p:sldId id="270" r:id="rId65"/>
+    <p:sldId id="323" r:id="rId6"/>
+    <p:sldId id="297" r:id="rId7"/>
+    <p:sldId id="272" r:id="rId8"/>
+    <p:sldId id="322" r:id="rId9"/>
+    <p:sldId id="273" r:id="rId10"/>
+    <p:sldId id="274" r:id="rId11"/>
+    <p:sldId id="296" r:id="rId12"/>
+    <p:sldId id="258" r:id="rId13"/>
+    <p:sldId id="265" r:id="rId14"/>
+    <p:sldId id="279" r:id="rId15"/>
+    <p:sldId id="275" r:id="rId16"/>
+    <p:sldId id="324" r:id="rId17"/>
+    <p:sldId id="325" r:id="rId18"/>
+    <p:sldId id="280" r:id="rId19"/>
+    <p:sldId id="298" r:id="rId20"/>
+    <p:sldId id="278" r:id="rId21"/>
+    <p:sldId id="294" r:id="rId22"/>
+    <p:sldId id="277" r:id="rId23"/>
+    <p:sldId id="293" r:id="rId24"/>
+    <p:sldId id="299" r:id="rId25"/>
+    <p:sldId id="300" r:id="rId26"/>
+    <p:sldId id="326" r:id="rId27"/>
+    <p:sldId id="295" r:id="rId28"/>
+    <p:sldId id="259" r:id="rId29"/>
+    <p:sldId id="266" r:id="rId30"/>
+    <p:sldId id="281" r:id="rId31"/>
+    <p:sldId id="301" r:id="rId32"/>
+    <p:sldId id="302" r:id="rId33"/>
+    <p:sldId id="303" r:id="rId34"/>
+    <p:sldId id="304" r:id="rId35"/>
+    <p:sldId id="305" r:id="rId36"/>
+    <p:sldId id="282" r:id="rId37"/>
+    <p:sldId id="283" r:id="rId38"/>
+    <p:sldId id="306" r:id="rId39"/>
+    <p:sldId id="284" r:id="rId40"/>
+    <p:sldId id="307" r:id="rId41"/>
+    <p:sldId id="260" r:id="rId42"/>
+    <p:sldId id="267" r:id="rId43"/>
+    <p:sldId id="316" r:id="rId44"/>
+    <p:sldId id="285" r:id="rId45"/>
+    <p:sldId id="308" r:id="rId46"/>
+    <p:sldId id="309" r:id="rId47"/>
+    <p:sldId id="286" r:id="rId48"/>
+    <p:sldId id="287" r:id="rId49"/>
+    <p:sldId id="321" r:id="rId50"/>
+    <p:sldId id="310" r:id="rId51"/>
+    <p:sldId id="311" r:id="rId52"/>
+    <p:sldId id="312" r:id="rId53"/>
+    <p:sldId id="261" r:id="rId54"/>
+    <p:sldId id="268" r:id="rId55"/>
+    <p:sldId id="317" r:id="rId56"/>
+    <p:sldId id="318" r:id="rId57"/>
+    <p:sldId id="290" r:id="rId58"/>
+    <p:sldId id="319" r:id="rId59"/>
+    <p:sldId id="313" r:id="rId60"/>
+    <p:sldId id="320" r:id="rId61"/>
+    <p:sldId id="314" r:id="rId62"/>
+    <p:sldId id="262" r:id="rId63"/>
+    <p:sldId id="291" r:id="rId64"/>
+    <p:sldId id="292" r:id="rId65"/>
+    <p:sldId id="315" r:id="rId66"/>
+    <p:sldId id="263" r:id="rId67"/>
+    <p:sldId id="270" r:id="rId68"/>
   </p:sldIdLst>
   <p:sldSz cx="12192000" cy="6858000"/>
   <p:notesSz cx="6858000" cy="9144000"/>
@@ -178,7 +181,7 @@
 <file path=ppt/revisionInfo.xml><?xml version="1.0" encoding="utf-8"?>
 <p1510:revInfo xmlns:a="http://schemas.openxmlformats.org/drawingml/2006/main" xmlns:r="http://schemas.openxmlformats.org/officeDocument/2006/relationships" xmlns:p1510="http://schemas.microsoft.com/office/powerpoint/2015/10/main">
   <p1510:revLst>
-    <p1510:client id="{8A256D2A-1F8F-41CF-A15B-4399D171BD24}" v="276" dt="2020-02-09T16:21:43.153"/>
+    <p1510:client id="{8A256D2A-1F8F-41CF-A15B-4399D171BD24}" v="288" dt="2020-02-16T16:59:07.432"/>
   </p1510:revLst>
 </p1510:revInfo>
 </file>
@@ -188,7 +191,7 @@
   <pc:docChgLst>
     <pc:chgData name="Casey Whorton" userId="ca5133bb86cb7820" providerId="LiveId" clId="{8A256D2A-1F8F-41CF-A15B-4399D171BD24}"/>
     <pc:docChg chg="undo custSel addSld delSld modSld sldOrd">
-      <pc:chgData name="Casey Whorton" userId="ca5133bb86cb7820" providerId="LiveId" clId="{8A256D2A-1F8F-41CF-A15B-4399D171BD24}" dt="2020-02-09T16:21:50.521" v="12283" actId="20577"/>
+      <pc:chgData name="Casey Whorton" userId="ca5133bb86cb7820" providerId="LiveId" clId="{8A256D2A-1F8F-41CF-A15B-4399D171BD24}" dt="2020-02-16T16:59:19.060" v="14627" actId="20577"/>
       <pc:docMkLst>
         <pc:docMk/>
       </pc:docMkLst>
@@ -377,7 +380,7 @@
         </pc:spChg>
       </pc:sldChg>
       <pc:sldChg chg="modSp add">
-        <pc:chgData name="Casey Whorton" userId="ca5133bb86cb7820" providerId="LiveId" clId="{8A256D2A-1F8F-41CF-A15B-4399D171BD24}" dt="2020-01-31T01:00:02.946" v="2122" actId="20577"/>
+        <pc:chgData name="Casey Whorton" userId="ca5133bb86cb7820" providerId="LiveId" clId="{8A256D2A-1F8F-41CF-A15B-4399D171BD24}" dt="2020-02-12T22:36:27.301" v="12357" actId="20577"/>
         <pc:sldMkLst>
           <pc:docMk/>
           <pc:sldMk cId="2318727254" sldId="264"/>
@@ -391,7 +394,7 @@
           </ac:spMkLst>
         </pc:spChg>
         <pc:spChg chg="mod">
-          <ac:chgData name="Casey Whorton" userId="ca5133bb86cb7820" providerId="LiveId" clId="{8A256D2A-1F8F-41CF-A15B-4399D171BD24}" dt="2020-01-31T01:00:02.946" v="2122" actId="20577"/>
+          <ac:chgData name="Casey Whorton" userId="ca5133bb86cb7820" providerId="LiveId" clId="{8A256D2A-1F8F-41CF-A15B-4399D171BD24}" dt="2020-02-12T22:36:27.301" v="12357" actId="20577"/>
           <ac:spMkLst>
             <pc:docMk/>
             <pc:sldMk cId="2318727254" sldId="264"/>
@@ -612,8 +615,8 @@
           </ac:spMkLst>
         </pc:spChg>
       </pc:sldChg>
-      <pc:sldChg chg="modSp add">
-        <pc:chgData name="Casey Whorton" userId="ca5133bb86cb7820" providerId="LiveId" clId="{8A256D2A-1F8F-41CF-A15B-4399D171BD24}" dt="2020-01-26T15:03:30.342" v="190" actId="20577"/>
+      <pc:sldChg chg="modSp add del">
+        <pc:chgData name="Casey Whorton" userId="ca5133bb86cb7820" providerId="LiveId" clId="{8A256D2A-1F8F-41CF-A15B-4399D171BD24}" dt="2020-02-16T16:45:36.348" v="14545" actId="47"/>
         <pc:sldMkLst>
           <pc:docMk/>
           <pc:sldMk cId="4203940414" sldId="276"/>
@@ -721,13 +724,13 @@
         </pc:spChg>
       </pc:sldChg>
       <pc:sldChg chg="modSp add ord">
-        <pc:chgData name="Casey Whorton" userId="ca5133bb86cb7820" providerId="LiveId" clId="{8A256D2A-1F8F-41CF-A15B-4399D171BD24}" dt="2020-01-31T01:36:51.950" v="4401" actId="20577"/>
+        <pc:chgData name="Casey Whorton" userId="ca5133bb86cb7820" providerId="LiveId" clId="{8A256D2A-1F8F-41CF-A15B-4399D171BD24}" dt="2020-02-16T16:58:50.960" v="14599" actId="20577"/>
         <pc:sldMkLst>
           <pc:docMk/>
           <pc:sldMk cId="2960720633" sldId="280"/>
         </pc:sldMkLst>
         <pc:spChg chg="mod">
-          <ac:chgData name="Casey Whorton" userId="ca5133bb86cb7820" providerId="LiveId" clId="{8A256D2A-1F8F-41CF-A15B-4399D171BD24}" dt="2020-01-26T15:05:03.019" v="238" actId="20577"/>
+          <ac:chgData name="Casey Whorton" userId="ca5133bb86cb7820" providerId="LiveId" clId="{8A256D2A-1F8F-41CF-A15B-4399D171BD24}" dt="2020-02-16T16:58:50.960" v="14599" actId="20577"/>
           <ac:spMkLst>
             <pc:docMk/>
             <pc:sldMk cId="2960720633" sldId="280"/>
@@ -1253,8 +1256,8 @@
           </ac:picMkLst>
         </pc:picChg>
       </pc:sldChg>
-      <pc:sldChg chg="modSp add">
-        <pc:chgData name="Casey Whorton" userId="ca5133bb86cb7820" providerId="LiveId" clId="{8A256D2A-1F8F-41CF-A15B-4399D171BD24}" dt="2020-02-01T01:06:03.558" v="6224" actId="20577"/>
+      <pc:sldChg chg="addSp modSp add">
+        <pc:chgData name="Casey Whorton" userId="ca5133bb86cb7820" providerId="LiveId" clId="{8A256D2A-1F8F-41CF-A15B-4399D171BD24}" dt="2020-02-16T16:49:06.392" v="14585" actId="20577"/>
         <pc:sldMkLst>
           <pc:docMk/>
           <pc:sldMk cId="340799084" sldId="299"/>
@@ -1268,13 +1271,21 @@
           </ac:spMkLst>
         </pc:spChg>
         <pc:spChg chg="mod">
-          <ac:chgData name="Casey Whorton" userId="ca5133bb86cb7820" providerId="LiveId" clId="{8A256D2A-1F8F-41CF-A15B-4399D171BD24}" dt="2020-02-01T00:52:30.500" v="6095"/>
+          <ac:chgData name="Casey Whorton" userId="ca5133bb86cb7820" providerId="LiveId" clId="{8A256D2A-1F8F-41CF-A15B-4399D171BD24}" dt="2020-02-16T16:49:06.392" v="14585" actId="20577"/>
           <ac:spMkLst>
             <pc:docMk/>
             <pc:sldMk cId="340799084" sldId="299"/>
             <ac:spMk id="3" creationId="{B23F7499-A652-43BB-88B0-7D665A19BBE5}"/>
           </ac:spMkLst>
         </pc:spChg>
+        <pc:picChg chg="add mod">
+          <ac:chgData name="Casey Whorton" userId="ca5133bb86cb7820" providerId="LiveId" clId="{8A256D2A-1F8F-41CF-A15B-4399D171BD24}" dt="2020-02-16T16:45:04.168" v="14529" actId="1076"/>
+          <ac:picMkLst>
+            <pc:docMk/>
+            <pc:sldMk cId="340799084" sldId="299"/>
+            <ac:picMk id="1026" creationId="{E030FDB5-A088-4047-AE12-48A21DEED50B}"/>
+          </ac:picMkLst>
+        </pc:picChg>
       </pc:sldChg>
       <pc:sldChg chg="addSp delSp modSp add">
         <pc:chgData name="Casey Whorton" userId="ca5133bb86cb7820" providerId="LiveId" clId="{8A256D2A-1F8F-41CF-A15B-4399D171BD24}" dt="2020-02-01T01:05:36.909" v="6217" actId="1076"/>
@@ -1922,6 +1933,170 @@
             <pc:docMk/>
             <pc:sldMk cId="2892347091" sldId="322"/>
             <ac:spMk id="3" creationId="{D8FE314D-A9FF-4B3F-93E7-B249395EBDC8}"/>
+          </ac:spMkLst>
+        </pc:spChg>
+      </pc:sldChg>
+      <pc:sldChg chg="modSp add">
+        <pc:chgData name="Casey Whorton" userId="ca5133bb86cb7820" providerId="LiveId" clId="{8A256D2A-1F8F-41CF-A15B-4399D171BD24}" dt="2020-02-12T22:37:09.886" v="12507" actId="12"/>
+        <pc:sldMkLst>
+          <pc:docMk/>
+          <pc:sldMk cId="367066837" sldId="323"/>
+        </pc:sldMkLst>
+        <pc:spChg chg="mod">
+          <ac:chgData name="Casey Whorton" userId="ca5133bb86cb7820" providerId="LiveId" clId="{8A256D2A-1F8F-41CF-A15B-4399D171BD24}" dt="2020-02-12T22:36:37.001" v="12380" actId="20577"/>
+          <ac:spMkLst>
+            <pc:docMk/>
+            <pc:sldMk cId="367066837" sldId="323"/>
+            <ac:spMk id="2" creationId="{D2E6C308-D543-47BE-9DA4-3F6539A6D8E6}"/>
+          </ac:spMkLst>
+        </pc:spChg>
+        <pc:spChg chg="mod">
+          <ac:chgData name="Casey Whorton" userId="ca5133bb86cb7820" providerId="LiveId" clId="{8A256D2A-1F8F-41CF-A15B-4399D171BD24}" dt="2020-02-12T22:37:09.886" v="12507" actId="12"/>
+          <ac:spMkLst>
+            <pc:docMk/>
+            <pc:sldMk cId="367066837" sldId="323"/>
+            <ac:spMk id="3" creationId="{8FDA4BE2-9027-407C-9966-BB77F3800853}"/>
+          </ac:spMkLst>
+        </pc:spChg>
+      </pc:sldChg>
+      <pc:sldChg chg="addSp delSp modSp add">
+        <pc:chgData name="Casey Whorton" userId="ca5133bb86cb7820" providerId="LiveId" clId="{8A256D2A-1F8F-41CF-A15B-4399D171BD24}" dt="2020-02-16T16:41:28.150" v="14373" actId="20577"/>
+        <pc:sldMkLst>
+          <pc:docMk/>
+          <pc:sldMk cId="339478889" sldId="324"/>
+        </pc:sldMkLst>
+        <pc:spChg chg="del">
+          <ac:chgData name="Casey Whorton" userId="ca5133bb86cb7820" providerId="LiveId" clId="{8A256D2A-1F8F-41CF-A15B-4399D171BD24}" dt="2020-02-16T16:24:18.736" v="12509"/>
+          <ac:spMkLst>
+            <pc:docMk/>
+            <pc:sldMk cId="339478889" sldId="324"/>
+            <ac:spMk id="2" creationId="{7D413CFC-9707-4EFB-8AF3-D97DB888C985}"/>
+          </ac:spMkLst>
+        </pc:spChg>
+        <pc:spChg chg="del">
+          <ac:chgData name="Casey Whorton" userId="ca5133bb86cb7820" providerId="LiveId" clId="{8A256D2A-1F8F-41CF-A15B-4399D171BD24}" dt="2020-02-16T16:24:18.736" v="12509"/>
+          <ac:spMkLst>
+            <pc:docMk/>
+            <pc:sldMk cId="339478889" sldId="324"/>
+            <ac:spMk id="3" creationId="{34B02881-711A-4D71-BED2-028044FB8CBA}"/>
+          </ac:spMkLst>
+        </pc:spChg>
+        <pc:spChg chg="del">
+          <ac:chgData name="Casey Whorton" userId="ca5133bb86cb7820" providerId="LiveId" clId="{8A256D2A-1F8F-41CF-A15B-4399D171BD24}" dt="2020-02-16T16:24:18.736" v="12509"/>
+          <ac:spMkLst>
+            <pc:docMk/>
+            <pc:sldMk cId="339478889" sldId="324"/>
+            <ac:spMk id="4" creationId="{E224A6F0-D22F-4B09-AC80-0431123D0FF6}"/>
+          </ac:spMkLst>
+        </pc:spChg>
+        <pc:spChg chg="del">
+          <ac:chgData name="Casey Whorton" userId="ca5133bb86cb7820" providerId="LiveId" clId="{8A256D2A-1F8F-41CF-A15B-4399D171BD24}" dt="2020-02-16T16:24:18.736" v="12509"/>
+          <ac:spMkLst>
+            <pc:docMk/>
+            <pc:sldMk cId="339478889" sldId="324"/>
+            <ac:spMk id="5" creationId="{79A26C0B-212B-4ABC-B284-596F5CBEF154}"/>
+          </ac:spMkLst>
+        </pc:spChg>
+        <pc:spChg chg="del">
+          <ac:chgData name="Casey Whorton" userId="ca5133bb86cb7820" providerId="LiveId" clId="{8A256D2A-1F8F-41CF-A15B-4399D171BD24}" dt="2020-02-16T16:24:18.736" v="12509"/>
+          <ac:spMkLst>
+            <pc:docMk/>
+            <pc:sldMk cId="339478889" sldId="324"/>
+            <ac:spMk id="6" creationId="{92D17304-5429-4324-8486-2C1C5FDE0BDB}"/>
+          </ac:spMkLst>
+        </pc:spChg>
+        <pc:spChg chg="add del mod">
+          <ac:chgData name="Casey Whorton" userId="ca5133bb86cb7820" providerId="LiveId" clId="{8A256D2A-1F8F-41CF-A15B-4399D171BD24}" dt="2020-02-16T16:25:38.400" v="12510"/>
+          <ac:spMkLst>
+            <pc:docMk/>
+            <pc:sldMk cId="339478889" sldId="324"/>
+            <ac:spMk id="7" creationId="{F3C9732E-B061-4D7B-BF22-D86DF0414CBD}"/>
+          </ac:spMkLst>
+        </pc:spChg>
+        <pc:spChg chg="add del mod">
+          <ac:chgData name="Casey Whorton" userId="ca5133bb86cb7820" providerId="LiveId" clId="{8A256D2A-1F8F-41CF-A15B-4399D171BD24}" dt="2020-02-16T16:25:38.400" v="12510"/>
+          <ac:spMkLst>
+            <pc:docMk/>
+            <pc:sldMk cId="339478889" sldId="324"/>
+            <ac:spMk id="8" creationId="{456677D3-A706-45B7-B648-70F08735BAF8}"/>
+          </ac:spMkLst>
+        </pc:spChg>
+        <pc:spChg chg="add del mod">
+          <ac:chgData name="Casey Whorton" userId="ca5133bb86cb7820" providerId="LiveId" clId="{8A256D2A-1F8F-41CF-A15B-4399D171BD24}" dt="2020-02-16T16:25:38.400" v="12510"/>
+          <ac:spMkLst>
+            <pc:docMk/>
+            <pc:sldMk cId="339478889" sldId="324"/>
+            <ac:spMk id="9" creationId="{0B4C7443-62BB-427A-AC1D-9C5BD87EF1E5}"/>
+          </ac:spMkLst>
+        </pc:spChg>
+        <pc:spChg chg="add mod">
+          <ac:chgData name="Casey Whorton" userId="ca5133bb86cb7820" providerId="LiveId" clId="{8A256D2A-1F8F-41CF-A15B-4399D171BD24}" dt="2020-02-16T16:28:06.079" v="12540" actId="20577"/>
+          <ac:spMkLst>
+            <pc:docMk/>
+            <pc:sldMk cId="339478889" sldId="324"/>
+            <ac:spMk id="10" creationId="{7748E78A-EF3B-43B7-9740-0359EB7691C6}"/>
+          </ac:spMkLst>
+        </pc:spChg>
+        <pc:spChg chg="add mod">
+          <ac:chgData name="Casey Whorton" userId="ca5133bb86cb7820" providerId="LiveId" clId="{8A256D2A-1F8F-41CF-A15B-4399D171BD24}" dt="2020-02-16T16:41:28.150" v="14373" actId="20577"/>
+          <ac:spMkLst>
+            <pc:docMk/>
+            <pc:sldMk cId="339478889" sldId="324"/>
+            <ac:spMk id="11" creationId="{1F5F3F1D-FFDE-48D7-94FD-9058BC8BD901}"/>
+          </ac:spMkLst>
+        </pc:spChg>
+      </pc:sldChg>
+      <pc:sldChg chg="addSp delSp modSp add">
+        <pc:chgData name="Casey Whorton" userId="ca5133bb86cb7820" providerId="LiveId" clId="{8A256D2A-1F8F-41CF-A15B-4399D171BD24}" dt="2020-02-16T16:43:43.747" v="14526" actId="1076"/>
+        <pc:sldMkLst>
+          <pc:docMk/>
+          <pc:sldMk cId="844330101" sldId="325"/>
+        </pc:sldMkLst>
+        <pc:spChg chg="add del mod">
+          <ac:chgData name="Casey Whorton" userId="ca5133bb86cb7820" providerId="LiveId" clId="{8A256D2A-1F8F-41CF-A15B-4399D171BD24}" dt="2020-02-16T16:42:16.911" v="14375"/>
+          <ac:spMkLst>
+            <pc:docMk/>
+            <pc:sldMk cId="844330101" sldId="325"/>
+            <ac:spMk id="3" creationId="{39D9D3D2-E5C1-470E-AD3B-C88AA3405290}"/>
+          </ac:spMkLst>
+        </pc:spChg>
+        <pc:spChg chg="add mod">
+          <ac:chgData name="Casey Whorton" userId="ca5133bb86cb7820" providerId="LiveId" clId="{8A256D2A-1F8F-41CF-A15B-4399D171BD24}" dt="2020-02-16T16:43:43.747" v="14526" actId="1076"/>
+          <ac:spMkLst>
+            <pc:docMk/>
+            <pc:sldMk cId="844330101" sldId="325"/>
+            <ac:spMk id="5" creationId="{EF30F32C-7B6F-4E69-87CA-9D6A7CDF1441}"/>
+          </ac:spMkLst>
+        </pc:spChg>
+        <pc:spChg chg="del mod">
+          <ac:chgData name="Casey Whorton" userId="ca5133bb86cb7820" providerId="LiveId" clId="{8A256D2A-1F8F-41CF-A15B-4399D171BD24}" dt="2020-02-16T16:42:15.169" v="14374" actId="478"/>
+          <ac:spMkLst>
+            <pc:docMk/>
+            <pc:sldMk cId="844330101" sldId="325"/>
+            <ac:spMk id="11" creationId="{1F5F3F1D-FFDE-48D7-94FD-9058BC8BD901}"/>
+          </ac:spMkLst>
+        </pc:spChg>
+        <pc:picChg chg="add mod">
+          <ac:chgData name="Casey Whorton" userId="ca5133bb86cb7820" providerId="LiveId" clId="{8A256D2A-1F8F-41CF-A15B-4399D171BD24}" dt="2020-02-16T16:42:16.911" v="14375"/>
+          <ac:picMkLst>
+            <pc:docMk/>
+            <pc:sldMk cId="844330101" sldId="325"/>
+            <ac:picMk id="4" creationId="{6BF05BCD-5995-45E4-A27C-F57C50D00BF6}"/>
+          </ac:picMkLst>
+        </pc:picChg>
+      </pc:sldChg>
+      <pc:sldChg chg="modSp add">
+        <pc:chgData name="Casey Whorton" userId="ca5133bb86cb7820" providerId="LiveId" clId="{8A256D2A-1F8F-41CF-A15B-4399D171BD24}" dt="2020-02-16T16:59:19.060" v="14627" actId="20577"/>
+        <pc:sldMkLst>
+          <pc:docMk/>
+          <pc:sldMk cId="1036765499" sldId="326"/>
+        </pc:sldMkLst>
+        <pc:spChg chg="mod">
+          <ac:chgData name="Casey Whorton" userId="ca5133bb86cb7820" providerId="LiveId" clId="{8A256D2A-1F8F-41CF-A15B-4399D171BD24}" dt="2020-02-16T16:59:19.060" v="14627" actId="20577"/>
+          <ac:spMkLst>
+            <pc:docMk/>
+            <pc:sldMk cId="1036765499" sldId="326"/>
+            <ac:spMk id="2" creationId="{CEE8DD3F-65C2-456B-9F71-C4E29FFF53CD}"/>
           </ac:spMkLst>
         </pc:spChg>
       </pc:sldChg>
@@ -5345,7 +5520,7 @@
           <a:p>
             <a:fld id="{02AC24A9-CCB6-4F8D-B8DB-C2F3692CFA5A}" type="datetimeFigureOut">
               <a:rPr lang="en-US" smtClean="0"/>
-              <a:t>2/9/2020</a:t>
+              <a:t>2/12/2020</a:t>
             </a:fld>
             <a:endParaRPr lang="en-US" dirty="0"/>
           </a:p>
@@ -5553,7 +5728,7 @@
           <a:p>
             <a:fld id="{02AC24A9-CCB6-4F8D-B8DB-C2F3692CFA5A}" type="datetimeFigureOut">
               <a:rPr lang="en-US" smtClean="0"/>
-              <a:t>2/9/2020</a:t>
+              <a:t>2/12/2020</a:t>
             </a:fld>
             <a:endParaRPr lang="en-US"/>
           </a:p>
@@ -5811,7 +5986,7 @@
           <a:p>
             <a:fld id="{02AC24A9-CCB6-4F8D-B8DB-C2F3692CFA5A}" type="datetimeFigureOut">
               <a:rPr lang="en-US" smtClean="0"/>
-              <a:t>2/9/2020</a:t>
+              <a:t>2/12/2020</a:t>
             </a:fld>
             <a:endParaRPr lang="en-US"/>
           </a:p>
@@ -5981,7 +6156,7 @@
           <a:p>
             <a:fld id="{02AC24A9-CCB6-4F8D-B8DB-C2F3692CFA5A}" type="datetimeFigureOut">
               <a:rPr lang="en-US" smtClean="0"/>
-              <a:t>2/9/2020</a:t>
+              <a:t>2/12/2020</a:t>
             </a:fld>
             <a:endParaRPr lang="en-US"/>
           </a:p>
@@ -6318,7 +6493,7 @@
           <a:p>
             <a:fld id="{02AC24A9-CCB6-4F8D-B8DB-C2F3692CFA5A}" type="datetimeFigureOut">
               <a:rPr lang="en-US" smtClean="0"/>
-              <a:t>2/9/2020</a:t>
+              <a:t>2/12/2020</a:t>
             </a:fld>
             <a:endParaRPr lang="en-US"/>
           </a:p>
@@ -6593,7 +6768,7 @@
           <a:p>
             <a:fld id="{02AC24A9-CCB6-4F8D-B8DB-C2F3692CFA5A}" type="datetimeFigureOut">
               <a:rPr lang="en-US" smtClean="0"/>
-              <a:t>2/9/2020</a:t>
+              <a:t>2/12/2020</a:t>
             </a:fld>
             <a:endParaRPr lang="en-US"/>
           </a:p>
@@ -6972,7 +7147,7 @@
           <a:p>
             <a:fld id="{02AC24A9-CCB6-4F8D-B8DB-C2F3692CFA5A}" type="datetimeFigureOut">
               <a:rPr lang="en-US" smtClean="0"/>
-              <a:t>2/9/2020</a:t>
+              <a:t>2/12/2020</a:t>
             </a:fld>
             <a:endParaRPr lang="en-US"/>
           </a:p>
@@ -7090,7 +7265,7 @@
           <a:p>
             <a:fld id="{02AC24A9-CCB6-4F8D-B8DB-C2F3692CFA5A}" type="datetimeFigureOut">
               <a:rPr lang="en-US" smtClean="0"/>
-              <a:t>2/9/2020</a:t>
+              <a:t>2/12/2020</a:t>
             </a:fld>
             <a:endParaRPr lang="en-US"/>
           </a:p>
@@ -7263,7 +7438,7 @@
           <a:p>
             <a:fld id="{02AC24A9-CCB6-4F8D-B8DB-C2F3692CFA5A}" type="datetimeFigureOut">
               <a:rPr lang="en-US" smtClean="0"/>
-              <a:t>2/9/2020</a:t>
+              <a:t>2/12/2020</a:t>
             </a:fld>
             <a:endParaRPr lang="en-US"/>
           </a:p>
@@ -7619,7 +7794,7 @@
           <a:p>
             <a:fld id="{02AC24A9-CCB6-4F8D-B8DB-C2F3692CFA5A}" type="datetimeFigureOut">
               <a:rPr lang="en-US" smtClean="0"/>
-              <a:t>2/9/2020</a:t>
+              <a:t>2/12/2020</a:t>
             </a:fld>
             <a:endParaRPr lang="en-US" dirty="0"/>
           </a:p>
@@ -7998,7 +8173,7 @@
           <a:p>
             <a:fld id="{02AC24A9-CCB6-4F8D-B8DB-C2F3692CFA5A}" type="datetimeFigureOut">
               <a:rPr lang="en-US" smtClean="0"/>
-              <a:t>2/9/2020</a:t>
+              <a:t>2/12/2020</a:t>
             </a:fld>
             <a:endParaRPr lang="en-US"/>
           </a:p>
@@ -8287,7 +8462,7 @@
           <a:p>
             <a:fld id="{02AC24A9-CCB6-4F8D-B8DB-C2F3692CFA5A}" type="datetimeFigureOut">
               <a:rPr lang="en-US" smtClean="0"/>
-              <a:t>2/9/2020</a:t>
+              <a:t>2/12/2020</a:t>
             </a:fld>
             <a:endParaRPr lang="en-US"/>
           </a:p>
@@ -8929,7 +9104,7 @@
           <p:cNvPr id="2" name="Title 1">
             <a:extLst>
               <a:ext uri="{FF2B5EF4-FFF2-40B4-BE49-F238E27FC236}">
-                <a16:creationId xmlns:a16="http://schemas.microsoft.com/office/drawing/2014/main" id="{37F47C21-4937-4FE1-BE59-56D978F65B8D}"/>
+                <a16:creationId xmlns:a16="http://schemas.microsoft.com/office/drawing/2014/main" id="{528A05CD-AB53-4086-87CD-C4FDBE652E62}"/>
               </a:ext>
             </a:extLst>
           </p:cNvPr>
@@ -8947,8 +9122,13 @@
           <a:p>
             <a:r>
               <a:rPr lang="en-US" dirty="0"/>
-              <a:t>Homework (Due February 19, 2020)</a:t>
-            </a:r>
+              <a:t>Pandas </a:t>
+            </a:r>
+            <a:r>
+              <a:rPr lang="en-US" dirty="0" err="1"/>
+              <a:t>DataFrames</a:t>
+            </a:r>
+            <a:endParaRPr lang="en-US" dirty="0"/>
           </a:p>
         </p:txBody>
       </p:sp>
@@ -8957,7 +9137,7 @@
           <p:cNvPr id="3" name="Content Placeholder 2">
             <a:extLst>
               <a:ext uri="{FF2B5EF4-FFF2-40B4-BE49-F238E27FC236}">
-                <a16:creationId xmlns:a16="http://schemas.microsoft.com/office/drawing/2014/main" id="{4BA640D3-C44B-4A6D-8102-C32143FBADEB}"/>
+                <a16:creationId xmlns:a16="http://schemas.microsoft.com/office/drawing/2014/main" id="{5F4DDDBE-020E-40F5-A5CA-6134E8F29D3D}"/>
               </a:ext>
             </a:extLst>
           </p:cNvPr>
@@ -8970,9 +9150,7 @@
         </p:nvSpPr>
         <p:spPr/>
         <p:txBody>
-          <a:bodyPr>
-            <a:normAutofit/>
-          </a:bodyPr>
+          <a:bodyPr/>
           <a:lstStyle/>
           <a:p>
             <a:pPr>
@@ -8981,17 +9159,15 @@
             </a:pPr>
             <a:r>
               <a:rPr lang="en-US" dirty="0"/>
-              <a:t>Introduction.py</a:t>
-            </a:r>
-          </a:p>
-          <a:p>
-            <a:pPr lvl="1">
-              <a:buFont typeface="Arial" panose="020B0604020202020204" pitchFamily="34" charset="0"/>
-              <a:buChar char="•"/>
-            </a:pPr>
-            <a:r>
-              <a:rPr lang="en-US" dirty="0"/>
-              <a:t>Complete and create a branch and pull request, list the instructor as a person to review</a:t>
+              <a:t>A </a:t>
+            </a:r>
+            <a:r>
+              <a:rPr lang="en-US" dirty="0" err="1"/>
+              <a:t>dataframe</a:t>
+            </a:r>
+            <a:r>
+              <a:rPr lang="en-US" dirty="0"/>
+              <a:t> is a 2d framework to present labeled rows and columns of data</a:t>
             </a:r>
           </a:p>
           <a:p>
@@ -9000,43 +9176,14 @@
               <a:buChar char="•"/>
             </a:pPr>
             <a:r>
-              <a:rPr lang="en-US" dirty="0" err="1"/>
-              <a:t>Jupyter</a:t>
-            </a:r>
-            <a:r>
-              <a:rPr lang="en-US" dirty="0"/>
-              <a:t> Notebook </a:t>
-            </a:r>
-            <a:r>
-              <a:rPr lang="en-US" dirty="0" err="1"/>
-              <a:t>Markdown.ipynb</a:t>
-            </a:r>
-            <a:endParaRPr lang="en-US" dirty="0"/>
-          </a:p>
-          <a:p>
-            <a:pPr lvl="1">
-              <a:buFont typeface="Arial" panose="020B0604020202020204" pitchFamily="34" charset="0"/>
-              <a:buChar char="•"/>
-            </a:pPr>
-            <a:r>
-              <a:rPr lang="en-US" dirty="0"/>
-              <a:t>Complete and upload to </a:t>
-            </a:r>
-            <a:r>
-              <a:rPr lang="en-US" dirty="0" err="1"/>
-              <a:t>github</a:t>
-            </a:r>
-            <a:endParaRPr lang="en-US" dirty="0"/>
-          </a:p>
-          <a:p>
-            <a:pPr lvl="1">
-              <a:buFont typeface="Arial" panose="020B0604020202020204" pitchFamily="34" charset="0"/>
-              <a:buChar char="•"/>
-            </a:pPr>
-            <a:r>
-              <a:rPr lang="en-US" dirty="0"/>
-              <a:t>Add your name to submitted document</a:t>
-            </a:r>
+              <a:rPr lang="en-US" b="1" dirty="0"/>
+              <a:t>Pandas</a:t>
+            </a:r>
+            <a:r>
+              <a:rPr lang="en-US" dirty="0"/>
+              <a:t> is the Python package we, and most people, will use for data cleaning and data science</a:t>
+            </a:r>
+            <a:endParaRPr lang="en-US" b="1" dirty="0"/>
           </a:p>
           <a:p>
             <a:pPr>
@@ -9044,83 +9191,24 @@
               <a:buChar char="•"/>
             </a:pPr>
             <a:r>
+              <a:rPr lang="en-US" dirty="0"/>
+              <a:t>Link to 10 minutes to pandas </a:t>
+            </a:r>
+            <a:r>
               <a:rPr lang="en-US" dirty="0" err="1"/>
-              <a:t>Numpy</a:t>
-            </a:r>
-            <a:r>
-              <a:rPr lang="en-US" dirty="0"/>
-              <a:t>, math, and built-in </a:t>
-            </a:r>
-            <a:r>
-              <a:rPr lang="en-US" dirty="0" err="1"/>
-              <a:t>functions.ipynb</a:t>
+              <a:t>dataframes</a:t>
+            </a:r>
+            <a:r>
+              <a:rPr lang="en-US" dirty="0"/>
+              <a:t>: </a:t>
+            </a:r>
+            <a:r>
+              <a:rPr lang="en-US" dirty="0">
+                <a:hlinkClick r:id="rId2"/>
+              </a:rPr>
+              <a:t>https://pandas.pydata.org/pandas-docs/stable/getting_started/10min.html</a:t>
             </a:r>
             <a:endParaRPr lang="en-US" dirty="0"/>
-          </a:p>
-          <a:p>
-            <a:pPr lvl="1">
-              <a:buFont typeface="Arial" panose="020B0604020202020204" pitchFamily="34" charset="0"/>
-              <a:buChar char="•"/>
-            </a:pPr>
-            <a:r>
-              <a:rPr lang="en-US" dirty="0"/>
-              <a:t>Complete and upload to </a:t>
-            </a:r>
-            <a:r>
-              <a:rPr lang="en-US" dirty="0" err="1"/>
-              <a:t>github</a:t>
-            </a:r>
-            <a:endParaRPr lang="en-US" dirty="0"/>
-          </a:p>
-          <a:p>
-            <a:pPr lvl="1">
-              <a:buFont typeface="Arial" panose="020B0604020202020204" pitchFamily="34" charset="0"/>
-              <a:buChar char="•"/>
-            </a:pPr>
-            <a:r>
-              <a:rPr lang="en-US" dirty="0"/>
-              <a:t>Add your name to submitted document</a:t>
-            </a:r>
-          </a:p>
-          <a:p>
-            <a:pPr>
-              <a:buFont typeface="Arial" panose="020B0604020202020204" pitchFamily="34" charset="0"/>
-              <a:buChar char="•"/>
-            </a:pPr>
-            <a:r>
-              <a:rPr lang="en-US" dirty="0"/>
-              <a:t>Pandas </a:t>
-            </a:r>
-            <a:r>
-              <a:rPr lang="en-US" dirty="0" err="1"/>
-              <a:t>Introduction.ipynb</a:t>
-            </a:r>
-            <a:endParaRPr lang="en-US" dirty="0"/>
-          </a:p>
-          <a:p>
-            <a:pPr lvl="1">
-              <a:buFont typeface="Arial" panose="020B0604020202020204" pitchFamily="34" charset="0"/>
-              <a:buChar char="•"/>
-            </a:pPr>
-            <a:r>
-              <a:rPr lang="en-US" dirty="0"/>
-              <a:t>Complete and upload to </a:t>
-            </a:r>
-            <a:r>
-              <a:rPr lang="en-US" dirty="0" err="1"/>
-              <a:t>github</a:t>
-            </a:r>
-            <a:endParaRPr lang="en-US" dirty="0"/>
-          </a:p>
-          <a:p>
-            <a:pPr lvl="1">
-              <a:buFont typeface="Arial" panose="020B0604020202020204" pitchFamily="34" charset="0"/>
-              <a:buChar char="•"/>
-            </a:pPr>
-            <a:r>
-              <a:rPr lang="en-US" dirty="0"/>
-              <a:t>Add your name to submitted document</a:t>
-            </a:r>
           </a:p>
           <a:p>
             <a:pPr>
@@ -9129,12 +9217,15 @@
             </a:pPr>
             <a:endParaRPr lang="en-US" dirty="0"/>
           </a:p>
+          <a:p>
+            <a:endParaRPr lang="en-US" dirty="0"/>
+          </a:p>
         </p:txBody>
       </p:sp>
     </p:spTree>
     <p:extLst>
       <p:ext uri="{BB962C8B-B14F-4D97-AF65-F5344CB8AC3E}">
-        <p14:creationId xmlns:p14="http://schemas.microsoft.com/office/powerpoint/2010/main" val="192190860"/>
+        <p14:creationId xmlns:p14="http://schemas.microsoft.com/office/powerpoint/2010/main" val="2835035860"/>
       </p:ext>
     </p:extLst>
   </p:cSld>
@@ -9166,7 +9257,7 @@
           <p:cNvPr id="2" name="Title 1">
             <a:extLst>
               <a:ext uri="{FF2B5EF4-FFF2-40B4-BE49-F238E27FC236}">
-                <a16:creationId xmlns:a16="http://schemas.microsoft.com/office/drawing/2014/main" id="{581C445A-7E76-41D9-AD54-36F6540CA790}"/>
+                <a16:creationId xmlns:a16="http://schemas.microsoft.com/office/drawing/2014/main" id="{37F47C21-4937-4FE1-BE59-56D978F65B8D}"/>
               </a:ext>
             </a:extLst>
           </p:cNvPr>
@@ -9184,17 +9275,17 @@
           <a:p>
             <a:r>
               <a:rPr lang="en-US" dirty="0"/>
-              <a:t>Week 2</a:t>
-            </a:r>
-          </a:p>
-        </p:txBody>
-      </p:sp>
-      <p:sp>
-        <p:nvSpPr>
-          <p:cNvPr id="3" name="Text Placeholder 2">
+              <a:t>Homework (Due February 19, 2020)</a:t>
+            </a:r>
+          </a:p>
+        </p:txBody>
+      </p:sp>
+      <p:sp>
+        <p:nvSpPr>
+          <p:cNvPr id="3" name="Content Placeholder 2">
             <a:extLst>
               <a:ext uri="{FF2B5EF4-FFF2-40B4-BE49-F238E27FC236}">
-                <a16:creationId xmlns:a16="http://schemas.microsoft.com/office/drawing/2014/main" id="{4AF99884-A802-40A3-B7CB-639E993949C0}"/>
+                <a16:creationId xmlns:a16="http://schemas.microsoft.com/office/drawing/2014/main" id="{4BA640D3-C44B-4A6D-8102-C32143FBADEB}"/>
               </a:ext>
             </a:extLst>
           </p:cNvPr>
@@ -9202,20 +9293,168 @@
             <a:spLocks noGrp="1"/>
           </p:cNvSpPr>
           <p:nvPr>
-            <p:ph type="body" idx="1"/>
+            <p:ph idx="1"/>
           </p:nvPr>
         </p:nvSpPr>
         <p:spPr/>
         <p:txBody>
-          <a:bodyPr/>
+          <a:bodyPr>
+            <a:normAutofit/>
+          </a:bodyPr>
           <a:lstStyle/>
           <a:p>
-            <a:r>
-              <a:rPr lang="en-US" dirty="0"/>
-              <a:t>Date: February 19, 2020 </a:t>
-            </a:r>
-          </a:p>
-          <a:p>
+            <a:pPr>
+              <a:buFont typeface="Arial" panose="020B0604020202020204" pitchFamily="34" charset="0"/>
+              <a:buChar char="•"/>
+            </a:pPr>
+            <a:r>
+              <a:rPr lang="en-US" dirty="0"/>
+              <a:t>Introduction.py</a:t>
+            </a:r>
+          </a:p>
+          <a:p>
+            <a:pPr lvl="1">
+              <a:buFont typeface="Arial" panose="020B0604020202020204" pitchFamily="34" charset="0"/>
+              <a:buChar char="•"/>
+            </a:pPr>
+            <a:r>
+              <a:rPr lang="en-US" dirty="0"/>
+              <a:t>Complete and create a branch and pull request, list the instructor as a person to review</a:t>
+            </a:r>
+          </a:p>
+          <a:p>
+            <a:pPr>
+              <a:buFont typeface="Arial" panose="020B0604020202020204" pitchFamily="34" charset="0"/>
+              <a:buChar char="•"/>
+            </a:pPr>
+            <a:r>
+              <a:rPr lang="en-US" dirty="0" err="1"/>
+              <a:t>Jupyter</a:t>
+            </a:r>
+            <a:r>
+              <a:rPr lang="en-US" dirty="0"/>
+              <a:t> Notebook </a:t>
+            </a:r>
+            <a:r>
+              <a:rPr lang="en-US" dirty="0" err="1"/>
+              <a:t>Markdown.ipynb</a:t>
+            </a:r>
+            <a:endParaRPr lang="en-US" dirty="0"/>
+          </a:p>
+          <a:p>
+            <a:pPr lvl="1">
+              <a:buFont typeface="Arial" panose="020B0604020202020204" pitchFamily="34" charset="0"/>
+              <a:buChar char="•"/>
+            </a:pPr>
+            <a:r>
+              <a:rPr lang="en-US" dirty="0"/>
+              <a:t>Complete and upload to </a:t>
+            </a:r>
+            <a:r>
+              <a:rPr lang="en-US" dirty="0" err="1"/>
+              <a:t>github</a:t>
+            </a:r>
+            <a:endParaRPr lang="en-US" dirty="0"/>
+          </a:p>
+          <a:p>
+            <a:pPr lvl="1">
+              <a:buFont typeface="Arial" panose="020B0604020202020204" pitchFamily="34" charset="0"/>
+              <a:buChar char="•"/>
+            </a:pPr>
+            <a:r>
+              <a:rPr lang="en-US" dirty="0"/>
+              <a:t>Add your name to submitted document</a:t>
+            </a:r>
+          </a:p>
+          <a:p>
+            <a:pPr>
+              <a:buFont typeface="Arial" panose="020B0604020202020204" pitchFamily="34" charset="0"/>
+              <a:buChar char="•"/>
+            </a:pPr>
+            <a:r>
+              <a:rPr lang="en-US" dirty="0" err="1"/>
+              <a:t>Numpy</a:t>
+            </a:r>
+            <a:r>
+              <a:rPr lang="en-US" dirty="0"/>
+              <a:t>, math, and built-in </a:t>
+            </a:r>
+            <a:r>
+              <a:rPr lang="en-US" dirty="0" err="1"/>
+              <a:t>functions.ipynb</a:t>
+            </a:r>
+            <a:endParaRPr lang="en-US" dirty="0"/>
+          </a:p>
+          <a:p>
+            <a:pPr lvl="1">
+              <a:buFont typeface="Arial" panose="020B0604020202020204" pitchFamily="34" charset="0"/>
+              <a:buChar char="•"/>
+            </a:pPr>
+            <a:r>
+              <a:rPr lang="en-US" dirty="0"/>
+              <a:t>Complete and upload to </a:t>
+            </a:r>
+            <a:r>
+              <a:rPr lang="en-US" dirty="0" err="1"/>
+              <a:t>github</a:t>
+            </a:r>
+            <a:endParaRPr lang="en-US" dirty="0"/>
+          </a:p>
+          <a:p>
+            <a:pPr lvl="1">
+              <a:buFont typeface="Arial" panose="020B0604020202020204" pitchFamily="34" charset="0"/>
+              <a:buChar char="•"/>
+            </a:pPr>
+            <a:r>
+              <a:rPr lang="en-US" dirty="0"/>
+              <a:t>Add your name to submitted document</a:t>
+            </a:r>
+          </a:p>
+          <a:p>
+            <a:pPr>
+              <a:buFont typeface="Arial" panose="020B0604020202020204" pitchFamily="34" charset="0"/>
+              <a:buChar char="•"/>
+            </a:pPr>
+            <a:r>
+              <a:rPr lang="en-US" dirty="0"/>
+              <a:t>Pandas </a:t>
+            </a:r>
+            <a:r>
+              <a:rPr lang="en-US" dirty="0" err="1"/>
+              <a:t>Introduction.ipynb</a:t>
+            </a:r>
+            <a:endParaRPr lang="en-US" dirty="0"/>
+          </a:p>
+          <a:p>
+            <a:pPr lvl="1">
+              <a:buFont typeface="Arial" panose="020B0604020202020204" pitchFamily="34" charset="0"/>
+              <a:buChar char="•"/>
+            </a:pPr>
+            <a:r>
+              <a:rPr lang="en-US" dirty="0"/>
+              <a:t>Complete and upload to </a:t>
+            </a:r>
+            <a:r>
+              <a:rPr lang="en-US" dirty="0" err="1"/>
+              <a:t>github</a:t>
+            </a:r>
+            <a:endParaRPr lang="en-US" dirty="0"/>
+          </a:p>
+          <a:p>
+            <a:pPr lvl="1">
+              <a:buFont typeface="Arial" panose="020B0604020202020204" pitchFamily="34" charset="0"/>
+              <a:buChar char="•"/>
+            </a:pPr>
+            <a:r>
+              <a:rPr lang="en-US" dirty="0"/>
+              <a:t>Add your name to submitted document</a:t>
+            </a:r>
+          </a:p>
+          <a:p>
+            <a:pPr>
+              <a:buFont typeface="Arial" panose="020B0604020202020204" pitchFamily="34" charset="0"/>
+              <a:buChar char="•"/>
+            </a:pPr>
             <a:endParaRPr lang="en-US" dirty="0"/>
           </a:p>
         </p:txBody>
@@ -9223,7 +9462,7 @@
     </p:spTree>
     <p:extLst>
       <p:ext uri="{BB962C8B-B14F-4D97-AF65-F5344CB8AC3E}">
-        <p14:creationId xmlns:p14="http://schemas.microsoft.com/office/powerpoint/2010/main" val="648956014"/>
+        <p14:creationId xmlns:p14="http://schemas.microsoft.com/office/powerpoint/2010/main" val="192190860"/>
       </p:ext>
     </p:extLst>
   </p:cSld>
@@ -9255,7 +9494,7 @@
           <p:cNvPr id="2" name="Title 1">
             <a:extLst>
               <a:ext uri="{FF2B5EF4-FFF2-40B4-BE49-F238E27FC236}">
-                <a16:creationId xmlns:a16="http://schemas.microsoft.com/office/drawing/2014/main" id="{7289EF6B-8AB6-4186-AF09-0D50FE1BB9FD}"/>
+                <a16:creationId xmlns:a16="http://schemas.microsoft.com/office/drawing/2014/main" id="{581C445A-7E76-41D9-AD54-36F6540CA790}"/>
               </a:ext>
             </a:extLst>
           </p:cNvPr>
@@ -9273,17 +9512,17 @@
           <a:p>
             <a:r>
               <a:rPr lang="en-US" dirty="0"/>
-              <a:t>Overview</a:t>
-            </a:r>
-          </a:p>
-        </p:txBody>
-      </p:sp>
-      <p:sp>
-        <p:nvSpPr>
-          <p:cNvPr id="3" name="Content Placeholder 2">
+              <a:t>Week 2</a:t>
+            </a:r>
+          </a:p>
+        </p:txBody>
+      </p:sp>
+      <p:sp>
+        <p:nvSpPr>
+          <p:cNvPr id="3" name="Text Placeholder 2">
             <a:extLst>
               <a:ext uri="{FF2B5EF4-FFF2-40B4-BE49-F238E27FC236}">
-                <a16:creationId xmlns:a16="http://schemas.microsoft.com/office/drawing/2014/main" id="{E8A26BB2-24A8-43EF-9A59-9E9533F17D85}"/>
+                <a16:creationId xmlns:a16="http://schemas.microsoft.com/office/drawing/2014/main" id="{4AF99884-A802-40A3-B7CB-639E993949C0}"/>
               </a:ext>
             </a:extLst>
           </p:cNvPr>
@@ -9291,7 +9530,7 @@
             <a:spLocks noGrp="1"/>
           </p:cNvSpPr>
           <p:nvPr>
-            <p:ph idx="1"/>
+            <p:ph type="body" idx="1"/>
           </p:nvPr>
         </p:nvSpPr>
         <p:spPr/>
@@ -9299,91 +9538,12 @@
           <a:bodyPr/>
           <a:lstStyle/>
           <a:p>
-            <a:pPr>
-              <a:buFont typeface="Arial" panose="020B0604020202020204" pitchFamily="34" charset="0"/>
-              <a:buChar char="•"/>
-            </a:pPr>
-            <a:r>
-              <a:rPr lang="en-US" dirty="0"/>
-              <a:t>Data Types (integers, strings, float, etc.)</a:t>
-            </a:r>
-          </a:p>
-          <a:p>
-            <a:pPr>
-              <a:buFont typeface="Arial" panose="020B0604020202020204" pitchFamily="34" charset="0"/>
-              <a:buChar char="•"/>
-            </a:pPr>
-            <a:r>
-              <a:rPr lang="en-US" dirty="0"/>
-              <a:t>Introduction to dataset using in course (we’ll have plenty of opportunities to learn more as time goes)</a:t>
-            </a:r>
-          </a:p>
-          <a:p>
-            <a:pPr>
-              <a:buFont typeface="Arial" panose="020B0604020202020204" pitchFamily="34" charset="0"/>
-              <a:buChar char="•"/>
-            </a:pPr>
-            <a:r>
-              <a:rPr lang="en-US" dirty="0"/>
-              <a:t>Importing data into a notebook from a flat file</a:t>
-            </a:r>
-          </a:p>
-          <a:p>
-            <a:pPr>
-              <a:buFont typeface="Arial" panose="020B0604020202020204" pitchFamily="34" charset="0"/>
-              <a:buChar char="•"/>
-            </a:pPr>
-            <a:r>
-              <a:rPr lang="en-US" dirty="0"/>
-              <a:t>Exploratory data analysis</a:t>
-            </a:r>
-          </a:p>
-          <a:p>
-            <a:pPr>
-              <a:buFont typeface="Arial" panose="020B0604020202020204" pitchFamily="34" charset="0"/>
-              <a:buChar char="•"/>
-            </a:pPr>
-            <a:r>
-              <a:rPr lang="en-US" dirty="0"/>
-              <a:t>Data distributions – Normal distribution shape and types of skew</a:t>
-            </a:r>
-          </a:p>
-          <a:p>
-            <a:pPr>
-              <a:buFont typeface="Arial" panose="020B0604020202020204" pitchFamily="34" charset="0"/>
-              <a:buChar char="•"/>
-            </a:pPr>
-            <a:r>
-              <a:rPr lang="en-US" b="1" dirty="0"/>
-              <a:t>matplotlib</a:t>
-            </a:r>
-            <a:r>
-              <a:rPr lang="en-US" dirty="0"/>
-              <a:t> and </a:t>
-            </a:r>
-            <a:r>
-              <a:rPr lang="en-US" b="1" dirty="0"/>
-              <a:t>seaborn</a:t>
-            </a:r>
-            <a:r>
-              <a:rPr lang="en-US" dirty="0"/>
-              <a:t> – Data Visualization packages in Python</a:t>
-            </a:r>
-          </a:p>
-          <a:p>
-            <a:pPr>
-              <a:buFont typeface="Arial" panose="020B0604020202020204" pitchFamily="34" charset="0"/>
-              <a:buChar char="•"/>
-            </a:pPr>
-            <a:r>
-              <a:rPr lang="en-US" dirty="0"/>
-              <a:t>Best practices for visualizing data</a:t>
-            </a:r>
-          </a:p>
-          <a:p>
-            <a:pPr marL="0" indent="0">
-              <a:buNone/>
-            </a:pPr>
+            <a:r>
+              <a:rPr lang="en-US" dirty="0"/>
+              <a:t>Date: February 19, 2020 </a:t>
+            </a:r>
+          </a:p>
+          <a:p>
             <a:endParaRPr lang="en-US" dirty="0"/>
           </a:p>
         </p:txBody>
@@ -9391,7 +9551,7 @@
     </p:spTree>
     <p:extLst>
       <p:ext uri="{BB962C8B-B14F-4D97-AF65-F5344CB8AC3E}">
-        <p14:creationId xmlns:p14="http://schemas.microsoft.com/office/powerpoint/2010/main" val="1054491573"/>
+        <p14:creationId xmlns:p14="http://schemas.microsoft.com/office/powerpoint/2010/main" val="648956014"/>
       </p:ext>
     </p:extLst>
   </p:cSld>
@@ -9423,7 +9583,7 @@
           <p:cNvPr id="2" name="Title 1">
             <a:extLst>
               <a:ext uri="{FF2B5EF4-FFF2-40B4-BE49-F238E27FC236}">
-                <a16:creationId xmlns:a16="http://schemas.microsoft.com/office/drawing/2014/main" id="{661DD92D-E624-4696-91B6-384C897733E5}"/>
+                <a16:creationId xmlns:a16="http://schemas.microsoft.com/office/drawing/2014/main" id="{7289EF6B-8AB6-4186-AF09-0D50FE1BB9FD}"/>
               </a:ext>
             </a:extLst>
           </p:cNvPr>
@@ -9441,7 +9601,7 @@
           <a:p>
             <a:r>
               <a:rPr lang="en-US" dirty="0"/>
-              <a:t>Data types</a:t>
+              <a:t>Overview</a:t>
             </a:r>
           </a:p>
         </p:txBody>
@@ -9451,7 +9611,7 @@
           <p:cNvPr id="3" name="Content Placeholder 2">
             <a:extLst>
               <a:ext uri="{FF2B5EF4-FFF2-40B4-BE49-F238E27FC236}">
-                <a16:creationId xmlns:a16="http://schemas.microsoft.com/office/drawing/2014/main" id="{059BA656-673A-4F8F-908D-158EE1FA7278}"/>
+                <a16:creationId xmlns:a16="http://schemas.microsoft.com/office/drawing/2014/main" id="{E8A26BB2-24A8-43EF-9A59-9E9533F17D85}"/>
               </a:ext>
             </a:extLst>
           </p:cNvPr>
@@ -9464,9 +9624,7 @@
         </p:nvSpPr>
         <p:spPr/>
         <p:txBody>
-          <a:bodyPr>
-            <a:normAutofit fontScale="85000" lnSpcReduction="20000"/>
-          </a:bodyPr>
+          <a:bodyPr/>
           <a:lstStyle/>
           <a:p>
             <a:pPr>
@@ -9474,8 +9632,8 @@
               <a:buChar char="•"/>
             </a:pPr>
             <a:r>
-              <a:rPr lang="en-US" b="1" dirty="0"/>
-              <a:t>Integers</a:t>
+              <a:rPr lang="en-US" dirty="0"/>
+              <a:t>Data Types (integers, strings, float, etc.)</a:t>
             </a:r>
           </a:p>
           <a:p>
@@ -9484,8 +9642,8 @@
               <a:buChar char="•"/>
             </a:pPr>
             <a:r>
-              <a:rPr lang="en-US" b="1" dirty="0"/>
-              <a:t>Floating-Point Numbers</a:t>
+              <a:rPr lang="en-US" dirty="0"/>
+              <a:t>Introduction to dataset using in course (we’ll have plenty of opportunities to learn more as time goes)</a:t>
             </a:r>
           </a:p>
           <a:p>
@@ -9495,7 +9653,7 @@
             </a:pPr>
             <a:r>
               <a:rPr lang="en-US" dirty="0"/>
-              <a:t>Complex Numbers</a:t>
+              <a:t>Importing data into a notebook from a flat file</a:t>
             </a:r>
           </a:p>
           <a:p>
@@ -9504,8 +9662,8 @@
               <a:buChar char="•"/>
             </a:pPr>
             <a:r>
-              <a:rPr lang="en-US" b="1" dirty="0"/>
-              <a:t>Strings</a:t>
+              <a:rPr lang="en-US" dirty="0"/>
+              <a:t>Exploratory data analysis</a:t>
             </a:r>
           </a:p>
           <a:p>
@@ -9514,8 +9672,8 @@
               <a:buChar char="•"/>
             </a:pPr>
             <a:r>
-              <a:rPr lang="en-US" b="1" dirty="0"/>
-              <a:t>Boolean Type</a:t>
+              <a:rPr lang="en-US" dirty="0"/>
+              <a:t>Data distributions – Normal distribution shape and types of skew</a:t>
             </a:r>
           </a:p>
           <a:p>
@@ -9524,8 +9682,20 @@
               <a:buChar char="•"/>
             </a:pPr>
             <a:r>
-              <a:rPr lang="en-US" dirty="0"/>
-              <a:t>We convert to and from data types if we need to</a:t>
+              <a:rPr lang="en-US" b="1" dirty="0"/>
+              <a:t>matplotlib</a:t>
+            </a:r>
+            <a:r>
+              <a:rPr lang="en-US" dirty="0"/>
+              <a:t> and </a:t>
+            </a:r>
+            <a:r>
+              <a:rPr lang="en-US" b="1" dirty="0"/>
+              <a:t>seaborn</a:t>
+            </a:r>
+            <a:r>
+              <a:rPr lang="en-US" dirty="0"/>
+              <a:t> – Data Visualization packages in Python</a:t>
             </a:r>
           </a:p>
           <a:p>
@@ -9535,82 +9705,21 @@
             </a:pPr>
             <a:r>
               <a:rPr lang="en-US" dirty="0"/>
-              <a:t>Use the function ‘type()’ to display the data type of an element in python, Example:</a:t>
-            </a:r>
-          </a:p>
-          <a:p>
-            <a:pPr lvl="1">
-              <a:buFont typeface="Arial" panose="020B0604020202020204" pitchFamily="34" charset="0"/>
-              <a:buChar char="•"/>
+              <a:t>Best practices for visualizing data</a:t>
+            </a:r>
+          </a:p>
+          <a:p>
+            <a:pPr marL="0" indent="0">
+              <a:buNone/>
             </a:pPr>
-            <a:r>
-              <a:rPr lang="en-US" dirty="0"/>
-              <a:t>a = 123</a:t>
-            </a:r>
-          </a:p>
-          <a:p>
-            <a:pPr lvl="1">
-              <a:buFont typeface="Arial" panose="020B0604020202020204" pitchFamily="34" charset="0"/>
-              <a:buChar char="•"/>
-            </a:pPr>
-            <a:r>
-              <a:rPr lang="en-US" dirty="0"/>
-              <a:t>b = str(a)</a:t>
-            </a:r>
-          </a:p>
-          <a:p>
-            <a:pPr lvl="1">
-              <a:buFont typeface="Arial" panose="020B0604020202020204" pitchFamily="34" charset="0"/>
-              <a:buChar char="•"/>
-            </a:pPr>
-            <a:r>
-              <a:rPr lang="en-US" dirty="0"/>
-              <a:t>print(type(a))</a:t>
-            </a:r>
-          </a:p>
-          <a:p>
-            <a:pPr lvl="1">
-              <a:buFont typeface="Arial" panose="020B0604020202020204" pitchFamily="34" charset="0"/>
-              <a:buChar char="•"/>
-            </a:pPr>
-            <a:r>
-              <a:rPr lang="en-US" dirty="0"/>
-              <a:t>print(type(b))</a:t>
-            </a:r>
-          </a:p>
-          <a:p>
-            <a:pPr lvl="1">
-              <a:buFont typeface="Arial" panose="020B0604020202020204" pitchFamily="34" charset="0"/>
-              <a:buChar char="•"/>
-            </a:pPr>
-            <a:r>
-              <a:rPr lang="en-US" dirty="0"/>
-              <a:t>print(type(13/2))</a:t>
-            </a:r>
-          </a:p>
-          <a:p>
-            <a:pPr>
-              <a:buFont typeface="Arial" panose="020B0604020202020204" pitchFamily="34" charset="0"/>
-              <a:buChar char="•"/>
-            </a:pPr>
-            <a:r>
-              <a:rPr lang="en-US" b="1" dirty="0"/>
-              <a:t>Reference: </a:t>
-            </a:r>
-            <a:r>
-              <a:rPr lang="en-US" dirty="0">
-                <a:hlinkClick r:id="rId2"/>
-              </a:rPr>
-              <a:t>https://realpython.com/python-data-types/#type-conversion</a:t>
-            </a:r>
-            <a:endParaRPr lang="en-US" b="1" dirty="0"/>
+            <a:endParaRPr lang="en-US" dirty="0"/>
           </a:p>
         </p:txBody>
       </p:sp>
     </p:spTree>
     <p:extLst>
       <p:ext uri="{BB962C8B-B14F-4D97-AF65-F5344CB8AC3E}">
-        <p14:creationId xmlns:p14="http://schemas.microsoft.com/office/powerpoint/2010/main" val="860327508"/>
+        <p14:creationId xmlns:p14="http://schemas.microsoft.com/office/powerpoint/2010/main" val="1054491573"/>
       </p:ext>
     </p:extLst>
   </p:cSld>
@@ -9642,7 +9751,7 @@
           <p:cNvPr id="2" name="Title 1">
             <a:extLst>
               <a:ext uri="{FF2B5EF4-FFF2-40B4-BE49-F238E27FC236}">
-                <a16:creationId xmlns:a16="http://schemas.microsoft.com/office/drawing/2014/main" id="{70EA47FF-71B7-4597-B2FE-40F3265E7CE2}"/>
+                <a16:creationId xmlns:a16="http://schemas.microsoft.com/office/drawing/2014/main" id="{661DD92D-E624-4696-91B6-384C897733E5}"/>
               </a:ext>
             </a:extLst>
           </p:cNvPr>
@@ -9660,7 +9769,7 @@
           <a:p>
             <a:r>
               <a:rPr lang="en-US" dirty="0"/>
-              <a:t>Dataset &amp; Project</a:t>
+              <a:t>Data types</a:t>
             </a:r>
           </a:p>
         </p:txBody>
@@ -9670,7 +9779,7 @@
           <p:cNvPr id="3" name="Content Placeholder 2">
             <a:extLst>
               <a:ext uri="{FF2B5EF4-FFF2-40B4-BE49-F238E27FC236}">
-                <a16:creationId xmlns:a16="http://schemas.microsoft.com/office/drawing/2014/main" id="{9286C186-8AB4-45E7-BE97-29897C947C8E}"/>
+                <a16:creationId xmlns:a16="http://schemas.microsoft.com/office/drawing/2014/main" id="{059BA656-673A-4F8F-908D-158EE1FA7278}"/>
               </a:ext>
             </a:extLst>
           </p:cNvPr>
@@ -9683,17 +9792,153 @@
         </p:nvSpPr>
         <p:spPr/>
         <p:txBody>
-          <a:bodyPr/>
+          <a:bodyPr>
+            <a:normAutofit fontScale="85000" lnSpcReduction="20000"/>
+          </a:bodyPr>
           <a:lstStyle/>
           <a:p>
-            <a:endParaRPr lang="en-US" dirty="0"/>
+            <a:pPr>
+              <a:buFont typeface="Arial" panose="020B0604020202020204" pitchFamily="34" charset="0"/>
+              <a:buChar char="•"/>
+            </a:pPr>
+            <a:r>
+              <a:rPr lang="en-US" b="1" dirty="0"/>
+              <a:t>Integers</a:t>
+            </a:r>
+          </a:p>
+          <a:p>
+            <a:pPr>
+              <a:buFont typeface="Arial" panose="020B0604020202020204" pitchFamily="34" charset="0"/>
+              <a:buChar char="•"/>
+            </a:pPr>
+            <a:r>
+              <a:rPr lang="en-US" b="1" dirty="0"/>
+              <a:t>Floating-Point Numbers</a:t>
+            </a:r>
+          </a:p>
+          <a:p>
+            <a:pPr>
+              <a:buFont typeface="Arial" panose="020B0604020202020204" pitchFamily="34" charset="0"/>
+              <a:buChar char="•"/>
+            </a:pPr>
+            <a:r>
+              <a:rPr lang="en-US" dirty="0"/>
+              <a:t>Complex Numbers</a:t>
+            </a:r>
+          </a:p>
+          <a:p>
+            <a:pPr>
+              <a:buFont typeface="Arial" panose="020B0604020202020204" pitchFamily="34" charset="0"/>
+              <a:buChar char="•"/>
+            </a:pPr>
+            <a:r>
+              <a:rPr lang="en-US" b="1" dirty="0"/>
+              <a:t>Strings</a:t>
+            </a:r>
+          </a:p>
+          <a:p>
+            <a:pPr>
+              <a:buFont typeface="Arial" panose="020B0604020202020204" pitchFamily="34" charset="0"/>
+              <a:buChar char="•"/>
+            </a:pPr>
+            <a:r>
+              <a:rPr lang="en-US" b="1" dirty="0"/>
+              <a:t>Boolean Type</a:t>
+            </a:r>
+          </a:p>
+          <a:p>
+            <a:pPr>
+              <a:buFont typeface="Arial" panose="020B0604020202020204" pitchFamily="34" charset="0"/>
+              <a:buChar char="•"/>
+            </a:pPr>
+            <a:r>
+              <a:rPr lang="en-US" dirty="0"/>
+              <a:t>We convert to and from data types if we need to</a:t>
+            </a:r>
+          </a:p>
+          <a:p>
+            <a:pPr>
+              <a:buFont typeface="Arial" panose="020B0604020202020204" pitchFamily="34" charset="0"/>
+              <a:buChar char="•"/>
+            </a:pPr>
+            <a:r>
+              <a:rPr lang="en-US" dirty="0"/>
+              <a:t>Use the function ‘type()’ to display the data type of an element in python, Example:</a:t>
+            </a:r>
+          </a:p>
+          <a:p>
+            <a:pPr lvl="1">
+              <a:buFont typeface="Arial" panose="020B0604020202020204" pitchFamily="34" charset="0"/>
+              <a:buChar char="•"/>
+            </a:pPr>
+            <a:r>
+              <a:rPr lang="en-US" dirty="0"/>
+              <a:t>a = 123</a:t>
+            </a:r>
+          </a:p>
+          <a:p>
+            <a:pPr lvl="1">
+              <a:buFont typeface="Arial" panose="020B0604020202020204" pitchFamily="34" charset="0"/>
+              <a:buChar char="•"/>
+            </a:pPr>
+            <a:r>
+              <a:rPr lang="en-US" dirty="0"/>
+              <a:t>b = str(a)</a:t>
+            </a:r>
+          </a:p>
+          <a:p>
+            <a:pPr lvl="1">
+              <a:buFont typeface="Arial" panose="020B0604020202020204" pitchFamily="34" charset="0"/>
+              <a:buChar char="•"/>
+            </a:pPr>
+            <a:r>
+              <a:rPr lang="en-US" dirty="0"/>
+              <a:t>print(type(a))</a:t>
+            </a:r>
+          </a:p>
+          <a:p>
+            <a:pPr lvl="1">
+              <a:buFont typeface="Arial" panose="020B0604020202020204" pitchFamily="34" charset="0"/>
+              <a:buChar char="•"/>
+            </a:pPr>
+            <a:r>
+              <a:rPr lang="en-US" dirty="0"/>
+              <a:t>print(type(b))</a:t>
+            </a:r>
+          </a:p>
+          <a:p>
+            <a:pPr lvl="1">
+              <a:buFont typeface="Arial" panose="020B0604020202020204" pitchFamily="34" charset="0"/>
+              <a:buChar char="•"/>
+            </a:pPr>
+            <a:r>
+              <a:rPr lang="en-US" dirty="0"/>
+              <a:t>print(type(13/2))</a:t>
+            </a:r>
+          </a:p>
+          <a:p>
+            <a:pPr>
+              <a:buFont typeface="Arial" panose="020B0604020202020204" pitchFamily="34" charset="0"/>
+              <a:buChar char="•"/>
+            </a:pPr>
+            <a:r>
+              <a:rPr lang="en-US" b="1" dirty="0"/>
+              <a:t>Reference: </a:t>
+            </a:r>
+            <a:r>
+              <a:rPr lang="en-US" dirty="0">
+                <a:hlinkClick r:id="rId2"/>
+              </a:rPr>
+              <a:t>https://realpython.com/python-data-types/#type-conversion</a:t>
+            </a:r>
+            <a:endParaRPr lang="en-US" b="1" dirty="0"/>
           </a:p>
         </p:txBody>
       </p:sp>
     </p:spTree>
     <p:extLst>
       <p:ext uri="{BB962C8B-B14F-4D97-AF65-F5344CB8AC3E}">
-        <p14:creationId xmlns:p14="http://schemas.microsoft.com/office/powerpoint/2010/main" val="3897443872"/>
+        <p14:creationId xmlns:p14="http://schemas.microsoft.com/office/powerpoint/2010/main" val="860327508"/>
       </p:ext>
     </p:extLst>
   </p:cSld>
@@ -9725,7 +9970,7 @@
           <p:cNvPr id="2" name="Title 1">
             <a:extLst>
               <a:ext uri="{FF2B5EF4-FFF2-40B4-BE49-F238E27FC236}">
-                <a16:creationId xmlns:a16="http://schemas.microsoft.com/office/drawing/2014/main" id="{CDBD06D3-88E3-4BE5-8439-C79FFF73F09A}"/>
+                <a16:creationId xmlns:a16="http://schemas.microsoft.com/office/drawing/2014/main" id="{70EA47FF-71B7-4597-B2FE-40F3265E7CE2}"/>
               </a:ext>
             </a:extLst>
           </p:cNvPr>
@@ -9743,7 +9988,7 @@
           <a:p>
             <a:r>
               <a:rPr lang="en-US" dirty="0"/>
-              <a:t>Import Data Into a Notebook</a:t>
+              <a:t>Dataset &amp; Project</a:t>
             </a:r>
           </a:p>
         </p:txBody>
@@ -9753,7 +9998,7 @@
           <p:cNvPr id="3" name="Content Placeholder 2">
             <a:extLst>
               <a:ext uri="{FF2B5EF4-FFF2-40B4-BE49-F238E27FC236}">
-                <a16:creationId xmlns:a16="http://schemas.microsoft.com/office/drawing/2014/main" id="{C83481E4-4B31-425C-89CE-91C28032D5A8}"/>
+                <a16:creationId xmlns:a16="http://schemas.microsoft.com/office/drawing/2014/main" id="{9286C186-8AB4-45E7-BE97-29897C947C8E}"/>
               </a:ext>
             </a:extLst>
           </p:cNvPr>
@@ -9776,7 +10021,7 @@
     </p:spTree>
     <p:extLst>
       <p:ext uri="{BB962C8B-B14F-4D97-AF65-F5344CB8AC3E}">
-        <p14:creationId xmlns:p14="http://schemas.microsoft.com/office/powerpoint/2010/main" val="4203940414"/>
+        <p14:creationId xmlns:p14="http://schemas.microsoft.com/office/powerpoint/2010/main" val="3897443872"/>
       </p:ext>
     </p:extLst>
   </p:cSld>
@@ -9805,6 +10050,286 @@
       </p:grpSpPr>
       <p:sp>
         <p:nvSpPr>
+          <p:cNvPr id="10" name="Title 9">
+            <a:extLst>
+              <a:ext uri="{FF2B5EF4-FFF2-40B4-BE49-F238E27FC236}">
+                <a16:creationId xmlns:a16="http://schemas.microsoft.com/office/drawing/2014/main" id="{7748E78A-EF3B-43B7-9740-0359EB7691C6}"/>
+              </a:ext>
+            </a:extLst>
+          </p:cNvPr>
+          <p:cNvSpPr>
+            <a:spLocks noGrp="1"/>
+          </p:cNvSpPr>
+          <p:nvPr>
+            <p:ph type="title"/>
+          </p:nvPr>
+        </p:nvSpPr>
+        <p:spPr/>
+        <p:txBody>
+          <a:bodyPr/>
+          <a:lstStyle/>
+          <a:p>
+            <a:r>
+              <a:rPr lang="en-US" dirty="0"/>
+              <a:t>Automotive Terminology (FCA)</a:t>
+            </a:r>
+          </a:p>
+        </p:txBody>
+      </p:sp>
+      <p:sp>
+        <p:nvSpPr>
+          <p:cNvPr id="11" name="Content Placeholder 10">
+            <a:extLst>
+              <a:ext uri="{FF2B5EF4-FFF2-40B4-BE49-F238E27FC236}">
+                <a16:creationId xmlns:a16="http://schemas.microsoft.com/office/drawing/2014/main" id="{1F5F3F1D-FFDE-48D7-94FD-9058BC8BD901}"/>
+              </a:ext>
+            </a:extLst>
+          </p:cNvPr>
+          <p:cNvSpPr>
+            <a:spLocks noGrp="1"/>
+          </p:cNvSpPr>
+          <p:nvPr>
+            <p:ph idx="1"/>
+          </p:nvPr>
+        </p:nvSpPr>
+        <p:spPr>
+          <a:xfrm>
+            <a:off x="1097280" y="1845734"/>
+            <a:ext cx="10058400" cy="4279858"/>
+          </a:xfrm>
+        </p:spPr>
+        <p:txBody>
+          <a:bodyPr>
+            <a:normAutofit fontScale="77500" lnSpcReduction="20000"/>
+          </a:bodyPr>
+          <a:lstStyle/>
+          <a:p>
+            <a:r>
+              <a:rPr lang="en-US" dirty="0"/>
+              <a:t>Business Center : A geographic area of the country.  In North America, this is a grouping of US states.</a:t>
+            </a:r>
+          </a:p>
+          <a:p>
+            <a:r>
+              <a:rPr lang="en-US" dirty="0"/>
+              <a:t>DMA : Direct marketing area.  A smaller geographic area of the country.  Many to one relationship with Business Centers in the United States.  Usually contains several zip codes.</a:t>
+            </a:r>
+          </a:p>
+          <a:p>
+            <a:r>
+              <a:rPr lang="en-US" dirty="0"/>
+              <a:t>Segment: Subsets of all vehicles that describe the type of vehicle.  For example, the full-size truck segment contains all vehicles that are larger trucks.</a:t>
+            </a:r>
+          </a:p>
+          <a:p>
+            <a:r>
+              <a:rPr lang="en-US" dirty="0"/>
+              <a:t>Brand : A brand name for vehicles.  The largest grouping of vehicles outside of segment.  For example, Ram is a brand name of trucks and Jeep is a brand name of compact and mid-size SUVs. </a:t>
+            </a:r>
+          </a:p>
+          <a:p>
+            <a:r>
+              <a:rPr lang="en-US" dirty="0"/>
+              <a:t>SUV : Sport Utility Vehicle.</a:t>
+            </a:r>
+          </a:p>
+          <a:p>
+            <a:r>
+              <a:rPr lang="en-US" dirty="0"/>
+              <a:t>Nameplate : A specific vehicle that tells us and the consumer exactly what type of vehicle this is (minus trim and option distinctions).  For example, “Check out my Jeep Wrangler”.  </a:t>
+            </a:r>
+          </a:p>
+          <a:p>
+            <a:r>
+              <a:rPr lang="en-US" dirty="0"/>
+              <a:t>Trim (Model) : Within a nameplate, a name for the vehicle that distinguishes it from others with the same nameplate.  Usually, trims are differentiated by drive-train, size, and some options.</a:t>
+            </a:r>
+          </a:p>
+          <a:p>
+            <a:r>
+              <a:rPr lang="en-US" dirty="0"/>
+              <a:t>4WD/2WD : 4 Wheel drive and 2 Wheel Drive</a:t>
+            </a:r>
+          </a:p>
+          <a:p>
+            <a:r>
+              <a:rPr lang="en-US" dirty="0"/>
+              <a:t>Options / Features : Additions or alterations to a vehicle that set it apart from others in the same nameplate or sometimes the same trim.  For example, my Cherokee Laredo does not have weather-proof mud-flaps, but yours does.</a:t>
+            </a:r>
+          </a:p>
+        </p:txBody>
+      </p:sp>
+    </p:spTree>
+    <p:extLst>
+      <p:ext uri="{BB962C8B-B14F-4D97-AF65-F5344CB8AC3E}">
+        <p14:creationId xmlns:p14="http://schemas.microsoft.com/office/powerpoint/2010/main" val="339478889"/>
+      </p:ext>
+    </p:extLst>
+  </p:cSld>
+  <p:clrMapOvr>
+    <a:masterClrMapping/>
+  </p:clrMapOvr>
+</p:sld>
+</file>
+
+<file path=ppt/slides/slide17.xml><?xml version="1.0" encoding="utf-8"?>
+<p:sld xmlns:a="http://schemas.openxmlformats.org/drawingml/2006/main" xmlns:r="http://schemas.openxmlformats.org/officeDocument/2006/relationships" xmlns:p="http://schemas.openxmlformats.org/presentationml/2006/main">
+  <p:cSld>
+    <p:spTree>
+      <p:nvGrpSpPr>
+        <p:cNvPr id="1" name=""/>
+        <p:cNvGrpSpPr/>
+        <p:nvPr/>
+      </p:nvGrpSpPr>
+      <p:grpSpPr>
+        <a:xfrm>
+          <a:off x="0" y="0"/>
+          <a:ext cx="0" cy="0"/>
+          <a:chOff x="0" y="0"/>
+          <a:chExt cx="0" cy="0"/>
+        </a:xfrm>
+      </p:grpSpPr>
+      <p:sp>
+        <p:nvSpPr>
+          <p:cNvPr id="10" name="Title 9">
+            <a:extLst>
+              <a:ext uri="{FF2B5EF4-FFF2-40B4-BE49-F238E27FC236}">
+                <a16:creationId xmlns:a16="http://schemas.microsoft.com/office/drawing/2014/main" id="{7748E78A-EF3B-43B7-9740-0359EB7691C6}"/>
+              </a:ext>
+            </a:extLst>
+          </p:cNvPr>
+          <p:cNvSpPr>
+            <a:spLocks noGrp="1"/>
+          </p:cNvSpPr>
+          <p:nvPr>
+            <p:ph type="title"/>
+          </p:nvPr>
+        </p:nvSpPr>
+        <p:spPr/>
+        <p:txBody>
+          <a:bodyPr/>
+          <a:lstStyle/>
+          <a:p>
+            <a:r>
+              <a:rPr lang="en-US" dirty="0"/>
+              <a:t>Automotive Terminology (FCA)</a:t>
+            </a:r>
+          </a:p>
+        </p:txBody>
+      </p:sp>
+      <p:pic>
+        <p:nvPicPr>
+          <p:cNvPr id="4" name="Content Placeholder 3">
+            <a:extLst>
+              <a:ext uri="{FF2B5EF4-FFF2-40B4-BE49-F238E27FC236}">
+                <a16:creationId xmlns:a16="http://schemas.microsoft.com/office/drawing/2014/main" id="{6BF05BCD-5995-45E4-A27C-F57C50D00BF6}"/>
+              </a:ext>
+            </a:extLst>
+          </p:cNvPr>
+          <p:cNvPicPr>
+            <a:picLocks noGrp="1" noChangeAspect="1"/>
+          </p:cNvPicPr>
+          <p:nvPr>
+            <p:ph idx="1"/>
+          </p:nvPr>
+        </p:nvPicPr>
+        <p:blipFill>
+          <a:blip r:embed="rId2"/>
+          <a:stretch>
+            <a:fillRect/>
+          </a:stretch>
+        </p:blipFill>
+        <p:spPr>
+          <a:xfrm>
+            <a:off x="3275461" y="1846263"/>
+            <a:ext cx="5701403" cy="4022725"/>
+          </a:xfrm>
+          <a:prstGeom prst="rect">
+            <a:avLst/>
+          </a:prstGeom>
+        </p:spPr>
+      </p:pic>
+      <p:sp>
+        <p:nvSpPr>
+          <p:cNvPr id="5" name="Rectangle 4">
+            <a:extLst>
+              <a:ext uri="{FF2B5EF4-FFF2-40B4-BE49-F238E27FC236}">
+                <a16:creationId xmlns:a16="http://schemas.microsoft.com/office/drawing/2014/main" id="{EF30F32C-7B6F-4E69-87CA-9D6A7CDF1441}"/>
+              </a:ext>
+            </a:extLst>
+          </p:cNvPr>
+          <p:cNvSpPr/>
+          <p:nvPr/>
+        </p:nvSpPr>
+        <p:spPr>
+          <a:xfrm>
+            <a:off x="177554" y="5773255"/>
+            <a:ext cx="5359153" cy="798142"/>
+          </a:xfrm>
+          <a:prstGeom prst="rect">
+            <a:avLst/>
+          </a:prstGeom>
+        </p:spPr>
+        <p:style>
+          <a:lnRef idx="2">
+            <a:schemeClr val="accent1">
+              <a:shade val="50000"/>
+            </a:schemeClr>
+          </a:lnRef>
+          <a:fillRef idx="1">
+            <a:schemeClr val="accent1"/>
+          </a:fillRef>
+          <a:effectRef idx="0">
+            <a:schemeClr val="accent1"/>
+          </a:effectRef>
+          <a:fontRef idx="minor">
+            <a:schemeClr val="lt1"/>
+          </a:fontRef>
+        </p:style>
+        <p:txBody>
+          <a:bodyPr rtlCol="0" anchor="ctr"/>
+          <a:lstStyle/>
+          <a:p>
+            <a:pPr algn="ctr"/>
+            <a:r>
+              <a:rPr lang="en-US" dirty="0"/>
+              <a:t>Note: The word ‘Model’ appears more frequently than ‘Nameplate’.  This is probably the terminology used at other automotive companies.</a:t>
+            </a:r>
+          </a:p>
+        </p:txBody>
+      </p:sp>
+    </p:spTree>
+    <p:extLst>
+      <p:ext uri="{BB962C8B-B14F-4D97-AF65-F5344CB8AC3E}">
+        <p14:creationId xmlns:p14="http://schemas.microsoft.com/office/powerpoint/2010/main" val="844330101"/>
+      </p:ext>
+    </p:extLst>
+  </p:cSld>
+  <p:clrMapOvr>
+    <a:masterClrMapping/>
+  </p:clrMapOvr>
+</p:sld>
+</file>
+
+<file path=ppt/slides/slide18.xml><?xml version="1.0" encoding="utf-8"?>
+<p:sld xmlns:a="http://schemas.openxmlformats.org/drawingml/2006/main" xmlns:r="http://schemas.openxmlformats.org/officeDocument/2006/relationships" xmlns:p="http://schemas.openxmlformats.org/presentationml/2006/main">
+  <p:cSld>
+    <p:spTree>
+      <p:nvGrpSpPr>
+        <p:cNvPr id="1" name=""/>
+        <p:cNvGrpSpPr/>
+        <p:nvPr/>
+      </p:nvGrpSpPr>
+      <p:grpSpPr>
+        <a:xfrm>
+          <a:off x="0" y="0"/>
+          <a:ext cx="0" cy="0"/>
+          <a:chOff x="0" y="0"/>
+          <a:chExt cx="0" cy="0"/>
+        </a:xfrm>
+      </p:grpSpPr>
+      <p:sp>
+        <p:nvSpPr>
           <p:cNvPr id="2" name="Title 1">
             <a:extLst>
               <a:ext uri="{FF2B5EF4-FFF2-40B4-BE49-F238E27FC236}">
@@ -9826,7 +10351,7 @@
           <a:p>
             <a:r>
               <a:rPr lang="en-US" dirty="0"/>
-              <a:t>Exploratory Data Analysis</a:t>
+              <a:t>Exploratory Data Analysis (EDA)</a:t>
             </a:r>
           </a:p>
         </p:txBody>
@@ -9995,7 +10520,7 @@
 </p:sld>
 </file>
 
-<file path=ppt/slides/slide17.xml><?xml version="1.0" encoding="utf-8"?>
+<file path=ppt/slides/slide19.xml><?xml version="1.0" encoding="utf-8"?>
 <p:sld xmlns:a="http://schemas.openxmlformats.org/drawingml/2006/main" xmlns:r="http://schemas.openxmlformats.org/officeDocument/2006/relationships" xmlns:p="http://schemas.openxmlformats.org/presentationml/2006/main">
   <p:cSld>
     <p:spTree>
@@ -10194,7 +10719,93 @@
 </p:sld>
 </file>
 
-<file path=ppt/slides/slide18.xml><?xml version="1.0" encoding="utf-8"?>
+<file path=ppt/slides/slide2.xml><?xml version="1.0" encoding="utf-8"?>
+<p:sld xmlns:a="http://schemas.openxmlformats.org/drawingml/2006/main" xmlns:r="http://schemas.openxmlformats.org/officeDocument/2006/relationships" xmlns:p="http://schemas.openxmlformats.org/presentationml/2006/main">
+  <p:cSld>
+    <p:spTree>
+      <p:nvGrpSpPr>
+        <p:cNvPr id="1" name=""/>
+        <p:cNvGrpSpPr/>
+        <p:nvPr/>
+      </p:nvGrpSpPr>
+      <p:grpSpPr>
+        <a:xfrm>
+          <a:off x="0" y="0"/>
+          <a:ext cx="0" cy="0"/>
+          <a:chOff x="0" y="0"/>
+          <a:chExt cx="0" cy="0"/>
+        </a:xfrm>
+      </p:grpSpPr>
+      <p:sp>
+        <p:nvSpPr>
+          <p:cNvPr id="2" name="Title 1">
+            <a:extLst>
+              <a:ext uri="{FF2B5EF4-FFF2-40B4-BE49-F238E27FC236}">
+                <a16:creationId xmlns:a16="http://schemas.microsoft.com/office/drawing/2014/main" id="{CCF1B8C9-116F-4A45-AAE9-0C4E8F82CB72}"/>
+              </a:ext>
+            </a:extLst>
+          </p:cNvPr>
+          <p:cNvSpPr>
+            <a:spLocks noGrp="1"/>
+          </p:cNvSpPr>
+          <p:nvPr>
+            <p:ph type="title"/>
+          </p:nvPr>
+        </p:nvSpPr>
+        <p:spPr/>
+        <p:txBody>
+          <a:bodyPr/>
+          <a:lstStyle/>
+          <a:p>
+            <a:r>
+              <a:rPr lang="en-US" dirty="0"/>
+              <a:t>Week 1</a:t>
+            </a:r>
+          </a:p>
+        </p:txBody>
+      </p:sp>
+      <p:sp>
+        <p:nvSpPr>
+          <p:cNvPr id="3" name="Text Placeholder 2">
+            <a:extLst>
+              <a:ext uri="{FF2B5EF4-FFF2-40B4-BE49-F238E27FC236}">
+                <a16:creationId xmlns:a16="http://schemas.microsoft.com/office/drawing/2014/main" id="{F3350CBF-67BE-4241-950E-4CD3F3EC370A}"/>
+              </a:ext>
+            </a:extLst>
+          </p:cNvPr>
+          <p:cNvSpPr>
+            <a:spLocks noGrp="1"/>
+          </p:cNvSpPr>
+          <p:nvPr>
+            <p:ph type="body" idx="1"/>
+          </p:nvPr>
+        </p:nvSpPr>
+        <p:spPr/>
+        <p:txBody>
+          <a:bodyPr/>
+          <a:lstStyle/>
+          <a:p>
+            <a:r>
+              <a:rPr lang="en-US" dirty="0"/>
+              <a:t>Date: February 12, 2020</a:t>
+            </a:r>
+          </a:p>
+        </p:txBody>
+      </p:sp>
+    </p:spTree>
+    <p:extLst>
+      <p:ext uri="{BB962C8B-B14F-4D97-AF65-F5344CB8AC3E}">
+        <p14:creationId xmlns:p14="http://schemas.microsoft.com/office/powerpoint/2010/main" val="4136118483"/>
+      </p:ext>
+    </p:extLst>
+  </p:cSld>
+  <p:clrMapOvr>
+    <a:masterClrMapping/>
+  </p:clrMapOvr>
+</p:sld>
+</file>
+
+<file path=ppt/slides/slide20.xml><?xml version="1.0" encoding="utf-8"?>
 <p:sld xmlns:a="http://schemas.openxmlformats.org/drawingml/2006/main" xmlns:r="http://schemas.openxmlformats.org/officeDocument/2006/relationships" xmlns:p="http://schemas.openxmlformats.org/presentationml/2006/main">
   <p:cSld>
     <p:spTree>
@@ -10314,7 +10925,7 @@
 </p:sld>
 </file>
 
-<file path=ppt/slides/slide19.xml><?xml version="1.0" encoding="utf-8"?>
+<file path=ppt/slides/slide21.xml><?xml version="1.0" encoding="utf-8"?>
 <p:sld xmlns:a="http://schemas.openxmlformats.org/drawingml/2006/main" xmlns:r="http://schemas.openxmlformats.org/officeDocument/2006/relationships" xmlns:p="http://schemas.openxmlformats.org/presentationml/2006/main">
   <p:cSld>
     <p:spTree>
@@ -10464,403 +11075,6 @@
 </p:sld>
 </file>
 
-<file path=ppt/slides/slide2.xml><?xml version="1.0" encoding="utf-8"?>
-<p:sld xmlns:a="http://schemas.openxmlformats.org/drawingml/2006/main" xmlns:r="http://schemas.openxmlformats.org/officeDocument/2006/relationships" xmlns:p="http://schemas.openxmlformats.org/presentationml/2006/main">
-  <p:cSld>
-    <p:spTree>
-      <p:nvGrpSpPr>
-        <p:cNvPr id="1" name=""/>
-        <p:cNvGrpSpPr/>
-        <p:nvPr/>
-      </p:nvGrpSpPr>
-      <p:grpSpPr>
-        <a:xfrm>
-          <a:off x="0" y="0"/>
-          <a:ext cx="0" cy="0"/>
-          <a:chOff x="0" y="0"/>
-          <a:chExt cx="0" cy="0"/>
-        </a:xfrm>
-      </p:grpSpPr>
-      <p:sp>
-        <p:nvSpPr>
-          <p:cNvPr id="2" name="Title 1">
-            <a:extLst>
-              <a:ext uri="{FF2B5EF4-FFF2-40B4-BE49-F238E27FC236}">
-                <a16:creationId xmlns:a16="http://schemas.microsoft.com/office/drawing/2014/main" id="{CCF1B8C9-116F-4A45-AAE9-0C4E8F82CB72}"/>
-              </a:ext>
-            </a:extLst>
-          </p:cNvPr>
-          <p:cNvSpPr>
-            <a:spLocks noGrp="1"/>
-          </p:cNvSpPr>
-          <p:nvPr>
-            <p:ph type="title"/>
-          </p:nvPr>
-        </p:nvSpPr>
-        <p:spPr/>
-        <p:txBody>
-          <a:bodyPr/>
-          <a:lstStyle/>
-          <a:p>
-            <a:r>
-              <a:rPr lang="en-US" dirty="0"/>
-              <a:t>Week 1</a:t>
-            </a:r>
-          </a:p>
-        </p:txBody>
-      </p:sp>
-      <p:sp>
-        <p:nvSpPr>
-          <p:cNvPr id="3" name="Text Placeholder 2">
-            <a:extLst>
-              <a:ext uri="{FF2B5EF4-FFF2-40B4-BE49-F238E27FC236}">
-                <a16:creationId xmlns:a16="http://schemas.microsoft.com/office/drawing/2014/main" id="{F3350CBF-67BE-4241-950E-4CD3F3EC370A}"/>
-              </a:ext>
-            </a:extLst>
-          </p:cNvPr>
-          <p:cNvSpPr>
-            <a:spLocks noGrp="1"/>
-          </p:cNvSpPr>
-          <p:nvPr>
-            <p:ph type="body" idx="1"/>
-          </p:nvPr>
-        </p:nvSpPr>
-        <p:spPr/>
-        <p:txBody>
-          <a:bodyPr/>
-          <a:lstStyle/>
-          <a:p>
-            <a:r>
-              <a:rPr lang="en-US" dirty="0"/>
-              <a:t>Date: February 12, 2020</a:t>
-            </a:r>
-          </a:p>
-        </p:txBody>
-      </p:sp>
-    </p:spTree>
-    <p:extLst>
-      <p:ext uri="{BB962C8B-B14F-4D97-AF65-F5344CB8AC3E}">
-        <p14:creationId xmlns:p14="http://schemas.microsoft.com/office/powerpoint/2010/main" val="4136118483"/>
-      </p:ext>
-    </p:extLst>
-  </p:cSld>
-  <p:clrMapOvr>
-    <a:masterClrMapping/>
-  </p:clrMapOvr>
-</p:sld>
-</file>
-
-<file path=ppt/slides/slide20.xml><?xml version="1.0" encoding="utf-8"?>
-<p:sld xmlns:a="http://schemas.openxmlformats.org/drawingml/2006/main" xmlns:r="http://schemas.openxmlformats.org/officeDocument/2006/relationships" xmlns:p="http://schemas.openxmlformats.org/presentationml/2006/main">
-  <p:cSld>
-    <p:spTree>
-      <p:nvGrpSpPr>
-        <p:cNvPr id="1" name=""/>
-        <p:cNvGrpSpPr/>
-        <p:nvPr/>
-      </p:nvGrpSpPr>
-      <p:grpSpPr>
-        <a:xfrm>
-          <a:off x="0" y="0"/>
-          <a:ext cx="0" cy="0"/>
-          <a:chOff x="0" y="0"/>
-          <a:chExt cx="0" cy="0"/>
-        </a:xfrm>
-      </p:grpSpPr>
-      <p:sp>
-        <p:nvSpPr>
-          <p:cNvPr id="2" name="Title 1">
-            <a:extLst>
-              <a:ext uri="{FF2B5EF4-FFF2-40B4-BE49-F238E27FC236}">
-                <a16:creationId xmlns:a16="http://schemas.microsoft.com/office/drawing/2014/main" id="{D83BC794-59CF-46D2-8693-225034437C1F}"/>
-              </a:ext>
-            </a:extLst>
-          </p:cNvPr>
-          <p:cNvSpPr>
-            <a:spLocks noGrp="1"/>
-          </p:cNvSpPr>
-          <p:nvPr>
-            <p:ph type="title"/>
-          </p:nvPr>
-        </p:nvSpPr>
-        <p:spPr/>
-        <p:txBody>
-          <a:bodyPr/>
-          <a:lstStyle/>
-          <a:p>
-            <a:r>
-              <a:rPr lang="en-US" dirty="0"/>
-              <a:t>matplotlib</a:t>
-            </a:r>
-          </a:p>
-        </p:txBody>
-      </p:sp>
-      <p:sp>
-        <p:nvSpPr>
-          <p:cNvPr id="3" name="Content Placeholder 2">
-            <a:extLst>
-              <a:ext uri="{FF2B5EF4-FFF2-40B4-BE49-F238E27FC236}">
-                <a16:creationId xmlns:a16="http://schemas.microsoft.com/office/drawing/2014/main" id="{26D5009E-5FD5-42C1-8A1A-1B3D09E26A50}"/>
-              </a:ext>
-            </a:extLst>
-          </p:cNvPr>
-          <p:cNvSpPr>
-            <a:spLocks noGrp="1"/>
-          </p:cNvSpPr>
-          <p:nvPr>
-            <p:ph idx="1"/>
-          </p:nvPr>
-        </p:nvSpPr>
-        <p:spPr/>
-        <p:txBody>
-          <a:bodyPr/>
-          <a:lstStyle/>
-          <a:p>
-            <a:pPr>
-              <a:buFont typeface="Arial" panose="020B0604020202020204" pitchFamily="34" charset="0"/>
-              <a:buChar char="•"/>
-            </a:pPr>
-            <a:r>
-              <a:rPr lang="en-US" dirty="0"/>
-              <a:t>Common package for visualizing data using the Python coding language</a:t>
-            </a:r>
-          </a:p>
-          <a:p>
-            <a:pPr>
-              <a:buFont typeface="Arial" panose="020B0604020202020204" pitchFamily="34" charset="0"/>
-              <a:buChar char="•"/>
-            </a:pPr>
-            <a:r>
-              <a:rPr lang="en-US" dirty="0"/>
-              <a:t>Very manual to create visualization, but the user has full control</a:t>
-            </a:r>
-          </a:p>
-          <a:p>
-            <a:pPr>
-              <a:buFont typeface="Arial" panose="020B0604020202020204" pitchFamily="34" charset="0"/>
-              <a:buChar char="•"/>
-            </a:pPr>
-            <a:r>
-              <a:rPr lang="en-US" dirty="0"/>
-              <a:t>Good for quick plots, but not good for something like a dashboard</a:t>
-            </a:r>
-          </a:p>
-          <a:p>
-            <a:pPr>
-              <a:buFont typeface="Arial" panose="020B0604020202020204" pitchFamily="34" charset="0"/>
-              <a:buChar char="•"/>
-            </a:pPr>
-            <a:r>
-              <a:rPr lang="en-US" dirty="0"/>
-              <a:t>We’ll use this statement to import the package: “import </a:t>
-            </a:r>
-            <a:r>
-              <a:rPr lang="en-US" dirty="0" err="1"/>
-              <a:t>matplotlib.pyplot</a:t>
-            </a:r>
-            <a:r>
-              <a:rPr lang="en-US" dirty="0"/>
-              <a:t> as </a:t>
-            </a:r>
-            <a:r>
-              <a:rPr lang="en-US" dirty="0" err="1"/>
-              <a:t>plt</a:t>
-            </a:r>
-            <a:r>
-              <a:rPr lang="en-US" dirty="0"/>
-              <a:t>”</a:t>
-            </a:r>
-          </a:p>
-          <a:p>
-            <a:pPr>
-              <a:buFont typeface="Arial" panose="020B0604020202020204" pitchFamily="34" charset="0"/>
-              <a:buChar char="•"/>
-            </a:pPr>
-            <a:r>
-              <a:rPr lang="en-US" dirty="0"/>
-              <a:t>Reference: </a:t>
-            </a:r>
-            <a:r>
-              <a:rPr lang="en-US" dirty="0">
-                <a:hlinkClick r:id="rId2"/>
-              </a:rPr>
-              <a:t>https://matplotlib.org/</a:t>
-            </a:r>
-            <a:endParaRPr lang="en-US" dirty="0"/>
-          </a:p>
-          <a:p>
-            <a:pPr lvl="1">
-              <a:buFont typeface="Arial" panose="020B0604020202020204" pitchFamily="34" charset="0"/>
-              <a:buChar char="•"/>
-            </a:pPr>
-            <a:r>
-              <a:rPr lang="en-US" dirty="0"/>
-              <a:t>Check out the ‘tutorials’ section</a:t>
-            </a:r>
-          </a:p>
-          <a:p>
-            <a:endParaRPr lang="en-US" dirty="0"/>
-          </a:p>
-        </p:txBody>
-      </p:sp>
-    </p:spTree>
-    <p:extLst>
-      <p:ext uri="{BB962C8B-B14F-4D97-AF65-F5344CB8AC3E}">
-        <p14:creationId xmlns:p14="http://schemas.microsoft.com/office/powerpoint/2010/main" val="1032211112"/>
-      </p:ext>
-    </p:extLst>
-  </p:cSld>
-  <p:clrMapOvr>
-    <a:masterClrMapping/>
-  </p:clrMapOvr>
-</p:sld>
-</file>
-
-<file path=ppt/slides/slide21.xml><?xml version="1.0" encoding="utf-8"?>
-<p:sld xmlns:a="http://schemas.openxmlformats.org/drawingml/2006/main" xmlns:r="http://schemas.openxmlformats.org/officeDocument/2006/relationships" xmlns:p="http://schemas.openxmlformats.org/presentationml/2006/main">
-  <p:cSld>
-    <p:spTree>
-      <p:nvGrpSpPr>
-        <p:cNvPr id="1" name=""/>
-        <p:cNvGrpSpPr/>
-        <p:nvPr/>
-      </p:nvGrpSpPr>
-      <p:grpSpPr>
-        <a:xfrm>
-          <a:off x="0" y="0"/>
-          <a:ext cx="0" cy="0"/>
-          <a:chOff x="0" y="0"/>
-          <a:chExt cx="0" cy="0"/>
-        </a:xfrm>
-      </p:grpSpPr>
-      <p:sp>
-        <p:nvSpPr>
-          <p:cNvPr id="4" name="Title 3">
-            <a:extLst>
-              <a:ext uri="{FF2B5EF4-FFF2-40B4-BE49-F238E27FC236}">
-                <a16:creationId xmlns:a16="http://schemas.microsoft.com/office/drawing/2014/main" id="{304F8327-32D0-428A-9499-3ED1B6B0C9B2}"/>
-              </a:ext>
-            </a:extLst>
-          </p:cNvPr>
-          <p:cNvSpPr>
-            <a:spLocks noGrp="1"/>
-          </p:cNvSpPr>
-          <p:nvPr>
-            <p:ph type="title"/>
-          </p:nvPr>
-        </p:nvSpPr>
-        <p:spPr/>
-        <p:txBody>
-          <a:bodyPr/>
-          <a:lstStyle/>
-          <a:p>
-            <a:r>
-              <a:rPr lang="en-US" dirty="0"/>
-              <a:t>seaborn</a:t>
-            </a:r>
-          </a:p>
-        </p:txBody>
-      </p:sp>
-      <p:sp>
-        <p:nvSpPr>
-          <p:cNvPr id="5" name="Content Placeholder 4">
-            <a:extLst>
-              <a:ext uri="{FF2B5EF4-FFF2-40B4-BE49-F238E27FC236}">
-                <a16:creationId xmlns:a16="http://schemas.microsoft.com/office/drawing/2014/main" id="{3678B693-B13B-43B8-82D8-F7F963E03040}"/>
-              </a:ext>
-            </a:extLst>
-          </p:cNvPr>
-          <p:cNvSpPr>
-            <a:spLocks noGrp="1"/>
-          </p:cNvSpPr>
-          <p:nvPr>
-            <p:ph idx="1"/>
-          </p:nvPr>
-        </p:nvSpPr>
-        <p:spPr/>
-        <p:txBody>
-          <a:bodyPr/>
-          <a:lstStyle/>
-          <a:p>
-            <a:pPr>
-              <a:buFont typeface="Arial" panose="020B0604020202020204" pitchFamily="34" charset="0"/>
-              <a:buChar char="•"/>
-            </a:pPr>
-            <a:r>
-              <a:rPr lang="en-US" dirty="0"/>
-              <a:t>Another Python visualization package</a:t>
-            </a:r>
-          </a:p>
-          <a:p>
-            <a:pPr>
-              <a:buFont typeface="Arial" panose="020B0604020202020204" pitchFamily="34" charset="0"/>
-              <a:buChar char="•"/>
-            </a:pPr>
-            <a:r>
-              <a:rPr lang="en-US" dirty="0"/>
-              <a:t>Built upon the matplotlib library</a:t>
-            </a:r>
-          </a:p>
-          <a:p>
-            <a:pPr>
-              <a:buFont typeface="Arial" panose="020B0604020202020204" pitchFamily="34" charset="0"/>
-              <a:buChar char="•"/>
-            </a:pPr>
-            <a:r>
-              <a:rPr lang="en-US" dirty="0"/>
-              <a:t>Looks nicer (in my opinion)</a:t>
-            </a:r>
-          </a:p>
-          <a:p>
-            <a:pPr>
-              <a:buFont typeface="Arial" panose="020B0604020202020204" pitchFamily="34" charset="0"/>
-              <a:buChar char="•"/>
-            </a:pPr>
-            <a:r>
-              <a:rPr lang="en-US" dirty="0"/>
-              <a:t>We’ll use this statement to import seaborn: “import seaborn as </a:t>
-            </a:r>
-            <a:r>
-              <a:rPr lang="en-US" dirty="0" err="1"/>
-              <a:t>sns</a:t>
-            </a:r>
-            <a:r>
-              <a:rPr lang="en-US" dirty="0"/>
-              <a:t>”</a:t>
-            </a:r>
-          </a:p>
-          <a:p>
-            <a:pPr>
-              <a:buFont typeface="Arial" panose="020B0604020202020204" pitchFamily="34" charset="0"/>
-              <a:buChar char="•"/>
-            </a:pPr>
-            <a:r>
-              <a:rPr lang="en-US" dirty="0"/>
-              <a:t>Reference: </a:t>
-            </a:r>
-            <a:r>
-              <a:rPr lang="en-US" dirty="0">
-                <a:hlinkClick r:id="rId2"/>
-              </a:rPr>
-              <a:t>https://seaborn.pydata.org/</a:t>
-            </a:r>
-            <a:endParaRPr lang="en-US" dirty="0"/>
-          </a:p>
-        </p:txBody>
-      </p:sp>
-    </p:spTree>
-    <p:extLst>
-      <p:ext uri="{BB962C8B-B14F-4D97-AF65-F5344CB8AC3E}">
-        <p14:creationId xmlns:p14="http://schemas.microsoft.com/office/powerpoint/2010/main" val="2908695120"/>
-      </p:ext>
-    </p:extLst>
-  </p:cSld>
-  <p:clrMapOvr>
-    <a:masterClrMapping/>
-  </p:clrMapOvr>
-</p:sld>
-</file>
-
 <file path=ppt/slides/slide22.xml><?xml version="1.0" encoding="utf-8"?>
 <p:sld xmlns:a="http://schemas.openxmlformats.org/drawingml/2006/main" xmlns:r="http://schemas.openxmlformats.org/officeDocument/2006/relationships" xmlns:p="http://schemas.openxmlformats.org/presentationml/2006/main">
   <p:cSld>
@@ -10883,6 +11097,317 @@
           <p:cNvPr id="2" name="Title 1">
             <a:extLst>
               <a:ext uri="{FF2B5EF4-FFF2-40B4-BE49-F238E27FC236}">
+                <a16:creationId xmlns:a16="http://schemas.microsoft.com/office/drawing/2014/main" id="{D83BC794-59CF-46D2-8693-225034437C1F}"/>
+              </a:ext>
+            </a:extLst>
+          </p:cNvPr>
+          <p:cNvSpPr>
+            <a:spLocks noGrp="1"/>
+          </p:cNvSpPr>
+          <p:nvPr>
+            <p:ph type="title"/>
+          </p:nvPr>
+        </p:nvSpPr>
+        <p:spPr/>
+        <p:txBody>
+          <a:bodyPr/>
+          <a:lstStyle/>
+          <a:p>
+            <a:r>
+              <a:rPr lang="en-US" dirty="0"/>
+              <a:t>matplotlib</a:t>
+            </a:r>
+          </a:p>
+        </p:txBody>
+      </p:sp>
+      <p:sp>
+        <p:nvSpPr>
+          <p:cNvPr id="3" name="Content Placeholder 2">
+            <a:extLst>
+              <a:ext uri="{FF2B5EF4-FFF2-40B4-BE49-F238E27FC236}">
+                <a16:creationId xmlns:a16="http://schemas.microsoft.com/office/drawing/2014/main" id="{26D5009E-5FD5-42C1-8A1A-1B3D09E26A50}"/>
+              </a:ext>
+            </a:extLst>
+          </p:cNvPr>
+          <p:cNvSpPr>
+            <a:spLocks noGrp="1"/>
+          </p:cNvSpPr>
+          <p:nvPr>
+            <p:ph idx="1"/>
+          </p:nvPr>
+        </p:nvSpPr>
+        <p:spPr/>
+        <p:txBody>
+          <a:bodyPr/>
+          <a:lstStyle/>
+          <a:p>
+            <a:pPr>
+              <a:buFont typeface="Arial" panose="020B0604020202020204" pitchFamily="34" charset="0"/>
+              <a:buChar char="•"/>
+            </a:pPr>
+            <a:r>
+              <a:rPr lang="en-US" dirty="0"/>
+              <a:t>Common package for visualizing data using the Python coding language</a:t>
+            </a:r>
+          </a:p>
+          <a:p>
+            <a:pPr>
+              <a:buFont typeface="Arial" panose="020B0604020202020204" pitchFamily="34" charset="0"/>
+              <a:buChar char="•"/>
+            </a:pPr>
+            <a:r>
+              <a:rPr lang="en-US" dirty="0"/>
+              <a:t>Very manual to create visualization, but the user has full control</a:t>
+            </a:r>
+          </a:p>
+          <a:p>
+            <a:pPr>
+              <a:buFont typeface="Arial" panose="020B0604020202020204" pitchFamily="34" charset="0"/>
+              <a:buChar char="•"/>
+            </a:pPr>
+            <a:r>
+              <a:rPr lang="en-US" dirty="0"/>
+              <a:t>Good for quick plots, but not good for something like a dashboard</a:t>
+            </a:r>
+          </a:p>
+          <a:p>
+            <a:pPr>
+              <a:buFont typeface="Arial" panose="020B0604020202020204" pitchFamily="34" charset="0"/>
+              <a:buChar char="•"/>
+            </a:pPr>
+            <a:r>
+              <a:rPr lang="en-US" dirty="0"/>
+              <a:t>We’ll use this statement to import the package: “import </a:t>
+            </a:r>
+            <a:r>
+              <a:rPr lang="en-US" dirty="0" err="1"/>
+              <a:t>matplotlib.pyplot</a:t>
+            </a:r>
+            <a:r>
+              <a:rPr lang="en-US" dirty="0"/>
+              <a:t> as </a:t>
+            </a:r>
+            <a:r>
+              <a:rPr lang="en-US" dirty="0" err="1"/>
+              <a:t>plt</a:t>
+            </a:r>
+            <a:r>
+              <a:rPr lang="en-US" dirty="0"/>
+              <a:t>”</a:t>
+            </a:r>
+          </a:p>
+          <a:p>
+            <a:pPr>
+              <a:buFont typeface="Arial" panose="020B0604020202020204" pitchFamily="34" charset="0"/>
+              <a:buChar char="•"/>
+            </a:pPr>
+            <a:r>
+              <a:rPr lang="en-US" dirty="0"/>
+              <a:t>Reference: </a:t>
+            </a:r>
+            <a:r>
+              <a:rPr lang="en-US" dirty="0">
+                <a:hlinkClick r:id="rId2"/>
+              </a:rPr>
+              <a:t>https://matplotlib.org/</a:t>
+            </a:r>
+            <a:endParaRPr lang="en-US" dirty="0"/>
+          </a:p>
+          <a:p>
+            <a:pPr lvl="1">
+              <a:buFont typeface="Arial" panose="020B0604020202020204" pitchFamily="34" charset="0"/>
+              <a:buChar char="•"/>
+            </a:pPr>
+            <a:r>
+              <a:rPr lang="en-US" dirty="0"/>
+              <a:t>Check out the ‘tutorials’ section</a:t>
+            </a:r>
+          </a:p>
+          <a:p>
+            <a:endParaRPr lang="en-US" dirty="0"/>
+          </a:p>
+        </p:txBody>
+      </p:sp>
+    </p:spTree>
+    <p:extLst>
+      <p:ext uri="{BB962C8B-B14F-4D97-AF65-F5344CB8AC3E}">
+        <p14:creationId xmlns:p14="http://schemas.microsoft.com/office/powerpoint/2010/main" val="1032211112"/>
+      </p:ext>
+    </p:extLst>
+  </p:cSld>
+  <p:clrMapOvr>
+    <a:masterClrMapping/>
+  </p:clrMapOvr>
+</p:sld>
+</file>
+
+<file path=ppt/slides/slide23.xml><?xml version="1.0" encoding="utf-8"?>
+<p:sld xmlns:a="http://schemas.openxmlformats.org/drawingml/2006/main" xmlns:r="http://schemas.openxmlformats.org/officeDocument/2006/relationships" xmlns:p="http://schemas.openxmlformats.org/presentationml/2006/main">
+  <p:cSld>
+    <p:spTree>
+      <p:nvGrpSpPr>
+        <p:cNvPr id="1" name=""/>
+        <p:cNvGrpSpPr/>
+        <p:nvPr/>
+      </p:nvGrpSpPr>
+      <p:grpSpPr>
+        <a:xfrm>
+          <a:off x="0" y="0"/>
+          <a:ext cx="0" cy="0"/>
+          <a:chOff x="0" y="0"/>
+          <a:chExt cx="0" cy="0"/>
+        </a:xfrm>
+      </p:grpSpPr>
+      <p:sp>
+        <p:nvSpPr>
+          <p:cNvPr id="4" name="Title 3">
+            <a:extLst>
+              <a:ext uri="{FF2B5EF4-FFF2-40B4-BE49-F238E27FC236}">
+                <a16:creationId xmlns:a16="http://schemas.microsoft.com/office/drawing/2014/main" id="{304F8327-32D0-428A-9499-3ED1B6B0C9B2}"/>
+              </a:ext>
+            </a:extLst>
+          </p:cNvPr>
+          <p:cNvSpPr>
+            <a:spLocks noGrp="1"/>
+          </p:cNvSpPr>
+          <p:nvPr>
+            <p:ph type="title"/>
+          </p:nvPr>
+        </p:nvSpPr>
+        <p:spPr/>
+        <p:txBody>
+          <a:bodyPr/>
+          <a:lstStyle/>
+          <a:p>
+            <a:r>
+              <a:rPr lang="en-US" dirty="0"/>
+              <a:t>seaborn</a:t>
+            </a:r>
+          </a:p>
+        </p:txBody>
+      </p:sp>
+      <p:sp>
+        <p:nvSpPr>
+          <p:cNvPr id="5" name="Content Placeholder 4">
+            <a:extLst>
+              <a:ext uri="{FF2B5EF4-FFF2-40B4-BE49-F238E27FC236}">
+                <a16:creationId xmlns:a16="http://schemas.microsoft.com/office/drawing/2014/main" id="{3678B693-B13B-43B8-82D8-F7F963E03040}"/>
+              </a:ext>
+            </a:extLst>
+          </p:cNvPr>
+          <p:cNvSpPr>
+            <a:spLocks noGrp="1"/>
+          </p:cNvSpPr>
+          <p:nvPr>
+            <p:ph idx="1"/>
+          </p:nvPr>
+        </p:nvSpPr>
+        <p:spPr/>
+        <p:txBody>
+          <a:bodyPr/>
+          <a:lstStyle/>
+          <a:p>
+            <a:pPr>
+              <a:buFont typeface="Arial" panose="020B0604020202020204" pitchFamily="34" charset="0"/>
+              <a:buChar char="•"/>
+            </a:pPr>
+            <a:r>
+              <a:rPr lang="en-US" dirty="0"/>
+              <a:t>Another Python visualization package</a:t>
+            </a:r>
+          </a:p>
+          <a:p>
+            <a:pPr>
+              <a:buFont typeface="Arial" panose="020B0604020202020204" pitchFamily="34" charset="0"/>
+              <a:buChar char="•"/>
+            </a:pPr>
+            <a:r>
+              <a:rPr lang="en-US" dirty="0"/>
+              <a:t>Built upon the matplotlib library</a:t>
+            </a:r>
+          </a:p>
+          <a:p>
+            <a:pPr>
+              <a:buFont typeface="Arial" panose="020B0604020202020204" pitchFamily="34" charset="0"/>
+              <a:buChar char="•"/>
+            </a:pPr>
+            <a:r>
+              <a:rPr lang="en-US" dirty="0"/>
+              <a:t>Looks nicer (in my opinion)</a:t>
+            </a:r>
+          </a:p>
+          <a:p>
+            <a:pPr>
+              <a:buFont typeface="Arial" panose="020B0604020202020204" pitchFamily="34" charset="0"/>
+              <a:buChar char="•"/>
+            </a:pPr>
+            <a:r>
+              <a:rPr lang="en-US" dirty="0"/>
+              <a:t>We’ll use this statement to import seaborn: “import seaborn as </a:t>
+            </a:r>
+            <a:r>
+              <a:rPr lang="en-US" dirty="0" err="1"/>
+              <a:t>sns</a:t>
+            </a:r>
+            <a:r>
+              <a:rPr lang="en-US" dirty="0"/>
+              <a:t>”</a:t>
+            </a:r>
+          </a:p>
+          <a:p>
+            <a:pPr>
+              <a:buFont typeface="Arial" panose="020B0604020202020204" pitchFamily="34" charset="0"/>
+              <a:buChar char="•"/>
+            </a:pPr>
+            <a:r>
+              <a:rPr lang="en-US" dirty="0"/>
+              <a:t>Reference: </a:t>
+            </a:r>
+            <a:r>
+              <a:rPr lang="en-US" dirty="0">
+                <a:hlinkClick r:id="rId2"/>
+              </a:rPr>
+              <a:t>https://seaborn.pydata.org/</a:t>
+            </a:r>
+            <a:endParaRPr lang="en-US" dirty="0"/>
+          </a:p>
+        </p:txBody>
+      </p:sp>
+    </p:spTree>
+    <p:extLst>
+      <p:ext uri="{BB962C8B-B14F-4D97-AF65-F5344CB8AC3E}">
+        <p14:creationId xmlns:p14="http://schemas.microsoft.com/office/powerpoint/2010/main" val="2908695120"/>
+      </p:ext>
+    </p:extLst>
+  </p:cSld>
+  <p:clrMapOvr>
+    <a:masterClrMapping/>
+  </p:clrMapOvr>
+</p:sld>
+</file>
+
+<file path=ppt/slides/slide24.xml><?xml version="1.0" encoding="utf-8"?>
+<p:sld xmlns:a="http://schemas.openxmlformats.org/drawingml/2006/main" xmlns:r="http://schemas.openxmlformats.org/officeDocument/2006/relationships" xmlns:p="http://schemas.openxmlformats.org/presentationml/2006/main">
+  <p:cSld>
+    <p:spTree>
+      <p:nvGrpSpPr>
+        <p:cNvPr id="1" name=""/>
+        <p:cNvGrpSpPr/>
+        <p:nvPr/>
+      </p:nvGrpSpPr>
+      <p:grpSpPr>
+        <a:xfrm>
+          <a:off x="0" y="0"/>
+          <a:ext cx="0" cy="0"/>
+          <a:chOff x="0" y="0"/>
+          <a:chExt cx="0" cy="0"/>
+        </a:xfrm>
+      </p:grpSpPr>
+      <p:sp>
+        <p:nvSpPr>
+          <p:cNvPr id="2" name="Title 1">
+            <a:extLst>
+              <a:ext uri="{FF2B5EF4-FFF2-40B4-BE49-F238E27FC236}">
                 <a16:creationId xmlns:a16="http://schemas.microsoft.com/office/drawing/2014/main" id="{28AC764C-A601-4D02-90C6-754639B6D5D9}"/>
               </a:ext>
             </a:extLst>
@@ -10922,7 +11447,12 @@
             <p:ph idx="1"/>
           </p:nvPr>
         </p:nvSpPr>
-        <p:spPr/>
+        <p:spPr>
+          <a:xfrm>
+            <a:off x="1097280" y="1845734"/>
+            <a:ext cx="5646251" cy="4023360"/>
+          </a:xfrm>
+        </p:spPr>
         <p:txBody>
           <a:bodyPr/>
           <a:lstStyle/>
@@ -10970,12 +11500,90 @@
               <a:rPr lang="en-US" dirty="0"/>
               <a:t>Avoid distorting what the data is telling you</a:t>
             </a:r>
+          </a:p>
+          <a:p>
+            <a:pPr marL="457200" indent="-457200">
+              <a:buAutoNum type="arabicPeriod"/>
+            </a:pPr>
             <a:endParaRPr lang="en-US" dirty="0">
               <a:hlinkClick r:id="rId2"/>
             </a:endParaRPr>
           </a:p>
-        </p:txBody>
-      </p:sp>
+          <a:p>
+            <a:pPr marL="0" indent="0">
+              <a:buNone/>
+            </a:pPr>
+            <a:r>
+              <a:rPr lang="en-US" dirty="0">
+                <a:hlinkClick r:id="rId2"/>
+              </a:rPr>
+              <a:t>Reference: Janis Gulbis </a:t>
+            </a:r>
+            <a:r>
+              <a:rPr lang="en-US" dirty="0">
+                <a:hlinkClick r:id="rId3"/>
+              </a:rPr>
+              <a:t>https://eazybi.com/blog/data_visualization_and_chart_types/</a:t>
+            </a:r>
+            <a:endParaRPr lang="en-US" dirty="0"/>
+          </a:p>
+          <a:p>
+            <a:pPr marL="0" indent="0">
+              <a:buNone/>
+            </a:pPr>
+            <a:endParaRPr lang="en-US" dirty="0">
+              <a:hlinkClick r:id="rId2"/>
+            </a:endParaRPr>
+          </a:p>
+        </p:txBody>
+      </p:sp>
+      <p:pic>
+        <p:nvPicPr>
+          <p:cNvPr id="1026" name="Picture 2" descr="Post image">
+            <a:extLst>
+              <a:ext uri="{FF2B5EF4-FFF2-40B4-BE49-F238E27FC236}">
+                <a16:creationId xmlns:a16="http://schemas.microsoft.com/office/drawing/2014/main" id="{E030FDB5-A088-4047-AE12-48A21DEED50B}"/>
+              </a:ext>
+            </a:extLst>
+          </p:cNvPr>
+          <p:cNvPicPr>
+            <a:picLocks noChangeAspect="1" noChangeArrowheads="1"/>
+          </p:cNvPicPr>
+          <p:nvPr/>
+        </p:nvPicPr>
+        <p:blipFill>
+          <a:blip r:embed="rId4">
+            <a:extLst>
+              <a:ext uri="{28A0092B-C50C-407E-A947-70E740481C1C}">
+                <a14:useLocalDpi xmlns:a14="http://schemas.microsoft.com/office/drawing/2010/main" val="0"/>
+              </a:ext>
+            </a:extLst>
+          </a:blip>
+          <a:srcRect/>
+          <a:stretch>
+            <a:fillRect/>
+          </a:stretch>
+        </p:blipFill>
+        <p:spPr bwMode="auto">
+          <a:xfrm>
+            <a:off x="6743531" y="1845734"/>
+            <a:ext cx="4351189" cy="4023360"/>
+          </a:xfrm>
+          <a:prstGeom prst="rect">
+            <a:avLst/>
+          </a:prstGeom>
+          <a:noFill/>
+          <a:extLst>
+            <a:ext uri="{909E8E84-426E-40DD-AFC4-6F175D3DCCD1}">
+              <a14:hiddenFill xmlns:a14="http://schemas.microsoft.com/office/drawing/2010/main">
+                <a:solidFill>
+                  <a:srgbClr val="FFFFFF"/>
+                </a:solidFill>
+              </a14:hiddenFill>
+            </a:ext>
+          </a:extLst>
+        </p:spPr>
+      </p:pic>
     </p:spTree>
     <p:extLst>
       <p:ext uri="{BB962C8B-B14F-4D97-AF65-F5344CB8AC3E}">
@@ -10989,7 +11597,7 @@
 </p:sld>
 </file>
 
-<file path=ppt/slides/slide23.xml><?xml version="1.0" encoding="utf-8"?>
+<file path=ppt/slides/slide25.xml><?xml version="1.0" encoding="utf-8"?>
 <p:sld xmlns:a="http://schemas.openxmlformats.org/drawingml/2006/main" xmlns:r="http://schemas.openxmlformats.org/officeDocument/2006/relationships" xmlns:p="http://schemas.openxmlformats.org/presentationml/2006/main">
   <p:cSld>
     <p:spTree>
@@ -11212,314 +11820,6 @@
 </p:sld>
 </file>
 
-<file path=ppt/slides/slide24.xml><?xml version="1.0" encoding="utf-8"?>
-<p:sld xmlns:a="http://schemas.openxmlformats.org/drawingml/2006/main" xmlns:r="http://schemas.openxmlformats.org/officeDocument/2006/relationships" xmlns:p="http://schemas.openxmlformats.org/presentationml/2006/main">
-  <p:cSld>
-    <p:spTree>
-      <p:nvGrpSpPr>
-        <p:cNvPr id="1" name=""/>
-        <p:cNvGrpSpPr/>
-        <p:nvPr/>
-      </p:nvGrpSpPr>
-      <p:grpSpPr>
-        <a:xfrm>
-          <a:off x="0" y="0"/>
-          <a:ext cx="0" cy="0"/>
-          <a:chOff x="0" y="0"/>
-          <a:chExt cx="0" cy="0"/>
-        </a:xfrm>
-      </p:grpSpPr>
-      <p:sp>
-        <p:nvSpPr>
-          <p:cNvPr id="2" name="Title 1">
-            <a:extLst>
-              <a:ext uri="{FF2B5EF4-FFF2-40B4-BE49-F238E27FC236}">
-                <a16:creationId xmlns:a16="http://schemas.microsoft.com/office/drawing/2014/main" id="{37F47C21-4937-4FE1-BE59-56D978F65B8D}"/>
-              </a:ext>
-            </a:extLst>
-          </p:cNvPr>
-          <p:cNvSpPr>
-            <a:spLocks noGrp="1"/>
-          </p:cNvSpPr>
-          <p:nvPr>
-            <p:ph type="title"/>
-          </p:nvPr>
-        </p:nvSpPr>
-        <p:spPr/>
-        <p:txBody>
-          <a:bodyPr/>
-          <a:lstStyle/>
-          <a:p>
-            <a:r>
-              <a:rPr lang="en-US" dirty="0"/>
-              <a:t>Homework (Due March 4, 2020)</a:t>
-            </a:r>
-          </a:p>
-        </p:txBody>
-      </p:sp>
-      <p:sp>
-        <p:nvSpPr>
-          <p:cNvPr id="3" name="Content Placeholder 2">
-            <a:extLst>
-              <a:ext uri="{FF2B5EF4-FFF2-40B4-BE49-F238E27FC236}">
-                <a16:creationId xmlns:a16="http://schemas.microsoft.com/office/drawing/2014/main" id="{4BA640D3-C44B-4A6D-8102-C32143FBADEB}"/>
-              </a:ext>
-            </a:extLst>
-          </p:cNvPr>
-          <p:cNvSpPr>
-            <a:spLocks noGrp="1"/>
-          </p:cNvSpPr>
-          <p:nvPr>
-            <p:ph idx="1"/>
-          </p:nvPr>
-        </p:nvSpPr>
-        <p:spPr/>
-        <p:txBody>
-          <a:bodyPr/>
-          <a:lstStyle/>
-          <a:p>
-            <a:pPr>
-              <a:buFont typeface="Arial" panose="020B0604020202020204" pitchFamily="34" charset="0"/>
-              <a:buChar char="•"/>
-            </a:pPr>
-            <a:r>
-              <a:rPr lang="en-US" dirty="0"/>
-              <a:t>Exploratory Data </a:t>
-            </a:r>
-            <a:r>
-              <a:rPr lang="en-US" dirty="0" err="1"/>
-              <a:t>Analysis.ipynb</a:t>
-            </a:r>
-            <a:endParaRPr lang="en-US" dirty="0"/>
-          </a:p>
-          <a:p>
-            <a:pPr lvl="1">
-              <a:buFont typeface="Arial" panose="020B0604020202020204" pitchFamily="34" charset="0"/>
-              <a:buChar char="•"/>
-            </a:pPr>
-            <a:r>
-              <a:rPr lang="en-US" dirty="0"/>
-              <a:t>Complete and upload to </a:t>
-            </a:r>
-            <a:r>
-              <a:rPr lang="en-US" dirty="0" err="1"/>
-              <a:t>github</a:t>
-            </a:r>
-            <a:endParaRPr lang="en-US" dirty="0"/>
-          </a:p>
-          <a:p>
-            <a:pPr lvl="1">
-              <a:buFont typeface="Arial" panose="020B0604020202020204" pitchFamily="34" charset="0"/>
-              <a:buChar char="•"/>
-            </a:pPr>
-            <a:r>
-              <a:rPr lang="en-US" dirty="0"/>
-              <a:t>Add your name to submitted document</a:t>
-            </a:r>
-          </a:p>
-          <a:p>
-            <a:pPr>
-              <a:buFont typeface="Arial" panose="020B0604020202020204" pitchFamily="34" charset="0"/>
-              <a:buChar char="•"/>
-            </a:pPr>
-            <a:r>
-              <a:rPr lang="en-US" dirty="0"/>
-              <a:t>Simple </a:t>
-            </a:r>
-            <a:r>
-              <a:rPr lang="en-US" dirty="0" err="1"/>
-              <a:t>Viz.ipynb</a:t>
-            </a:r>
-            <a:endParaRPr lang="en-US" dirty="0"/>
-          </a:p>
-          <a:p>
-            <a:pPr lvl="1">
-              <a:buFont typeface="Arial" panose="020B0604020202020204" pitchFamily="34" charset="0"/>
-              <a:buChar char="•"/>
-            </a:pPr>
-            <a:r>
-              <a:rPr lang="en-US" dirty="0"/>
-              <a:t>Complete and upload to </a:t>
-            </a:r>
-            <a:r>
-              <a:rPr lang="en-US" dirty="0" err="1"/>
-              <a:t>github</a:t>
-            </a:r>
-            <a:endParaRPr lang="en-US" dirty="0"/>
-          </a:p>
-          <a:p>
-            <a:pPr lvl="1">
-              <a:buFont typeface="Arial" panose="020B0604020202020204" pitchFamily="34" charset="0"/>
-              <a:buChar char="•"/>
-            </a:pPr>
-            <a:r>
-              <a:rPr lang="en-US" dirty="0"/>
-              <a:t>Add your name to </a:t>
-            </a:r>
-            <a:r>
-              <a:rPr lang="en-US"/>
-              <a:t>submitted document</a:t>
-            </a:r>
-            <a:endParaRPr lang="en-US" dirty="0"/>
-          </a:p>
-          <a:p>
-            <a:pPr>
-              <a:buFont typeface="Arial" panose="020B0604020202020204" pitchFamily="34" charset="0"/>
-              <a:buChar char="•"/>
-            </a:pPr>
-            <a:r>
-              <a:rPr lang="en-US" dirty="0"/>
-              <a:t>Advanced </a:t>
-            </a:r>
-            <a:r>
-              <a:rPr lang="en-US" dirty="0" err="1"/>
-              <a:t>Viz.ipynb</a:t>
-            </a:r>
-            <a:endParaRPr lang="en-US" dirty="0"/>
-          </a:p>
-          <a:p>
-            <a:pPr lvl="1">
-              <a:buFont typeface="Arial" panose="020B0604020202020204" pitchFamily="34" charset="0"/>
-              <a:buChar char="•"/>
-            </a:pPr>
-            <a:r>
-              <a:rPr lang="en-US" dirty="0"/>
-              <a:t>Complete and upload to </a:t>
-            </a:r>
-            <a:r>
-              <a:rPr lang="en-US" dirty="0" err="1"/>
-              <a:t>github</a:t>
-            </a:r>
-            <a:endParaRPr lang="en-US" dirty="0"/>
-          </a:p>
-          <a:p>
-            <a:pPr lvl="1">
-              <a:buFont typeface="Arial" panose="020B0604020202020204" pitchFamily="34" charset="0"/>
-              <a:buChar char="•"/>
-            </a:pPr>
-            <a:r>
-              <a:rPr lang="en-US" dirty="0"/>
-              <a:t>Add your name to submitted document</a:t>
-            </a:r>
-          </a:p>
-          <a:p>
-            <a:pPr>
-              <a:buFont typeface="Arial" panose="020B0604020202020204" pitchFamily="34" charset="0"/>
-              <a:buChar char="•"/>
-            </a:pPr>
-            <a:endParaRPr lang="en-US" dirty="0"/>
-          </a:p>
-          <a:p>
-            <a:pPr>
-              <a:buFont typeface="Arial" panose="020B0604020202020204" pitchFamily="34" charset="0"/>
-              <a:buChar char="•"/>
-            </a:pPr>
-            <a:endParaRPr lang="en-US" dirty="0"/>
-          </a:p>
-        </p:txBody>
-      </p:sp>
-    </p:spTree>
-    <p:extLst>
-      <p:ext uri="{BB962C8B-B14F-4D97-AF65-F5344CB8AC3E}">
-        <p14:creationId xmlns:p14="http://schemas.microsoft.com/office/powerpoint/2010/main" val="2044682864"/>
-      </p:ext>
-    </p:extLst>
-  </p:cSld>
-  <p:clrMapOvr>
-    <a:masterClrMapping/>
-  </p:clrMapOvr>
-</p:sld>
-</file>
-
-<file path=ppt/slides/slide25.xml><?xml version="1.0" encoding="utf-8"?>
-<p:sld xmlns:a="http://schemas.openxmlformats.org/drawingml/2006/main" xmlns:r="http://schemas.openxmlformats.org/officeDocument/2006/relationships" xmlns:p="http://schemas.openxmlformats.org/presentationml/2006/main">
-  <p:cSld>
-    <p:spTree>
-      <p:nvGrpSpPr>
-        <p:cNvPr id="1" name=""/>
-        <p:cNvGrpSpPr/>
-        <p:nvPr/>
-      </p:nvGrpSpPr>
-      <p:grpSpPr>
-        <a:xfrm>
-          <a:off x="0" y="0"/>
-          <a:ext cx="0" cy="0"/>
-          <a:chOff x="0" y="0"/>
-          <a:chExt cx="0" cy="0"/>
-        </a:xfrm>
-      </p:grpSpPr>
-      <p:sp>
-        <p:nvSpPr>
-          <p:cNvPr id="2" name="Title 1">
-            <a:extLst>
-              <a:ext uri="{FF2B5EF4-FFF2-40B4-BE49-F238E27FC236}">
-                <a16:creationId xmlns:a16="http://schemas.microsoft.com/office/drawing/2014/main" id="{AD2860B2-7C83-4A55-8E7E-7A4B069D4A7E}"/>
-              </a:ext>
-            </a:extLst>
-          </p:cNvPr>
-          <p:cNvSpPr>
-            <a:spLocks noGrp="1"/>
-          </p:cNvSpPr>
-          <p:nvPr>
-            <p:ph type="title"/>
-          </p:nvPr>
-        </p:nvSpPr>
-        <p:spPr/>
-        <p:txBody>
-          <a:bodyPr/>
-          <a:lstStyle/>
-          <a:p>
-            <a:r>
-              <a:rPr lang="en-US" dirty="0"/>
-              <a:t>Week 3</a:t>
-            </a:r>
-          </a:p>
-        </p:txBody>
-      </p:sp>
-      <p:sp>
-        <p:nvSpPr>
-          <p:cNvPr id="3" name="Text Placeholder 2">
-            <a:extLst>
-              <a:ext uri="{FF2B5EF4-FFF2-40B4-BE49-F238E27FC236}">
-                <a16:creationId xmlns:a16="http://schemas.microsoft.com/office/drawing/2014/main" id="{274FDD8D-BBB7-47AC-AD7F-DF359A4A9736}"/>
-              </a:ext>
-            </a:extLst>
-          </p:cNvPr>
-          <p:cNvSpPr>
-            <a:spLocks noGrp="1"/>
-          </p:cNvSpPr>
-          <p:nvPr>
-            <p:ph type="body" idx="1"/>
-          </p:nvPr>
-        </p:nvSpPr>
-        <p:spPr/>
-        <p:txBody>
-          <a:bodyPr/>
-          <a:lstStyle/>
-          <a:p>
-            <a:r>
-              <a:rPr lang="en-US" dirty="0"/>
-              <a:t>Date: March 4, 2020</a:t>
-            </a:r>
-          </a:p>
-          <a:p>
-            <a:endParaRPr lang="en-US" dirty="0"/>
-          </a:p>
-        </p:txBody>
-      </p:sp>
-    </p:spTree>
-    <p:extLst>
-      <p:ext uri="{BB962C8B-B14F-4D97-AF65-F5344CB8AC3E}">
-        <p14:creationId xmlns:p14="http://schemas.microsoft.com/office/powerpoint/2010/main" val="3064873116"/>
-      </p:ext>
-    </p:extLst>
-  </p:cSld>
-  <p:clrMapOvr>
-    <a:masterClrMapping/>
-  </p:clrMapOvr>
-</p:sld>
-</file>
-
 <file path=ppt/slides/slide26.xml><?xml version="1.0" encoding="utf-8"?>
 <p:sld xmlns:a="http://schemas.openxmlformats.org/drawingml/2006/main" xmlns:r="http://schemas.openxmlformats.org/officeDocument/2006/relationships" xmlns:p="http://schemas.openxmlformats.org/presentationml/2006/main">
   <p:cSld>
@@ -11542,7 +11842,7 @@
           <p:cNvPr id="2" name="Title 1">
             <a:extLst>
               <a:ext uri="{FF2B5EF4-FFF2-40B4-BE49-F238E27FC236}">
-                <a16:creationId xmlns:a16="http://schemas.microsoft.com/office/drawing/2014/main" id="{7289EF6B-8AB6-4186-AF09-0D50FE1BB9FD}"/>
+                <a16:creationId xmlns:a16="http://schemas.microsoft.com/office/drawing/2014/main" id="{CEE8DD3F-65C2-456B-9F71-C4E29FFF53CD}"/>
               </a:ext>
             </a:extLst>
           </p:cNvPr>
@@ -11560,7 +11860,7 @@
           <a:p>
             <a:r>
               <a:rPr lang="en-US" dirty="0"/>
-              <a:t>Overview</a:t>
+              <a:t>Practice - Notebook</a:t>
             </a:r>
           </a:p>
         </p:txBody>
@@ -11570,7 +11870,7 @@
           <p:cNvPr id="3" name="Content Placeholder 2">
             <a:extLst>
               <a:ext uri="{FF2B5EF4-FFF2-40B4-BE49-F238E27FC236}">
-                <a16:creationId xmlns:a16="http://schemas.microsoft.com/office/drawing/2014/main" id="{E8A26BB2-24A8-43EF-9A59-9E9533F17D85}"/>
+                <a16:creationId xmlns:a16="http://schemas.microsoft.com/office/drawing/2014/main" id="{DCB7ECE7-4E83-4C09-A3FF-A15AEE852085}"/>
               </a:ext>
             </a:extLst>
           </p:cNvPr>
@@ -11586,35 +11886,14 @@
           <a:bodyPr/>
           <a:lstStyle/>
           <a:p>
-            <a:r>
-              <a:rPr lang="en-US" dirty="0"/>
-              <a:t>Grouping and merging statements - helpful for SQL</a:t>
-            </a:r>
-          </a:p>
-          <a:p>
-            <a:r>
-              <a:rPr lang="en-US" dirty="0"/>
-              <a:t>Custom functions to create new columns</a:t>
-            </a:r>
-          </a:p>
-          <a:p>
-            <a:r>
-              <a:rPr lang="en-US" dirty="0"/>
-              <a:t>Data cleaning- imputation and null values</a:t>
-            </a:r>
-          </a:p>
-          <a:p>
-            <a:r>
-              <a:rPr lang="en-US" dirty="0"/>
-              <a:t>Begin transformation pipeline</a:t>
-            </a:r>
+            <a:endParaRPr lang="en-US"/>
           </a:p>
         </p:txBody>
       </p:sp>
     </p:spTree>
     <p:extLst>
       <p:ext uri="{BB962C8B-B14F-4D97-AF65-F5344CB8AC3E}">
-        <p14:creationId xmlns:p14="http://schemas.microsoft.com/office/powerpoint/2010/main" val="3238083214"/>
+        <p14:creationId xmlns:p14="http://schemas.microsoft.com/office/powerpoint/2010/main" val="1036765499"/>
       </p:ext>
     </p:extLst>
   </p:cSld>
@@ -11646,7 +11925,7 @@
           <p:cNvPr id="2" name="Title 1">
             <a:extLst>
               <a:ext uri="{FF2B5EF4-FFF2-40B4-BE49-F238E27FC236}">
-                <a16:creationId xmlns:a16="http://schemas.microsoft.com/office/drawing/2014/main" id="{48B3797D-D25F-4519-BBBD-CA9CE8C6C2ED}"/>
+                <a16:creationId xmlns:a16="http://schemas.microsoft.com/office/drawing/2014/main" id="{37F47C21-4937-4FE1-BE59-56D978F65B8D}"/>
               </a:ext>
             </a:extLst>
           </p:cNvPr>
@@ -11659,14 +11938,12 @@
         </p:nvSpPr>
         <p:spPr/>
         <p:txBody>
-          <a:bodyPr>
-            <a:normAutofit/>
-          </a:bodyPr>
+          <a:bodyPr/>
           <a:lstStyle/>
           <a:p>
             <a:r>
               <a:rPr lang="en-US" dirty="0"/>
-              <a:t>Merges, Joins, Concatenation, and Appending….what’s the difference?</a:t>
+              <a:t>Homework (Due March 4, 2020)</a:t>
             </a:r>
           </a:p>
         </p:txBody>
@@ -11676,7 +11953,7 @@
           <p:cNvPr id="3" name="Content Placeholder 2">
             <a:extLst>
               <a:ext uri="{FF2B5EF4-FFF2-40B4-BE49-F238E27FC236}">
-                <a16:creationId xmlns:a16="http://schemas.microsoft.com/office/drawing/2014/main" id="{871D611E-F048-4388-BAFB-2958B0046040}"/>
+                <a16:creationId xmlns:a16="http://schemas.microsoft.com/office/drawing/2014/main" id="{4BA640D3-C44B-4A6D-8102-C32143FBADEB}"/>
               </a:ext>
             </a:extLst>
           </p:cNvPr>
@@ -11692,31 +11969,142 @@
           <a:bodyPr/>
           <a:lstStyle/>
           <a:p>
-            <a:r>
-              <a:rPr lang="en-US" dirty="0"/>
-              <a:t>What is the difference?</a:t>
-            </a:r>
-          </a:p>
-          <a:p>
-            <a:r>
-              <a:rPr lang="en-US" dirty="0"/>
-              <a:t>Why do we care about any of these?</a:t>
-            </a:r>
-          </a:p>
-          <a:p>
-            <a:r>
-              <a:rPr lang="en-US" dirty="0"/>
-              <a:t>Reference: </a:t>
-            </a:r>
-            <a:r>
-              <a:rPr lang="en-US" dirty="0">
-                <a:hlinkClick r:id="rId2"/>
-              </a:rPr>
-              <a:t>https://pandas.pydata.org/pandas-docs/stable/user_guide/merging.html</a:t>
+            <a:pPr>
+              <a:buFont typeface="Arial" panose="020B0604020202020204" pitchFamily="34" charset="0"/>
+              <a:buChar char="•"/>
+            </a:pPr>
+            <a:r>
+              <a:rPr lang="en-US" dirty="0"/>
+              <a:t>Exploratory Data </a:t>
+            </a:r>
+            <a:r>
+              <a:rPr lang="en-US" dirty="0" err="1"/>
+              <a:t>Analysis.ipynb</a:t>
             </a:r>
             <a:endParaRPr lang="en-US" dirty="0"/>
           </a:p>
           <a:p>
+            <a:pPr lvl="1">
+              <a:buFont typeface="Arial" panose="020B0604020202020204" pitchFamily="34" charset="0"/>
+              <a:buChar char="•"/>
+            </a:pPr>
+            <a:r>
+              <a:rPr lang="en-US" dirty="0"/>
+              <a:t>Complete and upload to </a:t>
+            </a:r>
+            <a:r>
+              <a:rPr lang="en-US" dirty="0" err="1"/>
+              <a:t>github</a:t>
+            </a:r>
+            <a:endParaRPr lang="en-US" dirty="0"/>
+          </a:p>
+          <a:p>
+            <a:pPr lvl="1">
+              <a:buFont typeface="Arial" panose="020B0604020202020204" pitchFamily="34" charset="0"/>
+              <a:buChar char="•"/>
+            </a:pPr>
+            <a:r>
+              <a:rPr lang="en-US" dirty="0"/>
+              <a:t>Add your name to submitted document</a:t>
+            </a:r>
+          </a:p>
+          <a:p>
+            <a:pPr>
+              <a:buFont typeface="Arial" panose="020B0604020202020204" pitchFamily="34" charset="0"/>
+              <a:buChar char="•"/>
+            </a:pPr>
+            <a:r>
+              <a:rPr lang="en-US" dirty="0"/>
+              <a:t>Simple </a:t>
+            </a:r>
+            <a:r>
+              <a:rPr lang="en-US" dirty="0" err="1"/>
+              <a:t>Viz.ipynb</a:t>
+            </a:r>
+            <a:endParaRPr lang="en-US" dirty="0"/>
+          </a:p>
+          <a:p>
+            <a:pPr lvl="1">
+              <a:buFont typeface="Arial" panose="020B0604020202020204" pitchFamily="34" charset="0"/>
+              <a:buChar char="•"/>
+            </a:pPr>
+            <a:r>
+              <a:rPr lang="en-US" dirty="0"/>
+              <a:t>Complete and upload to </a:t>
+            </a:r>
+            <a:r>
+              <a:rPr lang="en-US" dirty="0" err="1"/>
+              <a:t>github</a:t>
+            </a:r>
+            <a:endParaRPr lang="en-US" dirty="0"/>
+          </a:p>
+          <a:p>
+            <a:pPr lvl="1">
+              <a:buFont typeface="Arial" panose="020B0604020202020204" pitchFamily="34" charset="0"/>
+              <a:buChar char="•"/>
+            </a:pPr>
+            <a:r>
+              <a:rPr lang="en-US" dirty="0"/>
+              <a:t>Add your name to </a:t>
+            </a:r>
+            <a:r>
+              <a:rPr lang="en-US"/>
+              <a:t>submitted document</a:t>
+            </a:r>
+            <a:endParaRPr lang="en-US" dirty="0"/>
+          </a:p>
+          <a:p>
+            <a:pPr>
+              <a:buFont typeface="Arial" panose="020B0604020202020204" pitchFamily="34" charset="0"/>
+              <a:buChar char="•"/>
+            </a:pPr>
+            <a:r>
+              <a:rPr lang="en-US" dirty="0"/>
+              <a:t>Advanced </a:t>
+            </a:r>
+            <a:r>
+              <a:rPr lang="en-US" dirty="0" err="1"/>
+              <a:t>Viz.ipynb</a:t>
+            </a:r>
+            <a:endParaRPr lang="en-US" dirty="0"/>
+          </a:p>
+          <a:p>
+            <a:pPr lvl="1">
+              <a:buFont typeface="Arial" panose="020B0604020202020204" pitchFamily="34" charset="0"/>
+              <a:buChar char="•"/>
+            </a:pPr>
+            <a:r>
+              <a:rPr lang="en-US" dirty="0"/>
+              <a:t>Complete and upload to </a:t>
+            </a:r>
+            <a:r>
+              <a:rPr lang="en-US" dirty="0" err="1"/>
+              <a:t>github</a:t>
+            </a:r>
+            <a:endParaRPr lang="en-US" dirty="0"/>
+          </a:p>
+          <a:p>
+            <a:pPr lvl="1">
+              <a:buFont typeface="Arial" panose="020B0604020202020204" pitchFamily="34" charset="0"/>
+              <a:buChar char="•"/>
+            </a:pPr>
+            <a:r>
+              <a:rPr lang="en-US" dirty="0"/>
+              <a:t>Add your name to submitted document</a:t>
+            </a:r>
+          </a:p>
+          <a:p>
+            <a:pPr>
+              <a:buFont typeface="Arial" panose="020B0604020202020204" pitchFamily="34" charset="0"/>
+              <a:buChar char="•"/>
+            </a:pPr>
+            <a:endParaRPr lang="en-US" dirty="0"/>
+          </a:p>
+          <a:p>
+            <a:pPr>
+              <a:buFont typeface="Arial" panose="020B0604020202020204" pitchFamily="34" charset="0"/>
+              <a:buChar char="•"/>
+            </a:pPr>
             <a:endParaRPr lang="en-US" dirty="0"/>
           </a:p>
         </p:txBody>
@@ -11724,7 +12112,7 @@
     </p:spTree>
     <p:extLst>
       <p:ext uri="{BB962C8B-B14F-4D97-AF65-F5344CB8AC3E}">
-        <p14:creationId xmlns:p14="http://schemas.microsoft.com/office/powerpoint/2010/main" val="2074947329"/>
+        <p14:creationId xmlns:p14="http://schemas.microsoft.com/office/powerpoint/2010/main" val="2044682864"/>
       </p:ext>
     </p:extLst>
   </p:cSld>
@@ -11756,7 +12144,7 @@
           <p:cNvPr id="2" name="Title 1">
             <a:extLst>
               <a:ext uri="{FF2B5EF4-FFF2-40B4-BE49-F238E27FC236}">
-                <a16:creationId xmlns:a16="http://schemas.microsoft.com/office/drawing/2014/main" id="{48B3797D-D25F-4519-BBBD-CA9CE8C6C2ED}"/>
+                <a16:creationId xmlns:a16="http://schemas.microsoft.com/office/drawing/2014/main" id="{AD2860B2-7C83-4A55-8E7E-7A4B069D4A7E}"/>
               </a:ext>
             </a:extLst>
           </p:cNvPr>
@@ -11769,24 +12157,22 @@
         </p:nvSpPr>
         <p:spPr/>
         <p:txBody>
-          <a:bodyPr>
-            <a:normAutofit/>
-          </a:bodyPr>
+          <a:bodyPr/>
           <a:lstStyle/>
           <a:p>
             <a:r>
               <a:rPr lang="en-US" dirty="0"/>
-              <a:t>Merges, Joins, Concatenation, and Appending….Append</a:t>
-            </a:r>
-          </a:p>
-        </p:txBody>
-      </p:sp>
-      <p:sp>
-        <p:nvSpPr>
-          <p:cNvPr id="3" name="Content Placeholder 2">
+              <a:t>Week 3</a:t>
+            </a:r>
+          </a:p>
+        </p:txBody>
+      </p:sp>
+      <p:sp>
+        <p:nvSpPr>
+          <p:cNvPr id="3" name="Text Placeholder 2">
             <a:extLst>
               <a:ext uri="{FF2B5EF4-FFF2-40B4-BE49-F238E27FC236}">
-                <a16:creationId xmlns:a16="http://schemas.microsoft.com/office/drawing/2014/main" id="{871D611E-F048-4388-BAFB-2958B0046040}"/>
+                <a16:creationId xmlns:a16="http://schemas.microsoft.com/office/drawing/2014/main" id="{274FDD8D-BBB7-47AC-AD7F-DF359A4A9736}"/>
               </a:ext>
             </a:extLst>
           </p:cNvPr>
@@ -11794,7 +12180,7 @@
             <a:spLocks noGrp="1"/>
           </p:cNvSpPr>
           <p:nvPr>
-            <p:ph idx="1"/>
+            <p:ph type="body" idx="1"/>
           </p:nvPr>
         </p:nvSpPr>
         <p:spPr/>
@@ -11804,19 +12190,7 @@
           <a:p>
             <a:r>
               <a:rPr lang="en-US" dirty="0"/>
-              <a:t>What is it?</a:t>
-            </a:r>
-          </a:p>
-          <a:p>
-            <a:r>
-              <a:rPr lang="en-US" dirty="0"/>
-              <a:t>When is it used?</a:t>
-            </a:r>
-          </a:p>
-          <a:p>
-            <a:r>
-              <a:rPr lang="en-US" dirty="0"/>
-              <a:t>Python syntax:</a:t>
+              <a:t>Date: March 4, 2020</a:t>
             </a:r>
           </a:p>
           <a:p>
@@ -11827,7 +12201,7 @@
     </p:spTree>
     <p:extLst>
       <p:ext uri="{BB962C8B-B14F-4D97-AF65-F5344CB8AC3E}">
-        <p14:creationId xmlns:p14="http://schemas.microsoft.com/office/powerpoint/2010/main" val="3686130912"/>
+        <p14:creationId xmlns:p14="http://schemas.microsoft.com/office/powerpoint/2010/main" val="3064873116"/>
       </p:ext>
     </p:extLst>
   </p:cSld>
@@ -11859,7 +12233,7 @@
           <p:cNvPr id="2" name="Title 1">
             <a:extLst>
               <a:ext uri="{FF2B5EF4-FFF2-40B4-BE49-F238E27FC236}">
-                <a16:creationId xmlns:a16="http://schemas.microsoft.com/office/drawing/2014/main" id="{48B3797D-D25F-4519-BBBD-CA9CE8C6C2ED}"/>
+                <a16:creationId xmlns:a16="http://schemas.microsoft.com/office/drawing/2014/main" id="{7289EF6B-8AB6-4186-AF09-0D50FE1BB9FD}"/>
               </a:ext>
             </a:extLst>
           </p:cNvPr>
@@ -11872,14 +12246,12 @@
         </p:nvSpPr>
         <p:spPr/>
         <p:txBody>
-          <a:bodyPr>
-            <a:normAutofit/>
-          </a:bodyPr>
+          <a:bodyPr/>
           <a:lstStyle/>
           <a:p>
             <a:r>
               <a:rPr lang="en-US" dirty="0"/>
-              <a:t>Merges, Joins, Concatenation, and Appending….Concatenation</a:t>
+              <a:t>Overview</a:t>
             </a:r>
           </a:p>
         </p:txBody>
@@ -11889,7 +12261,7 @@
           <p:cNvPr id="3" name="Content Placeholder 2">
             <a:extLst>
               <a:ext uri="{FF2B5EF4-FFF2-40B4-BE49-F238E27FC236}">
-                <a16:creationId xmlns:a16="http://schemas.microsoft.com/office/drawing/2014/main" id="{871D611E-F048-4388-BAFB-2958B0046040}"/>
+                <a16:creationId xmlns:a16="http://schemas.microsoft.com/office/drawing/2014/main" id="{E8A26BB2-24A8-43EF-9A59-9E9533F17D85}"/>
               </a:ext>
             </a:extLst>
           </p:cNvPr>
@@ -11907,30 +12279,33 @@
           <a:p>
             <a:r>
               <a:rPr lang="en-US" dirty="0"/>
-              <a:t>What is it?</a:t>
-            </a:r>
-          </a:p>
-          <a:p>
-            <a:r>
-              <a:rPr lang="en-US" dirty="0"/>
-              <a:t>When is it used?</a:t>
-            </a:r>
-          </a:p>
-          <a:p>
-            <a:r>
-              <a:rPr lang="en-US" dirty="0"/>
-              <a:t>Python syntax:</a:t>
-            </a:r>
-          </a:p>
-          <a:p>
-            <a:endParaRPr lang="en-US" dirty="0"/>
+              <a:t>Grouping and merging statements - helpful for SQL</a:t>
+            </a:r>
+          </a:p>
+          <a:p>
+            <a:r>
+              <a:rPr lang="en-US" dirty="0"/>
+              <a:t>Custom functions to create new columns</a:t>
+            </a:r>
+          </a:p>
+          <a:p>
+            <a:r>
+              <a:rPr lang="en-US" dirty="0"/>
+              <a:t>Data cleaning- imputation and null values</a:t>
+            </a:r>
+          </a:p>
+          <a:p>
+            <a:r>
+              <a:rPr lang="en-US" dirty="0"/>
+              <a:t>Begin transformation pipeline</a:t>
+            </a:r>
           </a:p>
         </p:txBody>
       </p:sp>
     </p:spTree>
     <p:extLst>
       <p:ext uri="{BB962C8B-B14F-4D97-AF65-F5344CB8AC3E}">
-        <p14:creationId xmlns:p14="http://schemas.microsoft.com/office/powerpoint/2010/main" val="4211453506"/>
+        <p14:creationId xmlns:p14="http://schemas.microsoft.com/office/powerpoint/2010/main" val="3238083214"/>
       </p:ext>
     </p:extLst>
   </p:cSld>
@@ -12013,6 +12388,16 @@
             <a:r>
               <a:rPr lang="en-US" dirty="0"/>
               <a:t>Intro to class topics, expectations, and schedule</a:t>
+            </a:r>
+          </a:p>
+          <a:p>
+            <a:pPr>
+              <a:buFont typeface="Arial" panose="020B0604020202020204" pitchFamily="34" charset="0"/>
+              <a:buChar char="•"/>
+            </a:pPr>
+            <a:r>
+              <a:rPr lang="en-US" dirty="0"/>
+              <a:t>Personal Introductions</a:t>
             </a:r>
           </a:p>
           <a:p>
@@ -12128,7 +12513,7 @@
           <a:p>
             <a:r>
               <a:rPr lang="en-US" dirty="0"/>
-              <a:t>Merges, Joins, Concatenation, and Appending….Merge</a:t>
+              <a:t>Merges, Joins, Concatenation, and Appending….what’s the difference?</a:t>
             </a:r>
           </a:p>
         </p:txBody>
@@ -12156,20 +12541,27 @@
           <a:p>
             <a:r>
               <a:rPr lang="en-US" dirty="0"/>
-              <a:t>What is it?</a:t>
-            </a:r>
-          </a:p>
-          <a:p>
-            <a:r>
-              <a:rPr lang="en-US" dirty="0"/>
-              <a:t>When is it used?</a:t>
-            </a:r>
-          </a:p>
-          <a:p>
-            <a:r>
-              <a:rPr lang="en-US" dirty="0"/>
-              <a:t>Python syntax:</a:t>
-            </a:r>
+              <a:t>What is the difference?</a:t>
+            </a:r>
+          </a:p>
+          <a:p>
+            <a:r>
+              <a:rPr lang="en-US" dirty="0"/>
+              <a:t>Why do we care about any of these?</a:t>
+            </a:r>
+          </a:p>
+          <a:p>
+            <a:r>
+              <a:rPr lang="en-US" dirty="0"/>
+              <a:t>Reference: </a:t>
+            </a:r>
+            <a:r>
+              <a:rPr lang="en-US" dirty="0">
+                <a:hlinkClick r:id="rId2"/>
+              </a:rPr>
+              <a:t>https://pandas.pydata.org/pandas-docs/stable/user_guide/merging.html</a:t>
+            </a:r>
+            <a:endParaRPr lang="en-US" dirty="0"/>
           </a:p>
           <a:p>
             <a:endParaRPr lang="en-US" dirty="0"/>
@@ -12179,7 +12571,7 @@
     </p:spTree>
     <p:extLst>
       <p:ext uri="{BB962C8B-B14F-4D97-AF65-F5344CB8AC3E}">
-        <p14:creationId xmlns:p14="http://schemas.microsoft.com/office/powerpoint/2010/main" val="3167752634"/>
+        <p14:creationId xmlns:p14="http://schemas.microsoft.com/office/powerpoint/2010/main" val="2074947329"/>
       </p:ext>
     </p:extLst>
   </p:cSld>
@@ -12231,7 +12623,7 @@
           <a:p>
             <a:r>
               <a:rPr lang="en-US" dirty="0"/>
-              <a:t>Merges, Joins, Concatenation, and Appending….Join</a:t>
+              <a:t>Merges, Joins, Concatenation, and Appending….Append</a:t>
             </a:r>
           </a:p>
         </p:txBody>
@@ -12282,7 +12674,7 @@
     </p:spTree>
     <p:extLst>
       <p:ext uri="{BB962C8B-B14F-4D97-AF65-F5344CB8AC3E}">
-        <p14:creationId xmlns:p14="http://schemas.microsoft.com/office/powerpoint/2010/main" val="1446672483"/>
+        <p14:creationId xmlns:p14="http://schemas.microsoft.com/office/powerpoint/2010/main" val="3686130912"/>
       </p:ext>
     </p:extLst>
   </p:cSld>
@@ -12327,12 +12719,14 @@
         </p:nvSpPr>
         <p:spPr/>
         <p:txBody>
-          <a:bodyPr/>
+          <a:bodyPr>
+            <a:normAutofit/>
+          </a:bodyPr>
           <a:lstStyle/>
           <a:p>
             <a:r>
               <a:rPr lang="en-US" dirty="0"/>
-              <a:t>Custom functions to create new columns</a:t>
+              <a:t>Merges, Joins, Concatenation, and Appending….Concatenation</a:t>
             </a:r>
           </a:p>
         </p:txBody>
@@ -12355,78 +12749,25 @@
         </p:nvSpPr>
         <p:spPr/>
         <p:txBody>
-          <a:bodyPr>
-            <a:normAutofit lnSpcReduction="10000"/>
-          </a:bodyPr>
+          <a:bodyPr/>
           <a:lstStyle/>
           <a:p>
             <a:r>
               <a:rPr lang="en-US" dirty="0"/>
-              <a:t>The </a:t>
-            </a:r>
-            <a:r>
-              <a:rPr lang="en-US" b="1" dirty="0"/>
-              <a:t>apply</a:t>
-            </a:r>
-            <a:r>
-              <a:rPr lang="en-US" dirty="0"/>
-              <a:t> function</a:t>
-            </a:r>
-          </a:p>
-          <a:p>
-            <a:r>
-              <a:rPr lang="en-US" dirty="0"/>
-              <a:t>The</a:t>
-            </a:r>
-            <a:r>
-              <a:rPr lang="en-US" b="1" dirty="0"/>
-              <a:t> </a:t>
-            </a:r>
-            <a:r>
-              <a:rPr lang="en-US" b="1" dirty="0" err="1"/>
-              <a:t>applymap</a:t>
-            </a:r>
-            <a:r>
-              <a:rPr lang="en-US" b="1" dirty="0"/>
-              <a:t> </a:t>
-            </a:r>
-            <a:r>
-              <a:rPr lang="en-US" dirty="0"/>
-              <a:t>function</a:t>
-            </a:r>
-          </a:p>
-          <a:p>
-            <a:endParaRPr lang="en-US" dirty="0"/>
-          </a:p>
-          <a:p>
-            <a:endParaRPr lang="en-US" dirty="0"/>
-          </a:p>
-          <a:p>
-            <a:endParaRPr lang="en-US" dirty="0"/>
-          </a:p>
-          <a:p>
-            <a:endParaRPr lang="en-US" dirty="0"/>
-          </a:p>
-          <a:p>
-            <a:endParaRPr lang="en-US" dirty="0"/>
-          </a:p>
-          <a:p>
-            <a:r>
-              <a:rPr lang="en-US" dirty="0">
-                <a:hlinkClick r:id="rId2"/>
-              </a:rPr>
-              <a:t>https://pandas.pydata.org/pandas-docs/stable/reference/api/pandas.DataFrame.apply.html</a:t>
-            </a:r>
-            <a:endParaRPr lang="en-US" dirty="0"/>
-          </a:p>
-          <a:p>
-            <a:r>
-              <a:rPr lang="en-US" dirty="0">
-                <a:hlinkClick r:id="rId3"/>
-              </a:rPr>
-              <a:t>https://pandas.pydata.org/pandas-docs/stable/reference/api/pandas.DataFrame.applymap.html</a:t>
-            </a:r>
-            <a:endParaRPr lang="en-US" dirty="0"/>
+              <a:t>What is it?</a:t>
+            </a:r>
+          </a:p>
+          <a:p>
+            <a:r>
+              <a:rPr lang="en-US" dirty="0"/>
+              <a:t>When is it used?</a:t>
+            </a:r>
+          </a:p>
+          <a:p>
+            <a:r>
+              <a:rPr lang="en-US" dirty="0"/>
+              <a:t>Python syntax:</a:t>
+            </a:r>
           </a:p>
           <a:p>
             <a:endParaRPr lang="en-US" dirty="0"/>
@@ -12436,7 +12777,7 @@
     </p:spTree>
     <p:extLst>
       <p:ext uri="{BB962C8B-B14F-4D97-AF65-F5344CB8AC3E}">
-        <p14:creationId xmlns:p14="http://schemas.microsoft.com/office/powerpoint/2010/main" val="2886212689"/>
+        <p14:creationId xmlns:p14="http://schemas.microsoft.com/office/powerpoint/2010/main" val="4211453506"/>
       </p:ext>
     </p:extLst>
   </p:cSld>
@@ -12481,12 +12822,14 @@
         </p:nvSpPr>
         <p:spPr/>
         <p:txBody>
-          <a:bodyPr/>
+          <a:bodyPr>
+            <a:normAutofit/>
+          </a:bodyPr>
           <a:lstStyle/>
           <a:p>
             <a:r>
               <a:rPr lang="en-US" dirty="0"/>
-              <a:t>Custom functions to create new columns</a:t>
+              <a:t>Merges, Joins, Concatenation, and Appending….Merge</a:t>
             </a:r>
           </a:p>
         </p:txBody>
@@ -12514,40 +12857,20 @@
           <a:p>
             <a:r>
               <a:rPr lang="en-US" dirty="0"/>
-              <a:t>Lambda functions</a:t>
-            </a:r>
-          </a:p>
-          <a:p>
-            <a:r>
-              <a:rPr lang="en-US" dirty="0"/>
-              <a:t>Reference: </a:t>
-            </a:r>
-            <a:r>
-              <a:rPr lang="en-US" dirty="0">
-                <a:hlinkClick r:id="rId2"/>
-              </a:rPr>
-              <a:t>https://realpython.com/python-lambda/</a:t>
-            </a:r>
-            <a:endParaRPr lang="en-US" dirty="0"/>
-          </a:p>
-          <a:p>
-            <a:r>
-              <a:rPr lang="en-US" dirty="0"/>
-              <a:t>List Comprehension</a:t>
-            </a:r>
-          </a:p>
-          <a:p>
-            <a:r>
-              <a:rPr lang="en-US" dirty="0"/>
-              <a:t>Reference: </a:t>
-            </a:r>
-            <a:r>
-              <a:rPr lang="en-US" dirty="0">
-                <a:hlinkClick r:id="rId3"/>
-              </a:rPr>
-              <a:t>https://docs.python.org/3/tutorial/datastructures.html</a:t>
-            </a:r>
-            <a:endParaRPr lang="en-US" dirty="0"/>
+              <a:t>What is it?</a:t>
+            </a:r>
+          </a:p>
+          <a:p>
+            <a:r>
+              <a:rPr lang="en-US" dirty="0"/>
+              <a:t>When is it used?</a:t>
+            </a:r>
+          </a:p>
+          <a:p>
+            <a:r>
+              <a:rPr lang="en-US" dirty="0"/>
+              <a:t>Python syntax:</a:t>
+            </a:r>
           </a:p>
           <a:p>
             <a:endParaRPr lang="en-US" dirty="0"/>
@@ -12557,7 +12880,7 @@
     </p:spTree>
     <p:extLst>
       <p:ext uri="{BB962C8B-B14F-4D97-AF65-F5344CB8AC3E}">
-        <p14:creationId xmlns:p14="http://schemas.microsoft.com/office/powerpoint/2010/main" val="1940170947"/>
+        <p14:creationId xmlns:p14="http://schemas.microsoft.com/office/powerpoint/2010/main" val="3167752634"/>
       </p:ext>
     </p:extLst>
   </p:cSld>
@@ -12602,12 +12925,14 @@
         </p:nvSpPr>
         <p:spPr/>
         <p:txBody>
-          <a:bodyPr/>
+          <a:bodyPr>
+            <a:normAutofit/>
+          </a:bodyPr>
           <a:lstStyle/>
           <a:p>
             <a:r>
               <a:rPr lang="en-US" dirty="0"/>
-              <a:t>Data cleaning- imputation and null values</a:t>
+              <a:t>Merges, Joins, Concatenation, and Appending….Join</a:t>
             </a:r>
           </a:p>
         </p:txBody>
@@ -12635,65 +12960,20 @@
           <a:p>
             <a:r>
               <a:rPr lang="en-US" dirty="0"/>
-              <a:t>Displaying null records: print(</a:t>
-            </a:r>
-            <a:r>
-              <a:rPr lang="en-US" dirty="0" err="1"/>
-              <a:t>dataset.isnull</a:t>
-            </a:r>
-            <a:r>
-              <a:rPr lang="en-US" dirty="0"/>
-              <a:t>().sum())</a:t>
-            </a:r>
-          </a:p>
-          <a:p>
-            <a:r>
-              <a:rPr lang="en-US" dirty="0"/>
-              <a:t>The </a:t>
-            </a:r>
-            <a:r>
-              <a:rPr lang="en-US" b="1" dirty="0" err="1"/>
-              <a:t>fillna</a:t>
-            </a:r>
-            <a:r>
-              <a:rPr lang="en-US" dirty="0"/>
-              <a:t> method</a:t>
-            </a:r>
-          </a:p>
-          <a:p>
-            <a:r>
-              <a:rPr lang="en-US" dirty="0"/>
-              <a:t>The </a:t>
-            </a:r>
-            <a:r>
-              <a:rPr lang="en-US" b="1" dirty="0"/>
-              <a:t>replace</a:t>
-            </a:r>
-            <a:r>
-              <a:rPr lang="en-US" dirty="0"/>
-              <a:t> method</a:t>
-            </a:r>
-          </a:p>
-          <a:p>
-            <a:r>
-              <a:rPr lang="en-US" dirty="0"/>
-              <a:t>The </a:t>
-            </a:r>
-            <a:r>
-              <a:rPr lang="en-US" b="1" dirty="0" err="1"/>
-              <a:t>dropna</a:t>
-            </a:r>
-            <a:r>
-              <a:rPr lang="en-US" dirty="0"/>
-              <a:t> method: </a:t>
-            </a:r>
-            <a:r>
-              <a:rPr lang="en-US" dirty="0">
-                <a:hlinkClick r:id="rId2"/>
-              </a:rPr>
-              <a:t>https://machinelearningmastery.com/handle-missing-data-python/</a:t>
-            </a:r>
-            <a:endParaRPr lang="en-US" dirty="0"/>
+              <a:t>What is it?</a:t>
+            </a:r>
+          </a:p>
+          <a:p>
+            <a:r>
+              <a:rPr lang="en-US" dirty="0"/>
+              <a:t>When is it used?</a:t>
+            </a:r>
+          </a:p>
+          <a:p>
+            <a:r>
+              <a:rPr lang="en-US" dirty="0"/>
+              <a:t>Python syntax:</a:t>
+            </a:r>
           </a:p>
           <a:p>
             <a:endParaRPr lang="en-US" dirty="0"/>
@@ -12703,7 +12983,7 @@
     </p:spTree>
     <p:extLst>
       <p:ext uri="{BB962C8B-B14F-4D97-AF65-F5344CB8AC3E}">
-        <p14:creationId xmlns:p14="http://schemas.microsoft.com/office/powerpoint/2010/main" val="1397306951"/>
+        <p14:creationId xmlns:p14="http://schemas.microsoft.com/office/powerpoint/2010/main" val="1446672483"/>
       </p:ext>
     </p:extLst>
   </p:cSld>
@@ -12753,7 +13033,7 @@
           <a:p>
             <a:r>
               <a:rPr lang="en-US" dirty="0"/>
-              <a:t>Data cleaning- imputation and null values</a:t>
+              <a:t>Custom functions to create new columns</a:t>
             </a:r>
           </a:p>
         </p:txBody>
@@ -12776,35 +13056,78 @@
         </p:nvSpPr>
         <p:spPr/>
         <p:txBody>
-          <a:bodyPr/>
+          <a:bodyPr>
+            <a:normAutofit lnSpcReduction="10000"/>
+          </a:bodyPr>
           <a:lstStyle/>
           <a:p>
             <a:r>
               <a:rPr lang="en-US" dirty="0"/>
-              <a:t>Mean imputation with </a:t>
-            </a:r>
-            <a:r>
-              <a:rPr lang="en-US" dirty="0" err="1"/>
-              <a:t>sklearn</a:t>
-            </a:r>
-            <a:r>
-              <a:rPr lang="en-US" dirty="0"/>
-              <a:t> impute transform</a:t>
-            </a:r>
-          </a:p>
-          <a:p>
-            <a:r>
-              <a:rPr lang="en-US" dirty="0"/>
-              <a:t>Median imputation with </a:t>
-            </a:r>
-            <a:r>
-              <a:rPr lang="en-US" dirty="0" err="1"/>
-              <a:t>sklearn</a:t>
-            </a:r>
-            <a:r>
-              <a:rPr lang="en-US" dirty="0"/>
-              <a:t> impute transform</a:t>
-            </a:r>
+              <a:t>The </a:t>
+            </a:r>
+            <a:r>
+              <a:rPr lang="en-US" b="1" dirty="0"/>
+              <a:t>apply</a:t>
+            </a:r>
+            <a:r>
+              <a:rPr lang="en-US" dirty="0"/>
+              <a:t> function</a:t>
+            </a:r>
+          </a:p>
+          <a:p>
+            <a:r>
+              <a:rPr lang="en-US" dirty="0"/>
+              <a:t>The</a:t>
+            </a:r>
+            <a:r>
+              <a:rPr lang="en-US" b="1" dirty="0"/>
+              <a:t> </a:t>
+            </a:r>
+            <a:r>
+              <a:rPr lang="en-US" b="1" dirty="0" err="1"/>
+              <a:t>applymap</a:t>
+            </a:r>
+            <a:r>
+              <a:rPr lang="en-US" b="1" dirty="0"/>
+              <a:t> </a:t>
+            </a:r>
+            <a:r>
+              <a:rPr lang="en-US" dirty="0"/>
+              <a:t>function</a:t>
+            </a:r>
+          </a:p>
+          <a:p>
+            <a:endParaRPr lang="en-US" dirty="0"/>
+          </a:p>
+          <a:p>
+            <a:endParaRPr lang="en-US" dirty="0"/>
+          </a:p>
+          <a:p>
+            <a:endParaRPr lang="en-US" dirty="0"/>
+          </a:p>
+          <a:p>
+            <a:endParaRPr lang="en-US" dirty="0"/>
+          </a:p>
+          <a:p>
+            <a:endParaRPr lang="en-US" dirty="0"/>
+          </a:p>
+          <a:p>
+            <a:r>
+              <a:rPr lang="en-US" dirty="0">
+                <a:hlinkClick r:id="rId2"/>
+              </a:rPr>
+              <a:t>https://pandas.pydata.org/pandas-docs/stable/reference/api/pandas.DataFrame.apply.html</a:t>
+            </a:r>
+            <a:endParaRPr lang="en-US" dirty="0"/>
+          </a:p>
+          <a:p>
+            <a:r>
+              <a:rPr lang="en-US" dirty="0">
+                <a:hlinkClick r:id="rId3"/>
+              </a:rPr>
+              <a:t>https://pandas.pydata.org/pandas-docs/stable/reference/api/pandas.DataFrame.applymap.html</a:t>
+            </a:r>
+            <a:endParaRPr lang="en-US" dirty="0"/>
           </a:p>
           <a:p>
             <a:endParaRPr lang="en-US" dirty="0"/>
@@ -12814,7 +13137,7 @@
     </p:spTree>
     <p:extLst>
       <p:ext uri="{BB962C8B-B14F-4D97-AF65-F5344CB8AC3E}">
-        <p14:creationId xmlns:p14="http://schemas.microsoft.com/office/powerpoint/2010/main" val="1454460546"/>
+        <p14:creationId xmlns:p14="http://schemas.microsoft.com/office/powerpoint/2010/main" val="2886212689"/>
       </p:ext>
     </p:extLst>
   </p:cSld>
@@ -12864,7 +13187,7 @@
           <a:p>
             <a:r>
               <a:rPr lang="en-US" dirty="0"/>
-              <a:t>Begin transformation pipeline</a:t>
+              <a:t>Custom functions to create new columns</a:t>
             </a:r>
           </a:p>
         </p:txBody>
@@ -12892,33 +13215,50 @@
           <a:p>
             <a:r>
               <a:rPr lang="en-US" dirty="0"/>
-              <a:t>Transformation pipelines</a:t>
-            </a:r>
-          </a:p>
-          <a:p>
-            <a:r>
-              <a:rPr lang="en-US" dirty="0"/>
-              <a:t>Best case scenario</a:t>
-            </a:r>
-          </a:p>
-          <a:p>
-            <a:r>
-              <a:rPr lang="en-US" dirty="0"/>
-              <a:t>What usually happens</a:t>
-            </a:r>
-          </a:p>
-          <a:p>
-            <a:r>
-              <a:rPr lang="en-US" dirty="0"/>
-              <a:t>Better than nothing</a:t>
-            </a:r>
+              <a:t>Lambda functions</a:t>
+            </a:r>
+          </a:p>
+          <a:p>
+            <a:r>
+              <a:rPr lang="en-US" dirty="0"/>
+              <a:t>Reference: </a:t>
+            </a:r>
+            <a:r>
+              <a:rPr lang="en-US" dirty="0">
+                <a:hlinkClick r:id="rId2"/>
+              </a:rPr>
+              <a:t>https://realpython.com/python-lambda/</a:t>
+            </a:r>
+            <a:endParaRPr lang="en-US" dirty="0"/>
+          </a:p>
+          <a:p>
+            <a:r>
+              <a:rPr lang="en-US" dirty="0"/>
+              <a:t>List Comprehension</a:t>
+            </a:r>
+          </a:p>
+          <a:p>
+            <a:r>
+              <a:rPr lang="en-US" dirty="0"/>
+              <a:t>Reference: </a:t>
+            </a:r>
+            <a:r>
+              <a:rPr lang="en-US" dirty="0">
+                <a:hlinkClick r:id="rId3"/>
+              </a:rPr>
+              <a:t>https://docs.python.org/3/tutorial/datastructures.html</a:t>
+            </a:r>
+            <a:endParaRPr lang="en-US" dirty="0"/>
+          </a:p>
+          <a:p>
+            <a:endParaRPr lang="en-US" dirty="0"/>
           </a:p>
         </p:txBody>
       </p:sp>
     </p:spTree>
     <p:extLst>
       <p:ext uri="{BB962C8B-B14F-4D97-AF65-F5344CB8AC3E}">
-        <p14:creationId xmlns:p14="http://schemas.microsoft.com/office/powerpoint/2010/main" val="2143343497"/>
+        <p14:creationId xmlns:p14="http://schemas.microsoft.com/office/powerpoint/2010/main" val="1940170947"/>
       </p:ext>
     </p:extLst>
   </p:cSld>
@@ -12950,7 +13290,7 @@
           <p:cNvPr id="2" name="Title 1">
             <a:extLst>
               <a:ext uri="{FF2B5EF4-FFF2-40B4-BE49-F238E27FC236}">
-                <a16:creationId xmlns:a16="http://schemas.microsoft.com/office/drawing/2014/main" id="{37F47C21-4937-4FE1-BE59-56D978F65B8D}"/>
+                <a16:creationId xmlns:a16="http://schemas.microsoft.com/office/drawing/2014/main" id="{48B3797D-D25F-4519-BBBD-CA9CE8C6C2ED}"/>
               </a:ext>
             </a:extLst>
           </p:cNvPr>
@@ -12968,7 +13308,7 @@
           <a:p>
             <a:r>
               <a:rPr lang="en-US" dirty="0"/>
-              <a:t>Homework (Due March 11, 2020)</a:t>
+              <a:t>Data cleaning- imputation and null values</a:t>
             </a:r>
           </a:p>
         </p:txBody>
@@ -12978,7 +13318,7 @@
           <p:cNvPr id="3" name="Content Placeholder 2">
             <a:extLst>
               <a:ext uri="{FF2B5EF4-FFF2-40B4-BE49-F238E27FC236}">
-                <a16:creationId xmlns:a16="http://schemas.microsoft.com/office/drawing/2014/main" id="{4BA640D3-C44B-4A6D-8102-C32143FBADEB}"/>
+                <a16:creationId xmlns:a16="http://schemas.microsoft.com/office/drawing/2014/main" id="{871D611E-F048-4388-BAFB-2958B0046040}"/>
               </a:ext>
             </a:extLst>
           </p:cNvPr>
@@ -12994,45 +13334,69 @@
           <a:bodyPr/>
           <a:lstStyle/>
           <a:p>
-            <a:pPr>
-              <a:buFont typeface="Arial" panose="020B0604020202020204" pitchFamily="34" charset="0"/>
-              <a:buChar char="•"/>
-            </a:pPr>
-            <a:r>
-              <a:rPr lang="en-US" dirty="0"/>
-              <a:t>Define a segment of code that accomplishes the tasks described (in Transform </a:t>
+            <a:r>
+              <a:rPr lang="en-US" dirty="0"/>
+              <a:t>Displaying null records: print(</a:t>
             </a:r>
             <a:r>
               <a:rPr lang="en-US" dirty="0" err="1"/>
-              <a:t>Pipeline.ipynb</a:t>
-            </a:r>
-            <a:r>
-              <a:rPr lang="en-US" dirty="0"/>
-              <a:t>)</a:t>
-            </a:r>
-          </a:p>
-          <a:p>
-            <a:pPr>
-              <a:buFont typeface="Arial" panose="020B0604020202020204" pitchFamily="34" charset="0"/>
-              <a:buChar char="•"/>
-            </a:pPr>
-            <a:r>
-              <a:rPr lang="en-US" dirty="0"/>
-              <a:t>Finish EDA documentation in a Notebook using the markdown language and showcase a single visualization you feel is important</a:t>
-            </a:r>
-          </a:p>
-          <a:p>
-            <a:pPr>
-              <a:buFont typeface="Arial" panose="020B0604020202020204" pitchFamily="34" charset="0"/>
-              <a:buChar char="•"/>
-            </a:pPr>
+              <a:t>dataset.isnull</a:t>
+            </a:r>
+            <a:r>
+              <a:rPr lang="en-US" dirty="0"/>
+              <a:t>().sum())</a:t>
+            </a:r>
+          </a:p>
+          <a:p>
+            <a:r>
+              <a:rPr lang="en-US" dirty="0"/>
+              <a:t>The </a:t>
+            </a:r>
+            <a:r>
+              <a:rPr lang="en-US" b="1" dirty="0" err="1"/>
+              <a:t>fillna</a:t>
+            </a:r>
+            <a:r>
+              <a:rPr lang="en-US" dirty="0"/>
+              <a:t> method</a:t>
+            </a:r>
+          </a:p>
+          <a:p>
+            <a:r>
+              <a:rPr lang="en-US" dirty="0"/>
+              <a:t>The </a:t>
+            </a:r>
+            <a:r>
+              <a:rPr lang="en-US" b="1" dirty="0"/>
+              <a:t>replace</a:t>
+            </a:r>
+            <a:r>
+              <a:rPr lang="en-US" dirty="0"/>
+              <a:t> method</a:t>
+            </a:r>
+          </a:p>
+          <a:p>
+            <a:r>
+              <a:rPr lang="en-US" dirty="0"/>
+              <a:t>The </a:t>
+            </a:r>
+            <a:r>
+              <a:rPr lang="en-US" b="1" dirty="0" err="1"/>
+              <a:t>dropna</a:t>
+            </a:r>
+            <a:r>
+              <a:rPr lang="en-US" dirty="0"/>
+              <a:t> method: </a:t>
+            </a:r>
+            <a:r>
+              <a:rPr lang="en-US" dirty="0">
+                <a:hlinkClick r:id="rId2"/>
+              </a:rPr>
+              <a:t>https://machinelearningmastery.com/handle-missing-data-python/</a:t>
+            </a:r>
             <a:endParaRPr lang="en-US" dirty="0"/>
           </a:p>
           <a:p>
-            <a:pPr>
-              <a:buFont typeface="Arial" panose="020B0604020202020204" pitchFamily="34" charset="0"/>
-              <a:buChar char="•"/>
-            </a:pPr>
             <a:endParaRPr lang="en-US" dirty="0"/>
           </a:p>
         </p:txBody>
@@ -13040,7 +13404,7 @@
     </p:spTree>
     <p:extLst>
       <p:ext uri="{BB962C8B-B14F-4D97-AF65-F5344CB8AC3E}">
-        <p14:creationId xmlns:p14="http://schemas.microsoft.com/office/powerpoint/2010/main" val="2906621544"/>
+        <p14:creationId xmlns:p14="http://schemas.microsoft.com/office/powerpoint/2010/main" val="1397306951"/>
       </p:ext>
     </p:extLst>
   </p:cSld>
@@ -13072,7 +13436,7 @@
           <p:cNvPr id="2" name="Title 1">
             <a:extLst>
               <a:ext uri="{FF2B5EF4-FFF2-40B4-BE49-F238E27FC236}">
-                <a16:creationId xmlns:a16="http://schemas.microsoft.com/office/drawing/2014/main" id="{AD2860B2-7C83-4A55-8E7E-7A4B069D4A7E}"/>
+                <a16:creationId xmlns:a16="http://schemas.microsoft.com/office/drawing/2014/main" id="{48B3797D-D25F-4519-BBBD-CA9CE8C6C2ED}"/>
               </a:ext>
             </a:extLst>
           </p:cNvPr>
@@ -13090,17 +13454,17 @@
           <a:p>
             <a:r>
               <a:rPr lang="en-US" dirty="0"/>
-              <a:t>Week 4</a:t>
-            </a:r>
-          </a:p>
-        </p:txBody>
-      </p:sp>
-      <p:sp>
-        <p:nvSpPr>
-          <p:cNvPr id="3" name="Text Placeholder 2">
+              <a:t>Data cleaning- imputation and null values</a:t>
+            </a:r>
+          </a:p>
+        </p:txBody>
+      </p:sp>
+      <p:sp>
+        <p:nvSpPr>
+          <p:cNvPr id="3" name="Content Placeholder 2">
             <a:extLst>
               <a:ext uri="{FF2B5EF4-FFF2-40B4-BE49-F238E27FC236}">
-                <a16:creationId xmlns:a16="http://schemas.microsoft.com/office/drawing/2014/main" id="{274FDD8D-BBB7-47AC-AD7F-DF359A4A9736}"/>
+                <a16:creationId xmlns:a16="http://schemas.microsoft.com/office/drawing/2014/main" id="{871D611E-F048-4388-BAFB-2958B0046040}"/>
               </a:ext>
             </a:extLst>
           </p:cNvPr>
@@ -13108,7 +13472,7 @@
             <a:spLocks noGrp="1"/>
           </p:cNvSpPr>
           <p:nvPr>
-            <p:ph type="body" idx="1"/>
+            <p:ph idx="1"/>
           </p:nvPr>
         </p:nvSpPr>
         <p:spPr/>
@@ -13118,7 +13482,29 @@
           <a:p>
             <a:r>
               <a:rPr lang="en-US" dirty="0"/>
-              <a:t>Date: March 11, 2020 </a:t>
+              <a:t>Mean imputation with </a:t>
+            </a:r>
+            <a:r>
+              <a:rPr lang="en-US" dirty="0" err="1"/>
+              <a:t>sklearn</a:t>
+            </a:r>
+            <a:r>
+              <a:rPr lang="en-US" dirty="0"/>
+              <a:t> impute transform</a:t>
+            </a:r>
+          </a:p>
+          <a:p>
+            <a:r>
+              <a:rPr lang="en-US" dirty="0"/>
+              <a:t>Median imputation with </a:t>
+            </a:r>
+            <a:r>
+              <a:rPr lang="en-US" dirty="0" err="1"/>
+              <a:t>sklearn</a:t>
+            </a:r>
+            <a:r>
+              <a:rPr lang="en-US" dirty="0"/>
+              <a:t> impute transform</a:t>
             </a:r>
           </a:p>
           <a:p>
@@ -13129,7 +13515,7 @@
     </p:spTree>
     <p:extLst>
       <p:ext uri="{BB962C8B-B14F-4D97-AF65-F5344CB8AC3E}">
-        <p14:creationId xmlns:p14="http://schemas.microsoft.com/office/powerpoint/2010/main" val="896067087"/>
+        <p14:creationId xmlns:p14="http://schemas.microsoft.com/office/powerpoint/2010/main" val="1454460546"/>
       </p:ext>
     </p:extLst>
   </p:cSld>
@@ -13161,7 +13547,7 @@
           <p:cNvPr id="2" name="Title 1">
             <a:extLst>
               <a:ext uri="{FF2B5EF4-FFF2-40B4-BE49-F238E27FC236}">
-                <a16:creationId xmlns:a16="http://schemas.microsoft.com/office/drawing/2014/main" id="{7289EF6B-8AB6-4186-AF09-0D50FE1BB9FD}"/>
+                <a16:creationId xmlns:a16="http://schemas.microsoft.com/office/drawing/2014/main" id="{48B3797D-D25F-4519-BBBD-CA9CE8C6C2ED}"/>
               </a:ext>
             </a:extLst>
           </p:cNvPr>
@@ -13179,7 +13565,7 @@
           <a:p>
             <a:r>
               <a:rPr lang="en-US" dirty="0"/>
-              <a:t>Overview</a:t>
+              <a:t>Begin transformation pipeline</a:t>
             </a:r>
           </a:p>
         </p:txBody>
@@ -13189,7 +13575,7 @@
           <p:cNvPr id="3" name="Content Placeholder 2">
             <a:extLst>
               <a:ext uri="{FF2B5EF4-FFF2-40B4-BE49-F238E27FC236}">
-                <a16:creationId xmlns:a16="http://schemas.microsoft.com/office/drawing/2014/main" id="{E8A26BB2-24A8-43EF-9A59-9E9533F17D85}"/>
+                <a16:creationId xmlns:a16="http://schemas.microsoft.com/office/drawing/2014/main" id="{871D611E-F048-4388-BAFB-2958B0046040}"/>
               </a:ext>
             </a:extLst>
           </p:cNvPr>
@@ -13207,45 +13593,33 @@
           <a:p>
             <a:r>
               <a:rPr lang="en-US" dirty="0"/>
-              <a:t>Machine learning introduction – Unsupervised versus Supervised</a:t>
-            </a:r>
-          </a:p>
-          <a:p>
-            <a:r>
-              <a:rPr lang="en-US" dirty="0"/>
-              <a:t>Classification type problems (overview)</a:t>
-            </a:r>
-          </a:p>
-          <a:p>
-            <a:r>
-              <a:rPr lang="en-US" dirty="0"/>
-              <a:t>Regression type problems</a:t>
-            </a:r>
-          </a:p>
-          <a:p>
-            <a:r>
-              <a:rPr lang="en-US" dirty="0"/>
-              <a:t>Ordinary least squares</a:t>
-            </a:r>
-          </a:p>
-          <a:p>
-            <a:r>
-              <a:rPr lang="en-US" dirty="0"/>
-              <a:t>Log transformation</a:t>
-            </a:r>
-          </a:p>
-          <a:p>
-            <a:endParaRPr lang="en-US" dirty="0"/>
-          </a:p>
-          <a:p>
-            <a:endParaRPr lang="en-US" dirty="0"/>
+              <a:t>Transformation pipelines</a:t>
+            </a:r>
+          </a:p>
+          <a:p>
+            <a:r>
+              <a:rPr lang="en-US" dirty="0"/>
+              <a:t>Best case scenario</a:t>
+            </a:r>
+          </a:p>
+          <a:p>
+            <a:r>
+              <a:rPr lang="en-US" dirty="0"/>
+              <a:t>What usually happens</a:t>
+            </a:r>
+          </a:p>
+          <a:p>
+            <a:r>
+              <a:rPr lang="en-US" dirty="0"/>
+              <a:t>Better than nothing</a:t>
+            </a:r>
           </a:p>
         </p:txBody>
       </p:sp>
     </p:spTree>
     <p:extLst>
       <p:ext uri="{BB962C8B-B14F-4D97-AF65-F5344CB8AC3E}">
-        <p14:creationId xmlns:p14="http://schemas.microsoft.com/office/powerpoint/2010/main" val="3448734590"/>
+        <p14:creationId xmlns:p14="http://schemas.microsoft.com/office/powerpoint/2010/main" val="2143343497"/>
       </p:ext>
     </p:extLst>
   </p:cSld>
@@ -13458,7 +13832,7 @@
           <p:cNvPr id="2" name="Title 1">
             <a:extLst>
               <a:ext uri="{FF2B5EF4-FFF2-40B4-BE49-F238E27FC236}">
-                <a16:creationId xmlns:a16="http://schemas.microsoft.com/office/drawing/2014/main" id="{CDB09B07-304D-444A-816B-22C15ED48490}"/>
+                <a16:creationId xmlns:a16="http://schemas.microsoft.com/office/drawing/2014/main" id="{37F47C21-4937-4FE1-BE59-56D978F65B8D}"/>
               </a:ext>
             </a:extLst>
           </p:cNvPr>
@@ -13476,56 +13850,25 @@
           <a:p>
             <a:r>
               <a:rPr lang="en-US" dirty="0"/>
-              <a:t>What is Machine Learning?</a:t>
-            </a:r>
-          </a:p>
-        </p:txBody>
-      </p:sp>
-      <p:graphicFrame>
-        <p:nvGraphicFramePr>
-          <p:cNvPr id="4" name="Content Placeholder 3">
+              <a:t>Homework (Due March 11, 2020)</a:t>
+            </a:r>
+          </a:p>
+        </p:txBody>
+      </p:sp>
+      <p:sp>
+        <p:nvSpPr>
+          <p:cNvPr id="3" name="Content Placeholder 2">
             <a:extLst>
               <a:ext uri="{FF2B5EF4-FFF2-40B4-BE49-F238E27FC236}">
-                <a16:creationId xmlns:a16="http://schemas.microsoft.com/office/drawing/2014/main" id="{ADE1C9CB-FD92-49DB-A81B-6BAB4C3EFDA3}"/>
+                <a16:creationId xmlns:a16="http://schemas.microsoft.com/office/drawing/2014/main" id="{4BA640D3-C44B-4A6D-8102-C32143FBADEB}"/>
               </a:ext>
             </a:extLst>
           </p:cNvPr>
-          <p:cNvGraphicFramePr>
-            <a:graphicFrameLocks noGrp="1"/>
-          </p:cNvGraphicFramePr>
-          <p:nvPr>
-            <p:ph sz="half" idx="1"/>
-            <p:extLst>
-              <p:ext uri="{D42A27DB-BD31-4B8C-83A1-F6EECF244321}">
-                <p14:modId xmlns:p14="http://schemas.microsoft.com/office/powerpoint/2010/main" val="4086841365"/>
-              </p:ext>
-            </p:extLst>
-          </p:nvPr>
-        </p:nvGraphicFramePr>
-        <p:xfrm>
-          <a:off x="1096963" y="1846263"/>
-          <a:ext cx="4938712" cy="4022725"/>
-        </p:xfrm>
-        <a:graphic>
-          <a:graphicData uri="http://schemas.openxmlformats.org/drawingml/2006/diagram">
-            <dgm:relIds xmlns:dgm="http://schemas.openxmlformats.org/drawingml/2006/diagram" xmlns:r="http://schemas.openxmlformats.org/officeDocument/2006/relationships" r:dm="rId2" r:lo="rId3" r:qs="rId4" r:cs="rId5"/>
-          </a:graphicData>
-        </a:graphic>
-      </p:graphicFrame>
-      <p:sp>
-        <p:nvSpPr>
-          <p:cNvPr id="5" name="Content Placeholder 4">
-            <a:extLst>
-              <a:ext uri="{FF2B5EF4-FFF2-40B4-BE49-F238E27FC236}">
-                <a16:creationId xmlns:a16="http://schemas.microsoft.com/office/drawing/2014/main" id="{62743E33-D299-4835-B31A-85267056BEB8}"/>
-              </a:ext>
-            </a:extLst>
-          </p:cNvPr>
-          <p:cNvSpPr>
-            <a:spLocks noGrp="1"/>
-          </p:cNvSpPr>
-          <p:nvPr>
-            <p:ph sz="half" idx="2"/>
+          <p:cNvSpPr>
+            <a:spLocks noGrp="1"/>
+          </p:cNvSpPr>
+          <p:nvPr>
+            <p:ph idx="1"/>
           </p:nvPr>
         </p:nvSpPr>
         <p:spPr/>
@@ -13533,29 +13876,53 @@
           <a:bodyPr/>
           <a:lstStyle/>
           <a:p>
-            <a:r>
-              <a:rPr lang="en-US" dirty="0"/>
-              <a:t>Artificial Intelligence (AI): A computer and data driven solution that performs a talk that usually takes the intelligence of a human to complete.</a:t>
-            </a:r>
-          </a:p>
-          <a:p>
-            <a:r>
-              <a:rPr lang="en-US" dirty="0"/>
-              <a:t>Machine Learning: A computer’s (machine’s) ability to learn patterns from data that allow it to complete a specific task.</a:t>
-            </a:r>
-          </a:p>
-          <a:p>
-            <a:r>
-              <a:rPr lang="en-US" dirty="0"/>
-              <a:t>Deep Learning: A subset of machine learning that uses techniques that mimic the actions of a human brain.</a:t>
-            </a:r>
+            <a:pPr>
+              <a:buFont typeface="Arial" panose="020B0604020202020204" pitchFamily="34" charset="0"/>
+              <a:buChar char="•"/>
+            </a:pPr>
+            <a:r>
+              <a:rPr lang="en-US" dirty="0"/>
+              <a:t>Define a segment of code that accomplishes the tasks described (in Transform </a:t>
+            </a:r>
+            <a:r>
+              <a:rPr lang="en-US" dirty="0" err="1"/>
+              <a:t>Pipeline.ipynb</a:t>
+            </a:r>
+            <a:r>
+              <a:rPr lang="en-US" dirty="0"/>
+              <a:t>)</a:t>
+            </a:r>
+          </a:p>
+          <a:p>
+            <a:pPr>
+              <a:buFont typeface="Arial" panose="020B0604020202020204" pitchFamily="34" charset="0"/>
+              <a:buChar char="•"/>
+            </a:pPr>
+            <a:r>
+              <a:rPr lang="en-US" dirty="0"/>
+              <a:t>Finish EDA documentation in a Notebook using the markdown language and showcase a single visualization you feel is important</a:t>
+            </a:r>
+          </a:p>
+          <a:p>
+            <a:pPr>
+              <a:buFont typeface="Arial" panose="020B0604020202020204" pitchFamily="34" charset="0"/>
+              <a:buChar char="•"/>
+            </a:pPr>
+            <a:endParaRPr lang="en-US" dirty="0"/>
+          </a:p>
+          <a:p>
+            <a:pPr>
+              <a:buFont typeface="Arial" panose="020B0604020202020204" pitchFamily="34" charset="0"/>
+              <a:buChar char="•"/>
+            </a:pPr>
+            <a:endParaRPr lang="en-US" dirty="0"/>
           </a:p>
         </p:txBody>
       </p:sp>
     </p:spTree>
     <p:extLst>
       <p:ext uri="{BB962C8B-B14F-4D97-AF65-F5344CB8AC3E}">
-        <p14:creationId xmlns:p14="http://schemas.microsoft.com/office/powerpoint/2010/main" val="2152180907"/>
+        <p14:creationId xmlns:p14="http://schemas.microsoft.com/office/powerpoint/2010/main" val="2906621544"/>
       </p:ext>
     </p:extLst>
   </p:cSld>
@@ -13587,7 +13954,7 @@
           <p:cNvPr id="2" name="Title 1">
             <a:extLst>
               <a:ext uri="{FF2B5EF4-FFF2-40B4-BE49-F238E27FC236}">
-                <a16:creationId xmlns:a16="http://schemas.microsoft.com/office/drawing/2014/main" id="{80B1887C-D564-4E92-A6E2-6992EE55FB46}"/>
+                <a16:creationId xmlns:a16="http://schemas.microsoft.com/office/drawing/2014/main" id="{AD2860B2-7C83-4A55-8E7E-7A4B069D4A7E}"/>
               </a:ext>
             </a:extLst>
           </p:cNvPr>
@@ -13600,24 +13967,22 @@
         </p:nvSpPr>
         <p:spPr/>
         <p:txBody>
-          <a:bodyPr>
-            <a:normAutofit/>
-          </a:bodyPr>
+          <a:bodyPr/>
           <a:lstStyle/>
           <a:p>
             <a:r>
               <a:rPr lang="en-US" dirty="0"/>
-              <a:t>Unsupervised versus Supervised Learning</a:t>
-            </a:r>
-          </a:p>
-        </p:txBody>
-      </p:sp>
-      <p:sp>
-        <p:nvSpPr>
-          <p:cNvPr id="4" name="Text Placeholder 3">
+              <a:t>Week 4</a:t>
+            </a:r>
+          </a:p>
+        </p:txBody>
+      </p:sp>
+      <p:sp>
+        <p:nvSpPr>
+          <p:cNvPr id="3" name="Text Placeholder 2">
             <a:extLst>
               <a:ext uri="{FF2B5EF4-FFF2-40B4-BE49-F238E27FC236}">
-                <a16:creationId xmlns:a16="http://schemas.microsoft.com/office/drawing/2014/main" id="{A53ABA73-CB48-4C5F-B569-55A7FFB478C9}"/>
+                <a16:creationId xmlns:a16="http://schemas.microsoft.com/office/drawing/2014/main" id="{274FDD8D-BBB7-47AC-AD7F-DF359A4A9736}"/>
               </a:ext>
             </a:extLst>
           </p:cNvPr>
@@ -13635,203 +14000,18 @@
           <a:p>
             <a:r>
               <a:rPr lang="en-US" dirty="0"/>
-              <a:t>Unsupervised</a:t>
-            </a:r>
-          </a:p>
-        </p:txBody>
-      </p:sp>
-      <p:sp>
-        <p:nvSpPr>
-          <p:cNvPr id="5" name="Content Placeholder 4">
-            <a:extLst>
-              <a:ext uri="{FF2B5EF4-FFF2-40B4-BE49-F238E27FC236}">
-                <a16:creationId xmlns:a16="http://schemas.microsoft.com/office/drawing/2014/main" id="{124D30D5-5E69-42C0-B6DD-2B5C1DC96A6B}"/>
-              </a:ext>
-            </a:extLst>
-          </p:cNvPr>
-          <p:cNvSpPr>
-            <a:spLocks noGrp="1"/>
-          </p:cNvSpPr>
-          <p:nvPr>
-            <p:ph sz="half" idx="2"/>
-          </p:nvPr>
-        </p:nvSpPr>
-        <p:spPr/>
-        <p:txBody>
-          <a:bodyPr/>
-          <a:lstStyle/>
-          <a:p>
-            <a:pPr marL="0" indent="0">
-              <a:buNone/>
-            </a:pPr>
-            <a:r>
-              <a:rPr lang="en-US" dirty="0"/>
-              <a:t>Analytics and machine learning techniques that look for patterns in data without a target.</a:t>
-            </a:r>
-          </a:p>
-          <a:p>
-            <a:pPr marL="0" indent="0">
-              <a:buNone/>
-            </a:pPr>
-            <a:r>
-              <a:rPr lang="en-US" dirty="0"/>
-              <a:t>Examples:</a:t>
-            </a:r>
-          </a:p>
-          <a:p>
-            <a:pPr>
-              <a:buFont typeface="Arial" panose="020B0604020202020204" pitchFamily="34" charset="0"/>
-              <a:buChar char="•"/>
-            </a:pPr>
-            <a:r>
-              <a:rPr lang="en-US" dirty="0"/>
-              <a:t>K-means clustering</a:t>
-            </a:r>
-          </a:p>
-          <a:p>
-            <a:pPr>
-              <a:buFont typeface="Arial" panose="020B0604020202020204" pitchFamily="34" charset="0"/>
-              <a:buChar char="•"/>
-            </a:pPr>
-            <a:r>
-              <a:rPr lang="en-US" dirty="0"/>
-              <a:t>KNN</a:t>
-            </a:r>
-          </a:p>
-          <a:p>
-            <a:pPr>
-              <a:buFont typeface="Arial" panose="020B0604020202020204" pitchFamily="34" charset="0"/>
-              <a:buChar char="•"/>
-            </a:pPr>
-            <a:r>
-              <a:rPr lang="en-US" dirty="0"/>
-              <a:t>Principal components analysis</a:t>
-            </a:r>
-          </a:p>
-          <a:p>
-            <a:pPr marL="0" indent="0">
-              <a:buNone/>
-            </a:pPr>
+              <a:t>Date: March 11, 2020 </a:t>
+            </a:r>
+          </a:p>
+          <a:p>
             <a:endParaRPr lang="en-US" dirty="0"/>
-          </a:p>
-          <a:p>
-            <a:pPr marL="0" indent="0">
-              <a:buNone/>
-            </a:pPr>
-            <a:endParaRPr lang="en-US" dirty="0"/>
-          </a:p>
-        </p:txBody>
-      </p:sp>
-      <p:sp>
-        <p:nvSpPr>
-          <p:cNvPr id="6" name="Text Placeholder 5">
-            <a:extLst>
-              <a:ext uri="{FF2B5EF4-FFF2-40B4-BE49-F238E27FC236}">
-                <a16:creationId xmlns:a16="http://schemas.microsoft.com/office/drawing/2014/main" id="{C0ECE3F4-A11B-4BB6-A4A2-D441B992440F}"/>
-              </a:ext>
-            </a:extLst>
-          </p:cNvPr>
-          <p:cNvSpPr>
-            <a:spLocks noGrp="1"/>
-          </p:cNvSpPr>
-          <p:nvPr>
-            <p:ph type="body" sz="quarter" idx="3"/>
-          </p:nvPr>
-        </p:nvSpPr>
-        <p:spPr/>
-        <p:txBody>
-          <a:bodyPr/>
-          <a:lstStyle/>
-          <a:p>
-            <a:r>
-              <a:rPr lang="en-US" dirty="0"/>
-              <a:t>supervised</a:t>
-            </a:r>
-          </a:p>
-        </p:txBody>
-      </p:sp>
-      <p:sp>
-        <p:nvSpPr>
-          <p:cNvPr id="7" name="Content Placeholder 6">
-            <a:extLst>
-              <a:ext uri="{FF2B5EF4-FFF2-40B4-BE49-F238E27FC236}">
-                <a16:creationId xmlns:a16="http://schemas.microsoft.com/office/drawing/2014/main" id="{90B44E02-DF1E-441A-8F16-7A1ABB36C257}"/>
-              </a:ext>
-            </a:extLst>
-          </p:cNvPr>
-          <p:cNvSpPr>
-            <a:spLocks noGrp="1"/>
-          </p:cNvSpPr>
-          <p:nvPr>
-            <p:ph sz="quarter" idx="4"/>
-          </p:nvPr>
-        </p:nvSpPr>
-        <p:spPr/>
-        <p:txBody>
-          <a:bodyPr/>
-          <a:lstStyle/>
-          <a:p>
-            <a:r>
-              <a:rPr lang="en-US" dirty="0"/>
-              <a:t>Machine learning techniques that look for patterns in data that best explain a target.</a:t>
-            </a:r>
-          </a:p>
-          <a:p>
-            <a:r>
-              <a:rPr lang="en-US" dirty="0"/>
-              <a:t>Examples:</a:t>
-            </a:r>
-          </a:p>
-          <a:p>
-            <a:pPr>
-              <a:buFont typeface="Arial" panose="020B0604020202020204" pitchFamily="34" charset="0"/>
-              <a:buChar char="•"/>
-            </a:pPr>
-            <a:r>
-              <a:rPr lang="en-US" dirty="0" err="1"/>
-              <a:t>Elasticnet</a:t>
-            </a:r>
-            <a:r>
-              <a:rPr lang="en-US" dirty="0"/>
-              <a:t> regression</a:t>
-            </a:r>
-          </a:p>
-          <a:p>
-            <a:pPr>
-              <a:buFont typeface="Arial" panose="020B0604020202020204" pitchFamily="34" charset="0"/>
-              <a:buChar char="•"/>
-            </a:pPr>
-            <a:r>
-              <a:rPr lang="en-US" dirty="0"/>
-              <a:t>Spline regression</a:t>
-            </a:r>
-          </a:p>
-          <a:p>
-            <a:pPr>
-              <a:buFont typeface="Arial" panose="020B0604020202020204" pitchFamily="34" charset="0"/>
-              <a:buChar char="•"/>
-            </a:pPr>
-            <a:r>
-              <a:rPr lang="en-US" dirty="0"/>
-              <a:t>Neural networks</a:t>
-            </a:r>
-          </a:p>
-          <a:p>
-            <a:pPr>
-              <a:buFont typeface="Arial" panose="020B0604020202020204" pitchFamily="34" charset="0"/>
-              <a:buChar char="•"/>
-            </a:pPr>
-            <a:r>
-              <a:rPr lang="en-US" dirty="0"/>
-              <a:t>Random Forest Classifiers</a:t>
-            </a:r>
           </a:p>
         </p:txBody>
       </p:sp>
     </p:spTree>
     <p:extLst>
       <p:ext uri="{BB962C8B-B14F-4D97-AF65-F5344CB8AC3E}">
-        <p14:creationId xmlns:p14="http://schemas.microsoft.com/office/powerpoint/2010/main" val="639860742"/>
+        <p14:creationId xmlns:p14="http://schemas.microsoft.com/office/powerpoint/2010/main" val="896067087"/>
       </p:ext>
     </p:extLst>
   </p:cSld>
@@ -13863,7 +14043,7 @@
           <p:cNvPr id="2" name="Title 1">
             <a:extLst>
               <a:ext uri="{FF2B5EF4-FFF2-40B4-BE49-F238E27FC236}">
-                <a16:creationId xmlns:a16="http://schemas.microsoft.com/office/drawing/2014/main" id="{1E6EECE1-4016-4AF2-8028-91070003901D}"/>
+                <a16:creationId xmlns:a16="http://schemas.microsoft.com/office/drawing/2014/main" id="{7289EF6B-8AB6-4186-AF09-0D50FE1BB9FD}"/>
               </a:ext>
             </a:extLst>
           </p:cNvPr>
@@ -13881,17 +14061,17 @@
           <a:p>
             <a:r>
               <a:rPr lang="en-US" dirty="0"/>
-              <a:t>Classification Type Problems (Overview)</a:t>
-            </a:r>
-          </a:p>
-        </p:txBody>
-      </p:sp>
-      <p:sp>
-        <p:nvSpPr>
-          <p:cNvPr id="4" name="Content Placeholder 3">
+              <a:t>Overview</a:t>
+            </a:r>
+          </a:p>
+        </p:txBody>
+      </p:sp>
+      <p:sp>
+        <p:nvSpPr>
+          <p:cNvPr id="3" name="Content Placeholder 2">
             <a:extLst>
               <a:ext uri="{FF2B5EF4-FFF2-40B4-BE49-F238E27FC236}">
-                <a16:creationId xmlns:a16="http://schemas.microsoft.com/office/drawing/2014/main" id="{63F16612-D04C-46BE-A11D-5258D510C8D0}"/>
+                <a16:creationId xmlns:a16="http://schemas.microsoft.com/office/drawing/2014/main" id="{E8A26BB2-24A8-43EF-9A59-9E9533F17D85}"/>
               </a:ext>
             </a:extLst>
           </p:cNvPr>
@@ -13899,115 +14079,46 @@
             <a:spLocks noGrp="1"/>
           </p:cNvSpPr>
           <p:nvPr>
-            <p:ph sz="half" idx="1"/>
+            <p:ph idx="1"/>
           </p:nvPr>
         </p:nvSpPr>
         <p:spPr/>
         <p:txBody>
-          <a:bodyPr>
-            <a:normAutofit lnSpcReduction="10000"/>
-          </a:bodyPr>
+          <a:bodyPr/>
           <a:lstStyle/>
           <a:p>
-            <a:pPr>
-              <a:buFont typeface="Arial" panose="020B0604020202020204" pitchFamily="34" charset="0"/>
-              <a:buChar char="•"/>
-            </a:pPr>
-            <a:r>
-              <a:rPr lang="en-US" dirty="0"/>
-              <a:t>Classification problems are supervised learning problems with a binary or multiclass target</a:t>
-            </a:r>
-          </a:p>
-          <a:p>
-            <a:pPr>
-              <a:buFont typeface="Arial" panose="020B0604020202020204" pitchFamily="34" charset="0"/>
-              <a:buChar char="•"/>
-            </a:pPr>
-            <a:r>
-              <a:rPr lang="en-US" dirty="0"/>
-              <a:t>Think about predicting a 1 or 0</a:t>
-            </a:r>
-          </a:p>
-          <a:p>
-            <a:pPr>
-              <a:buFont typeface="Arial" panose="020B0604020202020204" pitchFamily="34" charset="0"/>
-              <a:buChar char="•"/>
-            </a:pPr>
-            <a:r>
-              <a:rPr lang="en-US" dirty="0"/>
-              <a:t>Think about predicting a 1, 2, 3, or 4</a:t>
-            </a:r>
-          </a:p>
-          <a:p>
-            <a:r>
-              <a:rPr lang="en-US" dirty="0"/>
-              <a:t>Examples:</a:t>
-            </a:r>
-          </a:p>
-          <a:p>
-            <a:pPr>
-              <a:buFont typeface="Arial" panose="020B0604020202020204" pitchFamily="34" charset="0"/>
-              <a:buChar char="•"/>
-            </a:pPr>
-            <a:r>
-              <a:rPr lang="en-US" dirty="0"/>
-              <a:t>How likely is a customer to churn (go to another company/stop buying)?</a:t>
-            </a:r>
-          </a:p>
-          <a:p>
-            <a:pPr>
-              <a:buFont typeface="Arial" panose="020B0604020202020204" pitchFamily="34" charset="0"/>
-              <a:buChar char="•"/>
-            </a:pPr>
-            <a:r>
-              <a:rPr lang="en-US" dirty="0"/>
-              <a:t>How likely is a customer to default on a loan?</a:t>
-            </a:r>
-          </a:p>
-          <a:p>
-            <a:pPr>
-              <a:buFont typeface="Arial" panose="020B0604020202020204" pitchFamily="34" charset="0"/>
-              <a:buChar char="•"/>
-            </a:pPr>
-            <a:r>
-              <a:rPr lang="en-US" dirty="0"/>
-              <a:t>Which type of car will a customer buy?</a:t>
-            </a:r>
-          </a:p>
-          <a:p>
-            <a:pPr>
-              <a:buFont typeface="Arial" panose="020B0604020202020204" pitchFamily="34" charset="0"/>
-              <a:buChar char="•"/>
-            </a:pPr>
-            <a:r>
-              <a:rPr lang="en-US" dirty="0"/>
-              <a:t>Will a shipment deliver on time?</a:t>
-            </a:r>
-          </a:p>
-        </p:txBody>
-      </p:sp>
-      <p:sp>
-        <p:nvSpPr>
-          <p:cNvPr id="5" name="Content Placeholder 4">
-            <a:extLst>
-              <a:ext uri="{FF2B5EF4-FFF2-40B4-BE49-F238E27FC236}">
-                <a16:creationId xmlns:a16="http://schemas.microsoft.com/office/drawing/2014/main" id="{6975756F-A068-44D2-9453-198AABB2D9A1}"/>
-              </a:ext>
-            </a:extLst>
-          </p:cNvPr>
-          <p:cNvSpPr>
-            <a:spLocks noGrp="1"/>
-          </p:cNvSpPr>
-          <p:nvPr>
-            <p:ph sz="half" idx="2"/>
-          </p:nvPr>
-        </p:nvSpPr>
-        <p:spPr/>
-        <p:txBody>
-          <a:bodyPr>
-            <a:normAutofit lnSpcReduction="10000"/>
-          </a:bodyPr>
-          <a:lstStyle/>
+            <a:r>
+              <a:rPr lang="en-US" dirty="0"/>
+              <a:t>Machine learning introduction – Unsupervised versus Supervised</a:t>
+            </a:r>
+          </a:p>
+          <a:p>
+            <a:r>
+              <a:rPr lang="en-US" dirty="0"/>
+              <a:t>Classification type problems (overview)</a:t>
+            </a:r>
+          </a:p>
+          <a:p>
+            <a:r>
+              <a:rPr lang="en-US" dirty="0"/>
+              <a:t>Regression type problems</a:t>
+            </a:r>
+          </a:p>
+          <a:p>
+            <a:r>
+              <a:rPr lang="en-US" dirty="0"/>
+              <a:t>Ordinary least squares</a:t>
+            </a:r>
+          </a:p>
+          <a:p>
+            <a:r>
+              <a:rPr lang="en-US" dirty="0"/>
+              <a:t>Log transformation</a:t>
+            </a:r>
+          </a:p>
+          <a:p>
+            <a:endParaRPr lang="en-US" dirty="0"/>
+          </a:p>
           <a:p>
             <a:endParaRPr lang="en-US" dirty="0"/>
           </a:p>
@@ -14016,7 +14127,7 @@
     </p:spTree>
     <p:extLst>
       <p:ext uri="{BB962C8B-B14F-4D97-AF65-F5344CB8AC3E}">
-        <p14:creationId xmlns:p14="http://schemas.microsoft.com/office/powerpoint/2010/main" val="4244387907"/>
+        <p14:creationId xmlns:p14="http://schemas.microsoft.com/office/powerpoint/2010/main" val="3448734590"/>
       </p:ext>
     </p:extLst>
   </p:cSld>
@@ -14048,7 +14159,7 @@
           <p:cNvPr id="2" name="Title 1">
             <a:extLst>
               <a:ext uri="{FF2B5EF4-FFF2-40B4-BE49-F238E27FC236}">
-                <a16:creationId xmlns:a16="http://schemas.microsoft.com/office/drawing/2014/main" id="{1E6EECE1-4016-4AF2-8028-91070003901D}"/>
+                <a16:creationId xmlns:a16="http://schemas.microsoft.com/office/drawing/2014/main" id="{CDB09B07-304D-444A-816B-22C15ED48490}"/>
               </a:ext>
             </a:extLst>
           </p:cNvPr>
@@ -14066,91 +14177,48 @@
           <a:p>
             <a:r>
               <a:rPr lang="en-US" dirty="0"/>
-              <a:t>Regression Type Problems</a:t>
-            </a:r>
-          </a:p>
-        </p:txBody>
-      </p:sp>
-      <p:sp>
-        <p:nvSpPr>
+              <a:t>What is Machine Learning?</a:t>
+            </a:r>
+          </a:p>
+        </p:txBody>
+      </p:sp>
+      <p:graphicFrame>
+        <p:nvGraphicFramePr>
           <p:cNvPr id="4" name="Content Placeholder 3">
             <a:extLst>
               <a:ext uri="{FF2B5EF4-FFF2-40B4-BE49-F238E27FC236}">
-                <a16:creationId xmlns:a16="http://schemas.microsoft.com/office/drawing/2014/main" id="{D4561760-4D84-410D-B4A0-9371D63B7D3E}"/>
+                <a16:creationId xmlns:a16="http://schemas.microsoft.com/office/drawing/2014/main" id="{ADE1C9CB-FD92-49DB-A81B-6BAB4C3EFDA3}"/>
               </a:ext>
             </a:extLst>
           </p:cNvPr>
-          <p:cNvSpPr>
-            <a:spLocks noGrp="1"/>
-          </p:cNvSpPr>
+          <p:cNvGraphicFramePr>
+            <a:graphicFrameLocks noGrp="1"/>
+          </p:cNvGraphicFramePr>
           <p:nvPr>
             <p:ph sz="half" idx="1"/>
-          </p:nvPr>
-        </p:nvSpPr>
-        <p:spPr/>
-        <p:txBody>
-          <a:bodyPr/>
-          <a:lstStyle/>
-          <a:p>
-            <a:pPr>
-              <a:buFont typeface="Arial" panose="020B0604020202020204" pitchFamily="34" charset="0"/>
-              <a:buChar char="•"/>
-            </a:pPr>
-            <a:r>
-              <a:rPr lang="en-US" dirty="0"/>
-              <a:t>Regression problems are supervised learning problems with a continuous target.</a:t>
-            </a:r>
-          </a:p>
-          <a:p>
-            <a:pPr>
-              <a:buFont typeface="Arial" panose="020B0604020202020204" pitchFamily="34" charset="0"/>
-              <a:buChar char="•"/>
-            </a:pPr>
-            <a:r>
-              <a:rPr lang="en-US" dirty="0"/>
-              <a:t>Think about predicting a number on a scale</a:t>
-            </a:r>
-          </a:p>
-          <a:p>
-            <a:r>
-              <a:rPr lang="en-US" dirty="0"/>
-              <a:t>Examples:</a:t>
-            </a:r>
-          </a:p>
-          <a:p>
-            <a:pPr>
-              <a:buFont typeface="Arial" panose="020B0604020202020204" pitchFamily="34" charset="0"/>
-              <a:buChar char="•"/>
-            </a:pPr>
-            <a:r>
-              <a:rPr lang="en-US" dirty="0"/>
-              <a:t>How long will a shipment take to be delivered?</a:t>
-            </a:r>
-          </a:p>
-          <a:p>
-            <a:pPr>
-              <a:buFont typeface="Arial" panose="020B0604020202020204" pitchFamily="34" charset="0"/>
-              <a:buChar char="•"/>
-            </a:pPr>
-            <a:r>
-              <a:rPr lang="en-US" dirty="0"/>
-              <a:t>How many mugs will we sell in January if we decrease price</a:t>
-            </a:r>
-          </a:p>
-          <a:p>
-            <a:pPr marL="0" indent="0">
-              <a:buNone/>
-            </a:pPr>
-            <a:endParaRPr lang="en-US" dirty="0"/>
-          </a:p>
-        </p:txBody>
-      </p:sp>
+            <p:extLst>
+              <p:ext uri="{D42A27DB-BD31-4B8C-83A1-F6EECF244321}">
+                <p14:modId xmlns:p14="http://schemas.microsoft.com/office/powerpoint/2010/main" val="4086841365"/>
+              </p:ext>
+            </p:extLst>
+          </p:nvPr>
+        </p:nvGraphicFramePr>
+        <p:xfrm>
+          <a:off x="1096963" y="1846263"/>
+          <a:ext cx="4938712" cy="4022725"/>
+        </p:xfrm>
+        <a:graphic>
+          <a:graphicData uri="http://schemas.openxmlformats.org/drawingml/2006/diagram">
+            <dgm:relIds xmlns:dgm="http://schemas.openxmlformats.org/drawingml/2006/diagram" xmlns:r="http://schemas.openxmlformats.org/officeDocument/2006/relationships" r:dm="rId2" r:lo="rId3" r:qs="rId4" r:cs="rId5"/>
+          </a:graphicData>
+        </a:graphic>
+      </p:graphicFrame>
       <p:sp>
         <p:nvSpPr>
           <p:cNvPr id="5" name="Content Placeholder 4">
             <a:extLst>
               <a:ext uri="{FF2B5EF4-FFF2-40B4-BE49-F238E27FC236}">
-                <a16:creationId xmlns:a16="http://schemas.microsoft.com/office/drawing/2014/main" id="{A57F2CE2-0B58-4D31-BE17-96A978CDD6CD}"/>
+                <a16:creationId xmlns:a16="http://schemas.microsoft.com/office/drawing/2014/main" id="{62743E33-D299-4835-B31A-85267056BEB8}"/>
               </a:ext>
             </a:extLst>
           </p:cNvPr>
@@ -14166,14 +14234,29 @@
           <a:bodyPr/>
           <a:lstStyle/>
           <a:p>
-            <a:endParaRPr lang="en-US" dirty="0"/>
+            <a:r>
+              <a:rPr lang="en-US" dirty="0"/>
+              <a:t>Artificial Intelligence (AI): A computer and data driven solution that performs a talk that usually takes the intelligence of a human to complete.</a:t>
+            </a:r>
+          </a:p>
+          <a:p>
+            <a:r>
+              <a:rPr lang="en-US" dirty="0"/>
+              <a:t>Machine Learning: A computer’s (machine’s) ability to learn patterns from data that allow it to complete a specific task.</a:t>
+            </a:r>
+          </a:p>
+          <a:p>
+            <a:r>
+              <a:rPr lang="en-US" dirty="0"/>
+              <a:t>Deep Learning: A subset of machine learning that uses techniques that mimic the actions of a human brain.</a:t>
+            </a:r>
           </a:p>
         </p:txBody>
       </p:sp>
     </p:spTree>
     <p:extLst>
       <p:ext uri="{BB962C8B-B14F-4D97-AF65-F5344CB8AC3E}">
-        <p14:creationId xmlns:p14="http://schemas.microsoft.com/office/powerpoint/2010/main" val="3795618161"/>
+        <p14:creationId xmlns:p14="http://schemas.microsoft.com/office/powerpoint/2010/main" val="2152180907"/>
       </p:ext>
     </p:extLst>
   </p:cSld>
@@ -14218,6 +14301,624 @@
         </p:nvSpPr>
         <p:spPr/>
         <p:txBody>
+          <a:bodyPr>
+            <a:normAutofit/>
+          </a:bodyPr>
+          <a:lstStyle/>
+          <a:p>
+            <a:r>
+              <a:rPr lang="en-US" dirty="0"/>
+              <a:t>Unsupervised versus Supervised Learning</a:t>
+            </a:r>
+          </a:p>
+        </p:txBody>
+      </p:sp>
+      <p:sp>
+        <p:nvSpPr>
+          <p:cNvPr id="4" name="Text Placeholder 3">
+            <a:extLst>
+              <a:ext uri="{FF2B5EF4-FFF2-40B4-BE49-F238E27FC236}">
+                <a16:creationId xmlns:a16="http://schemas.microsoft.com/office/drawing/2014/main" id="{A53ABA73-CB48-4C5F-B569-55A7FFB478C9}"/>
+              </a:ext>
+            </a:extLst>
+          </p:cNvPr>
+          <p:cNvSpPr>
+            <a:spLocks noGrp="1"/>
+          </p:cNvSpPr>
+          <p:nvPr>
+            <p:ph type="body" idx="1"/>
+          </p:nvPr>
+        </p:nvSpPr>
+        <p:spPr/>
+        <p:txBody>
+          <a:bodyPr/>
+          <a:lstStyle/>
+          <a:p>
+            <a:r>
+              <a:rPr lang="en-US" dirty="0"/>
+              <a:t>Unsupervised</a:t>
+            </a:r>
+          </a:p>
+        </p:txBody>
+      </p:sp>
+      <p:sp>
+        <p:nvSpPr>
+          <p:cNvPr id="5" name="Content Placeholder 4">
+            <a:extLst>
+              <a:ext uri="{FF2B5EF4-FFF2-40B4-BE49-F238E27FC236}">
+                <a16:creationId xmlns:a16="http://schemas.microsoft.com/office/drawing/2014/main" id="{124D30D5-5E69-42C0-B6DD-2B5C1DC96A6B}"/>
+              </a:ext>
+            </a:extLst>
+          </p:cNvPr>
+          <p:cNvSpPr>
+            <a:spLocks noGrp="1"/>
+          </p:cNvSpPr>
+          <p:nvPr>
+            <p:ph sz="half" idx="2"/>
+          </p:nvPr>
+        </p:nvSpPr>
+        <p:spPr/>
+        <p:txBody>
+          <a:bodyPr/>
+          <a:lstStyle/>
+          <a:p>
+            <a:pPr marL="0" indent="0">
+              <a:buNone/>
+            </a:pPr>
+            <a:r>
+              <a:rPr lang="en-US" dirty="0"/>
+              <a:t>Analytics and machine learning techniques that look for patterns in data without a target.</a:t>
+            </a:r>
+          </a:p>
+          <a:p>
+            <a:pPr marL="0" indent="0">
+              <a:buNone/>
+            </a:pPr>
+            <a:r>
+              <a:rPr lang="en-US" dirty="0"/>
+              <a:t>Examples:</a:t>
+            </a:r>
+          </a:p>
+          <a:p>
+            <a:pPr>
+              <a:buFont typeface="Arial" panose="020B0604020202020204" pitchFamily="34" charset="0"/>
+              <a:buChar char="•"/>
+            </a:pPr>
+            <a:r>
+              <a:rPr lang="en-US" dirty="0"/>
+              <a:t>K-means clustering</a:t>
+            </a:r>
+          </a:p>
+          <a:p>
+            <a:pPr>
+              <a:buFont typeface="Arial" panose="020B0604020202020204" pitchFamily="34" charset="0"/>
+              <a:buChar char="•"/>
+            </a:pPr>
+            <a:r>
+              <a:rPr lang="en-US" dirty="0"/>
+              <a:t>KNN</a:t>
+            </a:r>
+          </a:p>
+          <a:p>
+            <a:pPr>
+              <a:buFont typeface="Arial" panose="020B0604020202020204" pitchFamily="34" charset="0"/>
+              <a:buChar char="•"/>
+            </a:pPr>
+            <a:r>
+              <a:rPr lang="en-US" dirty="0"/>
+              <a:t>Principal components analysis</a:t>
+            </a:r>
+          </a:p>
+          <a:p>
+            <a:pPr marL="0" indent="0">
+              <a:buNone/>
+            </a:pPr>
+            <a:endParaRPr lang="en-US" dirty="0"/>
+          </a:p>
+          <a:p>
+            <a:pPr marL="0" indent="0">
+              <a:buNone/>
+            </a:pPr>
+            <a:endParaRPr lang="en-US" dirty="0"/>
+          </a:p>
+        </p:txBody>
+      </p:sp>
+      <p:sp>
+        <p:nvSpPr>
+          <p:cNvPr id="6" name="Text Placeholder 5">
+            <a:extLst>
+              <a:ext uri="{FF2B5EF4-FFF2-40B4-BE49-F238E27FC236}">
+                <a16:creationId xmlns:a16="http://schemas.microsoft.com/office/drawing/2014/main" id="{C0ECE3F4-A11B-4BB6-A4A2-D441B992440F}"/>
+              </a:ext>
+            </a:extLst>
+          </p:cNvPr>
+          <p:cNvSpPr>
+            <a:spLocks noGrp="1"/>
+          </p:cNvSpPr>
+          <p:nvPr>
+            <p:ph type="body" sz="quarter" idx="3"/>
+          </p:nvPr>
+        </p:nvSpPr>
+        <p:spPr/>
+        <p:txBody>
+          <a:bodyPr/>
+          <a:lstStyle/>
+          <a:p>
+            <a:r>
+              <a:rPr lang="en-US" dirty="0"/>
+              <a:t>supervised</a:t>
+            </a:r>
+          </a:p>
+        </p:txBody>
+      </p:sp>
+      <p:sp>
+        <p:nvSpPr>
+          <p:cNvPr id="7" name="Content Placeholder 6">
+            <a:extLst>
+              <a:ext uri="{FF2B5EF4-FFF2-40B4-BE49-F238E27FC236}">
+                <a16:creationId xmlns:a16="http://schemas.microsoft.com/office/drawing/2014/main" id="{90B44E02-DF1E-441A-8F16-7A1ABB36C257}"/>
+              </a:ext>
+            </a:extLst>
+          </p:cNvPr>
+          <p:cNvSpPr>
+            <a:spLocks noGrp="1"/>
+          </p:cNvSpPr>
+          <p:nvPr>
+            <p:ph sz="quarter" idx="4"/>
+          </p:nvPr>
+        </p:nvSpPr>
+        <p:spPr/>
+        <p:txBody>
+          <a:bodyPr/>
+          <a:lstStyle/>
+          <a:p>
+            <a:r>
+              <a:rPr lang="en-US" dirty="0"/>
+              <a:t>Machine learning techniques that look for patterns in data that best explain a target.</a:t>
+            </a:r>
+          </a:p>
+          <a:p>
+            <a:r>
+              <a:rPr lang="en-US" dirty="0"/>
+              <a:t>Examples:</a:t>
+            </a:r>
+          </a:p>
+          <a:p>
+            <a:pPr>
+              <a:buFont typeface="Arial" panose="020B0604020202020204" pitchFamily="34" charset="0"/>
+              <a:buChar char="•"/>
+            </a:pPr>
+            <a:r>
+              <a:rPr lang="en-US" dirty="0" err="1"/>
+              <a:t>Elasticnet</a:t>
+            </a:r>
+            <a:r>
+              <a:rPr lang="en-US" dirty="0"/>
+              <a:t> regression</a:t>
+            </a:r>
+          </a:p>
+          <a:p>
+            <a:pPr>
+              <a:buFont typeface="Arial" panose="020B0604020202020204" pitchFamily="34" charset="0"/>
+              <a:buChar char="•"/>
+            </a:pPr>
+            <a:r>
+              <a:rPr lang="en-US" dirty="0"/>
+              <a:t>Spline regression</a:t>
+            </a:r>
+          </a:p>
+          <a:p>
+            <a:pPr>
+              <a:buFont typeface="Arial" panose="020B0604020202020204" pitchFamily="34" charset="0"/>
+              <a:buChar char="•"/>
+            </a:pPr>
+            <a:r>
+              <a:rPr lang="en-US" dirty="0"/>
+              <a:t>Neural networks</a:t>
+            </a:r>
+          </a:p>
+          <a:p>
+            <a:pPr>
+              <a:buFont typeface="Arial" panose="020B0604020202020204" pitchFamily="34" charset="0"/>
+              <a:buChar char="•"/>
+            </a:pPr>
+            <a:r>
+              <a:rPr lang="en-US" dirty="0"/>
+              <a:t>Random Forest Classifiers</a:t>
+            </a:r>
+          </a:p>
+        </p:txBody>
+      </p:sp>
+    </p:spTree>
+    <p:extLst>
+      <p:ext uri="{BB962C8B-B14F-4D97-AF65-F5344CB8AC3E}">
+        <p14:creationId xmlns:p14="http://schemas.microsoft.com/office/powerpoint/2010/main" val="639860742"/>
+      </p:ext>
+    </p:extLst>
+  </p:cSld>
+  <p:clrMapOvr>
+    <a:masterClrMapping/>
+  </p:clrMapOvr>
+</p:sld>
+</file>
+
+<file path=ppt/slides/slide45.xml><?xml version="1.0" encoding="utf-8"?>
+<p:sld xmlns:a="http://schemas.openxmlformats.org/drawingml/2006/main" xmlns:r="http://schemas.openxmlformats.org/officeDocument/2006/relationships" xmlns:p="http://schemas.openxmlformats.org/presentationml/2006/main">
+  <p:cSld>
+    <p:spTree>
+      <p:nvGrpSpPr>
+        <p:cNvPr id="1" name=""/>
+        <p:cNvGrpSpPr/>
+        <p:nvPr/>
+      </p:nvGrpSpPr>
+      <p:grpSpPr>
+        <a:xfrm>
+          <a:off x="0" y="0"/>
+          <a:ext cx="0" cy="0"/>
+          <a:chOff x="0" y="0"/>
+          <a:chExt cx="0" cy="0"/>
+        </a:xfrm>
+      </p:grpSpPr>
+      <p:sp>
+        <p:nvSpPr>
+          <p:cNvPr id="2" name="Title 1">
+            <a:extLst>
+              <a:ext uri="{FF2B5EF4-FFF2-40B4-BE49-F238E27FC236}">
+                <a16:creationId xmlns:a16="http://schemas.microsoft.com/office/drawing/2014/main" id="{1E6EECE1-4016-4AF2-8028-91070003901D}"/>
+              </a:ext>
+            </a:extLst>
+          </p:cNvPr>
+          <p:cNvSpPr>
+            <a:spLocks noGrp="1"/>
+          </p:cNvSpPr>
+          <p:nvPr>
+            <p:ph type="title"/>
+          </p:nvPr>
+        </p:nvSpPr>
+        <p:spPr/>
+        <p:txBody>
+          <a:bodyPr/>
+          <a:lstStyle/>
+          <a:p>
+            <a:r>
+              <a:rPr lang="en-US" dirty="0"/>
+              <a:t>Classification Type Problems (Overview)</a:t>
+            </a:r>
+          </a:p>
+        </p:txBody>
+      </p:sp>
+      <p:sp>
+        <p:nvSpPr>
+          <p:cNvPr id="4" name="Content Placeholder 3">
+            <a:extLst>
+              <a:ext uri="{FF2B5EF4-FFF2-40B4-BE49-F238E27FC236}">
+                <a16:creationId xmlns:a16="http://schemas.microsoft.com/office/drawing/2014/main" id="{63F16612-D04C-46BE-A11D-5258D510C8D0}"/>
+              </a:ext>
+            </a:extLst>
+          </p:cNvPr>
+          <p:cNvSpPr>
+            <a:spLocks noGrp="1"/>
+          </p:cNvSpPr>
+          <p:nvPr>
+            <p:ph sz="half" idx="1"/>
+          </p:nvPr>
+        </p:nvSpPr>
+        <p:spPr/>
+        <p:txBody>
+          <a:bodyPr>
+            <a:normAutofit lnSpcReduction="10000"/>
+          </a:bodyPr>
+          <a:lstStyle/>
+          <a:p>
+            <a:pPr>
+              <a:buFont typeface="Arial" panose="020B0604020202020204" pitchFamily="34" charset="0"/>
+              <a:buChar char="•"/>
+            </a:pPr>
+            <a:r>
+              <a:rPr lang="en-US" dirty="0"/>
+              <a:t>Classification problems are supervised learning problems with a binary or multiclass target</a:t>
+            </a:r>
+          </a:p>
+          <a:p>
+            <a:pPr>
+              <a:buFont typeface="Arial" panose="020B0604020202020204" pitchFamily="34" charset="0"/>
+              <a:buChar char="•"/>
+            </a:pPr>
+            <a:r>
+              <a:rPr lang="en-US" dirty="0"/>
+              <a:t>Think about predicting a 1 or 0</a:t>
+            </a:r>
+          </a:p>
+          <a:p>
+            <a:pPr>
+              <a:buFont typeface="Arial" panose="020B0604020202020204" pitchFamily="34" charset="0"/>
+              <a:buChar char="•"/>
+            </a:pPr>
+            <a:r>
+              <a:rPr lang="en-US" dirty="0"/>
+              <a:t>Think about predicting a 1, 2, 3, or 4</a:t>
+            </a:r>
+          </a:p>
+          <a:p>
+            <a:r>
+              <a:rPr lang="en-US" dirty="0"/>
+              <a:t>Examples:</a:t>
+            </a:r>
+          </a:p>
+          <a:p>
+            <a:pPr>
+              <a:buFont typeface="Arial" panose="020B0604020202020204" pitchFamily="34" charset="0"/>
+              <a:buChar char="•"/>
+            </a:pPr>
+            <a:r>
+              <a:rPr lang="en-US" dirty="0"/>
+              <a:t>How likely is a customer to churn (go to another company/stop buying)?</a:t>
+            </a:r>
+          </a:p>
+          <a:p>
+            <a:pPr>
+              <a:buFont typeface="Arial" panose="020B0604020202020204" pitchFamily="34" charset="0"/>
+              <a:buChar char="•"/>
+            </a:pPr>
+            <a:r>
+              <a:rPr lang="en-US" dirty="0"/>
+              <a:t>How likely is a customer to default on a loan?</a:t>
+            </a:r>
+          </a:p>
+          <a:p>
+            <a:pPr>
+              <a:buFont typeface="Arial" panose="020B0604020202020204" pitchFamily="34" charset="0"/>
+              <a:buChar char="•"/>
+            </a:pPr>
+            <a:r>
+              <a:rPr lang="en-US" dirty="0"/>
+              <a:t>Which type of car will a customer buy?</a:t>
+            </a:r>
+          </a:p>
+          <a:p>
+            <a:pPr>
+              <a:buFont typeface="Arial" panose="020B0604020202020204" pitchFamily="34" charset="0"/>
+              <a:buChar char="•"/>
+            </a:pPr>
+            <a:r>
+              <a:rPr lang="en-US" dirty="0"/>
+              <a:t>Will a shipment deliver on time?</a:t>
+            </a:r>
+          </a:p>
+        </p:txBody>
+      </p:sp>
+      <p:sp>
+        <p:nvSpPr>
+          <p:cNvPr id="5" name="Content Placeholder 4">
+            <a:extLst>
+              <a:ext uri="{FF2B5EF4-FFF2-40B4-BE49-F238E27FC236}">
+                <a16:creationId xmlns:a16="http://schemas.microsoft.com/office/drawing/2014/main" id="{6975756F-A068-44D2-9453-198AABB2D9A1}"/>
+              </a:ext>
+            </a:extLst>
+          </p:cNvPr>
+          <p:cNvSpPr>
+            <a:spLocks noGrp="1"/>
+          </p:cNvSpPr>
+          <p:nvPr>
+            <p:ph sz="half" idx="2"/>
+          </p:nvPr>
+        </p:nvSpPr>
+        <p:spPr/>
+        <p:txBody>
+          <a:bodyPr>
+            <a:normAutofit lnSpcReduction="10000"/>
+          </a:bodyPr>
+          <a:lstStyle/>
+          <a:p>
+            <a:endParaRPr lang="en-US" dirty="0"/>
+          </a:p>
+        </p:txBody>
+      </p:sp>
+    </p:spTree>
+    <p:extLst>
+      <p:ext uri="{BB962C8B-B14F-4D97-AF65-F5344CB8AC3E}">
+        <p14:creationId xmlns:p14="http://schemas.microsoft.com/office/powerpoint/2010/main" val="4244387907"/>
+      </p:ext>
+    </p:extLst>
+  </p:cSld>
+  <p:clrMapOvr>
+    <a:masterClrMapping/>
+  </p:clrMapOvr>
+</p:sld>
+</file>
+
+<file path=ppt/slides/slide46.xml><?xml version="1.0" encoding="utf-8"?>
+<p:sld xmlns:a="http://schemas.openxmlformats.org/drawingml/2006/main" xmlns:r="http://schemas.openxmlformats.org/officeDocument/2006/relationships" xmlns:p="http://schemas.openxmlformats.org/presentationml/2006/main">
+  <p:cSld>
+    <p:spTree>
+      <p:nvGrpSpPr>
+        <p:cNvPr id="1" name=""/>
+        <p:cNvGrpSpPr/>
+        <p:nvPr/>
+      </p:nvGrpSpPr>
+      <p:grpSpPr>
+        <a:xfrm>
+          <a:off x="0" y="0"/>
+          <a:ext cx="0" cy="0"/>
+          <a:chOff x="0" y="0"/>
+          <a:chExt cx="0" cy="0"/>
+        </a:xfrm>
+      </p:grpSpPr>
+      <p:sp>
+        <p:nvSpPr>
+          <p:cNvPr id="2" name="Title 1">
+            <a:extLst>
+              <a:ext uri="{FF2B5EF4-FFF2-40B4-BE49-F238E27FC236}">
+                <a16:creationId xmlns:a16="http://schemas.microsoft.com/office/drawing/2014/main" id="{1E6EECE1-4016-4AF2-8028-91070003901D}"/>
+              </a:ext>
+            </a:extLst>
+          </p:cNvPr>
+          <p:cNvSpPr>
+            <a:spLocks noGrp="1"/>
+          </p:cNvSpPr>
+          <p:nvPr>
+            <p:ph type="title"/>
+          </p:nvPr>
+        </p:nvSpPr>
+        <p:spPr/>
+        <p:txBody>
+          <a:bodyPr/>
+          <a:lstStyle/>
+          <a:p>
+            <a:r>
+              <a:rPr lang="en-US" dirty="0"/>
+              <a:t>Regression Type Problems</a:t>
+            </a:r>
+          </a:p>
+        </p:txBody>
+      </p:sp>
+      <p:sp>
+        <p:nvSpPr>
+          <p:cNvPr id="4" name="Content Placeholder 3">
+            <a:extLst>
+              <a:ext uri="{FF2B5EF4-FFF2-40B4-BE49-F238E27FC236}">
+                <a16:creationId xmlns:a16="http://schemas.microsoft.com/office/drawing/2014/main" id="{D4561760-4D84-410D-B4A0-9371D63B7D3E}"/>
+              </a:ext>
+            </a:extLst>
+          </p:cNvPr>
+          <p:cNvSpPr>
+            <a:spLocks noGrp="1"/>
+          </p:cNvSpPr>
+          <p:nvPr>
+            <p:ph sz="half" idx="1"/>
+          </p:nvPr>
+        </p:nvSpPr>
+        <p:spPr/>
+        <p:txBody>
+          <a:bodyPr/>
+          <a:lstStyle/>
+          <a:p>
+            <a:pPr>
+              <a:buFont typeface="Arial" panose="020B0604020202020204" pitchFamily="34" charset="0"/>
+              <a:buChar char="•"/>
+            </a:pPr>
+            <a:r>
+              <a:rPr lang="en-US" dirty="0"/>
+              <a:t>Regression problems are supervised learning problems with a continuous target.</a:t>
+            </a:r>
+          </a:p>
+          <a:p>
+            <a:pPr>
+              <a:buFont typeface="Arial" panose="020B0604020202020204" pitchFamily="34" charset="0"/>
+              <a:buChar char="•"/>
+            </a:pPr>
+            <a:r>
+              <a:rPr lang="en-US" dirty="0"/>
+              <a:t>Think about predicting a number on a scale</a:t>
+            </a:r>
+          </a:p>
+          <a:p>
+            <a:r>
+              <a:rPr lang="en-US" dirty="0"/>
+              <a:t>Examples:</a:t>
+            </a:r>
+          </a:p>
+          <a:p>
+            <a:pPr>
+              <a:buFont typeface="Arial" panose="020B0604020202020204" pitchFamily="34" charset="0"/>
+              <a:buChar char="•"/>
+            </a:pPr>
+            <a:r>
+              <a:rPr lang="en-US" dirty="0"/>
+              <a:t>How long will a shipment take to be delivered?</a:t>
+            </a:r>
+          </a:p>
+          <a:p>
+            <a:pPr>
+              <a:buFont typeface="Arial" panose="020B0604020202020204" pitchFamily="34" charset="0"/>
+              <a:buChar char="•"/>
+            </a:pPr>
+            <a:r>
+              <a:rPr lang="en-US" dirty="0"/>
+              <a:t>How many mugs will we sell in January if we decrease price</a:t>
+            </a:r>
+          </a:p>
+          <a:p>
+            <a:pPr marL="0" indent="0">
+              <a:buNone/>
+            </a:pPr>
+            <a:endParaRPr lang="en-US" dirty="0"/>
+          </a:p>
+        </p:txBody>
+      </p:sp>
+      <p:sp>
+        <p:nvSpPr>
+          <p:cNvPr id="5" name="Content Placeholder 4">
+            <a:extLst>
+              <a:ext uri="{FF2B5EF4-FFF2-40B4-BE49-F238E27FC236}">
+                <a16:creationId xmlns:a16="http://schemas.microsoft.com/office/drawing/2014/main" id="{A57F2CE2-0B58-4D31-BE17-96A978CDD6CD}"/>
+              </a:ext>
+            </a:extLst>
+          </p:cNvPr>
+          <p:cNvSpPr>
+            <a:spLocks noGrp="1"/>
+          </p:cNvSpPr>
+          <p:nvPr>
+            <p:ph sz="half" idx="2"/>
+          </p:nvPr>
+        </p:nvSpPr>
+        <p:spPr/>
+        <p:txBody>
+          <a:bodyPr/>
+          <a:lstStyle/>
+          <a:p>
+            <a:endParaRPr lang="en-US" dirty="0"/>
+          </a:p>
+        </p:txBody>
+      </p:sp>
+    </p:spTree>
+    <p:extLst>
+      <p:ext uri="{BB962C8B-B14F-4D97-AF65-F5344CB8AC3E}">
+        <p14:creationId xmlns:p14="http://schemas.microsoft.com/office/powerpoint/2010/main" val="3795618161"/>
+      </p:ext>
+    </p:extLst>
+  </p:cSld>
+  <p:clrMapOvr>
+    <a:masterClrMapping/>
+  </p:clrMapOvr>
+</p:sld>
+</file>
+
+<file path=ppt/slides/slide47.xml><?xml version="1.0" encoding="utf-8"?>
+<p:sld xmlns:a="http://schemas.openxmlformats.org/drawingml/2006/main" xmlns:r="http://schemas.openxmlformats.org/officeDocument/2006/relationships" xmlns:p="http://schemas.openxmlformats.org/presentationml/2006/main">
+  <p:cSld>
+    <p:spTree>
+      <p:nvGrpSpPr>
+        <p:cNvPr id="1" name=""/>
+        <p:cNvGrpSpPr/>
+        <p:nvPr/>
+      </p:nvGrpSpPr>
+      <p:grpSpPr>
+        <a:xfrm>
+          <a:off x="0" y="0"/>
+          <a:ext cx="0" cy="0"/>
+          <a:chOff x="0" y="0"/>
+          <a:chExt cx="0" cy="0"/>
+        </a:xfrm>
+      </p:grpSpPr>
+      <p:sp>
+        <p:nvSpPr>
+          <p:cNvPr id="2" name="Title 1">
+            <a:extLst>
+              <a:ext uri="{FF2B5EF4-FFF2-40B4-BE49-F238E27FC236}">
+                <a16:creationId xmlns:a16="http://schemas.microsoft.com/office/drawing/2014/main" id="{80B1887C-D564-4E92-A6E2-6992EE55FB46}"/>
+              </a:ext>
+            </a:extLst>
+          </p:cNvPr>
+          <p:cNvSpPr>
+            <a:spLocks noGrp="1"/>
+          </p:cNvSpPr>
+          <p:nvPr>
+            <p:ph type="title"/>
+          </p:nvPr>
+        </p:nvSpPr>
+        <p:spPr/>
+        <p:txBody>
           <a:bodyPr/>
           <a:lstStyle/>
           <a:p>
@@ -14287,7 +14988,7 @@
 </p:sld>
 </file>
 
-<file path=ppt/slides/slide45.xml><?xml version="1.0" encoding="utf-8"?>
+<file path=ppt/slides/slide48.xml><?xml version="1.0" encoding="utf-8"?>
 <p:sld xmlns:a="http://schemas.openxmlformats.org/drawingml/2006/main" xmlns:r="http://schemas.openxmlformats.org/officeDocument/2006/relationships" xmlns:p="http://schemas.openxmlformats.org/presentationml/2006/main">
   <p:cSld>
     <p:spTree>
@@ -14648,7 +15349,7 @@
 </p:sld>
 </file>
 
-<file path=ppt/slides/slide46.xml><?xml version="1.0" encoding="utf-8"?>
+<file path=ppt/slides/slide49.xml><?xml version="1.0" encoding="utf-8"?>
 <p:sld xmlns:a="http://schemas.openxmlformats.org/drawingml/2006/main" xmlns:r="http://schemas.openxmlformats.org/officeDocument/2006/relationships" xmlns:p="http://schemas.openxmlformats.org/presentationml/2006/main">
   <p:cSld>
     <p:spTree>
@@ -14921,504 +15622,6 @@
 </p:sld>
 </file>
 
-<file path=ppt/slides/slide47.xml><?xml version="1.0" encoding="utf-8"?>
-<p:sld xmlns:a="http://schemas.openxmlformats.org/drawingml/2006/main" xmlns:r="http://schemas.openxmlformats.org/officeDocument/2006/relationships" xmlns:p="http://schemas.openxmlformats.org/presentationml/2006/main">
-  <p:cSld>
-    <p:spTree>
-      <p:nvGrpSpPr>
-        <p:cNvPr id="1" name=""/>
-        <p:cNvGrpSpPr/>
-        <p:nvPr/>
-      </p:nvGrpSpPr>
-      <p:grpSpPr>
-        <a:xfrm>
-          <a:off x="0" y="0"/>
-          <a:ext cx="0" cy="0"/>
-          <a:chOff x="0" y="0"/>
-          <a:chExt cx="0" cy="0"/>
-        </a:xfrm>
-      </p:grpSpPr>
-      <p:sp>
-        <p:nvSpPr>
-          <p:cNvPr id="2" name="Title 1">
-            <a:extLst>
-              <a:ext uri="{FF2B5EF4-FFF2-40B4-BE49-F238E27FC236}">
-                <a16:creationId xmlns:a16="http://schemas.microsoft.com/office/drawing/2014/main" id="{807BE763-80FE-477B-8655-BE89958C39FE}"/>
-              </a:ext>
-            </a:extLst>
-          </p:cNvPr>
-          <p:cNvSpPr>
-            <a:spLocks noGrp="1"/>
-          </p:cNvSpPr>
-          <p:nvPr>
-            <p:ph type="title"/>
-          </p:nvPr>
-        </p:nvSpPr>
-        <p:spPr/>
-        <p:txBody>
-          <a:bodyPr/>
-          <a:lstStyle/>
-          <a:p>
-            <a:r>
-              <a:rPr lang="en-US" dirty="0"/>
-              <a:t>Fitting a Regression Model</a:t>
-            </a:r>
-          </a:p>
-        </p:txBody>
-      </p:sp>
-      <p:sp>
-        <p:nvSpPr>
-          <p:cNvPr id="6" name="Text Placeholder 5">
-            <a:extLst>
-              <a:ext uri="{FF2B5EF4-FFF2-40B4-BE49-F238E27FC236}">
-                <a16:creationId xmlns:a16="http://schemas.microsoft.com/office/drawing/2014/main" id="{5F6F14FA-F1C4-4495-B9C3-7F109E745A9E}"/>
-              </a:ext>
-            </a:extLst>
-          </p:cNvPr>
-          <p:cNvSpPr>
-            <a:spLocks noGrp="1"/>
-          </p:cNvSpPr>
-          <p:nvPr>
-            <p:ph type="body" idx="1"/>
-          </p:nvPr>
-        </p:nvSpPr>
-        <p:spPr/>
-        <p:txBody>
-          <a:bodyPr/>
-          <a:lstStyle/>
-          <a:p>
-            <a:r>
-              <a:rPr lang="en-US" dirty="0" err="1"/>
-              <a:t>Scikit</a:t>
-            </a:r>
-            <a:r>
-              <a:rPr lang="en-US" dirty="0"/>
-              <a:t> learn</a:t>
-            </a:r>
-          </a:p>
-        </p:txBody>
-      </p:sp>
-      <p:sp>
-        <p:nvSpPr>
-          <p:cNvPr id="7" name="Content Placeholder 6">
-            <a:extLst>
-              <a:ext uri="{FF2B5EF4-FFF2-40B4-BE49-F238E27FC236}">
-                <a16:creationId xmlns:a16="http://schemas.microsoft.com/office/drawing/2014/main" id="{DD82AB87-FE2F-4C9B-AE43-59651504B9CB}"/>
-              </a:ext>
-            </a:extLst>
-          </p:cNvPr>
-          <p:cNvSpPr>
-            <a:spLocks noGrp="1"/>
-          </p:cNvSpPr>
-          <p:nvPr>
-            <p:ph sz="half" idx="2"/>
-          </p:nvPr>
-        </p:nvSpPr>
-        <p:spPr/>
-        <p:txBody>
-          <a:bodyPr>
-            <a:normAutofit fontScale="85000" lnSpcReduction="20000"/>
-          </a:bodyPr>
-          <a:lstStyle/>
-          <a:p>
-            <a:pPr>
-              <a:buFont typeface="Arial" panose="020B0604020202020204" pitchFamily="34" charset="0"/>
-              <a:buChar char="•"/>
-            </a:pPr>
-            <a:r>
-              <a:rPr lang="en-US" dirty="0"/>
-              <a:t>You need a target and explanatory (exogenous) variables with the same length</a:t>
-            </a:r>
-          </a:p>
-          <a:p>
-            <a:pPr>
-              <a:buFont typeface="Arial" panose="020B0604020202020204" pitchFamily="34" charset="0"/>
-              <a:buChar char="•"/>
-            </a:pPr>
-            <a:r>
-              <a:rPr lang="en-US" dirty="0"/>
-              <a:t>Import the package</a:t>
-            </a:r>
-          </a:p>
-          <a:p>
-            <a:endParaRPr lang="en-US" dirty="0"/>
-          </a:p>
-        </p:txBody>
-      </p:sp>
-      <p:sp>
-        <p:nvSpPr>
-          <p:cNvPr id="8" name="Text Placeholder 7">
-            <a:extLst>
-              <a:ext uri="{FF2B5EF4-FFF2-40B4-BE49-F238E27FC236}">
-                <a16:creationId xmlns:a16="http://schemas.microsoft.com/office/drawing/2014/main" id="{91C96F1B-71A0-4F56-AE4E-C821127FA753}"/>
-              </a:ext>
-            </a:extLst>
-          </p:cNvPr>
-          <p:cNvSpPr>
-            <a:spLocks noGrp="1"/>
-          </p:cNvSpPr>
-          <p:nvPr>
-            <p:ph type="body" sz="quarter" idx="3"/>
-          </p:nvPr>
-        </p:nvSpPr>
-        <p:spPr/>
-        <p:txBody>
-          <a:bodyPr/>
-          <a:lstStyle/>
-          <a:p>
-            <a:r>
-              <a:rPr lang="en-US" dirty="0" err="1"/>
-              <a:t>statsmodels</a:t>
-            </a:r>
-            <a:endParaRPr lang="en-US" dirty="0"/>
-          </a:p>
-        </p:txBody>
-      </p:sp>
-      <p:sp>
-        <p:nvSpPr>
-          <p:cNvPr id="9" name="Content Placeholder 8">
-            <a:extLst>
-              <a:ext uri="{FF2B5EF4-FFF2-40B4-BE49-F238E27FC236}">
-                <a16:creationId xmlns:a16="http://schemas.microsoft.com/office/drawing/2014/main" id="{A18DB7F5-0C0A-48ED-8EFB-D90910755F9E}"/>
-              </a:ext>
-            </a:extLst>
-          </p:cNvPr>
-          <p:cNvSpPr>
-            <a:spLocks noGrp="1"/>
-          </p:cNvSpPr>
-          <p:nvPr>
-            <p:ph sz="quarter" idx="4"/>
-          </p:nvPr>
-        </p:nvSpPr>
-        <p:spPr/>
-        <p:txBody>
-          <a:bodyPr>
-            <a:normAutofit fontScale="85000" lnSpcReduction="20000"/>
-          </a:bodyPr>
-          <a:lstStyle/>
-          <a:p>
-            <a:pPr>
-              <a:buFont typeface="Arial" panose="020B0604020202020204" pitchFamily="34" charset="0"/>
-              <a:buChar char="•"/>
-            </a:pPr>
-            <a:r>
-              <a:rPr lang="en-US" dirty="0"/>
-              <a:t>You need a target and explanatory (exogenous) variables with the same length</a:t>
-            </a:r>
-          </a:p>
-          <a:p>
-            <a:pPr>
-              <a:buFont typeface="Arial" panose="020B0604020202020204" pitchFamily="34" charset="0"/>
-              <a:buChar char="•"/>
-            </a:pPr>
-            <a:r>
-              <a:rPr lang="en-US" dirty="0"/>
-              <a:t>Import the package</a:t>
-            </a:r>
-          </a:p>
-          <a:p>
-            <a:pPr>
-              <a:buFont typeface="Arial" panose="020B0604020202020204" pitchFamily="34" charset="0"/>
-              <a:buChar char="•"/>
-            </a:pPr>
-            <a:endParaRPr lang="en-US" dirty="0"/>
-          </a:p>
-          <a:p>
-            <a:pPr>
-              <a:buFont typeface="Arial" panose="020B0604020202020204" pitchFamily="34" charset="0"/>
-              <a:buChar char="•"/>
-            </a:pPr>
-            <a:endParaRPr lang="en-US" dirty="0"/>
-          </a:p>
-          <a:p>
-            <a:pPr>
-              <a:buFont typeface="Arial" panose="020B0604020202020204" pitchFamily="34" charset="0"/>
-              <a:buChar char="•"/>
-            </a:pPr>
-            <a:endParaRPr lang="en-US" dirty="0"/>
-          </a:p>
-          <a:p>
-            <a:pPr>
-              <a:buFont typeface="Arial" panose="020B0604020202020204" pitchFamily="34" charset="0"/>
-              <a:buChar char="•"/>
-            </a:pPr>
-            <a:endParaRPr lang="en-US" dirty="0"/>
-          </a:p>
-          <a:p>
-            <a:pPr>
-              <a:buFont typeface="Arial" panose="020B0604020202020204" pitchFamily="34" charset="0"/>
-              <a:buChar char="•"/>
-            </a:pPr>
-            <a:r>
-              <a:rPr lang="en-US" dirty="0"/>
-              <a:t>A nice pro for the </a:t>
-            </a:r>
-            <a:r>
-              <a:rPr lang="en-US" dirty="0" err="1"/>
-              <a:t>statsmodels</a:t>
-            </a:r>
-            <a:r>
-              <a:rPr lang="en-US" dirty="0"/>
-              <a:t> package is the ease of viewing results</a:t>
-            </a:r>
-          </a:p>
-          <a:p>
-            <a:pPr>
-              <a:buFont typeface="Arial" panose="020B0604020202020204" pitchFamily="34" charset="0"/>
-              <a:buChar char="•"/>
-            </a:pPr>
-            <a:r>
-              <a:rPr lang="en-US" dirty="0"/>
-              <a:t>If you use or plan on using R for your job, then a lot of this package will make sense to you</a:t>
-            </a:r>
-          </a:p>
-        </p:txBody>
-      </p:sp>
-    </p:spTree>
-    <p:extLst>
-      <p:ext uri="{BB962C8B-B14F-4D97-AF65-F5344CB8AC3E}">
-        <p14:creationId xmlns:p14="http://schemas.microsoft.com/office/powerpoint/2010/main" val="2279381107"/>
-      </p:ext>
-    </p:extLst>
-  </p:cSld>
-  <p:clrMapOvr>
-    <a:masterClrMapping/>
-  </p:clrMapOvr>
-</p:sld>
-</file>
-
-<file path=ppt/slides/slide48.xml><?xml version="1.0" encoding="utf-8"?>
-<p:sld xmlns:a="http://schemas.openxmlformats.org/drawingml/2006/main" xmlns:r="http://schemas.openxmlformats.org/officeDocument/2006/relationships" xmlns:p="http://schemas.openxmlformats.org/presentationml/2006/main">
-  <p:cSld>
-    <p:spTree>
-      <p:nvGrpSpPr>
-        <p:cNvPr id="1" name=""/>
-        <p:cNvGrpSpPr/>
-        <p:nvPr/>
-      </p:nvGrpSpPr>
-      <p:grpSpPr>
-        <a:xfrm>
-          <a:off x="0" y="0"/>
-          <a:ext cx="0" cy="0"/>
-          <a:chOff x="0" y="0"/>
-          <a:chExt cx="0" cy="0"/>
-        </a:xfrm>
-      </p:grpSpPr>
-      <p:sp>
-        <p:nvSpPr>
-          <p:cNvPr id="2" name="Title 1">
-            <a:extLst>
-              <a:ext uri="{FF2B5EF4-FFF2-40B4-BE49-F238E27FC236}">
-                <a16:creationId xmlns:a16="http://schemas.microsoft.com/office/drawing/2014/main" id="{17F92DC2-8A5A-430A-94E4-FE918BA114E1}"/>
-              </a:ext>
-            </a:extLst>
-          </p:cNvPr>
-          <p:cNvSpPr>
-            <a:spLocks noGrp="1"/>
-          </p:cNvSpPr>
-          <p:nvPr>
-            <p:ph type="title"/>
-          </p:nvPr>
-        </p:nvSpPr>
-        <p:spPr/>
-        <p:txBody>
-          <a:bodyPr/>
-          <a:lstStyle/>
-          <a:p>
-            <a:r>
-              <a:rPr lang="en-US" dirty="0"/>
-              <a:t>Viewing Results &amp; Next Steps</a:t>
-            </a:r>
-          </a:p>
-        </p:txBody>
-      </p:sp>
-      <p:sp>
-        <p:nvSpPr>
-          <p:cNvPr id="4" name="Content Placeholder 3">
-            <a:extLst>
-              <a:ext uri="{FF2B5EF4-FFF2-40B4-BE49-F238E27FC236}">
-                <a16:creationId xmlns:a16="http://schemas.microsoft.com/office/drawing/2014/main" id="{CFFD67B3-18A2-4246-8F35-EAB38F4ADB1D}"/>
-              </a:ext>
-            </a:extLst>
-          </p:cNvPr>
-          <p:cNvSpPr>
-            <a:spLocks noGrp="1"/>
-          </p:cNvSpPr>
-          <p:nvPr>
-            <p:ph sz="half" idx="1"/>
-          </p:nvPr>
-        </p:nvSpPr>
-        <p:spPr/>
-        <p:txBody>
-          <a:bodyPr/>
-          <a:lstStyle/>
-          <a:p>
-            <a:endParaRPr lang="en-US"/>
-          </a:p>
-        </p:txBody>
-      </p:sp>
-      <p:sp>
-        <p:nvSpPr>
-          <p:cNvPr id="5" name="Content Placeholder 4">
-            <a:extLst>
-              <a:ext uri="{FF2B5EF4-FFF2-40B4-BE49-F238E27FC236}">
-                <a16:creationId xmlns:a16="http://schemas.microsoft.com/office/drawing/2014/main" id="{172E9FB7-6417-4FE1-8A20-352A7E397C7B}"/>
-              </a:ext>
-            </a:extLst>
-          </p:cNvPr>
-          <p:cNvSpPr>
-            <a:spLocks noGrp="1"/>
-          </p:cNvSpPr>
-          <p:nvPr>
-            <p:ph sz="half" idx="2"/>
-          </p:nvPr>
-        </p:nvSpPr>
-        <p:spPr/>
-        <p:txBody>
-          <a:bodyPr/>
-          <a:lstStyle/>
-          <a:p>
-            <a:endParaRPr lang="en-US"/>
-          </a:p>
-        </p:txBody>
-      </p:sp>
-    </p:spTree>
-    <p:extLst>
-      <p:ext uri="{BB962C8B-B14F-4D97-AF65-F5344CB8AC3E}">
-        <p14:creationId xmlns:p14="http://schemas.microsoft.com/office/powerpoint/2010/main" val="364919299"/>
-      </p:ext>
-    </p:extLst>
-  </p:cSld>
-  <p:clrMapOvr>
-    <a:masterClrMapping/>
-  </p:clrMapOvr>
-</p:sld>
-</file>
-
-<file path=ppt/slides/slide49.xml><?xml version="1.0" encoding="utf-8"?>
-<p:sld xmlns:a="http://schemas.openxmlformats.org/drawingml/2006/main" xmlns:r="http://schemas.openxmlformats.org/officeDocument/2006/relationships" xmlns:p="http://schemas.openxmlformats.org/presentationml/2006/main">
-  <p:cSld>
-    <p:spTree>
-      <p:nvGrpSpPr>
-        <p:cNvPr id="1" name=""/>
-        <p:cNvGrpSpPr/>
-        <p:nvPr/>
-      </p:nvGrpSpPr>
-      <p:grpSpPr>
-        <a:xfrm>
-          <a:off x="0" y="0"/>
-          <a:ext cx="0" cy="0"/>
-          <a:chOff x="0" y="0"/>
-          <a:chExt cx="0" cy="0"/>
-        </a:xfrm>
-      </p:grpSpPr>
-      <p:sp>
-        <p:nvSpPr>
-          <p:cNvPr id="2" name="Title 1">
-            <a:extLst>
-              <a:ext uri="{FF2B5EF4-FFF2-40B4-BE49-F238E27FC236}">
-                <a16:creationId xmlns:a16="http://schemas.microsoft.com/office/drawing/2014/main" id="{37F47C21-4937-4FE1-BE59-56D978F65B8D}"/>
-              </a:ext>
-            </a:extLst>
-          </p:cNvPr>
-          <p:cNvSpPr>
-            <a:spLocks noGrp="1"/>
-          </p:cNvSpPr>
-          <p:nvPr>
-            <p:ph type="title"/>
-          </p:nvPr>
-        </p:nvSpPr>
-        <p:spPr/>
-        <p:txBody>
-          <a:bodyPr/>
-          <a:lstStyle/>
-          <a:p>
-            <a:r>
-              <a:rPr lang="en-US" dirty="0"/>
-              <a:t>Homework (Due March 18, 2020)</a:t>
-            </a:r>
-          </a:p>
-        </p:txBody>
-      </p:sp>
-      <p:sp>
-        <p:nvSpPr>
-          <p:cNvPr id="3" name="Content Placeholder 2">
-            <a:extLst>
-              <a:ext uri="{FF2B5EF4-FFF2-40B4-BE49-F238E27FC236}">
-                <a16:creationId xmlns:a16="http://schemas.microsoft.com/office/drawing/2014/main" id="{4BA640D3-C44B-4A6D-8102-C32143FBADEB}"/>
-              </a:ext>
-            </a:extLst>
-          </p:cNvPr>
-          <p:cNvSpPr>
-            <a:spLocks noGrp="1"/>
-          </p:cNvSpPr>
-          <p:nvPr>
-            <p:ph idx="1"/>
-          </p:nvPr>
-        </p:nvSpPr>
-        <p:spPr/>
-        <p:txBody>
-          <a:bodyPr/>
-          <a:lstStyle/>
-          <a:p>
-            <a:pPr>
-              <a:buFont typeface="Arial" panose="020B0604020202020204" pitchFamily="34" charset="0"/>
-              <a:buChar char="•"/>
-            </a:pPr>
-            <a:r>
-              <a:rPr lang="en-US" dirty="0"/>
-              <a:t>Complete the notebook on regression type problems</a:t>
-            </a:r>
-          </a:p>
-          <a:p>
-            <a:pPr>
-              <a:buFont typeface="Arial" panose="020B0604020202020204" pitchFamily="34" charset="0"/>
-              <a:buChar char="•"/>
-            </a:pPr>
-            <a:r>
-              <a:rPr lang="en-US" dirty="0"/>
-              <a:t>Add a log transformation step to the transformation pipeline &amp; documentation</a:t>
-            </a:r>
-          </a:p>
-          <a:p>
-            <a:pPr>
-              <a:buFont typeface="Arial" panose="020B0604020202020204" pitchFamily="34" charset="0"/>
-              <a:buChar char="•"/>
-            </a:pPr>
-            <a:r>
-              <a:rPr lang="en-US" dirty="0"/>
-              <a:t>Fit a regression model to our dataset and add include the fitted model</a:t>
-            </a:r>
-          </a:p>
-          <a:p>
-            <a:pPr>
-              <a:buFont typeface="Arial" panose="020B0604020202020204" pitchFamily="34" charset="0"/>
-              <a:buChar char="•"/>
-            </a:pPr>
-            <a:endParaRPr lang="en-US" dirty="0"/>
-          </a:p>
-          <a:p>
-            <a:pPr>
-              <a:buFont typeface="Arial" panose="020B0604020202020204" pitchFamily="34" charset="0"/>
-              <a:buChar char="•"/>
-            </a:pPr>
-            <a:endParaRPr lang="en-US" dirty="0"/>
-          </a:p>
-        </p:txBody>
-      </p:sp>
-    </p:spTree>
-    <p:extLst>
-      <p:ext uri="{BB962C8B-B14F-4D97-AF65-F5344CB8AC3E}">
-        <p14:creationId xmlns:p14="http://schemas.microsoft.com/office/powerpoint/2010/main" val="1884213234"/>
-      </p:ext>
-    </p:extLst>
-  </p:cSld>
-  <p:clrMapOvr>
-    <a:masterClrMapping/>
-  </p:clrMapOvr>
-</p:sld>
-</file>
-
 <file path=ppt/slides/slide5.xml><?xml version="1.0" encoding="utf-8"?>
 <p:sld xmlns:a="http://schemas.openxmlformats.org/drawingml/2006/main" xmlns:r="http://schemas.openxmlformats.org/officeDocument/2006/relationships" xmlns:p="http://schemas.openxmlformats.org/presentationml/2006/main">
   <p:cSld>
@@ -15441,7 +15644,7 @@
           <p:cNvPr id="2" name="Title 1">
             <a:extLst>
               <a:ext uri="{FF2B5EF4-FFF2-40B4-BE49-F238E27FC236}">
-                <a16:creationId xmlns:a16="http://schemas.microsoft.com/office/drawing/2014/main" id="{1FF171EE-4A44-4A3A-ACFF-D1FEB1EC1C1E}"/>
+                <a16:creationId xmlns:a16="http://schemas.microsoft.com/office/drawing/2014/main" id="{D2E6C308-D543-47BE-9DA4-3F6539A6D8E6}"/>
               </a:ext>
             </a:extLst>
           </p:cNvPr>
@@ -15459,7 +15662,7 @@
           <a:p>
             <a:r>
               <a:rPr lang="en-US" dirty="0"/>
-              <a:t>Class Schedule (Tentative)</a:t>
+              <a:t>Personal Introductions</a:t>
             </a:r>
           </a:p>
         </p:txBody>
@@ -15469,7 +15672,7 @@
           <p:cNvPr id="3" name="Content Placeholder 2">
             <a:extLst>
               <a:ext uri="{FF2B5EF4-FFF2-40B4-BE49-F238E27FC236}">
-                <a16:creationId xmlns:a16="http://schemas.microsoft.com/office/drawing/2014/main" id="{5B75CD81-F052-4792-9622-640DE7B80583}"/>
+                <a16:creationId xmlns:a16="http://schemas.microsoft.com/office/drawing/2014/main" id="{8FDA4BE2-9027-407C-9966-BB77F3800853}"/>
               </a:ext>
             </a:extLst>
           </p:cNvPr>
@@ -15482,103 +15685,46 @@
         </p:nvSpPr>
         <p:spPr/>
         <p:txBody>
-          <a:bodyPr>
-            <a:normAutofit/>
-          </a:bodyPr>
+          <a:bodyPr/>
           <a:lstStyle/>
           <a:p>
-            <a:pPr marL="0" indent="0">
-              <a:buNone/>
+            <a:pPr marL="457200" indent="-457200">
+              <a:buFont typeface="+mj-lt"/>
+              <a:buAutoNum type="arabicPeriod"/>
             </a:pPr>
             <a:r>
               <a:rPr lang="en-US" dirty="0"/>
-              <a:t>Schedule</a:t>
-            </a:r>
-          </a:p>
-          <a:p>
-            <a:pPr>
-              <a:buFont typeface="Arial" panose="020B0604020202020204" pitchFamily="34" charset="0"/>
-              <a:buChar char="•"/>
+              <a:t>Name</a:t>
+            </a:r>
+          </a:p>
+          <a:p>
+            <a:pPr marL="457200" indent="-457200">
+              <a:buFont typeface="+mj-lt"/>
+              <a:buAutoNum type="arabicPeriod"/>
             </a:pPr>
             <a:r>
               <a:rPr lang="en-US" dirty="0"/>
-              <a:t>Week 1 (This week): Get you started with </a:t>
-            </a:r>
-            <a:r>
-              <a:rPr lang="en-US" dirty="0" err="1"/>
-              <a:t>Github</a:t>
-            </a:r>
-            <a:r>
-              <a:rPr lang="en-US" dirty="0"/>
-              <a:t>, Python, and </a:t>
-            </a:r>
-            <a:r>
-              <a:rPr lang="en-US" dirty="0" err="1"/>
-              <a:t>Jupyter</a:t>
-            </a:r>
-            <a:r>
-              <a:rPr lang="en-US" dirty="0"/>
-              <a:t> Notebooks</a:t>
-            </a:r>
-          </a:p>
-          <a:p>
-            <a:pPr>
-              <a:buFont typeface="Arial" panose="020B0604020202020204" pitchFamily="34" charset="0"/>
-              <a:buChar char="•"/>
+              <a:t>Major or What you are studying</a:t>
+            </a:r>
+          </a:p>
+          <a:p>
+            <a:pPr marL="457200" indent="-457200">
+              <a:buFont typeface="+mj-lt"/>
+              <a:buAutoNum type="arabicPeriod"/>
             </a:pPr>
             <a:r>
               <a:rPr lang="en-US" dirty="0"/>
-              <a:t>Week 2: Visualize data with python, interpret graphs, distributions</a:t>
-            </a:r>
-          </a:p>
-          <a:p>
-            <a:pPr>
-              <a:buFont typeface="Arial" panose="020B0604020202020204" pitchFamily="34" charset="0"/>
-              <a:buChar char="•"/>
+              <a:t>Undergraduate/graduate</a:t>
+            </a:r>
+          </a:p>
+          <a:p>
+            <a:pPr marL="457200" indent="-457200">
+              <a:buFont typeface="+mj-lt"/>
+              <a:buAutoNum type="arabicPeriod"/>
             </a:pPr>
             <a:r>
               <a:rPr lang="en-US" dirty="0"/>
-              <a:t>Week 3: Transforming and cleaning data, make a pipeline, talk about machine learning</a:t>
-            </a:r>
-          </a:p>
-          <a:p>
-            <a:pPr>
-              <a:buFont typeface="Arial" panose="020B0604020202020204" pitchFamily="34" charset="0"/>
-              <a:buChar char="•"/>
-            </a:pPr>
-            <a:r>
-              <a:rPr lang="en-US" dirty="0"/>
-              <a:t>Week 4: Unsupervised &amp; supervised learning, regression, log transformation</a:t>
-            </a:r>
-          </a:p>
-          <a:p>
-            <a:pPr>
-              <a:buFont typeface="Arial" panose="020B0604020202020204" pitchFamily="34" charset="0"/>
-              <a:buChar char="•"/>
-            </a:pPr>
-            <a:r>
-              <a:rPr lang="en-US" dirty="0"/>
-              <a:t>Week 5: Elasticity models &amp; decision tree models</a:t>
-            </a:r>
-          </a:p>
-          <a:p>
-            <a:pPr>
-              <a:buFont typeface="Arial" panose="020B0604020202020204" pitchFamily="34" charset="0"/>
-              <a:buChar char="•"/>
-            </a:pPr>
-            <a:r>
-              <a:rPr lang="en-US" dirty="0"/>
-              <a:t>Week 6: Elasticity models &amp; decision tree models, continued (hyperparameters/grid search)</a:t>
-            </a:r>
-          </a:p>
-          <a:p>
-            <a:pPr>
-              <a:buFont typeface="Arial" panose="020B0604020202020204" pitchFamily="34" charset="0"/>
-              <a:buChar char="•"/>
-            </a:pPr>
-            <a:r>
-              <a:rPr lang="en-US" dirty="0"/>
-              <a:t>Week 7: Exam &amp; submit final notebook</a:t>
+              <a:t>What do you want to get out of this class?</a:t>
             </a:r>
           </a:p>
         </p:txBody>
@@ -15586,7 +15732,7 @@
     </p:spTree>
     <p:extLst>
       <p:ext uri="{BB962C8B-B14F-4D97-AF65-F5344CB8AC3E}">
-        <p14:creationId xmlns:p14="http://schemas.microsoft.com/office/powerpoint/2010/main" val="2821258096"/>
+        <p14:creationId xmlns:p14="http://schemas.microsoft.com/office/powerpoint/2010/main" val="367066837"/>
       </p:ext>
     </p:extLst>
   </p:cSld>
@@ -15618,7 +15764,7 @@
           <p:cNvPr id="2" name="Title 1">
             <a:extLst>
               <a:ext uri="{FF2B5EF4-FFF2-40B4-BE49-F238E27FC236}">
-                <a16:creationId xmlns:a16="http://schemas.microsoft.com/office/drawing/2014/main" id="{AD2860B2-7C83-4A55-8E7E-7A4B069D4A7E}"/>
+                <a16:creationId xmlns:a16="http://schemas.microsoft.com/office/drawing/2014/main" id="{807BE763-80FE-477B-8655-BE89958C39FE}"/>
               </a:ext>
             </a:extLst>
           </p:cNvPr>
@@ -15636,17 +15782,17 @@
           <a:p>
             <a:r>
               <a:rPr lang="en-US" dirty="0"/>
-              <a:t>Week 5</a:t>
-            </a:r>
-          </a:p>
-        </p:txBody>
-      </p:sp>
-      <p:sp>
-        <p:nvSpPr>
-          <p:cNvPr id="3" name="Text Placeholder 2">
+              <a:t>Fitting a Regression Model</a:t>
+            </a:r>
+          </a:p>
+        </p:txBody>
+      </p:sp>
+      <p:sp>
+        <p:nvSpPr>
+          <p:cNvPr id="6" name="Text Placeholder 5">
             <a:extLst>
               <a:ext uri="{FF2B5EF4-FFF2-40B4-BE49-F238E27FC236}">
-                <a16:creationId xmlns:a16="http://schemas.microsoft.com/office/drawing/2014/main" id="{274FDD8D-BBB7-47AC-AD7F-DF359A4A9736}"/>
+                <a16:creationId xmlns:a16="http://schemas.microsoft.com/office/drawing/2014/main" id="{5F6F14FA-F1C4-4495-B9C3-7F109E745A9E}"/>
               </a:ext>
             </a:extLst>
           </p:cNvPr>
@@ -15663,19 +15809,196 @@
           <a:lstStyle/>
           <a:p>
             <a:r>
-              <a:rPr lang="en-US" dirty="0"/>
-              <a:t>Date: March 18, 2020</a:t>
+              <a:rPr lang="en-US" dirty="0" err="1"/>
+              <a:t>Scikit</a:t>
+            </a:r>
+            <a:r>
+              <a:rPr lang="en-US" dirty="0"/>
+              <a:t> learn</a:t>
+            </a:r>
+          </a:p>
+        </p:txBody>
+      </p:sp>
+      <p:sp>
+        <p:nvSpPr>
+          <p:cNvPr id="7" name="Content Placeholder 6">
+            <a:extLst>
+              <a:ext uri="{FF2B5EF4-FFF2-40B4-BE49-F238E27FC236}">
+                <a16:creationId xmlns:a16="http://schemas.microsoft.com/office/drawing/2014/main" id="{DD82AB87-FE2F-4C9B-AE43-59651504B9CB}"/>
+              </a:ext>
+            </a:extLst>
+          </p:cNvPr>
+          <p:cNvSpPr>
+            <a:spLocks noGrp="1"/>
+          </p:cNvSpPr>
+          <p:nvPr>
+            <p:ph sz="half" idx="2"/>
+          </p:nvPr>
+        </p:nvSpPr>
+        <p:spPr/>
+        <p:txBody>
+          <a:bodyPr>
+            <a:normAutofit fontScale="85000" lnSpcReduction="20000"/>
+          </a:bodyPr>
+          <a:lstStyle/>
+          <a:p>
+            <a:pPr>
+              <a:buFont typeface="Arial" panose="020B0604020202020204" pitchFamily="34" charset="0"/>
+              <a:buChar char="•"/>
+            </a:pPr>
+            <a:r>
+              <a:rPr lang="en-US" dirty="0"/>
+              <a:t>You need a target and explanatory (exogenous) variables with the same length</a:t>
+            </a:r>
+          </a:p>
+          <a:p>
+            <a:pPr>
+              <a:buFont typeface="Arial" panose="020B0604020202020204" pitchFamily="34" charset="0"/>
+              <a:buChar char="•"/>
+            </a:pPr>
+            <a:r>
+              <a:rPr lang="en-US" dirty="0"/>
+              <a:t>Import the package</a:t>
             </a:r>
           </a:p>
           <a:p>
             <a:endParaRPr lang="en-US" dirty="0"/>
+          </a:p>
+        </p:txBody>
+      </p:sp>
+      <p:sp>
+        <p:nvSpPr>
+          <p:cNvPr id="8" name="Text Placeholder 7">
+            <a:extLst>
+              <a:ext uri="{FF2B5EF4-FFF2-40B4-BE49-F238E27FC236}">
+                <a16:creationId xmlns:a16="http://schemas.microsoft.com/office/drawing/2014/main" id="{91C96F1B-71A0-4F56-AE4E-C821127FA753}"/>
+              </a:ext>
+            </a:extLst>
+          </p:cNvPr>
+          <p:cNvSpPr>
+            <a:spLocks noGrp="1"/>
+          </p:cNvSpPr>
+          <p:nvPr>
+            <p:ph type="body" sz="quarter" idx="3"/>
+          </p:nvPr>
+        </p:nvSpPr>
+        <p:spPr/>
+        <p:txBody>
+          <a:bodyPr/>
+          <a:lstStyle/>
+          <a:p>
+            <a:r>
+              <a:rPr lang="en-US" dirty="0" err="1"/>
+              <a:t>statsmodels</a:t>
+            </a:r>
+            <a:endParaRPr lang="en-US" dirty="0"/>
+          </a:p>
+        </p:txBody>
+      </p:sp>
+      <p:sp>
+        <p:nvSpPr>
+          <p:cNvPr id="9" name="Content Placeholder 8">
+            <a:extLst>
+              <a:ext uri="{FF2B5EF4-FFF2-40B4-BE49-F238E27FC236}">
+                <a16:creationId xmlns:a16="http://schemas.microsoft.com/office/drawing/2014/main" id="{A18DB7F5-0C0A-48ED-8EFB-D90910755F9E}"/>
+              </a:ext>
+            </a:extLst>
+          </p:cNvPr>
+          <p:cNvSpPr>
+            <a:spLocks noGrp="1"/>
+          </p:cNvSpPr>
+          <p:nvPr>
+            <p:ph sz="quarter" idx="4"/>
+          </p:nvPr>
+        </p:nvSpPr>
+        <p:spPr/>
+        <p:txBody>
+          <a:bodyPr>
+            <a:normAutofit fontScale="85000" lnSpcReduction="20000"/>
+          </a:bodyPr>
+          <a:lstStyle/>
+          <a:p>
+            <a:pPr>
+              <a:buFont typeface="Arial" panose="020B0604020202020204" pitchFamily="34" charset="0"/>
+              <a:buChar char="•"/>
+            </a:pPr>
+            <a:r>
+              <a:rPr lang="en-US" dirty="0"/>
+              <a:t>You need a target and explanatory (exogenous) variables with the same length</a:t>
+            </a:r>
+          </a:p>
+          <a:p>
+            <a:pPr>
+              <a:buFont typeface="Arial" panose="020B0604020202020204" pitchFamily="34" charset="0"/>
+              <a:buChar char="•"/>
+            </a:pPr>
+            <a:r>
+              <a:rPr lang="en-US" dirty="0"/>
+              <a:t>Import the package</a:t>
+            </a:r>
+          </a:p>
+          <a:p>
+            <a:pPr>
+              <a:buFont typeface="Arial" panose="020B0604020202020204" pitchFamily="34" charset="0"/>
+              <a:buChar char="•"/>
+            </a:pPr>
+            <a:endParaRPr lang="en-US" dirty="0"/>
+          </a:p>
+          <a:p>
+            <a:pPr>
+              <a:buFont typeface="Arial" panose="020B0604020202020204" pitchFamily="34" charset="0"/>
+              <a:buChar char="•"/>
+            </a:pPr>
+            <a:endParaRPr lang="en-US" dirty="0"/>
+          </a:p>
+          <a:p>
+            <a:pPr>
+              <a:buFont typeface="Arial" panose="020B0604020202020204" pitchFamily="34" charset="0"/>
+              <a:buChar char="•"/>
+            </a:pPr>
+            <a:endParaRPr lang="en-US" dirty="0"/>
+          </a:p>
+          <a:p>
+            <a:pPr>
+              <a:buFont typeface="Arial" panose="020B0604020202020204" pitchFamily="34" charset="0"/>
+              <a:buChar char="•"/>
+            </a:pPr>
+            <a:endParaRPr lang="en-US" dirty="0"/>
+          </a:p>
+          <a:p>
+            <a:pPr>
+              <a:buFont typeface="Arial" panose="020B0604020202020204" pitchFamily="34" charset="0"/>
+              <a:buChar char="•"/>
+            </a:pPr>
+            <a:r>
+              <a:rPr lang="en-US" dirty="0"/>
+              <a:t>A nice pro for the </a:t>
+            </a:r>
+            <a:r>
+              <a:rPr lang="en-US" dirty="0" err="1"/>
+              <a:t>statsmodels</a:t>
+            </a:r>
+            <a:r>
+              <a:rPr lang="en-US" dirty="0"/>
+              <a:t> package is the ease of viewing results</a:t>
+            </a:r>
+          </a:p>
+          <a:p>
+            <a:pPr>
+              <a:buFont typeface="Arial" panose="020B0604020202020204" pitchFamily="34" charset="0"/>
+              <a:buChar char="•"/>
+            </a:pPr>
+            <a:r>
+              <a:rPr lang="en-US" dirty="0"/>
+              <a:t>If you use or plan on using R for your job, then a lot of this package will make sense to you</a:t>
+            </a:r>
           </a:p>
         </p:txBody>
       </p:sp>
     </p:spTree>
     <p:extLst>
       <p:ext uri="{BB962C8B-B14F-4D97-AF65-F5344CB8AC3E}">
-        <p14:creationId xmlns:p14="http://schemas.microsoft.com/office/powerpoint/2010/main" val="1402019155"/>
+        <p14:creationId xmlns:p14="http://schemas.microsoft.com/office/powerpoint/2010/main" val="2279381107"/>
       </p:ext>
     </p:extLst>
   </p:cSld>
@@ -15707,7 +16030,7 @@
           <p:cNvPr id="2" name="Title 1">
             <a:extLst>
               <a:ext uri="{FF2B5EF4-FFF2-40B4-BE49-F238E27FC236}">
-                <a16:creationId xmlns:a16="http://schemas.microsoft.com/office/drawing/2014/main" id="{7289EF6B-8AB6-4186-AF09-0D50FE1BB9FD}"/>
+                <a16:creationId xmlns:a16="http://schemas.microsoft.com/office/drawing/2014/main" id="{17F92DC2-8A5A-430A-94E4-FE918BA114E1}"/>
               </a:ext>
             </a:extLst>
           </p:cNvPr>
@@ -15725,17 +16048,17 @@
           <a:p>
             <a:r>
               <a:rPr lang="en-US" dirty="0"/>
-              <a:t>Overview</a:t>
-            </a:r>
-          </a:p>
-        </p:txBody>
-      </p:sp>
-      <p:sp>
-        <p:nvSpPr>
-          <p:cNvPr id="3" name="Content Placeholder 2">
+              <a:t>Viewing Results &amp; Next Steps</a:t>
+            </a:r>
+          </a:p>
+        </p:txBody>
+      </p:sp>
+      <p:sp>
+        <p:nvSpPr>
+          <p:cNvPr id="4" name="Content Placeholder 3">
             <a:extLst>
               <a:ext uri="{FF2B5EF4-FFF2-40B4-BE49-F238E27FC236}">
-                <a16:creationId xmlns:a16="http://schemas.microsoft.com/office/drawing/2014/main" id="{E8A26BB2-24A8-43EF-9A59-9E9533F17D85}"/>
+                <a16:creationId xmlns:a16="http://schemas.microsoft.com/office/drawing/2014/main" id="{CFFD67B3-18A2-4246-8F35-EAB38F4ADB1D}"/>
               </a:ext>
             </a:extLst>
           </p:cNvPr>
@@ -15743,7 +16066,7 @@
             <a:spLocks noGrp="1"/>
           </p:cNvSpPr>
           <p:nvPr>
-            <p:ph idx="1"/>
+            <p:ph sz="half" idx="1"/>
           </p:nvPr>
         </p:nvSpPr>
         <p:spPr/>
@@ -15751,32 +16074,39 @@
           <a:bodyPr/>
           <a:lstStyle/>
           <a:p>
-            <a:r>
-              <a:rPr lang="en-US" dirty="0"/>
-              <a:t>Elasticity</a:t>
-            </a:r>
-          </a:p>
-          <a:p>
-            <a:r>
-              <a:rPr lang="en-US" dirty="0"/>
-              <a:t>Decision Tree Models</a:t>
-            </a:r>
-          </a:p>
-          <a:p>
-            <a:r>
-              <a:rPr lang="en-US" dirty="0"/>
-              <a:t>Clustering</a:t>
-            </a:r>
-          </a:p>
-          <a:p>
-            <a:endParaRPr lang="en-US" dirty="0"/>
+            <a:endParaRPr lang="en-US"/>
+          </a:p>
+        </p:txBody>
+      </p:sp>
+      <p:sp>
+        <p:nvSpPr>
+          <p:cNvPr id="5" name="Content Placeholder 4">
+            <a:extLst>
+              <a:ext uri="{FF2B5EF4-FFF2-40B4-BE49-F238E27FC236}">
+                <a16:creationId xmlns:a16="http://schemas.microsoft.com/office/drawing/2014/main" id="{172E9FB7-6417-4FE1-8A20-352A7E397C7B}"/>
+              </a:ext>
+            </a:extLst>
+          </p:cNvPr>
+          <p:cNvSpPr>
+            <a:spLocks noGrp="1"/>
+          </p:cNvSpPr>
+          <p:nvPr>
+            <p:ph sz="half" idx="2"/>
+          </p:nvPr>
+        </p:nvSpPr>
+        <p:spPr/>
+        <p:txBody>
+          <a:bodyPr/>
+          <a:lstStyle/>
+          <a:p>
+            <a:endParaRPr lang="en-US"/>
           </a:p>
         </p:txBody>
       </p:sp>
     </p:spTree>
     <p:extLst>
       <p:ext uri="{BB962C8B-B14F-4D97-AF65-F5344CB8AC3E}">
-        <p14:creationId xmlns:p14="http://schemas.microsoft.com/office/powerpoint/2010/main" val="2273827461"/>
+        <p14:creationId xmlns:p14="http://schemas.microsoft.com/office/powerpoint/2010/main" val="364919299"/>
       </p:ext>
     </p:extLst>
   </p:cSld>
@@ -15808,7 +16138,7 @@
           <p:cNvPr id="2" name="Title 1">
             <a:extLst>
               <a:ext uri="{FF2B5EF4-FFF2-40B4-BE49-F238E27FC236}">
-                <a16:creationId xmlns:a16="http://schemas.microsoft.com/office/drawing/2014/main" id="{9FE1B086-9D5D-4298-9B37-ED8375D0EAAB}"/>
+                <a16:creationId xmlns:a16="http://schemas.microsoft.com/office/drawing/2014/main" id="{37F47C21-4937-4FE1-BE59-56D978F65B8D}"/>
               </a:ext>
             </a:extLst>
           </p:cNvPr>
@@ -15826,7 +16156,7 @@
           <a:p>
             <a:r>
               <a:rPr lang="en-US" dirty="0"/>
-              <a:t>Elasticity</a:t>
+              <a:t>Homework (Due March 18, 2020)</a:t>
             </a:r>
           </a:p>
         </p:txBody>
@@ -15836,7 +16166,7 @@
           <p:cNvPr id="3" name="Content Placeholder 2">
             <a:extLst>
               <a:ext uri="{FF2B5EF4-FFF2-40B4-BE49-F238E27FC236}">
-                <a16:creationId xmlns:a16="http://schemas.microsoft.com/office/drawing/2014/main" id="{28509D20-E0B6-47C6-86F6-84227CF4EE41}"/>
+                <a16:creationId xmlns:a16="http://schemas.microsoft.com/office/drawing/2014/main" id="{4BA640D3-C44B-4A6D-8102-C32143FBADEB}"/>
               </a:ext>
             </a:extLst>
           </p:cNvPr>
@@ -15852,14 +16182,55 @@
           <a:bodyPr/>
           <a:lstStyle/>
           <a:p>
-            <a:endParaRPr lang="en-US"/>
+            <a:pPr>
+              <a:buFont typeface="Arial" panose="020B0604020202020204" pitchFamily="34" charset="0"/>
+              <a:buChar char="•"/>
+            </a:pPr>
+            <a:r>
+              <a:rPr lang="en-US" dirty="0"/>
+              <a:t>Complete the notebook on regression type problems</a:t>
+            </a:r>
+          </a:p>
+          <a:p>
+            <a:pPr>
+              <a:buFont typeface="Arial" panose="020B0604020202020204" pitchFamily="34" charset="0"/>
+              <a:buChar char="•"/>
+            </a:pPr>
+            <a:r>
+              <a:rPr lang="en-US" dirty="0"/>
+              <a:t>Add a log transformation step to the transformation pipeline &amp; documentation</a:t>
+            </a:r>
+          </a:p>
+          <a:p>
+            <a:pPr>
+              <a:buFont typeface="Arial" panose="020B0604020202020204" pitchFamily="34" charset="0"/>
+              <a:buChar char="•"/>
+            </a:pPr>
+            <a:r>
+              <a:rPr lang="en-US" dirty="0"/>
+              <a:t>Fit a regression model to our dataset and add include the fitted model</a:t>
+            </a:r>
+          </a:p>
+          <a:p>
+            <a:pPr>
+              <a:buFont typeface="Arial" panose="020B0604020202020204" pitchFamily="34" charset="0"/>
+              <a:buChar char="•"/>
+            </a:pPr>
+            <a:endParaRPr lang="en-US" dirty="0"/>
+          </a:p>
+          <a:p>
+            <a:pPr>
+              <a:buFont typeface="Arial" panose="020B0604020202020204" pitchFamily="34" charset="0"/>
+              <a:buChar char="•"/>
+            </a:pPr>
+            <a:endParaRPr lang="en-US" dirty="0"/>
           </a:p>
         </p:txBody>
       </p:sp>
     </p:spTree>
     <p:extLst>
       <p:ext uri="{BB962C8B-B14F-4D97-AF65-F5344CB8AC3E}">
-        <p14:creationId xmlns:p14="http://schemas.microsoft.com/office/powerpoint/2010/main" val="175478187"/>
+        <p14:creationId xmlns:p14="http://schemas.microsoft.com/office/powerpoint/2010/main" val="1884213234"/>
       </p:ext>
     </p:extLst>
   </p:cSld>
@@ -15891,7 +16262,7 @@
           <p:cNvPr id="2" name="Title 1">
             <a:extLst>
               <a:ext uri="{FF2B5EF4-FFF2-40B4-BE49-F238E27FC236}">
-                <a16:creationId xmlns:a16="http://schemas.microsoft.com/office/drawing/2014/main" id="{9FE1B086-9D5D-4298-9B37-ED8375D0EAAB}"/>
+                <a16:creationId xmlns:a16="http://schemas.microsoft.com/office/drawing/2014/main" id="{AD2860B2-7C83-4A55-8E7E-7A4B069D4A7E}"/>
               </a:ext>
             </a:extLst>
           </p:cNvPr>
@@ -15909,17 +16280,17 @@
           <a:p>
             <a:r>
               <a:rPr lang="en-US" dirty="0"/>
-              <a:t>Elasticity</a:t>
-            </a:r>
-          </a:p>
-        </p:txBody>
-      </p:sp>
-      <p:sp>
-        <p:nvSpPr>
-          <p:cNvPr id="3" name="Content Placeholder 2">
+              <a:t>Week 5</a:t>
+            </a:r>
+          </a:p>
+        </p:txBody>
+      </p:sp>
+      <p:sp>
+        <p:nvSpPr>
+          <p:cNvPr id="3" name="Text Placeholder 2">
             <a:extLst>
               <a:ext uri="{FF2B5EF4-FFF2-40B4-BE49-F238E27FC236}">
-                <a16:creationId xmlns:a16="http://schemas.microsoft.com/office/drawing/2014/main" id="{28509D20-E0B6-47C6-86F6-84227CF4EE41}"/>
+                <a16:creationId xmlns:a16="http://schemas.microsoft.com/office/drawing/2014/main" id="{274FDD8D-BBB7-47AC-AD7F-DF359A4A9736}"/>
               </a:ext>
             </a:extLst>
           </p:cNvPr>
@@ -15927,7 +16298,7 @@
             <a:spLocks noGrp="1"/>
           </p:cNvSpPr>
           <p:nvPr>
-            <p:ph idx="1"/>
+            <p:ph type="body" idx="1"/>
           </p:nvPr>
         </p:nvSpPr>
         <p:spPr/>
@@ -15935,14 +16306,20 @@
           <a:bodyPr/>
           <a:lstStyle/>
           <a:p>
-            <a:endParaRPr lang="en-US"/>
+            <a:r>
+              <a:rPr lang="en-US" dirty="0"/>
+              <a:t>Date: March 18, 2020</a:t>
+            </a:r>
+          </a:p>
+          <a:p>
+            <a:endParaRPr lang="en-US" dirty="0"/>
           </a:p>
         </p:txBody>
       </p:sp>
     </p:spTree>
     <p:extLst>
       <p:ext uri="{BB962C8B-B14F-4D97-AF65-F5344CB8AC3E}">
-        <p14:creationId xmlns:p14="http://schemas.microsoft.com/office/powerpoint/2010/main" val="122303473"/>
+        <p14:creationId xmlns:p14="http://schemas.microsoft.com/office/powerpoint/2010/main" val="1402019155"/>
       </p:ext>
     </p:extLst>
   </p:cSld>
@@ -15992,7 +16369,7 @@
           <a:p>
             <a:r>
               <a:rPr lang="en-US" dirty="0"/>
-              <a:t>Decision Tree Models</a:t>
+              <a:t>Overview</a:t>
             </a:r>
           </a:p>
         </p:txBody>
@@ -16018,6 +16395,24 @@
           <a:bodyPr/>
           <a:lstStyle/>
           <a:p>
+            <a:r>
+              <a:rPr lang="en-US" dirty="0"/>
+              <a:t>Elasticity</a:t>
+            </a:r>
+          </a:p>
+          <a:p>
+            <a:r>
+              <a:rPr lang="en-US" dirty="0"/>
+              <a:t>Decision Tree Models</a:t>
+            </a:r>
+          </a:p>
+          <a:p>
+            <a:r>
+              <a:rPr lang="en-US" dirty="0"/>
+              <a:t>Clustering</a:t>
+            </a:r>
+          </a:p>
+          <a:p>
             <a:endParaRPr lang="en-US" dirty="0"/>
           </a:p>
         </p:txBody>
@@ -16025,7 +16420,7 @@
     </p:spTree>
     <p:extLst>
       <p:ext uri="{BB962C8B-B14F-4D97-AF65-F5344CB8AC3E}">
-        <p14:creationId xmlns:p14="http://schemas.microsoft.com/office/powerpoint/2010/main" val="291288199"/>
+        <p14:creationId xmlns:p14="http://schemas.microsoft.com/office/powerpoint/2010/main" val="2273827461"/>
       </p:ext>
     </p:extLst>
   </p:cSld>
@@ -16057,7 +16452,7 @@
           <p:cNvPr id="2" name="Title 1">
             <a:extLst>
               <a:ext uri="{FF2B5EF4-FFF2-40B4-BE49-F238E27FC236}">
-                <a16:creationId xmlns:a16="http://schemas.microsoft.com/office/drawing/2014/main" id="{7289EF6B-8AB6-4186-AF09-0D50FE1BB9FD}"/>
+                <a16:creationId xmlns:a16="http://schemas.microsoft.com/office/drawing/2014/main" id="{9FE1B086-9D5D-4298-9B37-ED8375D0EAAB}"/>
               </a:ext>
             </a:extLst>
           </p:cNvPr>
@@ -16075,13 +16470,8 @@
           <a:p>
             <a:r>
               <a:rPr lang="en-US" dirty="0"/>
-              <a:t>Decision Tree Models - </a:t>
-            </a:r>
-            <a:r>
-              <a:rPr lang="en-US" dirty="0" err="1"/>
-              <a:t>scikitlearn</a:t>
-            </a:r>
-            <a:endParaRPr lang="en-US" dirty="0"/>
+              <a:t>Elasticity</a:t>
+            </a:r>
           </a:p>
         </p:txBody>
       </p:sp>
@@ -16090,7 +16480,7 @@
           <p:cNvPr id="3" name="Content Placeholder 2">
             <a:extLst>
               <a:ext uri="{FF2B5EF4-FFF2-40B4-BE49-F238E27FC236}">
-                <a16:creationId xmlns:a16="http://schemas.microsoft.com/office/drawing/2014/main" id="{E8A26BB2-24A8-43EF-9A59-9E9533F17D85}"/>
+                <a16:creationId xmlns:a16="http://schemas.microsoft.com/office/drawing/2014/main" id="{28509D20-E0B6-47C6-86F6-84227CF4EE41}"/>
               </a:ext>
             </a:extLst>
           </p:cNvPr>
@@ -16106,14 +16496,14 @@
           <a:bodyPr/>
           <a:lstStyle/>
           <a:p>
-            <a:endParaRPr lang="en-US" dirty="0"/>
+            <a:endParaRPr lang="en-US"/>
           </a:p>
         </p:txBody>
       </p:sp>
     </p:spTree>
     <p:extLst>
       <p:ext uri="{BB962C8B-B14F-4D97-AF65-F5344CB8AC3E}">
-        <p14:creationId xmlns:p14="http://schemas.microsoft.com/office/powerpoint/2010/main" val="2023846889"/>
+        <p14:creationId xmlns:p14="http://schemas.microsoft.com/office/powerpoint/2010/main" val="175478187"/>
       </p:ext>
     </p:extLst>
   </p:cSld>
@@ -16145,7 +16535,7 @@
           <p:cNvPr id="2" name="Title 1">
             <a:extLst>
               <a:ext uri="{FF2B5EF4-FFF2-40B4-BE49-F238E27FC236}">
-                <a16:creationId xmlns:a16="http://schemas.microsoft.com/office/drawing/2014/main" id="{EF78D16D-D8ED-4DD6-83CF-98C856279B2B}"/>
+                <a16:creationId xmlns:a16="http://schemas.microsoft.com/office/drawing/2014/main" id="{9FE1B086-9D5D-4298-9B37-ED8375D0EAAB}"/>
               </a:ext>
             </a:extLst>
           </p:cNvPr>
@@ -16163,7 +16553,7 @@
           <a:p>
             <a:r>
               <a:rPr lang="en-US" dirty="0"/>
-              <a:t>Clustering</a:t>
+              <a:t>Elasticity</a:t>
             </a:r>
           </a:p>
         </p:txBody>
@@ -16173,7 +16563,7 @@
           <p:cNvPr id="3" name="Content Placeholder 2">
             <a:extLst>
               <a:ext uri="{FF2B5EF4-FFF2-40B4-BE49-F238E27FC236}">
-                <a16:creationId xmlns:a16="http://schemas.microsoft.com/office/drawing/2014/main" id="{F8AB9A0C-4431-4D5F-A887-FCA1ABA5340B}"/>
+                <a16:creationId xmlns:a16="http://schemas.microsoft.com/office/drawing/2014/main" id="{28509D20-E0B6-47C6-86F6-84227CF4EE41}"/>
               </a:ext>
             </a:extLst>
           </p:cNvPr>
@@ -16196,7 +16586,7 @@
     </p:spTree>
     <p:extLst>
       <p:ext uri="{BB962C8B-B14F-4D97-AF65-F5344CB8AC3E}">
-        <p14:creationId xmlns:p14="http://schemas.microsoft.com/office/powerpoint/2010/main" val="417440962"/>
+        <p14:creationId xmlns:p14="http://schemas.microsoft.com/office/powerpoint/2010/main" val="122303473"/>
       </p:ext>
     </p:extLst>
   </p:cSld>
@@ -16228,7 +16618,7 @@
           <p:cNvPr id="2" name="Title 1">
             <a:extLst>
               <a:ext uri="{FF2B5EF4-FFF2-40B4-BE49-F238E27FC236}">
-                <a16:creationId xmlns:a16="http://schemas.microsoft.com/office/drawing/2014/main" id="{EF78D16D-D8ED-4DD6-83CF-98C856279B2B}"/>
+                <a16:creationId xmlns:a16="http://schemas.microsoft.com/office/drawing/2014/main" id="{7289EF6B-8AB6-4186-AF09-0D50FE1BB9FD}"/>
               </a:ext>
             </a:extLst>
           </p:cNvPr>
@@ -16246,13 +16636,8 @@
           <a:p>
             <a:r>
               <a:rPr lang="en-US" dirty="0"/>
-              <a:t>Clustering - </a:t>
-            </a:r>
-            <a:r>
-              <a:rPr lang="en-US" dirty="0" err="1"/>
-              <a:t>scikitlearn</a:t>
-            </a:r>
-            <a:endParaRPr lang="en-US" dirty="0"/>
+              <a:t>Decision Tree Models</a:t>
+            </a:r>
           </a:p>
         </p:txBody>
       </p:sp>
@@ -16261,7 +16646,7 @@
           <p:cNvPr id="3" name="Content Placeholder 2">
             <a:extLst>
               <a:ext uri="{FF2B5EF4-FFF2-40B4-BE49-F238E27FC236}">
-                <a16:creationId xmlns:a16="http://schemas.microsoft.com/office/drawing/2014/main" id="{F8AB9A0C-4431-4D5F-A887-FCA1ABA5340B}"/>
+                <a16:creationId xmlns:a16="http://schemas.microsoft.com/office/drawing/2014/main" id="{E8A26BB2-24A8-43EF-9A59-9E9533F17D85}"/>
               </a:ext>
             </a:extLst>
           </p:cNvPr>
@@ -16277,14 +16662,14 @@
           <a:bodyPr/>
           <a:lstStyle/>
           <a:p>
-            <a:endParaRPr lang="en-US"/>
+            <a:endParaRPr lang="en-US" dirty="0"/>
           </a:p>
         </p:txBody>
       </p:sp>
     </p:spTree>
     <p:extLst>
       <p:ext uri="{BB962C8B-B14F-4D97-AF65-F5344CB8AC3E}">
-        <p14:creationId xmlns:p14="http://schemas.microsoft.com/office/powerpoint/2010/main" val="885144112"/>
+        <p14:creationId xmlns:p14="http://schemas.microsoft.com/office/powerpoint/2010/main" val="291288199"/>
       </p:ext>
     </p:extLst>
   </p:cSld>
@@ -16316,7 +16701,7 @@
           <p:cNvPr id="2" name="Title 1">
             <a:extLst>
               <a:ext uri="{FF2B5EF4-FFF2-40B4-BE49-F238E27FC236}">
-                <a16:creationId xmlns:a16="http://schemas.microsoft.com/office/drawing/2014/main" id="{37F47C21-4937-4FE1-BE59-56D978F65B8D}"/>
+                <a16:creationId xmlns:a16="http://schemas.microsoft.com/office/drawing/2014/main" id="{7289EF6B-8AB6-4186-AF09-0D50FE1BB9FD}"/>
               </a:ext>
             </a:extLst>
           </p:cNvPr>
@@ -16334,8 +16719,13 @@
           <a:p>
             <a:r>
               <a:rPr lang="en-US" dirty="0"/>
-              <a:t>Homework (Due March 25, 2020)</a:t>
-            </a:r>
+              <a:t>Decision Tree Models - </a:t>
+            </a:r>
+            <a:r>
+              <a:rPr lang="en-US" dirty="0" err="1"/>
+              <a:t>scikitlearn</a:t>
+            </a:r>
+            <a:endParaRPr lang="en-US" dirty="0"/>
           </a:p>
         </p:txBody>
       </p:sp>
@@ -16344,7 +16734,7 @@
           <p:cNvPr id="3" name="Content Placeholder 2">
             <a:extLst>
               <a:ext uri="{FF2B5EF4-FFF2-40B4-BE49-F238E27FC236}">
-                <a16:creationId xmlns:a16="http://schemas.microsoft.com/office/drawing/2014/main" id="{4BA640D3-C44B-4A6D-8102-C32143FBADEB}"/>
+                <a16:creationId xmlns:a16="http://schemas.microsoft.com/office/drawing/2014/main" id="{E8A26BB2-24A8-43EF-9A59-9E9533F17D85}"/>
               </a:ext>
             </a:extLst>
           </p:cNvPr>
@@ -16360,17 +16750,6 @@
           <a:bodyPr/>
           <a:lstStyle/>
           <a:p>
-            <a:pPr>
-              <a:buFont typeface="Arial" panose="020B0604020202020204" pitchFamily="34" charset="0"/>
-              <a:buChar char="•"/>
-            </a:pPr>
-            <a:endParaRPr lang="en-US" dirty="0"/>
-          </a:p>
-          <a:p>
-            <a:pPr>
-              <a:buFont typeface="Arial" panose="020B0604020202020204" pitchFamily="34" charset="0"/>
-              <a:buChar char="•"/>
-            </a:pPr>
             <a:endParaRPr lang="en-US" dirty="0"/>
           </a:p>
         </p:txBody>
@@ -16378,7 +16757,7 @@
     </p:spTree>
     <p:extLst>
       <p:ext uri="{BB962C8B-B14F-4D97-AF65-F5344CB8AC3E}">
-        <p14:creationId xmlns:p14="http://schemas.microsoft.com/office/powerpoint/2010/main" val="1015306222"/>
+        <p14:creationId xmlns:p14="http://schemas.microsoft.com/office/powerpoint/2010/main" val="2023846889"/>
       </p:ext>
     </p:extLst>
   </p:cSld>
@@ -16410,6 +16789,448 @@
           <p:cNvPr id="2" name="Title 1">
             <a:extLst>
               <a:ext uri="{FF2B5EF4-FFF2-40B4-BE49-F238E27FC236}">
+                <a16:creationId xmlns:a16="http://schemas.microsoft.com/office/drawing/2014/main" id="{EF78D16D-D8ED-4DD6-83CF-98C856279B2B}"/>
+              </a:ext>
+            </a:extLst>
+          </p:cNvPr>
+          <p:cNvSpPr>
+            <a:spLocks noGrp="1"/>
+          </p:cNvSpPr>
+          <p:nvPr>
+            <p:ph type="title"/>
+          </p:nvPr>
+        </p:nvSpPr>
+        <p:spPr/>
+        <p:txBody>
+          <a:bodyPr/>
+          <a:lstStyle/>
+          <a:p>
+            <a:r>
+              <a:rPr lang="en-US" dirty="0"/>
+              <a:t>Clustering</a:t>
+            </a:r>
+          </a:p>
+        </p:txBody>
+      </p:sp>
+      <p:sp>
+        <p:nvSpPr>
+          <p:cNvPr id="3" name="Content Placeholder 2">
+            <a:extLst>
+              <a:ext uri="{FF2B5EF4-FFF2-40B4-BE49-F238E27FC236}">
+                <a16:creationId xmlns:a16="http://schemas.microsoft.com/office/drawing/2014/main" id="{F8AB9A0C-4431-4D5F-A887-FCA1ABA5340B}"/>
+              </a:ext>
+            </a:extLst>
+          </p:cNvPr>
+          <p:cNvSpPr>
+            <a:spLocks noGrp="1"/>
+          </p:cNvSpPr>
+          <p:nvPr>
+            <p:ph idx="1"/>
+          </p:nvPr>
+        </p:nvSpPr>
+        <p:spPr/>
+        <p:txBody>
+          <a:bodyPr/>
+          <a:lstStyle/>
+          <a:p>
+            <a:endParaRPr lang="en-US"/>
+          </a:p>
+        </p:txBody>
+      </p:sp>
+    </p:spTree>
+    <p:extLst>
+      <p:ext uri="{BB962C8B-B14F-4D97-AF65-F5344CB8AC3E}">
+        <p14:creationId xmlns:p14="http://schemas.microsoft.com/office/powerpoint/2010/main" val="417440962"/>
+      </p:ext>
+    </p:extLst>
+  </p:cSld>
+  <p:clrMapOvr>
+    <a:masterClrMapping/>
+  </p:clrMapOvr>
+</p:sld>
+</file>
+
+<file path=ppt/slides/slide6.xml><?xml version="1.0" encoding="utf-8"?>
+<p:sld xmlns:a="http://schemas.openxmlformats.org/drawingml/2006/main" xmlns:r="http://schemas.openxmlformats.org/officeDocument/2006/relationships" xmlns:p="http://schemas.openxmlformats.org/presentationml/2006/main">
+  <p:cSld>
+    <p:spTree>
+      <p:nvGrpSpPr>
+        <p:cNvPr id="1" name=""/>
+        <p:cNvGrpSpPr/>
+        <p:nvPr/>
+      </p:nvGrpSpPr>
+      <p:grpSpPr>
+        <a:xfrm>
+          <a:off x="0" y="0"/>
+          <a:ext cx="0" cy="0"/>
+          <a:chOff x="0" y="0"/>
+          <a:chExt cx="0" cy="0"/>
+        </a:xfrm>
+      </p:grpSpPr>
+      <p:sp>
+        <p:nvSpPr>
+          <p:cNvPr id="2" name="Title 1">
+            <a:extLst>
+              <a:ext uri="{FF2B5EF4-FFF2-40B4-BE49-F238E27FC236}">
+                <a16:creationId xmlns:a16="http://schemas.microsoft.com/office/drawing/2014/main" id="{1FF171EE-4A44-4A3A-ACFF-D1FEB1EC1C1E}"/>
+              </a:ext>
+            </a:extLst>
+          </p:cNvPr>
+          <p:cNvSpPr>
+            <a:spLocks noGrp="1"/>
+          </p:cNvSpPr>
+          <p:nvPr>
+            <p:ph type="title"/>
+          </p:nvPr>
+        </p:nvSpPr>
+        <p:spPr/>
+        <p:txBody>
+          <a:bodyPr/>
+          <a:lstStyle/>
+          <a:p>
+            <a:r>
+              <a:rPr lang="en-US" dirty="0"/>
+              <a:t>Class Schedule (Tentative)</a:t>
+            </a:r>
+          </a:p>
+        </p:txBody>
+      </p:sp>
+      <p:sp>
+        <p:nvSpPr>
+          <p:cNvPr id="3" name="Content Placeholder 2">
+            <a:extLst>
+              <a:ext uri="{FF2B5EF4-FFF2-40B4-BE49-F238E27FC236}">
+                <a16:creationId xmlns:a16="http://schemas.microsoft.com/office/drawing/2014/main" id="{5B75CD81-F052-4792-9622-640DE7B80583}"/>
+              </a:ext>
+            </a:extLst>
+          </p:cNvPr>
+          <p:cNvSpPr>
+            <a:spLocks noGrp="1"/>
+          </p:cNvSpPr>
+          <p:nvPr>
+            <p:ph idx="1"/>
+          </p:nvPr>
+        </p:nvSpPr>
+        <p:spPr/>
+        <p:txBody>
+          <a:bodyPr>
+            <a:normAutofit/>
+          </a:bodyPr>
+          <a:lstStyle/>
+          <a:p>
+            <a:pPr marL="0" indent="0">
+              <a:buNone/>
+            </a:pPr>
+            <a:r>
+              <a:rPr lang="en-US" dirty="0"/>
+              <a:t>Schedule</a:t>
+            </a:r>
+          </a:p>
+          <a:p>
+            <a:pPr>
+              <a:buFont typeface="Arial" panose="020B0604020202020204" pitchFamily="34" charset="0"/>
+              <a:buChar char="•"/>
+            </a:pPr>
+            <a:r>
+              <a:rPr lang="en-US" dirty="0"/>
+              <a:t>Week 1 (This week): Get you started with </a:t>
+            </a:r>
+            <a:r>
+              <a:rPr lang="en-US" dirty="0" err="1"/>
+              <a:t>Github</a:t>
+            </a:r>
+            <a:r>
+              <a:rPr lang="en-US" dirty="0"/>
+              <a:t>, Python, and </a:t>
+            </a:r>
+            <a:r>
+              <a:rPr lang="en-US" dirty="0" err="1"/>
+              <a:t>Jupyter</a:t>
+            </a:r>
+            <a:r>
+              <a:rPr lang="en-US" dirty="0"/>
+              <a:t> Notebooks</a:t>
+            </a:r>
+          </a:p>
+          <a:p>
+            <a:pPr>
+              <a:buFont typeface="Arial" panose="020B0604020202020204" pitchFamily="34" charset="0"/>
+              <a:buChar char="•"/>
+            </a:pPr>
+            <a:r>
+              <a:rPr lang="en-US" dirty="0"/>
+              <a:t>Week 2: Visualize data with python, interpret graphs, distributions</a:t>
+            </a:r>
+          </a:p>
+          <a:p>
+            <a:pPr>
+              <a:buFont typeface="Arial" panose="020B0604020202020204" pitchFamily="34" charset="0"/>
+              <a:buChar char="•"/>
+            </a:pPr>
+            <a:r>
+              <a:rPr lang="en-US" dirty="0"/>
+              <a:t>Week 3: Transforming and cleaning data, make a pipeline, talk about machine learning</a:t>
+            </a:r>
+          </a:p>
+          <a:p>
+            <a:pPr>
+              <a:buFont typeface="Arial" panose="020B0604020202020204" pitchFamily="34" charset="0"/>
+              <a:buChar char="•"/>
+            </a:pPr>
+            <a:r>
+              <a:rPr lang="en-US" dirty="0"/>
+              <a:t>Week 4: Unsupervised &amp; supervised learning, regression, log transformation</a:t>
+            </a:r>
+          </a:p>
+          <a:p>
+            <a:pPr>
+              <a:buFont typeface="Arial" panose="020B0604020202020204" pitchFamily="34" charset="0"/>
+              <a:buChar char="•"/>
+            </a:pPr>
+            <a:r>
+              <a:rPr lang="en-US" dirty="0"/>
+              <a:t>Week 5: Elasticity models &amp; decision tree models</a:t>
+            </a:r>
+          </a:p>
+          <a:p>
+            <a:pPr>
+              <a:buFont typeface="Arial" panose="020B0604020202020204" pitchFamily="34" charset="0"/>
+              <a:buChar char="•"/>
+            </a:pPr>
+            <a:r>
+              <a:rPr lang="en-US" dirty="0"/>
+              <a:t>Week 6: Elasticity models &amp; decision tree models, continued (hyperparameters/grid search)</a:t>
+            </a:r>
+          </a:p>
+          <a:p>
+            <a:pPr>
+              <a:buFont typeface="Arial" panose="020B0604020202020204" pitchFamily="34" charset="0"/>
+              <a:buChar char="•"/>
+            </a:pPr>
+            <a:r>
+              <a:rPr lang="en-US" dirty="0"/>
+              <a:t>Week 7: Exam &amp; submit final notebook</a:t>
+            </a:r>
+          </a:p>
+        </p:txBody>
+      </p:sp>
+    </p:spTree>
+    <p:extLst>
+      <p:ext uri="{BB962C8B-B14F-4D97-AF65-F5344CB8AC3E}">
+        <p14:creationId xmlns:p14="http://schemas.microsoft.com/office/powerpoint/2010/main" val="2821258096"/>
+      </p:ext>
+    </p:extLst>
+  </p:cSld>
+  <p:clrMapOvr>
+    <a:masterClrMapping/>
+  </p:clrMapOvr>
+</p:sld>
+</file>
+
+<file path=ppt/slides/slide60.xml><?xml version="1.0" encoding="utf-8"?>
+<p:sld xmlns:a="http://schemas.openxmlformats.org/drawingml/2006/main" xmlns:r="http://schemas.openxmlformats.org/officeDocument/2006/relationships" xmlns:p="http://schemas.openxmlformats.org/presentationml/2006/main">
+  <p:cSld>
+    <p:spTree>
+      <p:nvGrpSpPr>
+        <p:cNvPr id="1" name=""/>
+        <p:cNvGrpSpPr/>
+        <p:nvPr/>
+      </p:nvGrpSpPr>
+      <p:grpSpPr>
+        <a:xfrm>
+          <a:off x="0" y="0"/>
+          <a:ext cx="0" cy="0"/>
+          <a:chOff x="0" y="0"/>
+          <a:chExt cx="0" cy="0"/>
+        </a:xfrm>
+      </p:grpSpPr>
+      <p:sp>
+        <p:nvSpPr>
+          <p:cNvPr id="2" name="Title 1">
+            <a:extLst>
+              <a:ext uri="{FF2B5EF4-FFF2-40B4-BE49-F238E27FC236}">
+                <a16:creationId xmlns:a16="http://schemas.microsoft.com/office/drawing/2014/main" id="{EF78D16D-D8ED-4DD6-83CF-98C856279B2B}"/>
+              </a:ext>
+            </a:extLst>
+          </p:cNvPr>
+          <p:cNvSpPr>
+            <a:spLocks noGrp="1"/>
+          </p:cNvSpPr>
+          <p:nvPr>
+            <p:ph type="title"/>
+          </p:nvPr>
+        </p:nvSpPr>
+        <p:spPr/>
+        <p:txBody>
+          <a:bodyPr/>
+          <a:lstStyle/>
+          <a:p>
+            <a:r>
+              <a:rPr lang="en-US" dirty="0"/>
+              <a:t>Clustering - </a:t>
+            </a:r>
+            <a:r>
+              <a:rPr lang="en-US" dirty="0" err="1"/>
+              <a:t>scikitlearn</a:t>
+            </a:r>
+            <a:endParaRPr lang="en-US" dirty="0"/>
+          </a:p>
+        </p:txBody>
+      </p:sp>
+      <p:sp>
+        <p:nvSpPr>
+          <p:cNvPr id="3" name="Content Placeholder 2">
+            <a:extLst>
+              <a:ext uri="{FF2B5EF4-FFF2-40B4-BE49-F238E27FC236}">
+                <a16:creationId xmlns:a16="http://schemas.microsoft.com/office/drawing/2014/main" id="{F8AB9A0C-4431-4D5F-A887-FCA1ABA5340B}"/>
+              </a:ext>
+            </a:extLst>
+          </p:cNvPr>
+          <p:cNvSpPr>
+            <a:spLocks noGrp="1"/>
+          </p:cNvSpPr>
+          <p:nvPr>
+            <p:ph idx="1"/>
+          </p:nvPr>
+        </p:nvSpPr>
+        <p:spPr/>
+        <p:txBody>
+          <a:bodyPr/>
+          <a:lstStyle/>
+          <a:p>
+            <a:endParaRPr lang="en-US"/>
+          </a:p>
+        </p:txBody>
+      </p:sp>
+    </p:spTree>
+    <p:extLst>
+      <p:ext uri="{BB962C8B-B14F-4D97-AF65-F5344CB8AC3E}">
+        <p14:creationId xmlns:p14="http://schemas.microsoft.com/office/powerpoint/2010/main" val="885144112"/>
+      </p:ext>
+    </p:extLst>
+  </p:cSld>
+  <p:clrMapOvr>
+    <a:masterClrMapping/>
+  </p:clrMapOvr>
+</p:sld>
+</file>
+
+<file path=ppt/slides/slide61.xml><?xml version="1.0" encoding="utf-8"?>
+<p:sld xmlns:a="http://schemas.openxmlformats.org/drawingml/2006/main" xmlns:r="http://schemas.openxmlformats.org/officeDocument/2006/relationships" xmlns:p="http://schemas.openxmlformats.org/presentationml/2006/main">
+  <p:cSld>
+    <p:spTree>
+      <p:nvGrpSpPr>
+        <p:cNvPr id="1" name=""/>
+        <p:cNvGrpSpPr/>
+        <p:nvPr/>
+      </p:nvGrpSpPr>
+      <p:grpSpPr>
+        <a:xfrm>
+          <a:off x="0" y="0"/>
+          <a:ext cx="0" cy="0"/>
+          <a:chOff x="0" y="0"/>
+          <a:chExt cx="0" cy="0"/>
+        </a:xfrm>
+      </p:grpSpPr>
+      <p:sp>
+        <p:nvSpPr>
+          <p:cNvPr id="2" name="Title 1">
+            <a:extLst>
+              <a:ext uri="{FF2B5EF4-FFF2-40B4-BE49-F238E27FC236}">
+                <a16:creationId xmlns:a16="http://schemas.microsoft.com/office/drawing/2014/main" id="{37F47C21-4937-4FE1-BE59-56D978F65B8D}"/>
+              </a:ext>
+            </a:extLst>
+          </p:cNvPr>
+          <p:cNvSpPr>
+            <a:spLocks noGrp="1"/>
+          </p:cNvSpPr>
+          <p:nvPr>
+            <p:ph type="title"/>
+          </p:nvPr>
+        </p:nvSpPr>
+        <p:spPr/>
+        <p:txBody>
+          <a:bodyPr/>
+          <a:lstStyle/>
+          <a:p>
+            <a:r>
+              <a:rPr lang="en-US" dirty="0"/>
+              <a:t>Homework (Due March 25, 2020)</a:t>
+            </a:r>
+          </a:p>
+        </p:txBody>
+      </p:sp>
+      <p:sp>
+        <p:nvSpPr>
+          <p:cNvPr id="3" name="Content Placeholder 2">
+            <a:extLst>
+              <a:ext uri="{FF2B5EF4-FFF2-40B4-BE49-F238E27FC236}">
+                <a16:creationId xmlns:a16="http://schemas.microsoft.com/office/drawing/2014/main" id="{4BA640D3-C44B-4A6D-8102-C32143FBADEB}"/>
+              </a:ext>
+            </a:extLst>
+          </p:cNvPr>
+          <p:cNvSpPr>
+            <a:spLocks noGrp="1"/>
+          </p:cNvSpPr>
+          <p:nvPr>
+            <p:ph idx="1"/>
+          </p:nvPr>
+        </p:nvSpPr>
+        <p:spPr/>
+        <p:txBody>
+          <a:bodyPr/>
+          <a:lstStyle/>
+          <a:p>
+            <a:pPr>
+              <a:buFont typeface="Arial" panose="020B0604020202020204" pitchFamily="34" charset="0"/>
+              <a:buChar char="•"/>
+            </a:pPr>
+            <a:endParaRPr lang="en-US" dirty="0"/>
+          </a:p>
+          <a:p>
+            <a:pPr>
+              <a:buFont typeface="Arial" panose="020B0604020202020204" pitchFamily="34" charset="0"/>
+              <a:buChar char="•"/>
+            </a:pPr>
+            <a:endParaRPr lang="en-US" dirty="0"/>
+          </a:p>
+        </p:txBody>
+      </p:sp>
+    </p:spTree>
+    <p:extLst>
+      <p:ext uri="{BB962C8B-B14F-4D97-AF65-F5344CB8AC3E}">
+        <p14:creationId xmlns:p14="http://schemas.microsoft.com/office/powerpoint/2010/main" val="1015306222"/>
+      </p:ext>
+    </p:extLst>
+  </p:cSld>
+  <p:clrMapOvr>
+    <a:masterClrMapping/>
+  </p:clrMapOvr>
+</p:sld>
+</file>
+
+<file path=ppt/slides/slide62.xml><?xml version="1.0" encoding="utf-8"?>
+<p:sld xmlns:a="http://schemas.openxmlformats.org/drawingml/2006/main" xmlns:r="http://schemas.openxmlformats.org/officeDocument/2006/relationships" xmlns:p="http://schemas.openxmlformats.org/presentationml/2006/main">
+  <p:cSld>
+    <p:spTree>
+      <p:nvGrpSpPr>
+        <p:cNvPr id="1" name=""/>
+        <p:cNvGrpSpPr/>
+        <p:nvPr/>
+      </p:nvGrpSpPr>
+      <p:grpSpPr>
+        <a:xfrm>
+          <a:off x="0" y="0"/>
+          <a:ext cx="0" cy="0"/>
+          <a:chOff x="0" y="0"/>
+          <a:chExt cx="0" cy="0"/>
+        </a:xfrm>
+      </p:grpSpPr>
+      <p:sp>
+        <p:nvSpPr>
+          <p:cNvPr id="2" name="Title 1">
+            <a:extLst>
+              <a:ext uri="{FF2B5EF4-FFF2-40B4-BE49-F238E27FC236}">
                 <a16:creationId xmlns:a16="http://schemas.microsoft.com/office/drawing/2014/main" id="{AD2860B2-7C83-4A55-8E7E-7A4B069D4A7E}"/>
               </a:ext>
             </a:extLst>
@@ -16477,7 +17298,469 @@
 </p:sld>
 </file>
 
-<file path=ppt/slides/slide6.xml><?xml version="1.0" encoding="utf-8"?>
+<file path=ppt/slides/slide63.xml><?xml version="1.0" encoding="utf-8"?>
+<p:sld xmlns:a="http://schemas.openxmlformats.org/drawingml/2006/main" xmlns:r="http://schemas.openxmlformats.org/officeDocument/2006/relationships" xmlns:p="http://schemas.openxmlformats.org/presentationml/2006/main">
+  <p:cSld>
+    <p:spTree>
+      <p:nvGrpSpPr>
+        <p:cNvPr id="1" name=""/>
+        <p:cNvGrpSpPr/>
+        <p:nvPr/>
+      </p:nvGrpSpPr>
+      <p:grpSpPr>
+        <a:xfrm>
+          <a:off x="0" y="0"/>
+          <a:ext cx="0" cy="0"/>
+          <a:chOff x="0" y="0"/>
+          <a:chExt cx="0" cy="0"/>
+        </a:xfrm>
+      </p:grpSpPr>
+      <p:sp>
+        <p:nvSpPr>
+          <p:cNvPr id="2" name="Title 1">
+            <a:extLst>
+              <a:ext uri="{FF2B5EF4-FFF2-40B4-BE49-F238E27FC236}">
+                <a16:creationId xmlns:a16="http://schemas.microsoft.com/office/drawing/2014/main" id="{56812E27-DBE9-45BB-AB7A-4B7EDFF1F3F2}"/>
+              </a:ext>
+            </a:extLst>
+          </p:cNvPr>
+          <p:cNvSpPr>
+            <a:spLocks noGrp="1"/>
+          </p:cNvSpPr>
+          <p:nvPr>
+            <p:ph type="title"/>
+          </p:nvPr>
+        </p:nvSpPr>
+        <p:spPr/>
+        <p:txBody>
+          <a:bodyPr/>
+          <a:lstStyle/>
+          <a:p>
+            <a:r>
+              <a:rPr lang="en-US" dirty="0"/>
+              <a:t>Elasticity models</a:t>
+            </a:r>
+          </a:p>
+        </p:txBody>
+      </p:sp>
+      <p:sp>
+        <p:nvSpPr>
+          <p:cNvPr id="3" name="Content Placeholder 2">
+            <a:extLst>
+              <a:ext uri="{FF2B5EF4-FFF2-40B4-BE49-F238E27FC236}">
+                <a16:creationId xmlns:a16="http://schemas.microsoft.com/office/drawing/2014/main" id="{DF7A58C9-2060-4FC4-A7B7-2B9864FF1946}"/>
+              </a:ext>
+            </a:extLst>
+          </p:cNvPr>
+          <p:cNvSpPr>
+            <a:spLocks noGrp="1"/>
+          </p:cNvSpPr>
+          <p:nvPr>
+            <p:ph idx="1"/>
+          </p:nvPr>
+        </p:nvSpPr>
+        <p:spPr/>
+        <p:txBody>
+          <a:bodyPr/>
+          <a:lstStyle/>
+          <a:p>
+            <a:endParaRPr lang="en-US"/>
+          </a:p>
+        </p:txBody>
+      </p:sp>
+    </p:spTree>
+    <p:extLst>
+      <p:ext uri="{BB962C8B-B14F-4D97-AF65-F5344CB8AC3E}">
+        <p14:creationId xmlns:p14="http://schemas.microsoft.com/office/powerpoint/2010/main" val="3914258039"/>
+      </p:ext>
+    </p:extLst>
+  </p:cSld>
+  <p:clrMapOvr>
+    <a:masterClrMapping/>
+  </p:clrMapOvr>
+</p:sld>
+</file>
+
+<file path=ppt/slides/slide64.xml><?xml version="1.0" encoding="utf-8"?>
+<p:sld xmlns:a="http://schemas.openxmlformats.org/drawingml/2006/main" xmlns:r="http://schemas.openxmlformats.org/officeDocument/2006/relationships" xmlns:p="http://schemas.openxmlformats.org/presentationml/2006/main">
+  <p:cSld>
+    <p:spTree>
+      <p:nvGrpSpPr>
+        <p:cNvPr id="1" name=""/>
+        <p:cNvGrpSpPr/>
+        <p:nvPr/>
+      </p:nvGrpSpPr>
+      <p:grpSpPr>
+        <a:xfrm>
+          <a:off x="0" y="0"/>
+          <a:ext cx="0" cy="0"/>
+          <a:chOff x="0" y="0"/>
+          <a:chExt cx="0" cy="0"/>
+        </a:xfrm>
+      </p:grpSpPr>
+      <p:sp>
+        <p:nvSpPr>
+          <p:cNvPr id="2" name="Title 1">
+            <a:extLst>
+              <a:ext uri="{FF2B5EF4-FFF2-40B4-BE49-F238E27FC236}">
+                <a16:creationId xmlns:a16="http://schemas.microsoft.com/office/drawing/2014/main" id="{E6DFB96B-A5D0-4C65-AC3B-E7BC259F70B2}"/>
+              </a:ext>
+            </a:extLst>
+          </p:cNvPr>
+          <p:cNvSpPr>
+            <a:spLocks noGrp="1"/>
+          </p:cNvSpPr>
+          <p:nvPr>
+            <p:ph type="title"/>
+          </p:nvPr>
+        </p:nvSpPr>
+        <p:spPr/>
+        <p:txBody>
+          <a:bodyPr/>
+          <a:lstStyle/>
+          <a:p>
+            <a:r>
+              <a:rPr lang="en-US" dirty="0"/>
+              <a:t>Decision trees continued</a:t>
+            </a:r>
+          </a:p>
+        </p:txBody>
+      </p:sp>
+      <p:sp>
+        <p:nvSpPr>
+          <p:cNvPr id="3" name="Content Placeholder 2">
+            <a:extLst>
+              <a:ext uri="{FF2B5EF4-FFF2-40B4-BE49-F238E27FC236}">
+                <a16:creationId xmlns:a16="http://schemas.microsoft.com/office/drawing/2014/main" id="{B66F49DB-CED0-4D93-AD80-56A6A64F4C27}"/>
+              </a:ext>
+            </a:extLst>
+          </p:cNvPr>
+          <p:cNvSpPr>
+            <a:spLocks noGrp="1"/>
+          </p:cNvSpPr>
+          <p:nvPr>
+            <p:ph idx="1"/>
+          </p:nvPr>
+        </p:nvSpPr>
+        <p:spPr/>
+        <p:txBody>
+          <a:bodyPr/>
+          <a:lstStyle/>
+          <a:p>
+            <a:endParaRPr lang="en-US"/>
+          </a:p>
+        </p:txBody>
+      </p:sp>
+    </p:spTree>
+    <p:extLst>
+      <p:ext uri="{BB962C8B-B14F-4D97-AF65-F5344CB8AC3E}">
+        <p14:creationId xmlns:p14="http://schemas.microsoft.com/office/powerpoint/2010/main" val="2520431104"/>
+      </p:ext>
+    </p:extLst>
+  </p:cSld>
+  <p:clrMapOvr>
+    <a:masterClrMapping/>
+  </p:clrMapOvr>
+</p:sld>
+</file>
+
+<file path=ppt/slides/slide65.xml><?xml version="1.0" encoding="utf-8"?>
+<p:sld xmlns:a="http://schemas.openxmlformats.org/drawingml/2006/main" xmlns:r="http://schemas.openxmlformats.org/officeDocument/2006/relationships" xmlns:p="http://schemas.openxmlformats.org/presentationml/2006/main">
+  <p:cSld>
+    <p:spTree>
+      <p:nvGrpSpPr>
+        <p:cNvPr id="1" name=""/>
+        <p:cNvGrpSpPr/>
+        <p:nvPr/>
+      </p:nvGrpSpPr>
+      <p:grpSpPr>
+        <a:xfrm>
+          <a:off x="0" y="0"/>
+          <a:ext cx="0" cy="0"/>
+          <a:chOff x="0" y="0"/>
+          <a:chExt cx="0" cy="0"/>
+        </a:xfrm>
+      </p:grpSpPr>
+      <p:sp>
+        <p:nvSpPr>
+          <p:cNvPr id="2" name="Title 1">
+            <a:extLst>
+              <a:ext uri="{FF2B5EF4-FFF2-40B4-BE49-F238E27FC236}">
+                <a16:creationId xmlns:a16="http://schemas.microsoft.com/office/drawing/2014/main" id="{37F47C21-4937-4FE1-BE59-56D978F65B8D}"/>
+              </a:ext>
+            </a:extLst>
+          </p:cNvPr>
+          <p:cNvSpPr>
+            <a:spLocks noGrp="1"/>
+          </p:cNvSpPr>
+          <p:nvPr>
+            <p:ph type="title"/>
+          </p:nvPr>
+        </p:nvSpPr>
+        <p:spPr/>
+        <p:txBody>
+          <a:bodyPr/>
+          <a:lstStyle/>
+          <a:p>
+            <a:r>
+              <a:rPr lang="en-US" dirty="0"/>
+              <a:t>Homework (Due April 1, 2020)</a:t>
+            </a:r>
+          </a:p>
+        </p:txBody>
+      </p:sp>
+      <p:sp>
+        <p:nvSpPr>
+          <p:cNvPr id="3" name="Content Placeholder 2">
+            <a:extLst>
+              <a:ext uri="{FF2B5EF4-FFF2-40B4-BE49-F238E27FC236}">
+                <a16:creationId xmlns:a16="http://schemas.microsoft.com/office/drawing/2014/main" id="{4BA640D3-C44B-4A6D-8102-C32143FBADEB}"/>
+              </a:ext>
+            </a:extLst>
+          </p:cNvPr>
+          <p:cNvSpPr>
+            <a:spLocks noGrp="1"/>
+          </p:cNvSpPr>
+          <p:nvPr>
+            <p:ph idx="1"/>
+          </p:nvPr>
+        </p:nvSpPr>
+        <p:spPr/>
+        <p:txBody>
+          <a:bodyPr/>
+          <a:lstStyle/>
+          <a:p>
+            <a:pPr>
+              <a:buFont typeface="Arial" panose="020B0604020202020204" pitchFamily="34" charset="0"/>
+              <a:buChar char="•"/>
+            </a:pPr>
+            <a:r>
+              <a:rPr lang="en-US" dirty="0"/>
+              <a:t>Decision Tree notebook</a:t>
+            </a:r>
+          </a:p>
+          <a:p>
+            <a:pPr>
+              <a:buFont typeface="Arial" panose="020B0604020202020204" pitchFamily="34" charset="0"/>
+              <a:buChar char="•"/>
+            </a:pPr>
+            <a:r>
+              <a:rPr lang="en-US" dirty="0"/>
+              <a:t>Submit final notebook (include your name in the title)</a:t>
+            </a:r>
+          </a:p>
+          <a:p>
+            <a:pPr>
+              <a:buFont typeface="Arial" panose="020B0604020202020204" pitchFamily="34" charset="0"/>
+              <a:buChar char="•"/>
+            </a:pPr>
+            <a:r>
+              <a:rPr lang="en-US" dirty="0"/>
+              <a:t>Complete survey</a:t>
+            </a:r>
+          </a:p>
+        </p:txBody>
+      </p:sp>
+    </p:spTree>
+    <p:extLst>
+      <p:ext uri="{BB962C8B-B14F-4D97-AF65-F5344CB8AC3E}">
+        <p14:creationId xmlns:p14="http://schemas.microsoft.com/office/powerpoint/2010/main" val="3089444643"/>
+      </p:ext>
+    </p:extLst>
+  </p:cSld>
+  <p:clrMapOvr>
+    <a:masterClrMapping/>
+  </p:clrMapOvr>
+</p:sld>
+</file>
+
+<file path=ppt/slides/slide66.xml><?xml version="1.0" encoding="utf-8"?>
+<p:sld xmlns:a="http://schemas.openxmlformats.org/drawingml/2006/main" xmlns:r="http://schemas.openxmlformats.org/officeDocument/2006/relationships" xmlns:p="http://schemas.openxmlformats.org/presentationml/2006/main">
+  <p:cSld>
+    <p:spTree>
+      <p:nvGrpSpPr>
+        <p:cNvPr id="1" name=""/>
+        <p:cNvGrpSpPr/>
+        <p:nvPr/>
+      </p:nvGrpSpPr>
+      <p:grpSpPr>
+        <a:xfrm>
+          <a:off x="0" y="0"/>
+          <a:ext cx="0" cy="0"/>
+          <a:chOff x="0" y="0"/>
+          <a:chExt cx="0" cy="0"/>
+        </a:xfrm>
+      </p:grpSpPr>
+      <p:sp>
+        <p:nvSpPr>
+          <p:cNvPr id="2" name="Title 1">
+            <a:extLst>
+              <a:ext uri="{FF2B5EF4-FFF2-40B4-BE49-F238E27FC236}">
+                <a16:creationId xmlns:a16="http://schemas.microsoft.com/office/drawing/2014/main" id="{AD2860B2-7C83-4A55-8E7E-7A4B069D4A7E}"/>
+              </a:ext>
+            </a:extLst>
+          </p:cNvPr>
+          <p:cNvSpPr>
+            <a:spLocks noGrp="1"/>
+          </p:cNvSpPr>
+          <p:nvPr>
+            <p:ph type="title"/>
+          </p:nvPr>
+        </p:nvSpPr>
+        <p:spPr/>
+        <p:txBody>
+          <a:bodyPr/>
+          <a:lstStyle/>
+          <a:p>
+            <a:r>
+              <a:rPr lang="en-US" dirty="0"/>
+              <a:t>Week 7</a:t>
+            </a:r>
+          </a:p>
+        </p:txBody>
+      </p:sp>
+      <p:sp>
+        <p:nvSpPr>
+          <p:cNvPr id="3" name="Text Placeholder 2">
+            <a:extLst>
+              <a:ext uri="{FF2B5EF4-FFF2-40B4-BE49-F238E27FC236}">
+                <a16:creationId xmlns:a16="http://schemas.microsoft.com/office/drawing/2014/main" id="{274FDD8D-BBB7-47AC-AD7F-DF359A4A9736}"/>
+              </a:ext>
+            </a:extLst>
+          </p:cNvPr>
+          <p:cNvSpPr>
+            <a:spLocks noGrp="1"/>
+          </p:cNvSpPr>
+          <p:nvPr>
+            <p:ph type="body" idx="1"/>
+          </p:nvPr>
+        </p:nvSpPr>
+        <p:spPr>
+          <a:xfrm>
+            <a:off x="1097280" y="4488638"/>
+            <a:ext cx="10058400" cy="1143000"/>
+          </a:xfrm>
+        </p:spPr>
+        <p:txBody>
+          <a:bodyPr/>
+          <a:lstStyle/>
+          <a:p>
+            <a:r>
+              <a:rPr lang="en-US" dirty="0"/>
+              <a:t>Date: April 1, 2020 </a:t>
+            </a:r>
+          </a:p>
+          <a:p>
+            <a:endParaRPr lang="en-US" dirty="0"/>
+          </a:p>
+        </p:txBody>
+      </p:sp>
+    </p:spTree>
+    <p:extLst>
+      <p:ext uri="{BB962C8B-B14F-4D97-AF65-F5344CB8AC3E}">
+        <p14:creationId xmlns:p14="http://schemas.microsoft.com/office/powerpoint/2010/main" val="3750065332"/>
+      </p:ext>
+    </p:extLst>
+  </p:cSld>
+  <p:clrMapOvr>
+    <a:masterClrMapping/>
+  </p:clrMapOvr>
+</p:sld>
+</file>
+
+<file path=ppt/slides/slide67.xml><?xml version="1.0" encoding="utf-8"?>
+<p:sld xmlns:a="http://schemas.openxmlformats.org/drawingml/2006/main" xmlns:r="http://schemas.openxmlformats.org/officeDocument/2006/relationships" xmlns:p="http://schemas.openxmlformats.org/presentationml/2006/main">
+  <p:cSld>
+    <p:spTree>
+      <p:nvGrpSpPr>
+        <p:cNvPr id="1" name=""/>
+        <p:cNvGrpSpPr/>
+        <p:nvPr/>
+      </p:nvGrpSpPr>
+      <p:grpSpPr>
+        <a:xfrm>
+          <a:off x="0" y="0"/>
+          <a:ext cx="0" cy="0"/>
+          <a:chOff x="0" y="0"/>
+          <a:chExt cx="0" cy="0"/>
+        </a:xfrm>
+      </p:grpSpPr>
+      <p:sp>
+        <p:nvSpPr>
+          <p:cNvPr id="2" name="Title 1">
+            <a:extLst>
+              <a:ext uri="{FF2B5EF4-FFF2-40B4-BE49-F238E27FC236}">
+                <a16:creationId xmlns:a16="http://schemas.microsoft.com/office/drawing/2014/main" id="{D506ECDD-8296-4572-8EE0-55E59330B45E}"/>
+              </a:ext>
+            </a:extLst>
+          </p:cNvPr>
+          <p:cNvSpPr>
+            <a:spLocks noGrp="1"/>
+          </p:cNvSpPr>
+          <p:nvPr>
+            <p:ph type="title"/>
+          </p:nvPr>
+        </p:nvSpPr>
+        <p:spPr/>
+        <p:txBody>
+          <a:bodyPr/>
+          <a:lstStyle/>
+          <a:p>
+            <a:r>
+              <a:rPr lang="en-US" dirty="0"/>
+              <a:t>Overview</a:t>
+            </a:r>
+          </a:p>
+        </p:txBody>
+      </p:sp>
+      <p:sp>
+        <p:nvSpPr>
+          <p:cNvPr id="3" name="Content Placeholder 2">
+            <a:extLst>
+              <a:ext uri="{FF2B5EF4-FFF2-40B4-BE49-F238E27FC236}">
+                <a16:creationId xmlns:a16="http://schemas.microsoft.com/office/drawing/2014/main" id="{FB1FEE6F-A6FB-4CF4-8149-DABBDC15D151}"/>
+              </a:ext>
+            </a:extLst>
+          </p:cNvPr>
+          <p:cNvSpPr>
+            <a:spLocks noGrp="1"/>
+          </p:cNvSpPr>
+          <p:nvPr>
+            <p:ph idx="1"/>
+          </p:nvPr>
+        </p:nvSpPr>
+        <p:spPr/>
+        <p:txBody>
+          <a:bodyPr/>
+          <a:lstStyle/>
+          <a:p>
+            <a:r>
+              <a:rPr lang="en-US" dirty="0"/>
+              <a:t>Exam</a:t>
+            </a:r>
+          </a:p>
+          <a:p>
+            <a:r>
+              <a:rPr lang="en-US" dirty="0"/>
+              <a:t>Submit notebook - print and submit to private repo</a:t>
+            </a:r>
+          </a:p>
+        </p:txBody>
+      </p:sp>
+    </p:spTree>
+    <p:extLst>
+      <p:ext uri="{BB962C8B-B14F-4D97-AF65-F5344CB8AC3E}">
+        <p14:creationId xmlns:p14="http://schemas.microsoft.com/office/powerpoint/2010/main" val="2391162298"/>
+      </p:ext>
+    </p:extLst>
+  </p:cSld>
+  <p:clrMapOvr>
+    <a:masterClrMapping/>
+  </p:clrMapOvr>
+</p:sld>
+</file>
+
+<file path=ppt/slides/slide7.xml><?xml version="1.0" encoding="utf-8"?>
 <p:sld xmlns:a="http://schemas.openxmlformats.org/drawingml/2006/main" xmlns:r="http://schemas.openxmlformats.org/officeDocument/2006/relationships" xmlns:p="http://schemas.openxmlformats.org/presentationml/2006/main">
   <p:cSld>
     <p:spTree>
@@ -16609,647 +17892,6 @@
 </p:sld>
 </file>
 
-<file path=ppt/slides/slide60.xml><?xml version="1.0" encoding="utf-8"?>
-<p:sld xmlns:a="http://schemas.openxmlformats.org/drawingml/2006/main" xmlns:r="http://schemas.openxmlformats.org/officeDocument/2006/relationships" xmlns:p="http://schemas.openxmlformats.org/presentationml/2006/main">
-  <p:cSld>
-    <p:spTree>
-      <p:nvGrpSpPr>
-        <p:cNvPr id="1" name=""/>
-        <p:cNvGrpSpPr/>
-        <p:nvPr/>
-      </p:nvGrpSpPr>
-      <p:grpSpPr>
-        <a:xfrm>
-          <a:off x="0" y="0"/>
-          <a:ext cx="0" cy="0"/>
-          <a:chOff x="0" y="0"/>
-          <a:chExt cx="0" cy="0"/>
-        </a:xfrm>
-      </p:grpSpPr>
-      <p:sp>
-        <p:nvSpPr>
-          <p:cNvPr id="2" name="Title 1">
-            <a:extLst>
-              <a:ext uri="{FF2B5EF4-FFF2-40B4-BE49-F238E27FC236}">
-                <a16:creationId xmlns:a16="http://schemas.microsoft.com/office/drawing/2014/main" id="{56812E27-DBE9-45BB-AB7A-4B7EDFF1F3F2}"/>
-              </a:ext>
-            </a:extLst>
-          </p:cNvPr>
-          <p:cNvSpPr>
-            <a:spLocks noGrp="1"/>
-          </p:cNvSpPr>
-          <p:nvPr>
-            <p:ph type="title"/>
-          </p:nvPr>
-        </p:nvSpPr>
-        <p:spPr/>
-        <p:txBody>
-          <a:bodyPr/>
-          <a:lstStyle/>
-          <a:p>
-            <a:r>
-              <a:rPr lang="en-US" dirty="0"/>
-              <a:t>Elasticity models</a:t>
-            </a:r>
-          </a:p>
-        </p:txBody>
-      </p:sp>
-      <p:sp>
-        <p:nvSpPr>
-          <p:cNvPr id="3" name="Content Placeholder 2">
-            <a:extLst>
-              <a:ext uri="{FF2B5EF4-FFF2-40B4-BE49-F238E27FC236}">
-                <a16:creationId xmlns:a16="http://schemas.microsoft.com/office/drawing/2014/main" id="{DF7A58C9-2060-4FC4-A7B7-2B9864FF1946}"/>
-              </a:ext>
-            </a:extLst>
-          </p:cNvPr>
-          <p:cNvSpPr>
-            <a:spLocks noGrp="1"/>
-          </p:cNvSpPr>
-          <p:nvPr>
-            <p:ph idx="1"/>
-          </p:nvPr>
-        </p:nvSpPr>
-        <p:spPr/>
-        <p:txBody>
-          <a:bodyPr/>
-          <a:lstStyle/>
-          <a:p>
-            <a:endParaRPr lang="en-US"/>
-          </a:p>
-        </p:txBody>
-      </p:sp>
-    </p:spTree>
-    <p:extLst>
-      <p:ext uri="{BB962C8B-B14F-4D97-AF65-F5344CB8AC3E}">
-        <p14:creationId xmlns:p14="http://schemas.microsoft.com/office/powerpoint/2010/main" val="3914258039"/>
-      </p:ext>
-    </p:extLst>
-  </p:cSld>
-  <p:clrMapOvr>
-    <a:masterClrMapping/>
-  </p:clrMapOvr>
-</p:sld>
-</file>
-
-<file path=ppt/slides/slide61.xml><?xml version="1.0" encoding="utf-8"?>
-<p:sld xmlns:a="http://schemas.openxmlformats.org/drawingml/2006/main" xmlns:r="http://schemas.openxmlformats.org/officeDocument/2006/relationships" xmlns:p="http://schemas.openxmlformats.org/presentationml/2006/main">
-  <p:cSld>
-    <p:spTree>
-      <p:nvGrpSpPr>
-        <p:cNvPr id="1" name=""/>
-        <p:cNvGrpSpPr/>
-        <p:nvPr/>
-      </p:nvGrpSpPr>
-      <p:grpSpPr>
-        <a:xfrm>
-          <a:off x="0" y="0"/>
-          <a:ext cx="0" cy="0"/>
-          <a:chOff x="0" y="0"/>
-          <a:chExt cx="0" cy="0"/>
-        </a:xfrm>
-      </p:grpSpPr>
-      <p:sp>
-        <p:nvSpPr>
-          <p:cNvPr id="2" name="Title 1">
-            <a:extLst>
-              <a:ext uri="{FF2B5EF4-FFF2-40B4-BE49-F238E27FC236}">
-                <a16:creationId xmlns:a16="http://schemas.microsoft.com/office/drawing/2014/main" id="{E6DFB96B-A5D0-4C65-AC3B-E7BC259F70B2}"/>
-              </a:ext>
-            </a:extLst>
-          </p:cNvPr>
-          <p:cNvSpPr>
-            <a:spLocks noGrp="1"/>
-          </p:cNvSpPr>
-          <p:nvPr>
-            <p:ph type="title"/>
-          </p:nvPr>
-        </p:nvSpPr>
-        <p:spPr/>
-        <p:txBody>
-          <a:bodyPr/>
-          <a:lstStyle/>
-          <a:p>
-            <a:r>
-              <a:rPr lang="en-US" dirty="0"/>
-              <a:t>Decision trees continued</a:t>
-            </a:r>
-          </a:p>
-        </p:txBody>
-      </p:sp>
-      <p:sp>
-        <p:nvSpPr>
-          <p:cNvPr id="3" name="Content Placeholder 2">
-            <a:extLst>
-              <a:ext uri="{FF2B5EF4-FFF2-40B4-BE49-F238E27FC236}">
-                <a16:creationId xmlns:a16="http://schemas.microsoft.com/office/drawing/2014/main" id="{B66F49DB-CED0-4D93-AD80-56A6A64F4C27}"/>
-              </a:ext>
-            </a:extLst>
-          </p:cNvPr>
-          <p:cNvSpPr>
-            <a:spLocks noGrp="1"/>
-          </p:cNvSpPr>
-          <p:nvPr>
-            <p:ph idx="1"/>
-          </p:nvPr>
-        </p:nvSpPr>
-        <p:spPr/>
-        <p:txBody>
-          <a:bodyPr/>
-          <a:lstStyle/>
-          <a:p>
-            <a:endParaRPr lang="en-US"/>
-          </a:p>
-        </p:txBody>
-      </p:sp>
-    </p:spTree>
-    <p:extLst>
-      <p:ext uri="{BB962C8B-B14F-4D97-AF65-F5344CB8AC3E}">
-        <p14:creationId xmlns:p14="http://schemas.microsoft.com/office/powerpoint/2010/main" val="2520431104"/>
-      </p:ext>
-    </p:extLst>
-  </p:cSld>
-  <p:clrMapOvr>
-    <a:masterClrMapping/>
-  </p:clrMapOvr>
-</p:sld>
-</file>
-
-<file path=ppt/slides/slide62.xml><?xml version="1.0" encoding="utf-8"?>
-<p:sld xmlns:a="http://schemas.openxmlformats.org/drawingml/2006/main" xmlns:r="http://schemas.openxmlformats.org/officeDocument/2006/relationships" xmlns:p="http://schemas.openxmlformats.org/presentationml/2006/main">
-  <p:cSld>
-    <p:spTree>
-      <p:nvGrpSpPr>
-        <p:cNvPr id="1" name=""/>
-        <p:cNvGrpSpPr/>
-        <p:nvPr/>
-      </p:nvGrpSpPr>
-      <p:grpSpPr>
-        <a:xfrm>
-          <a:off x="0" y="0"/>
-          <a:ext cx="0" cy="0"/>
-          <a:chOff x="0" y="0"/>
-          <a:chExt cx="0" cy="0"/>
-        </a:xfrm>
-      </p:grpSpPr>
-      <p:sp>
-        <p:nvSpPr>
-          <p:cNvPr id="2" name="Title 1">
-            <a:extLst>
-              <a:ext uri="{FF2B5EF4-FFF2-40B4-BE49-F238E27FC236}">
-                <a16:creationId xmlns:a16="http://schemas.microsoft.com/office/drawing/2014/main" id="{37F47C21-4937-4FE1-BE59-56D978F65B8D}"/>
-              </a:ext>
-            </a:extLst>
-          </p:cNvPr>
-          <p:cNvSpPr>
-            <a:spLocks noGrp="1"/>
-          </p:cNvSpPr>
-          <p:nvPr>
-            <p:ph type="title"/>
-          </p:nvPr>
-        </p:nvSpPr>
-        <p:spPr/>
-        <p:txBody>
-          <a:bodyPr/>
-          <a:lstStyle/>
-          <a:p>
-            <a:r>
-              <a:rPr lang="en-US" dirty="0"/>
-              <a:t>Homework (Due April 1, 2020)</a:t>
-            </a:r>
-          </a:p>
-        </p:txBody>
-      </p:sp>
-      <p:sp>
-        <p:nvSpPr>
-          <p:cNvPr id="3" name="Content Placeholder 2">
-            <a:extLst>
-              <a:ext uri="{FF2B5EF4-FFF2-40B4-BE49-F238E27FC236}">
-                <a16:creationId xmlns:a16="http://schemas.microsoft.com/office/drawing/2014/main" id="{4BA640D3-C44B-4A6D-8102-C32143FBADEB}"/>
-              </a:ext>
-            </a:extLst>
-          </p:cNvPr>
-          <p:cNvSpPr>
-            <a:spLocks noGrp="1"/>
-          </p:cNvSpPr>
-          <p:nvPr>
-            <p:ph idx="1"/>
-          </p:nvPr>
-        </p:nvSpPr>
-        <p:spPr/>
-        <p:txBody>
-          <a:bodyPr/>
-          <a:lstStyle/>
-          <a:p>
-            <a:pPr>
-              <a:buFont typeface="Arial" panose="020B0604020202020204" pitchFamily="34" charset="0"/>
-              <a:buChar char="•"/>
-            </a:pPr>
-            <a:r>
-              <a:rPr lang="en-US" dirty="0"/>
-              <a:t>Decision Tree notebook</a:t>
-            </a:r>
-          </a:p>
-          <a:p>
-            <a:pPr>
-              <a:buFont typeface="Arial" panose="020B0604020202020204" pitchFamily="34" charset="0"/>
-              <a:buChar char="•"/>
-            </a:pPr>
-            <a:r>
-              <a:rPr lang="en-US" dirty="0"/>
-              <a:t>Submit final notebook (include your name in the title)</a:t>
-            </a:r>
-          </a:p>
-          <a:p>
-            <a:pPr>
-              <a:buFont typeface="Arial" panose="020B0604020202020204" pitchFamily="34" charset="0"/>
-              <a:buChar char="•"/>
-            </a:pPr>
-            <a:r>
-              <a:rPr lang="en-US" dirty="0"/>
-              <a:t>Complete survey</a:t>
-            </a:r>
-          </a:p>
-        </p:txBody>
-      </p:sp>
-    </p:spTree>
-    <p:extLst>
-      <p:ext uri="{BB962C8B-B14F-4D97-AF65-F5344CB8AC3E}">
-        <p14:creationId xmlns:p14="http://schemas.microsoft.com/office/powerpoint/2010/main" val="3089444643"/>
-      </p:ext>
-    </p:extLst>
-  </p:cSld>
-  <p:clrMapOvr>
-    <a:masterClrMapping/>
-  </p:clrMapOvr>
-</p:sld>
-</file>
-
-<file path=ppt/slides/slide63.xml><?xml version="1.0" encoding="utf-8"?>
-<p:sld xmlns:a="http://schemas.openxmlformats.org/drawingml/2006/main" xmlns:r="http://schemas.openxmlformats.org/officeDocument/2006/relationships" xmlns:p="http://schemas.openxmlformats.org/presentationml/2006/main">
-  <p:cSld>
-    <p:spTree>
-      <p:nvGrpSpPr>
-        <p:cNvPr id="1" name=""/>
-        <p:cNvGrpSpPr/>
-        <p:nvPr/>
-      </p:nvGrpSpPr>
-      <p:grpSpPr>
-        <a:xfrm>
-          <a:off x="0" y="0"/>
-          <a:ext cx="0" cy="0"/>
-          <a:chOff x="0" y="0"/>
-          <a:chExt cx="0" cy="0"/>
-        </a:xfrm>
-      </p:grpSpPr>
-      <p:sp>
-        <p:nvSpPr>
-          <p:cNvPr id="2" name="Title 1">
-            <a:extLst>
-              <a:ext uri="{FF2B5EF4-FFF2-40B4-BE49-F238E27FC236}">
-                <a16:creationId xmlns:a16="http://schemas.microsoft.com/office/drawing/2014/main" id="{AD2860B2-7C83-4A55-8E7E-7A4B069D4A7E}"/>
-              </a:ext>
-            </a:extLst>
-          </p:cNvPr>
-          <p:cNvSpPr>
-            <a:spLocks noGrp="1"/>
-          </p:cNvSpPr>
-          <p:nvPr>
-            <p:ph type="title"/>
-          </p:nvPr>
-        </p:nvSpPr>
-        <p:spPr/>
-        <p:txBody>
-          <a:bodyPr/>
-          <a:lstStyle/>
-          <a:p>
-            <a:r>
-              <a:rPr lang="en-US" dirty="0"/>
-              <a:t>Week 7</a:t>
-            </a:r>
-          </a:p>
-        </p:txBody>
-      </p:sp>
-      <p:sp>
-        <p:nvSpPr>
-          <p:cNvPr id="3" name="Text Placeholder 2">
-            <a:extLst>
-              <a:ext uri="{FF2B5EF4-FFF2-40B4-BE49-F238E27FC236}">
-                <a16:creationId xmlns:a16="http://schemas.microsoft.com/office/drawing/2014/main" id="{274FDD8D-BBB7-47AC-AD7F-DF359A4A9736}"/>
-              </a:ext>
-            </a:extLst>
-          </p:cNvPr>
-          <p:cNvSpPr>
-            <a:spLocks noGrp="1"/>
-          </p:cNvSpPr>
-          <p:nvPr>
-            <p:ph type="body" idx="1"/>
-          </p:nvPr>
-        </p:nvSpPr>
-        <p:spPr>
-          <a:xfrm>
-            <a:off x="1097280" y="4488638"/>
-            <a:ext cx="10058400" cy="1143000"/>
-          </a:xfrm>
-        </p:spPr>
-        <p:txBody>
-          <a:bodyPr/>
-          <a:lstStyle/>
-          <a:p>
-            <a:r>
-              <a:rPr lang="en-US" dirty="0"/>
-              <a:t>Date: April 1, 2020 </a:t>
-            </a:r>
-          </a:p>
-          <a:p>
-            <a:endParaRPr lang="en-US" dirty="0"/>
-          </a:p>
-        </p:txBody>
-      </p:sp>
-    </p:spTree>
-    <p:extLst>
-      <p:ext uri="{BB962C8B-B14F-4D97-AF65-F5344CB8AC3E}">
-        <p14:creationId xmlns:p14="http://schemas.microsoft.com/office/powerpoint/2010/main" val="3750065332"/>
-      </p:ext>
-    </p:extLst>
-  </p:cSld>
-  <p:clrMapOvr>
-    <a:masterClrMapping/>
-  </p:clrMapOvr>
-</p:sld>
-</file>
-
-<file path=ppt/slides/slide64.xml><?xml version="1.0" encoding="utf-8"?>
-<p:sld xmlns:a="http://schemas.openxmlformats.org/drawingml/2006/main" xmlns:r="http://schemas.openxmlformats.org/officeDocument/2006/relationships" xmlns:p="http://schemas.openxmlformats.org/presentationml/2006/main">
-  <p:cSld>
-    <p:spTree>
-      <p:nvGrpSpPr>
-        <p:cNvPr id="1" name=""/>
-        <p:cNvGrpSpPr/>
-        <p:nvPr/>
-      </p:nvGrpSpPr>
-      <p:grpSpPr>
-        <a:xfrm>
-          <a:off x="0" y="0"/>
-          <a:ext cx="0" cy="0"/>
-          <a:chOff x="0" y="0"/>
-          <a:chExt cx="0" cy="0"/>
-        </a:xfrm>
-      </p:grpSpPr>
-      <p:sp>
-        <p:nvSpPr>
-          <p:cNvPr id="2" name="Title 1">
-            <a:extLst>
-              <a:ext uri="{FF2B5EF4-FFF2-40B4-BE49-F238E27FC236}">
-                <a16:creationId xmlns:a16="http://schemas.microsoft.com/office/drawing/2014/main" id="{D506ECDD-8296-4572-8EE0-55E59330B45E}"/>
-              </a:ext>
-            </a:extLst>
-          </p:cNvPr>
-          <p:cNvSpPr>
-            <a:spLocks noGrp="1"/>
-          </p:cNvSpPr>
-          <p:nvPr>
-            <p:ph type="title"/>
-          </p:nvPr>
-        </p:nvSpPr>
-        <p:spPr/>
-        <p:txBody>
-          <a:bodyPr/>
-          <a:lstStyle/>
-          <a:p>
-            <a:r>
-              <a:rPr lang="en-US" dirty="0"/>
-              <a:t>Overview</a:t>
-            </a:r>
-          </a:p>
-        </p:txBody>
-      </p:sp>
-      <p:sp>
-        <p:nvSpPr>
-          <p:cNvPr id="3" name="Content Placeholder 2">
-            <a:extLst>
-              <a:ext uri="{FF2B5EF4-FFF2-40B4-BE49-F238E27FC236}">
-                <a16:creationId xmlns:a16="http://schemas.microsoft.com/office/drawing/2014/main" id="{FB1FEE6F-A6FB-4CF4-8149-DABBDC15D151}"/>
-              </a:ext>
-            </a:extLst>
-          </p:cNvPr>
-          <p:cNvSpPr>
-            <a:spLocks noGrp="1"/>
-          </p:cNvSpPr>
-          <p:nvPr>
-            <p:ph idx="1"/>
-          </p:nvPr>
-        </p:nvSpPr>
-        <p:spPr/>
-        <p:txBody>
-          <a:bodyPr/>
-          <a:lstStyle/>
-          <a:p>
-            <a:r>
-              <a:rPr lang="en-US" dirty="0"/>
-              <a:t>Exam</a:t>
-            </a:r>
-          </a:p>
-          <a:p>
-            <a:r>
-              <a:rPr lang="en-US" dirty="0"/>
-              <a:t>Submit notebook - print and submit to private repo</a:t>
-            </a:r>
-          </a:p>
-        </p:txBody>
-      </p:sp>
-    </p:spTree>
-    <p:extLst>
-      <p:ext uri="{BB962C8B-B14F-4D97-AF65-F5344CB8AC3E}">
-        <p14:creationId xmlns:p14="http://schemas.microsoft.com/office/powerpoint/2010/main" val="2391162298"/>
-      </p:ext>
-    </p:extLst>
-  </p:cSld>
-  <p:clrMapOvr>
-    <a:masterClrMapping/>
-  </p:clrMapOvr>
-</p:sld>
-</file>
-
-<file path=ppt/slides/slide7.xml><?xml version="1.0" encoding="utf-8"?>
-<p:sld xmlns:a="http://schemas.openxmlformats.org/drawingml/2006/main" xmlns:r="http://schemas.openxmlformats.org/officeDocument/2006/relationships" xmlns:p="http://schemas.openxmlformats.org/presentationml/2006/main">
-  <p:cSld>
-    <p:spTree>
-      <p:nvGrpSpPr>
-        <p:cNvPr id="1" name=""/>
-        <p:cNvGrpSpPr/>
-        <p:nvPr/>
-      </p:nvGrpSpPr>
-      <p:grpSpPr>
-        <a:xfrm>
-          <a:off x="0" y="0"/>
-          <a:ext cx="0" cy="0"/>
-          <a:chOff x="0" y="0"/>
-          <a:chExt cx="0" cy="0"/>
-        </a:xfrm>
-      </p:grpSpPr>
-      <p:sp>
-        <p:nvSpPr>
-          <p:cNvPr id="2" name="Title 1">
-            <a:extLst>
-              <a:ext uri="{FF2B5EF4-FFF2-40B4-BE49-F238E27FC236}">
-                <a16:creationId xmlns:a16="http://schemas.microsoft.com/office/drawing/2014/main" id="{3A43D6A8-9BC5-47F3-9EFB-9416EFABF900}"/>
-              </a:ext>
-            </a:extLst>
-          </p:cNvPr>
-          <p:cNvSpPr>
-            <a:spLocks noGrp="1"/>
-          </p:cNvSpPr>
-          <p:nvPr>
-            <p:ph type="title"/>
-          </p:nvPr>
-        </p:nvSpPr>
-        <p:spPr/>
-        <p:txBody>
-          <a:bodyPr/>
-          <a:lstStyle/>
-          <a:p>
-            <a:r>
-              <a:rPr lang="en-US" dirty="0" err="1"/>
-              <a:t>Github</a:t>
-            </a:r>
-            <a:r>
-              <a:rPr lang="en-US" dirty="0"/>
-              <a:t> Account Creation</a:t>
-            </a:r>
-          </a:p>
-        </p:txBody>
-      </p:sp>
-      <p:sp>
-        <p:nvSpPr>
-          <p:cNvPr id="3" name="Content Placeholder 2">
-            <a:extLst>
-              <a:ext uri="{FF2B5EF4-FFF2-40B4-BE49-F238E27FC236}">
-                <a16:creationId xmlns:a16="http://schemas.microsoft.com/office/drawing/2014/main" id="{D8FE314D-A9FF-4B3F-93E7-B249395EBDC8}"/>
-              </a:ext>
-            </a:extLst>
-          </p:cNvPr>
-          <p:cNvSpPr>
-            <a:spLocks noGrp="1"/>
-          </p:cNvSpPr>
-          <p:nvPr>
-            <p:ph idx="1"/>
-          </p:nvPr>
-        </p:nvSpPr>
-        <p:spPr/>
-        <p:txBody>
-          <a:bodyPr>
-            <a:normAutofit lnSpcReduction="10000"/>
-          </a:bodyPr>
-          <a:lstStyle/>
-          <a:p>
-            <a:pPr marL="457200" indent="-457200">
-              <a:buFont typeface="+mj-lt"/>
-              <a:buAutoNum type="arabicPeriod"/>
-            </a:pPr>
-            <a:r>
-              <a:rPr lang="en-US" dirty="0"/>
-              <a:t>Go to github.com</a:t>
-            </a:r>
-          </a:p>
-          <a:p>
-            <a:pPr marL="457200" indent="-457200">
-              <a:buFont typeface="+mj-lt"/>
-              <a:buAutoNum type="arabicPeriod"/>
-            </a:pPr>
-            <a:r>
-              <a:rPr lang="en-US" dirty="0"/>
-              <a:t>If you don’t already have a GitHub account, create one with your school or personal email address</a:t>
-            </a:r>
-          </a:p>
-          <a:p>
-            <a:pPr marL="749808" lvl="1" indent="-457200"/>
-            <a:r>
-              <a:rPr lang="en-US" dirty="0"/>
-              <a:t>All your work for the course will be private and shared with the instructor using private repositories</a:t>
-            </a:r>
-          </a:p>
-          <a:p>
-            <a:pPr marL="457200" indent="-457200">
-              <a:buFont typeface="+mj-lt"/>
-              <a:buAutoNum type="arabicPeriod"/>
-            </a:pPr>
-            <a:r>
-              <a:rPr lang="en-US" dirty="0"/>
-              <a:t>Make a </a:t>
-            </a:r>
-            <a:r>
-              <a:rPr lang="en-US" b="1" dirty="0"/>
-              <a:t>private</a:t>
-            </a:r>
-            <a:r>
-              <a:rPr lang="en-US" dirty="0"/>
-              <a:t> repository with this name template wsu-dsp2020-&lt;last name&gt;&lt;first initial&gt;</a:t>
-            </a:r>
-          </a:p>
-          <a:p>
-            <a:pPr marL="749808" lvl="1" indent="-457200"/>
-            <a:r>
-              <a:rPr lang="en-US" dirty="0"/>
-              <a:t>Example: wsu-dsp2020_whortonc</a:t>
-            </a:r>
-          </a:p>
-          <a:p>
-            <a:pPr marL="457200" indent="-457200">
-              <a:buFont typeface="+mj-lt"/>
-              <a:buAutoNum type="arabicPeriod"/>
-            </a:pPr>
-            <a:r>
-              <a:rPr lang="en-US" dirty="0"/>
-              <a:t>Under settings =&gt; manage access =&gt; add collaborators =&gt; search for “</a:t>
-            </a:r>
-            <a:r>
-              <a:rPr lang="en-US" b="1" dirty="0" err="1"/>
-              <a:t>casey-whorton-waynestate</a:t>
-            </a:r>
-            <a:r>
-              <a:rPr lang="en-US" dirty="0"/>
-              <a:t>” =&gt; add that person</a:t>
-            </a:r>
-          </a:p>
-          <a:p>
-            <a:pPr marL="457200" indent="-457200">
-              <a:buFont typeface="+mj-lt"/>
-              <a:buAutoNum type="arabicPeriod"/>
-            </a:pPr>
-            <a:endParaRPr lang="en-US" dirty="0"/>
-          </a:p>
-          <a:p>
-            <a:pPr marL="457200" indent="-457200">
-              <a:buFont typeface="+mj-lt"/>
-              <a:buAutoNum type="arabicPeriod"/>
-            </a:pPr>
-            <a:r>
-              <a:rPr lang="en-US" dirty="0">
-                <a:hlinkClick r:id="rId2"/>
-              </a:rPr>
-              <a:t>Reference on pull requests: https://help.github.com/en/github/collaborating-with-issues-and-pull-requests/about-pull-requests</a:t>
-            </a:r>
-            <a:endParaRPr lang="en-US" dirty="0"/>
-          </a:p>
-          <a:p>
-            <a:endParaRPr lang="en-US" dirty="0"/>
-          </a:p>
-        </p:txBody>
-      </p:sp>
-    </p:spTree>
-    <p:extLst>
-      <p:ext uri="{BB962C8B-B14F-4D97-AF65-F5344CB8AC3E}">
-        <p14:creationId xmlns:p14="http://schemas.microsoft.com/office/powerpoint/2010/main" val="2892347091"/>
-      </p:ext>
-    </p:extLst>
-  </p:cSld>
-  <p:clrMapOvr>
-    <a:masterClrMapping/>
-  </p:clrMapOvr>
-</p:sld>
-</file>
-
 <file path=ppt/slides/slide8.xml><?xml version="1.0" encoding="utf-8"?>
 <p:sld xmlns:a="http://schemas.openxmlformats.org/drawingml/2006/main" xmlns:r="http://schemas.openxmlformats.org/officeDocument/2006/relationships" xmlns:p="http://schemas.openxmlformats.org/presentationml/2006/main">
   <p:cSld>
@@ -17272,7 +17914,7 @@
           <p:cNvPr id="2" name="Title 1">
             <a:extLst>
               <a:ext uri="{FF2B5EF4-FFF2-40B4-BE49-F238E27FC236}">
-                <a16:creationId xmlns:a16="http://schemas.microsoft.com/office/drawing/2014/main" id="{4E682003-BAE3-4B25-9EBF-0E1A54A850C9}"/>
+                <a16:creationId xmlns:a16="http://schemas.microsoft.com/office/drawing/2014/main" id="{3A43D6A8-9BC5-47F3-9EFB-9416EFABF900}"/>
               </a:ext>
             </a:extLst>
           </p:cNvPr>
@@ -17289,8 +17931,12 @@
           <a:lstStyle/>
           <a:p>
             <a:r>
-              <a:rPr lang="en-US" dirty="0"/>
-              <a:t>Intro to Python (and Anaconda)</a:t>
+              <a:rPr lang="en-US" dirty="0" err="1"/>
+              <a:t>Github</a:t>
+            </a:r>
+            <a:r>
+              <a:rPr lang="en-US" dirty="0"/>
+              <a:t> Account Creation</a:t>
             </a:r>
           </a:p>
         </p:txBody>
@@ -17300,7 +17946,7 @@
           <p:cNvPr id="3" name="Content Placeholder 2">
             <a:extLst>
               <a:ext uri="{FF2B5EF4-FFF2-40B4-BE49-F238E27FC236}">
-                <a16:creationId xmlns:a16="http://schemas.microsoft.com/office/drawing/2014/main" id="{236EAE34-5E82-4D0A-A3FB-CC622745FFFE}"/>
+                <a16:creationId xmlns:a16="http://schemas.microsoft.com/office/drawing/2014/main" id="{D8FE314D-A9FF-4B3F-93E7-B249395EBDC8}"/>
               </a:ext>
             </a:extLst>
           </p:cNvPr>
@@ -17313,73 +17959,98 @@
         </p:nvSpPr>
         <p:spPr/>
         <p:txBody>
-          <a:bodyPr/>
+          <a:bodyPr>
+            <a:normAutofit lnSpcReduction="10000"/>
+          </a:bodyPr>
           <a:lstStyle/>
           <a:p>
-            <a:pPr>
-              <a:buFont typeface="Arial" panose="020B0604020202020204" pitchFamily="34" charset="0"/>
-              <a:buChar char="•"/>
+            <a:pPr marL="457200" indent="-457200">
+              <a:buFont typeface="+mj-lt"/>
+              <a:buAutoNum type="arabicPeriod"/>
             </a:pPr>
             <a:r>
               <a:rPr lang="en-US" dirty="0"/>
-              <a:t>Python is an open-source programming language</a:t>
-            </a:r>
-          </a:p>
-          <a:p>
-            <a:pPr lvl="1">
-              <a:buFont typeface="Arial" panose="020B0604020202020204" pitchFamily="34" charset="0"/>
-              <a:buChar char="•"/>
+              <a:t>Go to github.com</a:t>
+            </a:r>
+          </a:p>
+          <a:p>
+            <a:pPr marL="457200" indent="-457200">
+              <a:buFont typeface="+mj-lt"/>
+              <a:buAutoNum type="arabicPeriod"/>
             </a:pPr>
             <a:r>
               <a:rPr lang="en-US" dirty="0"/>
-              <a:t>High level, object oriented, easy-to-use</a:t>
-            </a:r>
-          </a:p>
-          <a:p>
-            <a:pPr>
-              <a:buFont typeface="Arial" panose="020B0604020202020204" pitchFamily="34" charset="0"/>
-              <a:buChar char="•"/>
+              <a:t>If you don’t already have a GitHub account, create one with your school or personal email address</a:t>
+            </a:r>
+          </a:p>
+          <a:p>
+            <a:pPr marL="749808" lvl="1" indent="-457200"/>
+            <a:r>
+              <a:rPr lang="en-US" dirty="0"/>
+              <a:t>All your work for the course will be private and shared with the instructor using private repositories</a:t>
+            </a:r>
+          </a:p>
+          <a:p>
+            <a:pPr marL="457200" indent="-457200">
+              <a:buFont typeface="+mj-lt"/>
+              <a:buAutoNum type="arabicPeriod"/>
             </a:pPr>
             <a:r>
               <a:rPr lang="en-US" dirty="0"/>
-              <a:t>Currently on version 3.8.1 (anything above version 3 is good for us)</a:t>
-            </a:r>
-          </a:p>
-          <a:p>
-            <a:pPr>
-              <a:buFont typeface="Arial" panose="020B0604020202020204" pitchFamily="34" charset="0"/>
-              <a:buChar char="•"/>
+              <a:t>Make a </a:t>
+            </a:r>
+            <a:r>
+              <a:rPr lang="en-US" b="1" dirty="0"/>
+              <a:t>private</a:t>
+            </a:r>
+            <a:r>
+              <a:rPr lang="en-US" dirty="0"/>
+              <a:t> repository with this name template wsu-dsp2020-&lt;last name&gt;&lt;first initial&gt;</a:t>
+            </a:r>
+          </a:p>
+          <a:p>
+            <a:pPr marL="749808" lvl="1" indent="-457200"/>
+            <a:r>
+              <a:rPr lang="en-US" dirty="0"/>
+              <a:t>Example: wsu-dsp2020_whortonc</a:t>
+            </a:r>
+          </a:p>
+          <a:p>
+            <a:pPr marL="457200" indent="-457200">
+              <a:buFont typeface="+mj-lt"/>
+              <a:buAutoNum type="arabicPeriod"/>
             </a:pPr>
             <a:r>
               <a:rPr lang="en-US" dirty="0"/>
-              <a:t>Anaconda is a free and open-source distribution of the Python and R programming languages for scientific computing, that aims to simplify package management and deployment. Package versions are managed by the package management system </a:t>
-            </a:r>
-            <a:r>
-              <a:rPr lang="en-US" dirty="0" err="1"/>
-              <a:t>conda</a:t>
-            </a:r>
-            <a:r>
-              <a:rPr lang="en-US" dirty="0"/>
-              <a:t>. (</a:t>
-            </a:r>
+              <a:t>Under settings =&gt; manage access =&gt; add collaborators =&gt; search for “</a:t>
+            </a:r>
+            <a:r>
+              <a:rPr lang="en-US" b="1" dirty="0" err="1"/>
+              <a:t>casey-whorton-waynestate</a:t>
+            </a:r>
+            <a:r>
+              <a:rPr lang="en-US" dirty="0"/>
+              <a:t>” =&gt; add that person</a:t>
+            </a:r>
+          </a:p>
+          <a:p>
+            <a:pPr marL="457200" indent="-457200">
+              <a:buFont typeface="+mj-lt"/>
+              <a:buAutoNum type="arabicPeriod"/>
+            </a:pPr>
+            <a:endParaRPr lang="en-US" dirty="0"/>
+          </a:p>
+          <a:p>
+            <a:pPr marL="457200" indent="-457200">
+              <a:buFont typeface="+mj-lt"/>
+              <a:buAutoNum type="arabicPeriod"/>
+            </a:pPr>
             <a:r>
               <a:rPr lang="en-US" dirty="0">
                 <a:hlinkClick r:id="rId2"/>
               </a:rPr>
-              <a:t>https://en.wikipedia.org/wiki/Anaconda_(Python_distribution)</a:t>
-            </a:r>
-            <a:r>
-              <a:rPr lang="en-US" dirty="0"/>
-              <a:t>)</a:t>
-            </a:r>
-          </a:p>
-          <a:p>
-            <a:pPr marL="0" indent="0">
-              <a:buNone/>
-            </a:pPr>
-            <a:endParaRPr lang="en-US" dirty="0"/>
-          </a:p>
-          <a:p>
+              <a:t>Reference on pull requests: https://help.github.com/en/github/collaborating-with-issues-and-pull-requests/about-pull-requests</a:t>
+            </a:r>
             <a:endParaRPr lang="en-US" dirty="0"/>
           </a:p>
           <a:p>
@@ -17390,7 +18061,7 @@
     </p:spTree>
     <p:extLst>
       <p:ext uri="{BB962C8B-B14F-4D97-AF65-F5344CB8AC3E}">
-        <p14:creationId xmlns:p14="http://schemas.microsoft.com/office/powerpoint/2010/main" val="3992131363"/>
+        <p14:creationId xmlns:p14="http://schemas.microsoft.com/office/powerpoint/2010/main" val="2892347091"/>
       </p:ext>
     </p:extLst>
   </p:cSld>
@@ -17422,7 +18093,7 @@
           <p:cNvPr id="2" name="Title 1">
             <a:extLst>
               <a:ext uri="{FF2B5EF4-FFF2-40B4-BE49-F238E27FC236}">
-                <a16:creationId xmlns:a16="http://schemas.microsoft.com/office/drawing/2014/main" id="{528A05CD-AB53-4086-87CD-C4FDBE652E62}"/>
+                <a16:creationId xmlns:a16="http://schemas.microsoft.com/office/drawing/2014/main" id="{4E682003-BAE3-4B25-9EBF-0E1A54A850C9}"/>
               </a:ext>
             </a:extLst>
           </p:cNvPr>
@@ -17440,13 +18111,8 @@
           <a:p>
             <a:r>
               <a:rPr lang="en-US" dirty="0"/>
-              <a:t>Pandas </a:t>
-            </a:r>
-            <a:r>
-              <a:rPr lang="en-US" dirty="0" err="1"/>
-              <a:t>DataFrames</a:t>
-            </a:r>
-            <a:endParaRPr lang="en-US" dirty="0"/>
+              <a:t>Intro to Python (and Anaconda)</a:t>
+            </a:r>
           </a:p>
         </p:txBody>
       </p:sp>
@@ -17455,7 +18121,7 @@
           <p:cNvPr id="3" name="Content Placeholder 2">
             <a:extLst>
               <a:ext uri="{FF2B5EF4-FFF2-40B4-BE49-F238E27FC236}">
-                <a16:creationId xmlns:a16="http://schemas.microsoft.com/office/drawing/2014/main" id="{5F4DDDBE-020E-40F5-A5CA-6134E8F29D3D}"/>
+                <a16:creationId xmlns:a16="http://schemas.microsoft.com/office/drawing/2014/main" id="{236EAE34-5E82-4D0A-A3FB-CC622745FFFE}"/>
               </a:ext>
             </a:extLst>
           </p:cNvPr>
@@ -17477,15 +18143,17 @@
             </a:pPr>
             <a:r>
               <a:rPr lang="en-US" dirty="0"/>
-              <a:t>A </a:t>
-            </a:r>
-            <a:r>
-              <a:rPr lang="en-US" dirty="0" err="1"/>
-              <a:t>dataframe</a:t>
-            </a:r>
-            <a:r>
-              <a:rPr lang="en-US" dirty="0"/>
-              <a:t> is a 2d framework to present labeled rows and columns of data</a:t>
+              <a:t>Python is an open-source programming language</a:t>
+            </a:r>
+          </a:p>
+          <a:p>
+            <a:pPr lvl="1">
+              <a:buFont typeface="Arial" panose="020B0604020202020204" pitchFamily="34" charset="0"/>
+              <a:buChar char="•"/>
+            </a:pPr>
+            <a:r>
+              <a:rPr lang="en-US" dirty="0"/>
+              <a:t>High level, object oriented, easy-to-use</a:t>
             </a:r>
           </a:p>
           <a:p>
@@ -17494,14 +18162,9 @@
               <a:buChar char="•"/>
             </a:pPr>
             <a:r>
-              <a:rPr lang="en-US" b="1" dirty="0"/>
-              <a:t>Pandas</a:t>
-            </a:r>
-            <a:r>
-              <a:rPr lang="en-US" dirty="0"/>
-              <a:t> is the Python package we, and most people, will use for data cleaning and data science</a:t>
-            </a:r>
-            <a:endParaRPr lang="en-US" b="1" dirty="0"/>
+              <a:rPr lang="en-US" dirty="0"/>
+              <a:t>Currently on version 3.8.1 (anything above version 3 is good for us)</a:t>
+            </a:r>
           </a:p>
           <a:p>
             <a:pPr>
@@ -17510,29 +18173,34 @@
             </a:pPr>
             <a:r>
               <a:rPr lang="en-US" dirty="0"/>
-              <a:t>Link to 10 minutes to pandas </a:t>
+              <a:t>Anaconda is a free and open-source distribution of the Python and R programming languages for scientific computing, that aims to simplify package management and deployment. Package versions are managed by the package management system </a:t>
             </a:r>
             <a:r>
               <a:rPr lang="en-US" dirty="0" err="1"/>
-              <a:t>dataframes</a:t>
-            </a:r>
-            <a:r>
-              <a:rPr lang="en-US" dirty="0"/>
-              <a:t>: </a:t>
+              <a:t>conda</a:t>
+            </a:r>
+            <a:r>
+              <a:rPr lang="en-US" dirty="0"/>
+              <a:t>. (</a:t>
             </a:r>
             <a:r>
               <a:rPr lang="en-US" dirty="0">
                 <a:hlinkClick r:id="rId2"/>
               </a:rPr>
-              <a:t>https://pandas.pydata.org/pandas-docs/stable/getting_started/10min.html</a:t>
-            </a:r>
+              <a:t>https://en.wikipedia.org/wiki/Anaconda_(Python_distribution)</a:t>
+            </a:r>
+            <a:r>
+              <a:rPr lang="en-US" dirty="0"/>
+              <a:t>)</a:t>
+            </a:r>
+          </a:p>
+          <a:p>
+            <a:pPr marL="0" indent="0">
+              <a:buNone/>
+            </a:pPr>
             <a:endParaRPr lang="en-US" dirty="0"/>
           </a:p>
           <a:p>
-            <a:pPr>
-              <a:buFont typeface="Arial" panose="020B0604020202020204" pitchFamily="34" charset="0"/>
-              <a:buChar char="•"/>
-            </a:pPr>
             <a:endParaRPr lang="en-US" dirty="0"/>
           </a:p>
           <a:p>
@@ -17543,7 +18211,7 @@
     </p:spTree>
     <p:extLst>
       <p:ext uri="{BB962C8B-B14F-4D97-AF65-F5344CB8AC3E}">
-        <p14:creationId xmlns:p14="http://schemas.microsoft.com/office/powerpoint/2010/main" val="2835035860"/>
+        <p14:creationId xmlns:p14="http://schemas.microsoft.com/office/powerpoint/2010/main" val="3992131363"/>
       </p:ext>
     </p:extLst>
   </p:cSld>

--- a/Wayne State Course.pptx
+++ b/Wayne State Course.pptx
@@ -19,59 +19,60 @@
     <p:sldId id="258" r:id="rId13"/>
     <p:sldId id="265" r:id="rId14"/>
     <p:sldId id="279" r:id="rId15"/>
-    <p:sldId id="275" r:id="rId16"/>
-    <p:sldId id="324" r:id="rId17"/>
-    <p:sldId id="325" r:id="rId18"/>
-    <p:sldId id="280" r:id="rId19"/>
-    <p:sldId id="298" r:id="rId20"/>
-    <p:sldId id="278" r:id="rId21"/>
-    <p:sldId id="294" r:id="rId22"/>
-    <p:sldId id="277" r:id="rId23"/>
-    <p:sldId id="293" r:id="rId24"/>
-    <p:sldId id="299" r:id="rId25"/>
-    <p:sldId id="300" r:id="rId26"/>
-    <p:sldId id="326" r:id="rId27"/>
-    <p:sldId id="295" r:id="rId28"/>
-    <p:sldId id="259" r:id="rId29"/>
-    <p:sldId id="266" r:id="rId30"/>
-    <p:sldId id="281" r:id="rId31"/>
-    <p:sldId id="301" r:id="rId32"/>
-    <p:sldId id="302" r:id="rId33"/>
-    <p:sldId id="303" r:id="rId34"/>
-    <p:sldId id="304" r:id="rId35"/>
-    <p:sldId id="305" r:id="rId36"/>
-    <p:sldId id="282" r:id="rId37"/>
-    <p:sldId id="283" r:id="rId38"/>
-    <p:sldId id="306" r:id="rId39"/>
-    <p:sldId id="284" r:id="rId40"/>
-    <p:sldId id="307" r:id="rId41"/>
-    <p:sldId id="260" r:id="rId42"/>
-    <p:sldId id="267" r:id="rId43"/>
-    <p:sldId id="316" r:id="rId44"/>
-    <p:sldId id="285" r:id="rId45"/>
-    <p:sldId id="308" r:id="rId46"/>
-    <p:sldId id="309" r:id="rId47"/>
-    <p:sldId id="286" r:id="rId48"/>
-    <p:sldId id="287" r:id="rId49"/>
-    <p:sldId id="321" r:id="rId50"/>
-    <p:sldId id="310" r:id="rId51"/>
-    <p:sldId id="311" r:id="rId52"/>
-    <p:sldId id="312" r:id="rId53"/>
-    <p:sldId id="261" r:id="rId54"/>
-    <p:sldId id="268" r:id="rId55"/>
-    <p:sldId id="317" r:id="rId56"/>
-    <p:sldId id="318" r:id="rId57"/>
-    <p:sldId id="290" r:id="rId58"/>
-    <p:sldId id="319" r:id="rId59"/>
-    <p:sldId id="313" r:id="rId60"/>
-    <p:sldId id="320" r:id="rId61"/>
-    <p:sldId id="314" r:id="rId62"/>
-    <p:sldId id="262" r:id="rId63"/>
-    <p:sldId id="291" r:id="rId64"/>
-    <p:sldId id="292" r:id="rId65"/>
-    <p:sldId id="315" r:id="rId66"/>
-    <p:sldId id="263" r:id="rId67"/>
-    <p:sldId id="270" r:id="rId68"/>
+    <p:sldId id="324" r:id="rId16"/>
+    <p:sldId id="325" r:id="rId17"/>
+    <p:sldId id="328" r:id="rId18"/>
+    <p:sldId id="327" r:id="rId19"/>
+    <p:sldId id="280" r:id="rId20"/>
+    <p:sldId id="298" r:id="rId21"/>
+    <p:sldId id="278" r:id="rId22"/>
+    <p:sldId id="294" r:id="rId23"/>
+    <p:sldId id="277" r:id="rId24"/>
+    <p:sldId id="293" r:id="rId25"/>
+    <p:sldId id="299" r:id="rId26"/>
+    <p:sldId id="300" r:id="rId27"/>
+    <p:sldId id="326" r:id="rId28"/>
+    <p:sldId id="295" r:id="rId29"/>
+    <p:sldId id="259" r:id="rId30"/>
+    <p:sldId id="266" r:id="rId31"/>
+    <p:sldId id="281" r:id="rId32"/>
+    <p:sldId id="301" r:id="rId33"/>
+    <p:sldId id="302" r:id="rId34"/>
+    <p:sldId id="303" r:id="rId35"/>
+    <p:sldId id="304" r:id="rId36"/>
+    <p:sldId id="305" r:id="rId37"/>
+    <p:sldId id="282" r:id="rId38"/>
+    <p:sldId id="283" r:id="rId39"/>
+    <p:sldId id="306" r:id="rId40"/>
+    <p:sldId id="284" r:id="rId41"/>
+    <p:sldId id="307" r:id="rId42"/>
+    <p:sldId id="260" r:id="rId43"/>
+    <p:sldId id="267" r:id="rId44"/>
+    <p:sldId id="316" r:id="rId45"/>
+    <p:sldId id="285" r:id="rId46"/>
+    <p:sldId id="308" r:id="rId47"/>
+    <p:sldId id="309" r:id="rId48"/>
+    <p:sldId id="286" r:id="rId49"/>
+    <p:sldId id="287" r:id="rId50"/>
+    <p:sldId id="321" r:id="rId51"/>
+    <p:sldId id="310" r:id="rId52"/>
+    <p:sldId id="311" r:id="rId53"/>
+    <p:sldId id="312" r:id="rId54"/>
+    <p:sldId id="261" r:id="rId55"/>
+    <p:sldId id="268" r:id="rId56"/>
+    <p:sldId id="317" r:id="rId57"/>
+    <p:sldId id="318" r:id="rId58"/>
+    <p:sldId id="290" r:id="rId59"/>
+    <p:sldId id="319" r:id="rId60"/>
+    <p:sldId id="313" r:id="rId61"/>
+    <p:sldId id="320" r:id="rId62"/>
+    <p:sldId id="314" r:id="rId63"/>
+    <p:sldId id="262" r:id="rId64"/>
+    <p:sldId id="291" r:id="rId65"/>
+    <p:sldId id="292" r:id="rId66"/>
+    <p:sldId id="315" r:id="rId67"/>
+    <p:sldId id="263" r:id="rId68"/>
+    <p:sldId id="270" r:id="rId69"/>
   </p:sldIdLst>
   <p:sldSz cx="12192000" cy="6858000"/>
   <p:notesSz cx="6858000" cy="9144000"/>
@@ -181,7 +182,7 @@
 <file path=ppt/revisionInfo.xml><?xml version="1.0" encoding="utf-8"?>
 <p1510:revInfo xmlns:a="http://schemas.openxmlformats.org/drawingml/2006/main" xmlns:r="http://schemas.openxmlformats.org/officeDocument/2006/relationships" xmlns:p1510="http://schemas.microsoft.com/office/powerpoint/2015/10/main">
   <p1510:revLst>
-    <p1510:client id="{8A256D2A-1F8F-41CF-A15B-4399D171BD24}" v="288" dt="2020-02-16T16:59:07.432"/>
+    <p1510:client id="{8A256D2A-1F8F-41CF-A15B-4399D171BD24}" v="292" dt="2020-02-18T23:38:16.034"/>
   </p1510:revLst>
 </p1510:revInfo>
 </file>
@@ -191,7 +192,7 @@
   <pc:docChgLst>
     <pc:chgData name="Casey Whorton" userId="ca5133bb86cb7820" providerId="LiveId" clId="{8A256D2A-1F8F-41CF-A15B-4399D171BD24}"/>
     <pc:docChg chg="undo custSel addSld delSld modSld sldOrd">
-      <pc:chgData name="Casey Whorton" userId="ca5133bb86cb7820" providerId="LiveId" clId="{8A256D2A-1F8F-41CF-A15B-4399D171BD24}" dt="2020-02-16T16:59:19.060" v="14627" actId="20577"/>
+      <pc:chgData name="Casey Whorton" userId="ca5133bb86cb7820" providerId="LiveId" clId="{8A256D2A-1F8F-41CF-A15B-4399D171BD24}" dt="2020-02-18T23:44:21.809" v="15298" actId="20577"/>
       <pc:docMkLst>
         <pc:docMk/>
       </pc:docMkLst>
@@ -403,13 +404,13 @@
         </pc:spChg>
       </pc:sldChg>
       <pc:sldChg chg="modSp add">
-        <pc:chgData name="Casey Whorton" userId="ca5133bb86cb7820" providerId="LiveId" clId="{8A256D2A-1F8F-41CF-A15B-4399D171BD24}" dt="2020-02-01T00:39:13.565" v="5506" actId="20577"/>
+        <pc:chgData name="Casey Whorton" userId="ca5133bb86cb7820" providerId="LiveId" clId="{8A256D2A-1F8F-41CF-A15B-4399D171BD24}" dt="2020-02-18T23:36:24.476" v="14685" actId="20577"/>
         <pc:sldMkLst>
           <pc:docMk/>
           <pc:sldMk cId="1054491573" sldId="265"/>
         </pc:sldMkLst>
         <pc:spChg chg="mod">
-          <ac:chgData name="Casey Whorton" userId="ca5133bb86cb7820" providerId="LiveId" clId="{8A256D2A-1F8F-41CF-A15B-4399D171BD24}" dt="2020-02-01T00:39:13.565" v="5506" actId="20577"/>
+          <ac:chgData name="Casey Whorton" userId="ca5133bb86cb7820" providerId="LiveId" clId="{8A256D2A-1F8F-41CF-A15B-4399D171BD24}" dt="2020-02-18T23:36:24.476" v="14685" actId="20577"/>
           <ac:spMkLst>
             <pc:docMk/>
             <pc:sldMk cId="1054491573" sldId="265"/>
@@ -600,8 +601,8 @@
           </ac:spMkLst>
         </pc:spChg>
       </pc:sldChg>
-      <pc:sldChg chg="modSp add">
-        <pc:chgData name="Casey Whorton" userId="ca5133bb86cb7820" providerId="LiveId" clId="{8A256D2A-1F8F-41CF-A15B-4399D171BD24}" dt="2020-01-26T15:03:10.357" v="148" actId="20577"/>
+      <pc:sldChg chg="modSp add del">
+        <pc:chgData name="Casey Whorton" userId="ca5133bb86cb7820" providerId="LiveId" clId="{8A256D2A-1F8F-41CF-A15B-4399D171BD24}" dt="2020-02-18T23:40:24.892" v="14904" actId="47"/>
         <pc:sldMkLst>
           <pc:docMk/>
           <pc:sldMk cId="3897443872" sldId="275"/>
@@ -2097,6 +2098,52 @@
             <pc:docMk/>
             <pc:sldMk cId="1036765499" sldId="326"/>
             <ac:spMk id="2" creationId="{CEE8DD3F-65C2-456B-9F71-C4E29FFF53CD}"/>
+          </ac:spMkLst>
+        </pc:spChg>
+      </pc:sldChg>
+      <pc:sldChg chg="modSp add">
+        <pc:chgData name="Casey Whorton" userId="ca5133bb86cb7820" providerId="LiveId" clId="{8A256D2A-1F8F-41CF-A15B-4399D171BD24}" dt="2020-02-18T23:37:38.844" v="14751" actId="20577"/>
+        <pc:sldMkLst>
+          <pc:docMk/>
+          <pc:sldMk cId="403159290" sldId="327"/>
+        </pc:sldMkLst>
+        <pc:spChg chg="mod">
+          <ac:chgData name="Casey Whorton" userId="ca5133bb86cb7820" providerId="LiveId" clId="{8A256D2A-1F8F-41CF-A15B-4399D171BD24}" dt="2020-02-18T23:36:38.557" v="14709" actId="20577"/>
+          <ac:spMkLst>
+            <pc:docMk/>
+            <pc:sldMk cId="403159290" sldId="327"/>
+            <ac:spMk id="2" creationId="{CC00875D-0E17-4C3F-85C6-CBB795CD3DE7}"/>
+          </ac:spMkLst>
+        </pc:spChg>
+        <pc:spChg chg="mod">
+          <ac:chgData name="Casey Whorton" userId="ca5133bb86cb7820" providerId="LiveId" clId="{8A256D2A-1F8F-41CF-A15B-4399D171BD24}" dt="2020-02-18T23:37:38.844" v="14751" actId="20577"/>
+          <ac:spMkLst>
+            <pc:docMk/>
+            <pc:sldMk cId="403159290" sldId="327"/>
+            <ac:spMk id="3" creationId="{0C724C00-6512-4E79-863D-B6F5BD92C92D}"/>
+          </ac:spMkLst>
+        </pc:spChg>
+      </pc:sldChg>
+      <pc:sldChg chg="modSp add">
+        <pc:chgData name="Casey Whorton" userId="ca5133bb86cb7820" providerId="LiveId" clId="{8A256D2A-1F8F-41CF-A15B-4399D171BD24}" dt="2020-02-18T23:44:21.809" v="15298" actId="20577"/>
+        <pc:sldMkLst>
+          <pc:docMk/>
+          <pc:sldMk cId="1892590318" sldId="328"/>
+        </pc:sldMkLst>
+        <pc:spChg chg="mod">
+          <ac:chgData name="Casey Whorton" userId="ca5133bb86cb7820" providerId="LiveId" clId="{8A256D2A-1F8F-41CF-A15B-4399D171BD24}" dt="2020-02-18T23:38:32.375" v="14790" actId="20577"/>
+          <ac:spMkLst>
+            <pc:docMk/>
+            <pc:sldMk cId="1892590318" sldId="328"/>
+            <ac:spMk id="2" creationId="{3CB118A2-7D04-493A-94ED-AE5195D2008B}"/>
+          </ac:spMkLst>
+        </pc:spChg>
+        <pc:spChg chg="mod">
+          <ac:chgData name="Casey Whorton" userId="ca5133bb86cb7820" providerId="LiveId" clId="{8A256D2A-1F8F-41CF-A15B-4399D171BD24}" dt="2020-02-18T23:44:21.809" v="15298" actId="20577"/>
+          <ac:spMkLst>
+            <pc:docMk/>
+            <pc:sldMk cId="1892590318" sldId="328"/>
+            <ac:spMk id="3" creationId="{B1D1783A-96DD-4D45-8BE5-9EF28D916A44}"/>
           </ac:spMkLst>
         </pc:spChg>
       </pc:sldChg>
@@ -5520,7 +5567,7 @@
           <a:p>
             <a:fld id="{02AC24A9-CCB6-4F8D-B8DB-C2F3692CFA5A}" type="datetimeFigureOut">
               <a:rPr lang="en-US" smtClean="0"/>
-              <a:t>2/12/2020</a:t>
+              <a:t>2/18/2020</a:t>
             </a:fld>
             <a:endParaRPr lang="en-US" dirty="0"/>
           </a:p>
@@ -5728,7 +5775,7 @@
           <a:p>
             <a:fld id="{02AC24A9-CCB6-4F8D-B8DB-C2F3692CFA5A}" type="datetimeFigureOut">
               <a:rPr lang="en-US" smtClean="0"/>
-              <a:t>2/12/2020</a:t>
+              <a:t>2/18/2020</a:t>
             </a:fld>
             <a:endParaRPr lang="en-US"/>
           </a:p>
@@ -5986,7 +6033,7 @@
           <a:p>
             <a:fld id="{02AC24A9-CCB6-4F8D-B8DB-C2F3692CFA5A}" type="datetimeFigureOut">
               <a:rPr lang="en-US" smtClean="0"/>
-              <a:t>2/12/2020</a:t>
+              <a:t>2/18/2020</a:t>
             </a:fld>
             <a:endParaRPr lang="en-US"/>
           </a:p>
@@ -6156,7 +6203,7 @@
           <a:p>
             <a:fld id="{02AC24A9-CCB6-4F8D-B8DB-C2F3692CFA5A}" type="datetimeFigureOut">
               <a:rPr lang="en-US" smtClean="0"/>
-              <a:t>2/12/2020</a:t>
+              <a:t>2/18/2020</a:t>
             </a:fld>
             <a:endParaRPr lang="en-US"/>
           </a:p>
@@ -6493,7 +6540,7 @@
           <a:p>
             <a:fld id="{02AC24A9-CCB6-4F8D-B8DB-C2F3692CFA5A}" type="datetimeFigureOut">
               <a:rPr lang="en-US" smtClean="0"/>
-              <a:t>2/12/2020</a:t>
+              <a:t>2/18/2020</a:t>
             </a:fld>
             <a:endParaRPr lang="en-US"/>
           </a:p>
@@ -6768,7 +6815,7 @@
           <a:p>
             <a:fld id="{02AC24A9-CCB6-4F8D-B8DB-C2F3692CFA5A}" type="datetimeFigureOut">
               <a:rPr lang="en-US" smtClean="0"/>
-              <a:t>2/12/2020</a:t>
+              <a:t>2/18/2020</a:t>
             </a:fld>
             <a:endParaRPr lang="en-US"/>
           </a:p>
@@ -7147,7 +7194,7 @@
           <a:p>
             <a:fld id="{02AC24A9-CCB6-4F8D-B8DB-C2F3692CFA5A}" type="datetimeFigureOut">
               <a:rPr lang="en-US" smtClean="0"/>
-              <a:t>2/12/2020</a:t>
+              <a:t>2/18/2020</a:t>
             </a:fld>
             <a:endParaRPr lang="en-US"/>
           </a:p>
@@ -7265,7 +7312,7 @@
           <a:p>
             <a:fld id="{02AC24A9-CCB6-4F8D-B8DB-C2F3692CFA5A}" type="datetimeFigureOut">
               <a:rPr lang="en-US" smtClean="0"/>
-              <a:t>2/12/2020</a:t>
+              <a:t>2/18/2020</a:t>
             </a:fld>
             <a:endParaRPr lang="en-US"/>
           </a:p>
@@ -7438,7 +7485,7 @@
           <a:p>
             <a:fld id="{02AC24A9-CCB6-4F8D-B8DB-C2F3692CFA5A}" type="datetimeFigureOut">
               <a:rPr lang="en-US" smtClean="0"/>
-              <a:t>2/12/2020</a:t>
+              <a:t>2/18/2020</a:t>
             </a:fld>
             <a:endParaRPr lang="en-US"/>
           </a:p>
@@ -7794,7 +7841,7 @@
           <a:p>
             <a:fld id="{02AC24A9-CCB6-4F8D-B8DB-C2F3692CFA5A}" type="datetimeFigureOut">
               <a:rPr lang="en-US" smtClean="0"/>
-              <a:t>2/12/2020</a:t>
+              <a:t>2/18/2020</a:t>
             </a:fld>
             <a:endParaRPr lang="en-US" dirty="0"/>
           </a:p>
@@ -8173,7 +8220,7 @@
           <a:p>
             <a:fld id="{02AC24A9-CCB6-4F8D-B8DB-C2F3692CFA5A}" type="datetimeFigureOut">
               <a:rPr lang="en-US" smtClean="0"/>
-              <a:t>2/12/2020</a:t>
+              <a:t>2/18/2020</a:t>
             </a:fld>
             <a:endParaRPr lang="en-US"/>
           </a:p>
@@ -8462,7 +8509,7 @@
           <a:p>
             <a:fld id="{02AC24A9-CCB6-4F8D-B8DB-C2F3692CFA5A}" type="datetimeFigureOut">
               <a:rPr lang="en-US" smtClean="0"/>
-              <a:t>2/12/2020</a:t>
+              <a:t>2/18/2020</a:t>
             </a:fld>
             <a:endParaRPr lang="en-US"/>
           </a:p>
@@ -9624,8 +9671,19 @@
         </p:nvSpPr>
         <p:spPr/>
         <p:txBody>
-          <a:bodyPr/>
+          <a:bodyPr>
+            <a:normAutofit lnSpcReduction="10000"/>
+          </a:bodyPr>
           <a:lstStyle/>
+          <a:p>
+            <a:pPr marL="0" indent="0">
+              <a:buNone/>
+            </a:pPr>
+            <a:r>
+              <a:rPr lang="en-US" dirty="0"/>
+              <a:t>Data Types (integers, strings, float, etc.)</a:t>
+            </a:r>
+          </a:p>
           <a:p>
             <a:pPr>
               <a:buFont typeface="Arial" panose="020B0604020202020204" pitchFamily="34" charset="0"/>
@@ -9633,7 +9691,7 @@
             </a:pPr>
             <a:r>
               <a:rPr lang="en-US" dirty="0"/>
-              <a:t>Data Types (integers, strings, float, etc.)</a:t>
+              <a:t>Exploratory data analysis</a:t>
             </a:r>
           </a:p>
           <a:p>
@@ -9643,7 +9701,7 @@
             </a:pPr>
             <a:r>
               <a:rPr lang="en-US" dirty="0"/>
-              <a:t>Introduction to dataset using in course (we’ll have plenty of opportunities to learn more as time goes)</a:t>
+              <a:t>Data distributions – Normal distribution shape and types of skew</a:t>
             </a:r>
           </a:p>
           <a:p>
@@ -9652,8 +9710,20 @@
               <a:buChar char="•"/>
             </a:pPr>
             <a:r>
-              <a:rPr lang="en-US" dirty="0"/>
-              <a:t>Importing data into a notebook from a flat file</a:t>
+              <a:rPr lang="en-US" b="1" dirty="0"/>
+              <a:t>matplotlib</a:t>
+            </a:r>
+            <a:r>
+              <a:rPr lang="en-US" dirty="0"/>
+              <a:t> and </a:t>
+            </a:r>
+            <a:r>
+              <a:rPr lang="en-US" b="1" dirty="0"/>
+              <a:t>seaborn</a:t>
+            </a:r>
+            <a:r>
+              <a:rPr lang="en-US" dirty="0"/>
+              <a:t> – Data Visualization packages in Python</a:t>
             </a:r>
           </a:p>
           <a:p>
@@ -9663,7 +9733,7 @@
             </a:pPr>
             <a:r>
               <a:rPr lang="en-US" dirty="0"/>
-              <a:t>Exploratory data analysis</a:t>
+              <a:t>Best practices for visualizing data</a:t>
             </a:r>
           </a:p>
           <a:p>
@@ -9673,7 +9743,7 @@
             </a:pPr>
             <a:r>
               <a:rPr lang="en-US" dirty="0"/>
-              <a:t>Data distributions – Normal distribution shape and types of skew</a:t>
+              <a:t>Problem Description</a:t>
             </a:r>
           </a:p>
           <a:p>
@@ -9682,20 +9752,8 @@
               <a:buChar char="•"/>
             </a:pPr>
             <a:r>
-              <a:rPr lang="en-US" b="1" dirty="0"/>
-              <a:t>matplotlib</a:t>
-            </a:r>
-            <a:r>
-              <a:rPr lang="en-US" dirty="0"/>
-              <a:t> and </a:t>
-            </a:r>
-            <a:r>
-              <a:rPr lang="en-US" b="1" dirty="0"/>
-              <a:t>seaborn</a:t>
-            </a:r>
-            <a:r>
-              <a:rPr lang="en-US" dirty="0"/>
-              <a:t> – Data Visualization packages in Python</a:t>
+              <a:rPr lang="en-US" dirty="0"/>
+              <a:t>Introduction to dataset using in course (we’ll have plenty of opportunities to learn more as time goes)</a:t>
             </a:r>
           </a:p>
           <a:p>
@@ -9705,7 +9763,17 @@
             </a:pPr>
             <a:r>
               <a:rPr lang="en-US" dirty="0"/>
-              <a:t>Best practices for visualizing data</a:t>
+              <a:t>Importing data into a notebook from a flat file</a:t>
+            </a:r>
+          </a:p>
+          <a:p>
+            <a:pPr>
+              <a:buFont typeface="Arial" panose="020B0604020202020204" pitchFamily="34" charset="0"/>
+              <a:buChar char="•"/>
+            </a:pPr>
+            <a:r>
+              <a:rPr lang="en-US" dirty="0"/>
+              <a:t>Team assignments</a:t>
             </a:r>
           </a:p>
           <a:p>
@@ -9967,10 +10035,10 @@
       </p:grpSpPr>
       <p:sp>
         <p:nvSpPr>
-          <p:cNvPr id="2" name="Title 1">
+          <p:cNvPr id="10" name="Title 9">
             <a:extLst>
               <a:ext uri="{FF2B5EF4-FFF2-40B4-BE49-F238E27FC236}">
-                <a16:creationId xmlns:a16="http://schemas.microsoft.com/office/drawing/2014/main" id="{70EA47FF-71B7-4597-B2FE-40F3265E7CE2}"/>
+                <a16:creationId xmlns:a16="http://schemas.microsoft.com/office/drawing/2014/main" id="{7748E78A-EF3B-43B7-9740-0359EB7691C6}"/>
               </a:ext>
             </a:extLst>
           </p:cNvPr>
@@ -9988,17 +10056,17 @@
           <a:p>
             <a:r>
               <a:rPr lang="en-US" dirty="0"/>
-              <a:t>Dataset &amp; Project</a:t>
-            </a:r>
-          </a:p>
-        </p:txBody>
-      </p:sp>
-      <p:sp>
-        <p:nvSpPr>
-          <p:cNvPr id="3" name="Content Placeholder 2">
+              <a:t>Automotive Terminology (FCA)</a:t>
+            </a:r>
+          </a:p>
+        </p:txBody>
+      </p:sp>
+      <p:sp>
+        <p:nvSpPr>
+          <p:cNvPr id="11" name="Content Placeholder 10">
             <a:extLst>
               <a:ext uri="{FF2B5EF4-FFF2-40B4-BE49-F238E27FC236}">
-                <a16:creationId xmlns:a16="http://schemas.microsoft.com/office/drawing/2014/main" id="{9286C186-8AB4-45E7-BE97-29897C947C8E}"/>
+                <a16:creationId xmlns:a16="http://schemas.microsoft.com/office/drawing/2014/main" id="{1F5F3F1D-FFDE-48D7-94FD-9058BC8BD901}"/>
               </a:ext>
             </a:extLst>
           </p:cNvPr>
@@ -10009,19 +10077,77 @@
             <p:ph idx="1"/>
           </p:nvPr>
         </p:nvSpPr>
-        <p:spPr/>
-        <p:txBody>
-          <a:bodyPr/>
+        <p:spPr>
+          <a:xfrm>
+            <a:off x="1097280" y="1845734"/>
+            <a:ext cx="10058400" cy="4279858"/>
+          </a:xfrm>
+        </p:spPr>
+        <p:txBody>
+          <a:bodyPr>
+            <a:normAutofit fontScale="77500" lnSpcReduction="20000"/>
+          </a:bodyPr>
           <a:lstStyle/>
           <a:p>
-            <a:endParaRPr lang="en-US" dirty="0"/>
+            <a:r>
+              <a:rPr lang="en-US" dirty="0"/>
+              <a:t>Business Center : A geographic area of the country.  In North America, this is a grouping of US states.</a:t>
+            </a:r>
+          </a:p>
+          <a:p>
+            <a:r>
+              <a:rPr lang="en-US" dirty="0"/>
+              <a:t>DMA : Direct marketing area.  A smaller geographic area of the country.  Many to one relationship with Business Centers in the United States.  Usually contains several zip codes.</a:t>
+            </a:r>
+          </a:p>
+          <a:p>
+            <a:r>
+              <a:rPr lang="en-US" dirty="0"/>
+              <a:t>Segment: Subsets of all vehicles that describe the type of vehicle.  For example, the full-size truck segment contains all vehicles that are larger trucks.</a:t>
+            </a:r>
+          </a:p>
+          <a:p>
+            <a:r>
+              <a:rPr lang="en-US" dirty="0"/>
+              <a:t>Brand : A brand name for vehicles.  The largest grouping of vehicles outside of segment.  For example, Ram is a brand name of trucks and Jeep is a brand name of compact and mid-size SUVs. </a:t>
+            </a:r>
+          </a:p>
+          <a:p>
+            <a:r>
+              <a:rPr lang="en-US" dirty="0"/>
+              <a:t>SUV : Sport Utility Vehicle.</a:t>
+            </a:r>
+          </a:p>
+          <a:p>
+            <a:r>
+              <a:rPr lang="en-US" dirty="0"/>
+              <a:t>Nameplate : A specific vehicle that tells us and the consumer exactly what type of vehicle this is (minus trim and option distinctions).  For example, “Check out my Jeep Wrangler”.  </a:t>
+            </a:r>
+          </a:p>
+          <a:p>
+            <a:r>
+              <a:rPr lang="en-US" dirty="0"/>
+              <a:t>Trim (Model) : Within a nameplate, a name for the vehicle that distinguishes it from others with the same nameplate.  Usually, trims are differentiated by drive-train, size, and some options.</a:t>
+            </a:r>
+          </a:p>
+          <a:p>
+            <a:r>
+              <a:rPr lang="en-US" dirty="0"/>
+              <a:t>4WD/2WD : 4 Wheel drive and 2 Wheel Drive</a:t>
+            </a:r>
+          </a:p>
+          <a:p>
+            <a:r>
+              <a:rPr lang="en-US" dirty="0"/>
+              <a:t>Options / Features : Additions or alterations to a vehicle that set it apart from others in the same nameplate or sometimes the same trim.  For example, my Cherokee Laredo does not have weather-proof mud-flaps, but yours does.</a:t>
+            </a:r>
           </a:p>
         </p:txBody>
       </p:sp>
     </p:spTree>
     <p:extLst>
       <p:ext uri="{BB962C8B-B14F-4D97-AF65-F5344CB8AC3E}">
-        <p14:creationId xmlns:p14="http://schemas.microsoft.com/office/powerpoint/2010/main" val="3897443872"/>
+        <p14:creationId xmlns:p14="http://schemas.microsoft.com/office/powerpoint/2010/main" val="339478889"/>
       </p:ext>
     </p:extLst>
   </p:cSld>
@@ -10076,85 +10202,83 @@
           </a:p>
         </p:txBody>
       </p:sp>
-      <p:sp>
-        <p:nvSpPr>
-          <p:cNvPr id="11" name="Content Placeholder 10">
+      <p:pic>
+        <p:nvPicPr>
+          <p:cNvPr id="4" name="Content Placeholder 3">
             <a:extLst>
               <a:ext uri="{FF2B5EF4-FFF2-40B4-BE49-F238E27FC236}">
-                <a16:creationId xmlns:a16="http://schemas.microsoft.com/office/drawing/2014/main" id="{1F5F3F1D-FFDE-48D7-94FD-9058BC8BD901}"/>
+                <a16:creationId xmlns:a16="http://schemas.microsoft.com/office/drawing/2014/main" id="{6BF05BCD-5995-45E4-A27C-F57C50D00BF6}"/>
               </a:ext>
             </a:extLst>
           </p:cNvPr>
-          <p:cNvSpPr>
-            <a:spLocks noGrp="1"/>
-          </p:cNvSpPr>
+          <p:cNvPicPr>
+            <a:picLocks noGrp="1" noChangeAspect="1"/>
+          </p:cNvPicPr>
           <p:nvPr>
             <p:ph idx="1"/>
           </p:nvPr>
-        </p:nvSpPr>
+        </p:nvPicPr>
+        <p:blipFill>
+          <a:blip r:embed="rId2"/>
+          <a:stretch>
+            <a:fillRect/>
+          </a:stretch>
+        </p:blipFill>
         <p:spPr>
           <a:xfrm>
-            <a:off x="1097280" y="1845734"/>
-            <a:ext cx="10058400" cy="4279858"/>
+            <a:off x="3275461" y="1846263"/>
+            <a:ext cx="5701403" cy="4022725"/>
           </a:xfrm>
+          <a:prstGeom prst="rect">
+            <a:avLst/>
+          </a:prstGeom>
         </p:spPr>
-        <p:txBody>
-          <a:bodyPr>
-            <a:normAutofit fontScale="77500" lnSpcReduction="20000"/>
-          </a:bodyPr>
+      </p:pic>
+      <p:sp>
+        <p:nvSpPr>
+          <p:cNvPr id="5" name="Rectangle 4">
+            <a:extLst>
+              <a:ext uri="{FF2B5EF4-FFF2-40B4-BE49-F238E27FC236}">
+                <a16:creationId xmlns:a16="http://schemas.microsoft.com/office/drawing/2014/main" id="{EF30F32C-7B6F-4E69-87CA-9D6A7CDF1441}"/>
+              </a:ext>
+            </a:extLst>
+          </p:cNvPr>
+          <p:cNvSpPr/>
+          <p:nvPr/>
+        </p:nvSpPr>
+        <p:spPr>
+          <a:xfrm>
+            <a:off x="177554" y="5773255"/>
+            <a:ext cx="5359153" cy="798142"/>
+          </a:xfrm>
+          <a:prstGeom prst="rect">
+            <a:avLst/>
+          </a:prstGeom>
+        </p:spPr>
+        <p:style>
+          <a:lnRef idx="2">
+            <a:schemeClr val="accent1">
+              <a:shade val="50000"/>
+            </a:schemeClr>
+          </a:lnRef>
+          <a:fillRef idx="1">
+            <a:schemeClr val="accent1"/>
+          </a:fillRef>
+          <a:effectRef idx="0">
+            <a:schemeClr val="accent1"/>
+          </a:effectRef>
+          <a:fontRef idx="minor">
+            <a:schemeClr val="lt1"/>
+          </a:fontRef>
+        </p:style>
+        <p:txBody>
+          <a:bodyPr rtlCol="0" anchor="ctr"/>
           <a:lstStyle/>
           <a:p>
-            <a:r>
-              <a:rPr lang="en-US" dirty="0"/>
-              <a:t>Business Center : A geographic area of the country.  In North America, this is a grouping of US states.</a:t>
-            </a:r>
-          </a:p>
-          <a:p>
-            <a:r>
-              <a:rPr lang="en-US" dirty="0"/>
-              <a:t>DMA : Direct marketing area.  A smaller geographic area of the country.  Many to one relationship with Business Centers in the United States.  Usually contains several zip codes.</a:t>
-            </a:r>
-          </a:p>
-          <a:p>
-            <a:r>
-              <a:rPr lang="en-US" dirty="0"/>
-              <a:t>Segment: Subsets of all vehicles that describe the type of vehicle.  For example, the full-size truck segment contains all vehicles that are larger trucks.</a:t>
-            </a:r>
-          </a:p>
-          <a:p>
-            <a:r>
-              <a:rPr lang="en-US" dirty="0"/>
-              <a:t>Brand : A brand name for vehicles.  The largest grouping of vehicles outside of segment.  For example, Ram is a brand name of trucks and Jeep is a brand name of compact and mid-size SUVs. </a:t>
-            </a:r>
-          </a:p>
-          <a:p>
-            <a:r>
-              <a:rPr lang="en-US" dirty="0"/>
-              <a:t>SUV : Sport Utility Vehicle.</a:t>
-            </a:r>
-          </a:p>
-          <a:p>
-            <a:r>
-              <a:rPr lang="en-US" dirty="0"/>
-              <a:t>Nameplate : A specific vehicle that tells us and the consumer exactly what type of vehicle this is (minus trim and option distinctions).  For example, “Check out my Jeep Wrangler”.  </a:t>
-            </a:r>
-          </a:p>
-          <a:p>
-            <a:r>
-              <a:rPr lang="en-US" dirty="0"/>
-              <a:t>Trim (Model) : Within a nameplate, a name for the vehicle that distinguishes it from others with the same nameplate.  Usually, trims are differentiated by drive-train, size, and some options.</a:t>
-            </a:r>
-          </a:p>
-          <a:p>
-            <a:r>
-              <a:rPr lang="en-US" dirty="0"/>
-              <a:t>4WD/2WD : 4 Wheel drive and 2 Wheel Drive</a:t>
-            </a:r>
-          </a:p>
-          <a:p>
-            <a:r>
-              <a:rPr lang="en-US" dirty="0"/>
-              <a:t>Options / Features : Additions or alterations to a vehicle that set it apart from others in the same nameplate or sometimes the same trim.  For example, my Cherokee Laredo does not have weather-proof mud-flaps, but yours does.</a:t>
+            <a:pPr algn="ctr"/>
+            <a:r>
+              <a:rPr lang="en-US" dirty="0"/>
+              <a:t>Note: The word ‘Model’ appears more frequently than ‘Nameplate’.  This is probably the terminology used at other automotive companies.</a:t>
             </a:r>
           </a:p>
         </p:txBody>
@@ -10162,7 +10286,7 @@
     </p:spTree>
     <p:extLst>
       <p:ext uri="{BB962C8B-B14F-4D97-AF65-F5344CB8AC3E}">
-        <p14:creationId xmlns:p14="http://schemas.microsoft.com/office/powerpoint/2010/main" val="339478889"/>
+        <p14:creationId xmlns:p14="http://schemas.microsoft.com/office/powerpoint/2010/main" val="844330101"/>
       </p:ext>
     </p:extLst>
   </p:cSld>
@@ -10191,10 +10315,10 @@
       </p:grpSpPr>
       <p:sp>
         <p:nvSpPr>
-          <p:cNvPr id="10" name="Title 9">
+          <p:cNvPr id="2" name="Title 1">
             <a:extLst>
               <a:ext uri="{FF2B5EF4-FFF2-40B4-BE49-F238E27FC236}">
-                <a16:creationId xmlns:a16="http://schemas.microsoft.com/office/drawing/2014/main" id="{7748E78A-EF3B-43B7-9740-0359EB7691C6}"/>
+                <a16:creationId xmlns:a16="http://schemas.microsoft.com/office/drawing/2014/main" id="{3CB118A2-7D04-493A-94ED-AE5195D2008B}"/>
               </a:ext>
             </a:extLst>
           </p:cNvPr>
@@ -10212,88 +10336,53 @@
           <a:p>
             <a:r>
               <a:rPr lang="en-US" dirty="0"/>
-              <a:t>Automotive Terminology (FCA)</a:t>
-            </a:r>
-          </a:p>
-        </p:txBody>
-      </p:sp>
-      <p:pic>
-        <p:nvPicPr>
-          <p:cNvPr id="4" name="Content Placeholder 3">
+              <a:t>More Terminology</a:t>
+            </a:r>
+          </a:p>
+        </p:txBody>
+      </p:sp>
+      <p:sp>
+        <p:nvSpPr>
+          <p:cNvPr id="3" name="Content Placeholder 2">
             <a:extLst>
               <a:ext uri="{FF2B5EF4-FFF2-40B4-BE49-F238E27FC236}">
-                <a16:creationId xmlns:a16="http://schemas.microsoft.com/office/drawing/2014/main" id="{6BF05BCD-5995-45E4-A27C-F57C50D00BF6}"/>
+                <a16:creationId xmlns:a16="http://schemas.microsoft.com/office/drawing/2014/main" id="{B1D1783A-96DD-4D45-8BE5-9EF28D916A44}"/>
               </a:ext>
             </a:extLst>
           </p:cNvPr>
-          <p:cNvPicPr>
-            <a:picLocks noGrp="1" noChangeAspect="1"/>
-          </p:cNvPicPr>
+          <p:cNvSpPr>
+            <a:spLocks noGrp="1"/>
+          </p:cNvSpPr>
           <p:nvPr>
             <p:ph idx="1"/>
           </p:nvPr>
-        </p:nvPicPr>
-        <p:blipFill>
-          <a:blip r:embed="rId2"/>
-          <a:stretch>
-            <a:fillRect/>
-          </a:stretch>
-        </p:blipFill>
-        <p:spPr>
-          <a:xfrm>
-            <a:off x="3275461" y="1846263"/>
-            <a:ext cx="5701403" cy="4022725"/>
-          </a:xfrm>
-          <a:prstGeom prst="rect">
-            <a:avLst/>
-          </a:prstGeom>
-        </p:spPr>
-      </p:pic>
-      <p:sp>
-        <p:nvSpPr>
-          <p:cNvPr id="5" name="Rectangle 4">
-            <a:extLst>
-              <a:ext uri="{FF2B5EF4-FFF2-40B4-BE49-F238E27FC236}">
-                <a16:creationId xmlns:a16="http://schemas.microsoft.com/office/drawing/2014/main" id="{EF30F32C-7B6F-4E69-87CA-9D6A7CDF1441}"/>
-              </a:ext>
-            </a:extLst>
-          </p:cNvPr>
-          <p:cNvSpPr/>
-          <p:nvPr/>
-        </p:nvSpPr>
-        <p:spPr>
-          <a:xfrm>
-            <a:off x="177554" y="5773255"/>
-            <a:ext cx="5359153" cy="798142"/>
-          </a:xfrm>
-          <a:prstGeom prst="rect">
-            <a:avLst/>
-          </a:prstGeom>
-        </p:spPr>
-        <p:style>
-          <a:lnRef idx="2">
-            <a:schemeClr val="accent1">
-              <a:shade val="50000"/>
-            </a:schemeClr>
-          </a:lnRef>
-          <a:fillRef idx="1">
-            <a:schemeClr val="accent1"/>
-          </a:fillRef>
-          <a:effectRef idx="0">
-            <a:schemeClr val="accent1"/>
-          </a:effectRef>
-          <a:fontRef idx="minor">
-            <a:schemeClr val="lt1"/>
-          </a:fontRef>
-        </p:style>
-        <p:txBody>
-          <a:bodyPr rtlCol="0" anchor="ctr"/>
+        </p:nvSpPr>
+        <p:spPr/>
+        <p:txBody>
+          <a:bodyPr/>
           <a:lstStyle/>
           <a:p>
-            <a:pPr algn="ctr"/>
-            <a:r>
-              <a:rPr lang="en-US" dirty="0"/>
-              <a:t>Note: The word ‘Model’ appears more frequently than ‘Nameplate’.  This is probably the terminology used at other automotive companies.</a:t>
+            <a:r>
+              <a:rPr lang="en-US" dirty="0"/>
+              <a:t>MSRP := Manufacturers Suggested Retail Price (price before any discounts/incentives)</a:t>
+            </a:r>
+          </a:p>
+          <a:p>
+            <a:r>
+              <a:rPr lang="en-US" dirty="0"/>
+              <a:t>Margin := the profit on a product after costs have been deducted</a:t>
+            </a:r>
+          </a:p>
+          <a:p>
+            <a:r>
+              <a:rPr lang="en-US" dirty="0"/>
+              <a:t>COGS := Cost of Goods Sold (tangible costs, such as parts, material and labor)</a:t>
+            </a:r>
+          </a:p>
+          <a:p>
+            <a:r>
+              <a:rPr lang="en-US" dirty="0"/>
+              <a:t>Gross Margin := MSRP – COGS</a:t>
             </a:r>
           </a:p>
         </p:txBody>
@@ -10301,7 +10390,7 @@
     </p:spTree>
     <p:extLst>
       <p:ext uri="{BB962C8B-B14F-4D97-AF65-F5344CB8AC3E}">
-        <p14:creationId xmlns:p14="http://schemas.microsoft.com/office/powerpoint/2010/main" val="844330101"/>
+        <p14:creationId xmlns:p14="http://schemas.microsoft.com/office/powerpoint/2010/main" val="1892590318"/>
       </p:ext>
     </p:extLst>
   </p:cSld>
@@ -10333,6 +10422,116 @@
           <p:cNvPr id="2" name="Title 1">
             <a:extLst>
               <a:ext uri="{FF2B5EF4-FFF2-40B4-BE49-F238E27FC236}">
+                <a16:creationId xmlns:a16="http://schemas.microsoft.com/office/drawing/2014/main" id="{CC00875D-0E17-4C3F-85C6-CBB795CD3DE7}"/>
+              </a:ext>
+            </a:extLst>
+          </p:cNvPr>
+          <p:cNvSpPr>
+            <a:spLocks noGrp="1"/>
+          </p:cNvSpPr>
+          <p:nvPr>
+            <p:ph type="title"/>
+          </p:nvPr>
+        </p:nvSpPr>
+        <p:spPr/>
+        <p:txBody>
+          <a:bodyPr/>
+          <a:lstStyle/>
+          <a:p>
+            <a:r>
+              <a:rPr lang="en-US" dirty="0"/>
+              <a:t>Problem Description</a:t>
+            </a:r>
+          </a:p>
+        </p:txBody>
+      </p:sp>
+      <p:sp>
+        <p:nvSpPr>
+          <p:cNvPr id="3" name="Content Placeholder 2">
+            <a:extLst>
+              <a:ext uri="{FF2B5EF4-FFF2-40B4-BE49-F238E27FC236}">
+                <a16:creationId xmlns:a16="http://schemas.microsoft.com/office/drawing/2014/main" id="{0C724C00-6512-4E79-863D-B6F5BD92C92D}"/>
+              </a:ext>
+            </a:extLst>
+          </p:cNvPr>
+          <p:cNvSpPr>
+            <a:spLocks noGrp="1"/>
+          </p:cNvSpPr>
+          <p:nvPr>
+            <p:ph idx="1"/>
+          </p:nvPr>
+        </p:nvSpPr>
+        <p:spPr/>
+        <p:txBody>
+          <a:bodyPr/>
+          <a:lstStyle/>
+          <a:p>
+            <a:pPr>
+              <a:buFont typeface="Arial" panose="020B0604020202020204" pitchFamily="34" charset="0"/>
+              <a:buChar char="•"/>
+            </a:pPr>
+            <a:r>
+              <a:rPr lang="en-US" dirty="0"/>
+              <a:t>Name Trim Model packaging</a:t>
+            </a:r>
+          </a:p>
+          <a:p>
+            <a:pPr>
+              <a:buFont typeface="Arial" panose="020B0604020202020204" pitchFamily="34" charset="0"/>
+              <a:buChar char="•"/>
+            </a:pPr>
+            <a:r>
+              <a:rPr lang="en-US" dirty="0"/>
+              <a:t>Use Case: Maximize margin through steps between trim levels, packaging, options, etc.</a:t>
+            </a:r>
+          </a:p>
+          <a:p>
+            <a:pPr>
+              <a:buFont typeface="Arial" panose="020B0604020202020204" pitchFamily="34" charset="0"/>
+              <a:buChar char="•"/>
+            </a:pPr>
+            <a:r>
+              <a:rPr lang="en-US" dirty="0"/>
+              <a:t>Final Deliverable: An elasticity model that suggests pricing gaps between trim levels, packaging, options, etc. that will generate the best volume and margin results.</a:t>
+            </a:r>
+          </a:p>
+        </p:txBody>
+      </p:sp>
+    </p:spTree>
+    <p:extLst>
+      <p:ext uri="{BB962C8B-B14F-4D97-AF65-F5344CB8AC3E}">
+        <p14:creationId xmlns:p14="http://schemas.microsoft.com/office/powerpoint/2010/main" val="403159290"/>
+      </p:ext>
+    </p:extLst>
+  </p:cSld>
+  <p:clrMapOvr>
+    <a:masterClrMapping/>
+  </p:clrMapOvr>
+</p:sld>
+</file>
+
+<file path=ppt/slides/slide19.xml><?xml version="1.0" encoding="utf-8"?>
+<p:sld xmlns:a="http://schemas.openxmlformats.org/drawingml/2006/main" xmlns:r="http://schemas.openxmlformats.org/officeDocument/2006/relationships" xmlns:p="http://schemas.openxmlformats.org/presentationml/2006/main">
+  <p:cSld>
+    <p:spTree>
+      <p:nvGrpSpPr>
+        <p:cNvPr id="1" name=""/>
+        <p:cNvGrpSpPr/>
+        <p:nvPr/>
+      </p:nvGrpSpPr>
+      <p:grpSpPr>
+        <a:xfrm>
+          <a:off x="0" y="0"/>
+          <a:ext cx="0" cy="0"/>
+          <a:chOff x="0" y="0"/>
+          <a:chExt cx="0" cy="0"/>
+        </a:xfrm>
+      </p:grpSpPr>
+      <p:sp>
+        <p:nvSpPr>
+          <p:cNvPr id="2" name="Title 1">
+            <a:extLst>
+              <a:ext uri="{FF2B5EF4-FFF2-40B4-BE49-F238E27FC236}">
                 <a16:creationId xmlns:a16="http://schemas.microsoft.com/office/drawing/2014/main" id="{73BFA7CB-C48A-4BD8-8D7B-6B62549A80EF}"/>
               </a:ext>
             </a:extLst>
@@ -10520,7 +10719,93 @@
 </p:sld>
 </file>
 
-<file path=ppt/slides/slide19.xml><?xml version="1.0" encoding="utf-8"?>
+<file path=ppt/slides/slide2.xml><?xml version="1.0" encoding="utf-8"?>
+<p:sld xmlns:a="http://schemas.openxmlformats.org/drawingml/2006/main" xmlns:r="http://schemas.openxmlformats.org/officeDocument/2006/relationships" xmlns:p="http://schemas.openxmlformats.org/presentationml/2006/main">
+  <p:cSld>
+    <p:spTree>
+      <p:nvGrpSpPr>
+        <p:cNvPr id="1" name=""/>
+        <p:cNvGrpSpPr/>
+        <p:nvPr/>
+      </p:nvGrpSpPr>
+      <p:grpSpPr>
+        <a:xfrm>
+          <a:off x="0" y="0"/>
+          <a:ext cx="0" cy="0"/>
+          <a:chOff x="0" y="0"/>
+          <a:chExt cx="0" cy="0"/>
+        </a:xfrm>
+      </p:grpSpPr>
+      <p:sp>
+        <p:nvSpPr>
+          <p:cNvPr id="2" name="Title 1">
+            <a:extLst>
+              <a:ext uri="{FF2B5EF4-FFF2-40B4-BE49-F238E27FC236}">
+                <a16:creationId xmlns:a16="http://schemas.microsoft.com/office/drawing/2014/main" id="{CCF1B8C9-116F-4A45-AAE9-0C4E8F82CB72}"/>
+              </a:ext>
+            </a:extLst>
+          </p:cNvPr>
+          <p:cNvSpPr>
+            <a:spLocks noGrp="1"/>
+          </p:cNvSpPr>
+          <p:nvPr>
+            <p:ph type="title"/>
+          </p:nvPr>
+        </p:nvSpPr>
+        <p:spPr/>
+        <p:txBody>
+          <a:bodyPr/>
+          <a:lstStyle/>
+          <a:p>
+            <a:r>
+              <a:rPr lang="en-US" dirty="0"/>
+              <a:t>Week 1</a:t>
+            </a:r>
+          </a:p>
+        </p:txBody>
+      </p:sp>
+      <p:sp>
+        <p:nvSpPr>
+          <p:cNvPr id="3" name="Text Placeholder 2">
+            <a:extLst>
+              <a:ext uri="{FF2B5EF4-FFF2-40B4-BE49-F238E27FC236}">
+                <a16:creationId xmlns:a16="http://schemas.microsoft.com/office/drawing/2014/main" id="{F3350CBF-67BE-4241-950E-4CD3F3EC370A}"/>
+              </a:ext>
+            </a:extLst>
+          </p:cNvPr>
+          <p:cNvSpPr>
+            <a:spLocks noGrp="1"/>
+          </p:cNvSpPr>
+          <p:nvPr>
+            <p:ph type="body" idx="1"/>
+          </p:nvPr>
+        </p:nvSpPr>
+        <p:spPr/>
+        <p:txBody>
+          <a:bodyPr/>
+          <a:lstStyle/>
+          <a:p>
+            <a:r>
+              <a:rPr lang="en-US" dirty="0"/>
+              <a:t>Date: February 12, 2020</a:t>
+            </a:r>
+          </a:p>
+        </p:txBody>
+      </p:sp>
+    </p:spTree>
+    <p:extLst>
+      <p:ext uri="{BB962C8B-B14F-4D97-AF65-F5344CB8AC3E}">
+        <p14:creationId xmlns:p14="http://schemas.microsoft.com/office/powerpoint/2010/main" val="4136118483"/>
+      </p:ext>
+    </p:extLst>
+  </p:cSld>
+  <p:clrMapOvr>
+    <a:masterClrMapping/>
+  </p:clrMapOvr>
+</p:sld>
+</file>
+
+<file path=ppt/slides/slide20.xml><?xml version="1.0" encoding="utf-8"?>
 <p:sld xmlns:a="http://schemas.openxmlformats.org/drawingml/2006/main" xmlns:r="http://schemas.openxmlformats.org/officeDocument/2006/relationships" xmlns:p="http://schemas.openxmlformats.org/presentationml/2006/main">
   <p:cSld>
     <p:spTree>
@@ -10719,93 +11004,7 @@
 </p:sld>
 </file>
 
-<file path=ppt/slides/slide2.xml><?xml version="1.0" encoding="utf-8"?>
-<p:sld xmlns:a="http://schemas.openxmlformats.org/drawingml/2006/main" xmlns:r="http://schemas.openxmlformats.org/officeDocument/2006/relationships" xmlns:p="http://schemas.openxmlformats.org/presentationml/2006/main">
-  <p:cSld>
-    <p:spTree>
-      <p:nvGrpSpPr>
-        <p:cNvPr id="1" name=""/>
-        <p:cNvGrpSpPr/>
-        <p:nvPr/>
-      </p:nvGrpSpPr>
-      <p:grpSpPr>
-        <a:xfrm>
-          <a:off x="0" y="0"/>
-          <a:ext cx="0" cy="0"/>
-          <a:chOff x="0" y="0"/>
-          <a:chExt cx="0" cy="0"/>
-        </a:xfrm>
-      </p:grpSpPr>
-      <p:sp>
-        <p:nvSpPr>
-          <p:cNvPr id="2" name="Title 1">
-            <a:extLst>
-              <a:ext uri="{FF2B5EF4-FFF2-40B4-BE49-F238E27FC236}">
-                <a16:creationId xmlns:a16="http://schemas.microsoft.com/office/drawing/2014/main" id="{CCF1B8C9-116F-4A45-AAE9-0C4E8F82CB72}"/>
-              </a:ext>
-            </a:extLst>
-          </p:cNvPr>
-          <p:cNvSpPr>
-            <a:spLocks noGrp="1"/>
-          </p:cNvSpPr>
-          <p:nvPr>
-            <p:ph type="title"/>
-          </p:nvPr>
-        </p:nvSpPr>
-        <p:spPr/>
-        <p:txBody>
-          <a:bodyPr/>
-          <a:lstStyle/>
-          <a:p>
-            <a:r>
-              <a:rPr lang="en-US" dirty="0"/>
-              <a:t>Week 1</a:t>
-            </a:r>
-          </a:p>
-        </p:txBody>
-      </p:sp>
-      <p:sp>
-        <p:nvSpPr>
-          <p:cNvPr id="3" name="Text Placeholder 2">
-            <a:extLst>
-              <a:ext uri="{FF2B5EF4-FFF2-40B4-BE49-F238E27FC236}">
-                <a16:creationId xmlns:a16="http://schemas.microsoft.com/office/drawing/2014/main" id="{F3350CBF-67BE-4241-950E-4CD3F3EC370A}"/>
-              </a:ext>
-            </a:extLst>
-          </p:cNvPr>
-          <p:cNvSpPr>
-            <a:spLocks noGrp="1"/>
-          </p:cNvSpPr>
-          <p:nvPr>
-            <p:ph type="body" idx="1"/>
-          </p:nvPr>
-        </p:nvSpPr>
-        <p:spPr/>
-        <p:txBody>
-          <a:bodyPr/>
-          <a:lstStyle/>
-          <a:p>
-            <a:r>
-              <a:rPr lang="en-US" dirty="0"/>
-              <a:t>Date: February 12, 2020</a:t>
-            </a:r>
-          </a:p>
-        </p:txBody>
-      </p:sp>
-    </p:spTree>
-    <p:extLst>
-      <p:ext uri="{BB962C8B-B14F-4D97-AF65-F5344CB8AC3E}">
-        <p14:creationId xmlns:p14="http://schemas.microsoft.com/office/powerpoint/2010/main" val="4136118483"/>
-      </p:ext>
-    </p:extLst>
-  </p:cSld>
-  <p:clrMapOvr>
-    <a:masterClrMapping/>
-  </p:clrMapOvr>
-</p:sld>
-</file>
-
-<file path=ppt/slides/slide20.xml><?xml version="1.0" encoding="utf-8"?>
+<file path=ppt/slides/slide21.xml><?xml version="1.0" encoding="utf-8"?>
 <p:sld xmlns:a="http://schemas.openxmlformats.org/drawingml/2006/main" xmlns:r="http://schemas.openxmlformats.org/officeDocument/2006/relationships" xmlns:p="http://schemas.openxmlformats.org/presentationml/2006/main">
   <p:cSld>
     <p:spTree>
@@ -10925,7 +11124,7 @@
 </p:sld>
 </file>
 
-<file path=ppt/slides/slide21.xml><?xml version="1.0" encoding="utf-8"?>
+<file path=ppt/slides/slide22.xml><?xml version="1.0" encoding="utf-8"?>
 <p:sld xmlns:a="http://schemas.openxmlformats.org/drawingml/2006/main" xmlns:r="http://schemas.openxmlformats.org/officeDocument/2006/relationships" xmlns:p="http://schemas.openxmlformats.org/presentationml/2006/main">
   <p:cSld>
     <p:spTree>
@@ -11075,172 +11274,6 @@
 </p:sld>
 </file>
 
-<file path=ppt/slides/slide22.xml><?xml version="1.0" encoding="utf-8"?>
-<p:sld xmlns:a="http://schemas.openxmlformats.org/drawingml/2006/main" xmlns:r="http://schemas.openxmlformats.org/officeDocument/2006/relationships" xmlns:p="http://schemas.openxmlformats.org/presentationml/2006/main">
-  <p:cSld>
-    <p:spTree>
-      <p:nvGrpSpPr>
-        <p:cNvPr id="1" name=""/>
-        <p:cNvGrpSpPr/>
-        <p:nvPr/>
-      </p:nvGrpSpPr>
-      <p:grpSpPr>
-        <a:xfrm>
-          <a:off x="0" y="0"/>
-          <a:ext cx="0" cy="0"/>
-          <a:chOff x="0" y="0"/>
-          <a:chExt cx="0" cy="0"/>
-        </a:xfrm>
-      </p:grpSpPr>
-      <p:sp>
-        <p:nvSpPr>
-          <p:cNvPr id="2" name="Title 1">
-            <a:extLst>
-              <a:ext uri="{FF2B5EF4-FFF2-40B4-BE49-F238E27FC236}">
-                <a16:creationId xmlns:a16="http://schemas.microsoft.com/office/drawing/2014/main" id="{D83BC794-59CF-46D2-8693-225034437C1F}"/>
-              </a:ext>
-            </a:extLst>
-          </p:cNvPr>
-          <p:cNvSpPr>
-            <a:spLocks noGrp="1"/>
-          </p:cNvSpPr>
-          <p:nvPr>
-            <p:ph type="title"/>
-          </p:nvPr>
-        </p:nvSpPr>
-        <p:spPr/>
-        <p:txBody>
-          <a:bodyPr/>
-          <a:lstStyle/>
-          <a:p>
-            <a:r>
-              <a:rPr lang="en-US" dirty="0"/>
-              <a:t>matplotlib</a:t>
-            </a:r>
-          </a:p>
-        </p:txBody>
-      </p:sp>
-      <p:sp>
-        <p:nvSpPr>
-          <p:cNvPr id="3" name="Content Placeholder 2">
-            <a:extLst>
-              <a:ext uri="{FF2B5EF4-FFF2-40B4-BE49-F238E27FC236}">
-                <a16:creationId xmlns:a16="http://schemas.microsoft.com/office/drawing/2014/main" id="{26D5009E-5FD5-42C1-8A1A-1B3D09E26A50}"/>
-              </a:ext>
-            </a:extLst>
-          </p:cNvPr>
-          <p:cNvSpPr>
-            <a:spLocks noGrp="1"/>
-          </p:cNvSpPr>
-          <p:nvPr>
-            <p:ph idx="1"/>
-          </p:nvPr>
-        </p:nvSpPr>
-        <p:spPr/>
-        <p:txBody>
-          <a:bodyPr/>
-          <a:lstStyle/>
-          <a:p>
-            <a:pPr>
-              <a:buFont typeface="Arial" panose="020B0604020202020204" pitchFamily="34" charset="0"/>
-              <a:buChar char="•"/>
-            </a:pPr>
-            <a:r>
-              <a:rPr lang="en-US" dirty="0"/>
-              <a:t>Common package for visualizing data using the Python coding language</a:t>
-            </a:r>
-          </a:p>
-          <a:p>
-            <a:pPr>
-              <a:buFont typeface="Arial" panose="020B0604020202020204" pitchFamily="34" charset="0"/>
-              <a:buChar char="•"/>
-            </a:pPr>
-            <a:r>
-              <a:rPr lang="en-US" dirty="0"/>
-              <a:t>Very manual to create visualization, but the user has full control</a:t>
-            </a:r>
-          </a:p>
-          <a:p>
-            <a:pPr>
-              <a:buFont typeface="Arial" panose="020B0604020202020204" pitchFamily="34" charset="0"/>
-              <a:buChar char="•"/>
-            </a:pPr>
-            <a:r>
-              <a:rPr lang="en-US" dirty="0"/>
-              <a:t>Good for quick plots, but not good for something like a dashboard</a:t>
-            </a:r>
-          </a:p>
-          <a:p>
-            <a:pPr>
-              <a:buFont typeface="Arial" panose="020B0604020202020204" pitchFamily="34" charset="0"/>
-              <a:buChar char="•"/>
-            </a:pPr>
-            <a:r>
-              <a:rPr lang="en-US" dirty="0"/>
-              <a:t>We’ll use this statement to import the package: “import </a:t>
-            </a:r>
-            <a:r>
-              <a:rPr lang="en-US" dirty="0" err="1"/>
-              <a:t>matplotlib.pyplot</a:t>
-            </a:r>
-            <a:r>
-              <a:rPr lang="en-US" dirty="0"/>
-              <a:t> as </a:t>
-            </a:r>
-            <a:r>
-              <a:rPr lang="en-US" dirty="0" err="1"/>
-              <a:t>plt</a:t>
-            </a:r>
-            <a:r>
-              <a:rPr lang="en-US" dirty="0"/>
-              <a:t>”</a:t>
-            </a:r>
-          </a:p>
-          <a:p>
-            <a:pPr>
-              <a:buFont typeface="Arial" panose="020B0604020202020204" pitchFamily="34" charset="0"/>
-              <a:buChar char="•"/>
-            </a:pPr>
-            <a:r>
-              <a:rPr lang="en-US" dirty="0"/>
-              <a:t>Reference: </a:t>
-            </a:r>
-            <a:r>
-              <a:rPr lang="en-US" dirty="0">
-                <a:hlinkClick r:id="rId2"/>
-              </a:rPr>
-              <a:t>https://matplotlib.org/</a:t>
-            </a:r>
-            <a:endParaRPr lang="en-US" dirty="0"/>
-          </a:p>
-          <a:p>
-            <a:pPr lvl="1">
-              <a:buFont typeface="Arial" panose="020B0604020202020204" pitchFamily="34" charset="0"/>
-              <a:buChar char="•"/>
-            </a:pPr>
-            <a:r>
-              <a:rPr lang="en-US" dirty="0"/>
-              <a:t>Check out the ‘tutorials’ section</a:t>
-            </a:r>
-          </a:p>
-          <a:p>
-            <a:endParaRPr lang="en-US" dirty="0"/>
-          </a:p>
-        </p:txBody>
-      </p:sp>
-    </p:spTree>
-    <p:extLst>
-      <p:ext uri="{BB962C8B-B14F-4D97-AF65-F5344CB8AC3E}">
-        <p14:creationId xmlns:p14="http://schemas.microsoft.com/office/powerpoint/2010/main" val="1032211112"/>
-      </p:ext>
-    </p:extLst>
-  </p:cSld>
-  <p:clrMapOvr>
-    <a:masterClrMapping/>
-  </p:clrMapOvr>
-</p:sld>
-</file>
-
 <file path=ppt/slides/slide23.xml><?xml version="1.0" encoding="utf-8"?>
 <p:sld xmlns:a="http://schemas.openxmlformats.org/drawingml/2006/main" xmlns:r="http://schemas.openxmlformats.org/officeDocument/2006/relationships" xmlns:p="http://schemas.openxmlformats.org/presentationml/2006/main">
   <p:cSld>
@@ -11260,6 +11293,172 @@
       </p:grpSpPr>
       <p:sp>
         <p:nvSpPr>
+          <p:cNvPr id="2" name="Title 1">
+            <a:extLst>
+              <a:ext uri="{FF2B5EF4-FFF2-40B4-BE49-F238E27FC236}">
+                <a16:creationId xmlns:a16="http://schemas.microsoft.com/office/drawing/2014/main" id="{D83BC794-59CF-46D2-8693-225034437C1F}"/>
+              </a:ext>
+            </a:extLst>
+          </p:cNvPr>
+          <p:cNvSpPr>
+            <a:spLocks noGrp="1"/>
+          </p:cNvSpPr>
+          <p:nvPr>
+            <p:ph type="title"/>
+          </p:nvPr>
+        </p:nvSpPr>
+        <p:spPr/>
+        <p:txBody>
+          <a:bodyPr/>
+          <a:lstStyle/>
+          <a:p>
+            <a:r>
+              <a:rPr lang="en-US" dirty="0"/>
+              <a:t>matplotlib</a:t>
+            </a:r>
+          </a:p>
+        </p:txBody>
+      </p:sp>
+      <p:sp>
+        <p:nvSpPr>
+          <p:cNvPr id="3" name="Content Placeholder 2">
+            <a:extLst>
+              <a:ext uri="{FF2B5EF4-FFF2-40B4-BE49-F238E27FC236}">
+                <a16:creationId xmlns:a16="http://schemas.microsoft.com/office/drawing/2014/main" id="{26D5009E-5FD5-42C1-8A1A-1B3D09E26A50}"/>
+              </a:ext>
+            </a:extLst>
+          </p:cNvPr>
+          <p:cNvSpPr>
+            <a:spLocks noGrp="1"/>
+          </p:cNvSpPr>
+          <p:nvPr>
+            <p:ph idx="1"/>
+          </p:nvPr>
+        </p:nvSpPr>
+        <p:spPr/>
+        <p:txBody>
+          <a:bodyPr/>
+          <a:lstStyle/>
+          <a:p>
+            <a:pPr>
+              <a:buFont typeface="Arial" panose="020B0604020202020204" pitchFamily="34" charset="0"/>
+              <a:buChar char="•"/>
+            </a:pPr>
+            <a:r>
+              <a:rPr lang="en-US" dirty="0"/>
+              <a:t>Common package for visualizing data using the Python coding language</a:t>
+            </a:r>
+          </a:p>
+          <a:p>
+            <a:pPr>
+              <a:buFont typeface="Arial" panose="020B0604020202020204" pitchFamily="34" charset="0"/>
+              <a:buChar char="•"/>
+            </a:pPr>
+            <a:r>
+              <a:rPr lang="en-US" dirty="0"/>
+              <a:t>Very manual to create visualization, but the user has full control</a:t>
+            </a:r>
+          </a:p>
+          <a:p>
+            <a:pPr>
+              <a:buFont typeface="Arial" panose="020B0604020202020204" pitchFamily="34" charset="0"/>
+              <a:buChar char="•"/>
+            </a:pPr>
+            <a:r>
+              <a:rPr lang="en-US" dirty="0"/>
+              <a:t>Good for quick plots, but not good for something like a dashboard</a:t>
+            </a:r>
+          </a:p>
+          <a:p>
+            <a:pPr>
+              <a:buFont typeface="Arial" panose="020B0604020202020204" pitchFamily="34" charset="0"/>
+              <a:buChar char="•"/>
+            </a:pPr>
+            <a:r>
+              <a:rPr lang="en-US" dirty="0"/>
+              <a:t>We’ll use this statement to import the package: “import </a:t>
+            </a:r>
+            <a:r>
+              <a:rPr lang="en-US" dirty="0" err="1"/>
+              <a:t>matplotlib.pyplot</a:t>
+            </a:r>
+            <a:r>
+              <a:rPr lang="en-US" dirty="0"/>
+              <a:t> as </a:t>
+            </a:r>
+            <a:r>
+              <a:rPr lang="en-US" dirty="0" err="1"/>
+              <a:t>plt</a:t>
+            </a:r>
+            <a:r>
+              <a:rPr lang="en-US" dirty="0"/>
+              <a:t>”</a:t>
+            </a:r>
+          </a:p>
+          <a:p>
+            <a:pPr>
+              <a:buFont typeface="Arial" panose="020B0604020202020204" pitchFamily="34" charset="0"/>
+              <a:buChar char="•"/>
+            </a:pPr>
+            <a:r>
+              <a:rPr lang="en-US" dirty="0"/>
+              <a:t>Reference: </a:t>
+            </a:r>
+            <a:r>
+              <a:rPr lang="en-US" dirty="0">
+                <a:hlinkClick r:id="rId2"/>
+              </a:rPr>
+              <a:t>https://matplotlib.org/</a:t>
+            </a:r>
+            <a:endParaRPr lang="en-US" dirty="0"/>
+          </a:p>
+          <a:p>
+            <a:pPr lvl="1">
+              <a:buFont typeface="Arial" panose="020B0604020202020204" pitchFamily="34" charset="0"/>
+              <a:buChar char="•"/>
+            </a:pPr>
+            <a:r>
+              <a:rPr lang="en-US" dirty="0"/>
+              <a:t>Check out the ‘tutorials’ section</a:t>
+            </a:r>
+          </a:p>
+          <a:p>
+            <a:endParaRPr lang="en-US" dirty="0"/>
+          </a:p>
+        </p:txBody>
+      </p:sp>
+    </p:spTree>
+    <p:extLst>
+      <p:ext uri="{BB962C8B-B14F-4D97-AF65-F5344CB8AC3E}">
+        <p14:creationId xmlns:p14="http://schemas.microsoft.com/office/powerpoint/2010/main" val="1032211112"/>
+      </p:ext>
+    </p:extLst>
+  </p:cSld>
+  <p:clrMapOvr>
+    <a:masterClrMapping/>
+  </p:clrMapOvr>
+</p:sld>
+</file>
+
+<file path=ppt/slides/slide24.xml><?xml version="1.0" encoding="utf-8"?>
+<p:sld xmlns:a="http://schemas.openxmlformats.org/drawingml/2006/main" xmlns:r="http://schemas.openxmlformats.org/officeDocument/2006/relationships" xmlns:p="http://schemas.openxmlformats.org/presentationml/2006/main">
+  <p:cSld>
+    <p:spTree>
+      <p:nvGrpSpPr>
+        <p:cNvPr id="1" name=""/>
+        <p:cNvGrpSpPr/>
+        <p:nvPr/>
+      </p:nvGrpSpPr>
+      <p:grpSpPr>
+        <a:xfrm>
+          <a:off x="0" y="0"/>
+          <a:ext cx="0" cy="0"/>
+          <a:chOff x="0" y="0"/>
+          <a:chExt cx="0" cy="0"/>
+        </a:xfrm>
+      </p:grpSpPr>
+      <p:sp>
+        <p:nvSpPr>
           <p:cNvPr id="4" name="Title 3">
             <a:extLst>
               <a:ext uri="{FF2B5EF4-FFF2-40B4-BE49-F238E27FC236}">
@@ -11386,7 +11585,7 @@
 </p:sld>
 </file>
 
-<file path=ppt/slides/slide24.xml><?xml version="1.0" encoding="utf-8"?>
+<file path=ppt/slides/slide25.xml><?xml version="1.0" encoding="utf-8"?>
 <p:sld xmlns:a="http://schemas.openxmlformats.org/drawingml/2006/main" xmlns:r="http://schemas.openxmlformats.org/officeDocument/2006/relationships" xmlns:p="http://schemas.openxmlformats.org/presentationml/2006/main">
   <p:cSld>
     <p:spTree>
@@ -11597,7 +11796,7 @@
 </p:sld>
 </file>
 
-<file path=ppt/slides/slide25.xml><?xml version="1.0" encoding="utf-8"?>
+<file path=ppt/slides/slide26.xml><?xml version="1.0" encoding="utf-8"?>
 <p:sld xmlns:a="http://schemas.openxmlformats.org/drawingml/2006/main" xmlns:r="http://schemas.openxmlformats.org/officeDocument/2006/relationships" xmlns:p="http://schemas.openxmlformats.org/presentationml/2006/main">
   <p:cSld>
     <p:spTree>
@@ -11820,89 +12019,6 @@
 </p:sld>
 </file>
 
-<file path=ppt/slides/slide26.xml><?xml version="1.0" encoding="utf-8"?>
-<p:sld xmlns:a="http://schemas.openxmlformats.org/drawingml/2006/main" xmlns:r="http://schemas.openxmlformats.org/officeDocument/2006/relationships" xmlns:p="http://schemas.openxmlformats.org/presentationml/2006/main">
-  <p:cSld>
-    <p:spTree>
-      <p:nvGrpSpPr>
-        <p:cNvPr id="1" name=""/>
-        <p:cNvGrpSpPr/>
-        <p:nvPr/>
-      </p:nvGrpSpPr>
-      <p:grpSpPr>
-        <a:xfrm>
-          <a:off x="0" y="0"/>
-          <a:ext cx="0" cy="0"/>
-          <a:chOff x="0" y="0"/>
-          <a:chExt cx="0" cy="0"/>
-        </a:xfrm>
-      </p:grpSpPr>
-      <p:sp>
-        <p:nvSpPr>
-          <p:cNvPr id="2" name="Title 1">
-            <a:extLst>
-              <a:ext uri="{FF2B5EF4-FFF2-40B4-BE49-F238E27FC236}">
-                <a16:creationId xmlns:a16="http://schemas.microsoft.com/office/drawing/2014/main" id="{CEE8DD3F-65C2-456B-9F71-C4E29FFF53CD}"/>
-              </a:ext>
-            </a:extLst>
-          </p:cNvPr>
-          <p:cNvSpPr>
-            <a:spLocks noGrp="1"/>
-          </p:cNvSpPr>
-          <p:nvPr>
-            <p:ph type="title"/>
-          </p:nvPr>
-        </p:nvSpPr>
-        <p:spPr/>
-        <p:txBody>
-          <a:bodyPr/>
-          <a:lstStyle/>
-          <a:p>
-            <a:r>
-              <a:rPr lang="en-US" dirty="0"/>
-              <a:t>Practice - Notebook</a:t>
-            </a:r>
-          </a:p>
-        </p:txBody>
-      </p:sp>
-      <p:sp>
-        <p:nvSpPr>
-          <p:cNvPr id="3" name="Content Placeholder 2">
-            <a:extLst>
-              <a:ext uri="{FF2B5EF4-FFF2-40B4-BE49-F238E27FC236}">
-                <a16:creationId xmlns:a16="http://schemas.microsoft.com/office/drawing/2014/main" id="{DCB7ECE7-4E83-4C09-A3FF-A15AEE852085}"/>
-              </a:ext>
-            </a:extLst>
-          </p:cNvPr>
-          <p:cNvSpPr>
-            <a:spLocks noGrp="1"/>
-          </p:cNvSpPr>
-          <p:nvPr>
-            <p:ph idx="1"/>
-          </p:nvPr>
-        </p:nvSpPr>
-        <p:spPr/>
-        <p:txBody>
-          <a:bodyPr/>
-          <a:lstStyle/>
-          <a:p>
-            <a:endParaRPr lang="en-US"/>
-          </a:p>
-        </p:txBody>
-      </p:sp>
-    </p:spTree>
-    <p:extLst>
-      <p:ext uri="{BB962C8B-B14F-4D97-AF65-F5344CB8AC3E}">
-        <p14:creationId xmlns:p14="http://schemas.microsoft.com/office/powerpoint/2010/main" val="1036765499"/>
-      </p:ext>
-    </p:extLst>
-  </p:cSld>
-  <p:clrMapOvr>
-    <a:masterClrMapping/>
-  </p:clrMapOvr>
-</p:sld>
-</file>
-
 <file path=ppt/slides/slide27.xml><?xml version="1.0" encoding="utf-8"?>
 <p:sld xmlns:a="http://schemas.openxmlformats.org/drawingml/2006/main" xmlns:r="http://schemas.openxmlformats.org/officeDocument/2006/relationships" xmlns:p="http://schemas.openxmlformats.org/presentationml/2006/main">
   <p:cSld>
@@ -11925,7 +12041,7 @@
           <p:cNvPr id="2" name="Title 1">
             <a:extLst>
               <a:ext uri="{FF2B5EF4-FFF2-40B4-BE49-F238E27FC236}">
-                <a16:creationId xmlns:a16="http://schemas.microsoft.com/office/drawing/2014/main" id="{37F47C21-4937-4FE1-BE59-56D978F65B8D}"/>
+                <a16:creationId xmlns:a16="http://schemas.microsoft.com/office/drawing/2014/main" id="{CEE8DD3F-65C2-456B-9F71-C4E29FFF53CD}"/>
               </a:ext>
             </a:extLst>
           </p:cNvPr>
@@ -11943,7 +12059,7 @@
           <a:p>
             <a:r>
               <a:rPr lang="en-US" dirty="0"/>
-              <a:t>Homework (Due March 4, 2020)</a:t>
+              <a:t>Practice - Notebook</a:t>
             </a:r>
           </a:p>
         </p:txBody>
@@ -11953,7 +12069,7 @@
           <p:cNvPr id="3" name="Content Placeholder 2">
             <a:extLst>
               <a:ext uri="{FF2B5EF4-FFF2-40B4-BE49-F238E27FC236}">
-                <a16:creationId xmlns:a16="http://schemas.microsoft.com/office/drawing/2014/main" id="{4BA640D3-C44B-4A6D-8102-C32143FBADEB}"/>
+                <a16:creationId xmlns:a16="http://schemas.microsoft.com/office/drawing/2014/main" id="{DCB7ECE7-4E83-4C09-A3FF-A15AEE852085}"/>
               </a:ext>
             </a:extLst>
           </p:cNvPr>
@@ -11969,150 +12085,14 @@
           <a:bodyPr/>
           <a:lstStyle/>
           <a:p>
-            <a:pPr>
-              <a:buFont typeface="Arial" panose="020B0604020202020204" pitchFamily="34" charset="0"/>
-              <a:buChar char="•"/>
-            </a:pPr>
-            <a:r>
-              <a:rPr lang="en-US" dirty="0"/>
-              <a:t>Exploratory Data </a:t>
-            </a:r>
-            <a:r>
-              <a:rPr lang="en-US" dirty="0" err="1"/>
-              <a:t>Analysis.ipynb</a:t>
-            </a:r>
-            <a:endParaRPr lang="en-US" dirty="0"/>
-          </a:p>
-          <a:p>
-            <a:pPr lvl="1">
-              <a:buFont typeface="Arial" panose="020B0604020202020204" pitchFamily="34" charset="0"/>
-              <a:buChar char="•"/>
-            </a:pPr>
-            <a:r>
-              <a:rPr lang="en-US" dirty="0"/>
-              <a:t>Complete and upload to </a:t>
-            </a:r>
-            <a:r>
-              <a:rPr lang="en-US" dirty="0" err="1"/>
-              <a:t>github</a:t>
-            </a:r>
-            <a:endParaRPr lang="en-US" dirty="0"/>
-          </a:p>
-          <a:p>
-            <a:pPr lvl="1">
-              <a:buFont typeface="Arial" panose="020B0604020202020204" pitchFamily="34" charset="0"/>
-              <a:buChar char="•"/>
-            </a:pPr>
-            <a:r>
-              <a:rPr lang="en-US" dirty="0"/>
-              <a:t>Add your name to submitted document</a:t>
-            </a:r>
-          </a:p>
-          <a:p>
-            <a:pPr>
-              <a:buFont typeface="Arial" panose="020B0604020202020204" pitchFamily="34" charset="0"/>
-              <a:buChar char="•"/>
-            </a:pPr>
-            <a:r>
-              <a:rPr lang="en-US" dirty="0"/>
-              <a:t>Simple </a:t>
-            </a:r>
-            <a:r>
-              <a:rPr lang="en-US" dirty="0" err="1"/>
-              <a:t>Viz.ipynb</a:t>
-            </a:r>
-            <a:endParaRPr lang="en-US" dirty="0"/>
-          </a:p>
-          <a:p>
-            <a:pPr lvl="1">
-              <a:buFont typeface="Arial" panose="020B0604020202020204" pitchFamily="34" charset="0"/>
-              <a:buChar char="•"/>
-            </a:pPr>
-            <a:r>
-              <a:rPr lang="en-US" dirty="0"/>
-              <a:t>Complete and upload to </a:t>
-            </a:r>
-            <a:r>
-              <a:rPr lang="en-US" dirty="0" err="1"/>
-              <a:t>github</a:t>
-            </a:r>
-            <a:endParaRPr lang="en-US" dirty="0"/>
-          </a:p>
-          <a:p>
-            <a:pPr lvl="1">
-              <a:buFont typeface="Arial" panose="020B0604020202020204" pitchFamily="34" charset="0"/>
-              <a:buChar char="•"/>
-            </a:pPr>
-            <a:r>
-              <a:rPr lang="en-US" dirty="0"/>
-              <a:t>Add your name to </a:t>
-            </a:r>
-            <a:r>
-              <a:rPr lang="en-US"/>
-              <a:t>submitted document</a:t>
-            </a:r>
-            <a:endParaRPr lang="en-US" dirty="0"/>
-          </a:p>
-          <a:p>
-            <a:pPr>
-              <a:buFont typeface="Arial" panose="020B0604020202020204" pitchFamily="34" charset="0"/>
-              <a:buChar char="•"/>
-            </a:pPr>
-            <a:r>
-              <a:rPr lang="en-US" dirty="0"/>
-              <a:t>Advanced </a:t>
-            </a:r>
-            <a:r>
-              <a:rPr lang="en-US" dirty="0" err="1"/>
-              <a:t>Viz.ipynb</a:t>
-            </a:r>
-            <a:endParaRPr lang="en-US" dirty="0"/>
-          </a:p>
-          <a:p>
-            <a:pPr lvl="1">
-              <a:buFont typeface="Arial" panose="020B0604020202020204" pitchFamily="34" charset="0"/>
-              <a:buChar char="•"/>
-            </a:pPr>
-            <a:r>
-              <a:rPr lang="en-US" dirty="0"/>
-              <a:t>Complete and upload to </a:t>
-            </a:r>
-            <a:r>
-              <a:rPr lang="en-US" dirty="0" err="1"/>
-              <a:t>github</a:t>
-            </a:r>
-            <a:endParaRPr lang="en-US" dirty="0"/>
-          </a:p>
-          <a:p>
-            <a:pPr lvl="1">
-              <a:buFont typeface="Arial" panose="020B0604020202020204" pitchFamily="34" charset="0"/>
-              <a:buChar char="•"/>
-            </a:pPr>
-            <a:r>
-              <a:rPr lang="en-US" dirty="0"/>
-              <a:t>Add your name to submitted document</a:t>
-            </a:r>
-          </a:p>
-          <a:p>
-            <a:pPr>
-              <a:buFont typeface="Arial" panose="020B0604020202020204" pitchFamily="34" charset="0"/>
-              <a:buChar char="•"/>
-            </a:pPr>
-            <a:endParaRPr lang="en-US" dirty="0"/>
-          </a:p>
-          <a:p>
-            <a:pPr>
-              <a:buFont typeface="Arial" panose="020B0604020202020204" pitchFamily="34" charset="0"/>
-              <a:buChar char="•"/>
-            </a:pPr>
-            <a:endParaRPr lang="en-US" dirty="0"/>
+            <a:endParaRPr lang="en-US"/>
           </a:p>
         </p:txBody>
       </p:sp>
     </p:spTree>
     <p:extLst>
       <p:ext uri="{BB962C8B-B14F-4D97-AF65-F5344CB8AC3E}">
-        <p14:creationId xmlns:p14="http://schemas.microsoft.com/office/powerpoint/2010/main" val="2044682864"/>
+        <p14:creationId xmlns:p14="http://schemas.microsoft.com/office/powerpoint/2010/main" val="1036765499"/>
       </p:ext>
     </p:extLst>
   </p:cSld>
@@ -12144,7 +12124,7 @@
           <p:cNvPr id="2" name="Title 1">
             <a:extLst>
               <a:ext uri="{FF2B5EF4-FFF2-40B4-BE49-F238E27FC236}">
-                <a16:creationId xmlns:a16="http://schemas.microsoft.com/office/drawing/2014/main" id="{AD2860B2-7C83-4A55-8E7E-7A4B069D4A7E}"/>
+                <a16:creationId xmlns:a16="http://schemas.microsoft.com/office/drawing/2014/main" id="{37F47C21-4937-4FE1-BE59-56D978F65B8D}"/>
               </a:ext>
             </a:extLst>
           </p:cNvPr>
@@ -12162,17 +12142,17 @@
           <a:p>
             <a:r>
               <a:rPr lang="en-US" dirty="0"/>
-              <a:t>Week 3</a:t>
-            </a:r>
-          </a:p>
-        </p:txBody>
-      </p:sp>
-      <p:sp>
-        <p:nvSpPr>
-          <p:cNvPr id="3" name="Text Placeholder 2">
+              <a:t>Homework (Due March 4, 2020)</a:t>
+            </a:r>
+          </a:p>
+        </p:txBody>
+      </p:sp>
+      <p:sp>
+        <p:nvSpPr>
+          <p:cNvPr id="3" name="Content Placeholder 2">
             <a:extLst>
               <a:ext uri="{FF2B5EF4-FFF2-40B4-BE49-F238E27FC236}">
-                <a16:creationId xmlns:a16="http://schemas.microsoft.com/office/drawing/2014/main" id="{274FDD8D-BBB7-47AC-AD7F-DF359A4A9736}"/>
+                <a16:creationId xmlns:a16="http://schemas.microsoft.com/office/drawing/2014/main" id="{4BA640D3-C44B-4A6D-8102-C32143FBADEB}"/>
               </a:ext>
             </a:extLst>
           </p:cNvPr>
@@ -12180,7 +12160,7 @@
             <a:spLocks noGrp="1"/>
           </p:cNvSpPr>
           <p:nvPr>
-            <p:ph type="body" idx="1"/>
+            <p:ph idx="1"/>
           </p:nvPr>
         </p:nvSpPr>
         <p:spPr/>
@@ -12188,12 +12168,142 @@
           <a:bodyPr/>
           <a:lstStyle/>
           <a:p>
-            <a:r>
-              <a:rPr lang="en-US" dirty="0"/>
-              <a:t>Date: March 4, 2020</a:t>
-            </a:r>
-          </a:p>
-          <a:p>
+            <a:pPr>
+              <a:buFont typeface="Arial" panose="020B0604020202020204" pitchFamily="34" charset="0"/>
+              <a:buChar char="•"/>
+            </a:pPr>
+            <a:r>
+              <a:rPr lang="en-US" dirty="0"/>
+              <a:t>Exploratory Data </a:t>
+            </a:r>
+            <a:r>
+              <a:rPr lang="en-US" dirty="0" err="1"/>
+              <a:t>Analysis.ipynb</a:t>
+            </a:r>
+            <a:endParaRPr lang="en-US" dirty="0"/>
+          </a:p>
+          <a:p>
+            <a:pPr lvl="1">
+              <a:buFont typeface="Arial" panose="020B0604020202020204" pitchFamily="34" charset="0"/>
+              <a:buChar char="•"/>
+            </a:pPr>
+            <a:r>
+              <a:rPr lang="en-US" dirty="0"/>
+              <a:t>Complete and upload to </a:t>
+            </a:r>
+            <a:r>
+              <a:rPr lang="en-US" dirty="0" err="1"/>
+              <a:t>github</a:t>
+            </a:r>
+            <a:endParaRPr lang="en-US" dirty="0"/>
+          </a:p>
+          <a:p>
+            <a:pPr lvl="1">
+              <a:buFont typeface="Arial" panose="020B0604020202020204" pitchFamily="34" charset="0"/>
+              <a:buChar char="•"/>
+            </a:pPr>
+            <a:r>
+              <a:rPr lang="en-US" dirty="0"/>
+              <a:t>Add your name to submitted document</a:t>
+            </a:r>
+          </a:p>
+          <a:p>
+            <a:pPr>
+              <a:buFont typeface="Arial" panose="020B0604020202020204" pitchFamily="34" charset="0"/>
+              <a:buChar char="•"/>
+            </a:pPr>
+            <a:r>
+              <a:rPr lang="en-US" dirty="0"/>
+              <a:t>Simple </a:t>
+            </a:r>
+            <a:r>
+              <a:rPr lang="en-US" dirty="0" err="1"/>
+              <a:t>Viz.ipynb</a:t>
+            </a:r>
+            <a:endParaRPr lang="en-US" dirty="0"/>
+          </a:p>
+          <a:p>
+            <a:pPr lvl="1">
+              <a:buFont typeface="Arial" panose="020B0604020202020204" pitchFamily="34" charset="0"/>
+              <a:buChar char="•"/>
+            </a:pPr>
+            <a:r>
+              <a:rPr lang="en-US" dirty="0"/>
+              <a:t>Complete and upload to </a:t>
+            </a:r>
+            <a:r>
+              <a:rPr lang="en-US" dirty="0" err="1"/>
+              <a:t>github</a:t>
+            </a:r>
+            <a:endParaRPr lang="en-US" dirty="0"/>
+          </a:p>
+          <a:p>
+            <a:pPr lvl="1">
+              <a:buFont typeface="Arial" panose="020B0604020202020204" pitchFamily="34" charset="0"/>
+              <a:buChar char="•"/>
+            </a:pPr>
+            <a:r>
+              <a:rPr lang="en-US" dirty="0"/>
+              <a:t>Add your name to </a:t>
+            </a:r>
+            <a:r>
+              <a:rPr lang="en-US"/>
+              <a:t>submitted document</a:t>
+            </a:r>
+            <a:endParaRPr lang="en-US" dirty="0"/>
+          </a:p>
+          <a:p>
+            <a:pPr>
+              <a:buFont typeface="Arial" panose="020B0604020202020204" pitchFamily="34" charset="0"/>
+              <a:buChar char="•"/>
+            </a:pPr>
+            <a:r>
+              <a:rPr lang="en-US" dirty="0"/>
+              <a:t>Advanced </a:t>
+            </a:r>
+            <a:r>
+              <a:rPr lang="en-US" dirty="0" err="1"/>
+              <a:t>Viz.ipynb</a:t>
+            </a:r>
+            <a:endParaRPr lang="en-US" dirty="0"/>
+          </a:p>
+          <a:p>
+            <a:pPr lvl="1">
+              <a:buFont typeface="Arial" panose="020B0604020202020204" pitchFamily="34" charset="0"/>
+              <a:buChar char="•"/>
+            </a:pPr>
+            <a:r>
+              <a:rPr lang="en-US" dirty="0"/>
+              <a:t>Complete and upload to </a:t>
+            </a:r>
+            <a:r>
+              <a:rPr lang="en-US" dirty="0" err="1"/>
+              <a:t>github</a:t>
+            </a:r>
+            <a:endParaRPr lang="en-US" dirty="0"/>
+          </a:p>
+          <a:p>
+            <a:pPr lvl="1">
+              <a:buFont typeface="Arial" panose="020B0604020202020204" pitchFamily="34" charset="0"/>
+              <a:buChar char="•"/>
+            </a:pPr>
+            <a:r>
+              <a:rPr lang="en-US" dirty="0"/>
+              <a:t>Add your name to submitted document</a:t>
+            </a:r>
+          </a:p>
+          <a:p>
+            <a:pPr>
+              <a:buFont typeface="Arial" panose="020B0604020202020204" pitchFamily="34" charset="0"/>
+              <a:buChar char="•"/>
+            </a:pPr>
+            <a:endParaRPr lang="en-US" dirty="0"/>
+          </a:p>
+          <a:p>
+            <a:pPr>
+              <a:buFont typeface="Arial" panose="020B0604020202020204" pitchFamily="34" charset="0"/>
+              <a:buChar char="•"/>
+            </a:pPr>
             <a:endParaRPr lang="en-US" dirty="0"/>
           </a:p>
         </p:txBody>
@@ -12201,7 +12311,7 @@
     </p:spTree>
     <p:extLst>
       <p:ext uri="{BB962C8B-B14F-4D97-AF65-F5344CB8AC3E}">
-        <p14:creationId xmlns:p14="http://schemas.microsoft.com/office/powerpoint/2010/main" val="3064873116"/>
+        <p14:creationId xmlns:p14="http://schemas.microsoft.com/office/powerpoint/2010/main" val="2044682864"/>
       </p:ext>
     </p:extLst>
   </p:cSld>
@@ -12233,7 +12343,7 @@
           <p:cNvPr id="2" name="Title 1">
             <a:extLst>
               <a:ext uri="{FF2B5EF4-FFF2-40B4-BE49-F238E27FC236}">
-                <a16:creationId xmlns:a16="http://schemas.microsoft.com/office/drawing/2014/main" id="{7289EF6B-8AB6-4186-AF09-0D50FE1BB9FD}"/>
+                <a16:creationId xmlns:a16="http://schemas.microsoft.com/office/drawing/2014/main" id="{AD2860B2-7C83-4A55-8E7E-7A4B069D4A7E}"/>
               </a:ext>
             </a:extLst>
           </p:cNvPr>
@@ -12251,17 +12361,17 @@
           <a:p>
             <a:r>
               <a:rPr lang="en-US" dirty="0"/>
-              <a:t>Overview</a:t>
-            </a:r>
-          </a:p>
-        </p:txBody>
-      </p:sp>
-      <p:sp>
-        <p:nvSpPr>
-          <p:cNvPr id="3" name="Content Placeholder 2">
+              <a:t>Week 3</a:t>
+            </a:r>
+          </a:p>
+        </p:txBody>
+      </p:sp>
+      <p:sp>
+        <p:nvSpPr>
+          <p:cNvPr id="3" name="Text Placeholder 2">
             <a:extLst>
               <a:ext uri="{FF2B5EF4-FFF2-40B4-BE49-F238E27FC236}">
-                <a16:creationId xmlns:a16="http://schemas.microsoft.com/office/drawing/2014/main" id="{E8A26BB2-24A8-43EF-9A59-9E9533F17D85}"/>
+                <a16:creationId xmlns:a16="http://schemas.microsoft.com/office/drawing/2014/main" id="{274FDD8D-BBB7-47AC-AD7F-DF359A4A9736}"/>
               </a:ext>
             </a:extLst>
           </p:cNvPr>
@@ -12269,7 +12379,7 @@
             <a:spLocks noGrp="1"/>
           </p:cNvSpPr>
           <p:nvPr>
-            <p:ph idx="1"/>
+            <p:ph type="body" idx="1"/>
           </p:nvPr>
         </p:nvSpPr>
         <p:spPr/>
@@ -12279,33 +12389,18 @@
           <a:p>
             <a:r>
               <a:rPr lang="en-US" dirty="0"/>
-              <a:t>Grouping and merging statements - helpful for SQL</a:t>
-            </a:r>
-          </a:p>
-          <a:p>
-            <a:r>
-              <a:rPr lang="en-US" dirty="0"/>
-              <a:t>Custom functions to create new columns</a:t>
-            </a:r>
-          </a:p>
-          <a:p>
-            <a:r>
-              <a:rPr lang="en-US" dirty="0"/>
-              <a:t>Data cleaning- imputation and null values</a:t>
-            </a:r>
-          </a:p>
-          <a:p>
-            <a:r>
-              <a:rPr lang="en-US" dirty="0"/>
-              <a:t>Begin transformation pipeline</a:t>
-            </a:r>
+              <a:t>Date: March 4, 2020</a:t>
+            </a:r>
+          </a:p>
+          <a:p>
+            <a:endParaRPr lang="en-US" dirty="0"/>
           </a:p>
         </p:txBody>
       </p:sp>
     </p:spTree>
     <p:extLst>
       <p:ext uri="{BB962C8B-B14F-4D97-AF65-F5344CB8AC3E}">
-        <p14:creationId xmlns:p14="http://schemas.microsoft.com/office/powerpoint/2010/main" val="3238083214"/>
+        <p14:creationId xmlns:p14="http://schemas.microsoft.com/office/powerpoint/2010/main" val="3064873116"/>
       </p:ext>
     </p:extLst>
   </p:cSld>
@@ -12493,7 +12588,7 @@
           <p:cNvPr id="2" name="Title 1">
             <a:extLst>
               <a:ext uri="{FF2B5EF4-FFF2-40B4-BE49-F238E27FC236}">
-                <a16:creationId xmlns:a16="http://schemas.microsoft.com/office/drawing/2014/main" id="{48B3797D-D25F-4519-BBBD-CA9CE8C6C2ED}"/>
+                <a16:creationId xmlns:a16="http://schemas.microsoft.com/office/drawing/2014/main" id="{7289EF6B-8AB6-4186-AF09-0D50FE1BB9FD}"/>
               </a:ext>
             </a:extLst>
           </p:cNvPr>
@@ -12506,14 +12601,12 @@
         </p:nvSpPr>
         <p:spPr/>
         <p:txBody>
-          <a:bodyPr>
-            <a:normAutofit/>
-          </a:bodyPr>
+          <a:bodyPr/>
           <a:lstStyle/>
           <a:p>
             <a:r>
               <a:rPr lang="en-US" dirty="0"/>
-              <a:t>Merges, Joins, Concatenation, and Appending….what’s the difference?</a:t>
+              <a:t>Overview</a:t>
             </a:r>
           </a:p>
         </p:txBody>
@@ -12523,7 +12616,7 @@
           <p:cNvPr id="3" name="Content Placeholder 2">
             <a:extLst>
               <a:ext uri="{FF2B5EF4-FFF2-40B4-BE49-F238E27FC236}">
-                <a16:creationId xmlns:a16="http://schemas.microsoft.com/office/drawing/2014/main" id="{871D611E-F048-4388-BAFB-2958B0046040}"/>
+                <a16:creationId xmlns:a16="http://schemas.microsoft.com/office/drawing/2014/main" id="{E8A26BB2-24A8-43EF-9A59-9E9533F17D85}"/>
               </a:ext>
             </a:extLst>
           </p:cNvPr>
@@ -12541,37 +12634,33 @@
           <a:p>
             <a:r>
               <a:rPr lang="en-US" dirty="0"/>
-              <a:t>What is the difference?</a:t>
-            </a:r>
-          </a:p>
-          <a:p>
-            <a:r>
-              <a:rPr lang="en-US" dirty="0"/>
-              <a:t>Why do we care about any of these?</a:t>
-            </a:r>
-          </a:p>
-          <a:p>
-            <a:r>
-              <a:rPr lang="en-US" dirty="0"/>
-              <a:t>Reference: </a:t>
-            </a:r>
-            <a:r>
-              <a:rPr lang="en-US" dirty="0">
-                <a:hlinkClick r:id="rId2"/>
-              </a:rPr>
-              <a:t>https://pandas.pydata.org/pandas-docs/stable/user_guide/merging.html</a:t>
-            </a:r>
-            <a:endParaRPr lang="en-US" dirty="0"/>
-          </a:p>
-          <a:p>
-            <a:endParaRPr lang="en-US" dirty="0"/>
+              <a:t>Grouping and merging statements - helpful for SQL</a:t>
+            </a:r>
+          </a:p>
+          <a:p>
+            <a:r>
+              <a:rPr lang="en-US" dirty="0"/>
+              <a:t>Custom functions to create new columns</a:t>
+            </a:r>
+          </a:p>
+          <a:p>
+            <a:r>
+              <a:rPr lang="en-US" dirty="0"/>
+              <a:t>Data cleaning- imputation and null values</a:t>
+            </a:r>
+          </a:p>
+          <a:p>
+            <a:r>
+              <a:rPr lang="en-US" dirty="0"/>
+              <a:t>Begin transformation pipeline</a:t>
+            </a:r>
           </a:p>
         </p:txBody>
       </p:sp>
     </p:spTree>
     <p:extLst>
       <p:ext uri="{BB962C8B-B14F-4D97-AF65-F5344CB8AC3E}">
-        <p14:creationId xmlns:p14="http://schemas.microsoft.com/office/powerpoint/2010/main" val="2074947329"/>
+        <p14:creationId xmlns:p14="http://schemas.microsoft.com/office/powerpoint/2010/main" val="3238083214"/>
       </p:ext>
     </p:extLst>
   </p:cSld>
@@ -12623,7 +12712,7 @@
           <a:p>
             <a:r>
               <a:rPr lang="en-US" dirty="0"/>
-              <a:t>Merges, Joins, Concatenation, and Appending….Append</a:t>
+              <a:t>Merges, Joins, Concatenation, and Appending….what’s the difference?</a:t>
             </a:r>
           </a:p>
         </p:txBody>
@@ -12651,20 +12740,27 @@
           <a:p>
             <a:r>
               <a:rPr lang="en-US" dirty="0"/>
-              <a:t>What is it?</a:t>
-            </a:r>
-          </a:p>
-          <a:p>
-            <a:r>
-              <a:rPr lang="en-US" dirty="0"/>
-              <a:t>When is it used?</a:t>
-            </a:r>
-          </a:p>
-          <a:p>
-            <a:r>
-              <a:rPr lang="en-US" dirty="0"/>
-              <a:t>Python syntax:</a:t>
-            </a:r>
+              <a:t>What is the difference?</a:t>
+            </a:r>
+          </a:p>
+          <a:p>
+            <a:r>
+              <a:rPr lang="en-US" dirty="0"/>
+              <a:t>Why do we care about any of these?</a:t>
+            </a:r>
+          </a:p>
+          <a:p>
+            <a:r>
+              <a:rPr lang="en-US" dirty="0"/>
+              <a:t>Reference: </a:t>
+            </a:r>
+            <a:r>
+              <a:rPr lang="en-US" dirty="0">
+                <a:hlinkClick r:id="rId2"/>
+              </a:rPr>
+              <a:t>https://pandas.pydata.org/pandas-docs/stable/user_guide/merging.html</a:t>
+            </a:r>
+            <a:endParaRPr lang="en-US" dirty="0"/>
           </a:p>
           <a:p>
             <a:endParaRPr lang="en-US" dirty="0"/>
@@ -12674,7 +12770,7 @@
     </p:spTree>
     <p:extLst>
       <p:ext uri="{BB962C8B-B14F-4D97-AF65-F5344CB8AC3E}">
-        <p14:creationId xmlns:p14="http://schemas.microsoft.com/office/powerpoint/2010/main" val="3686130912"/>
+        <p14:creationId xmlns:p14="http://schemas.microsoft.com/office/powerpoint/2010/main" val="2074947329"/>
       </p:ext>
     </p:extLst>
   </p:cSld>
@@ -12726,7 +12822,7 @@
           <a:p>
             <a:r>
               <a:rPr lang="en-US" dirty="0"/>
-              <a:t>Merges, Joins, Concatenation, and Appending….Concatenation</a:t>
+              <a:t>Merges, Joins, Concatenation, and Appending….Append</a:t>
             </a:r>
           </a:p>
         </p:txBody>
@@ -12777,7 +12873,7 @@
     </p:spTree>
     <p:extLst>
       <p:ext uri="{BB962C8B-B14F-4D97-AF65-F5344CB8AC3E}">
-        <p14:creationId xmlns:p14="http://schemas.microsoft.com/office/powerpoint/2010/main" val="4211453506"/>
+        <p14:creationId xmlns:p14="http://schemas.microsoft.com/office/powerpoint/2010/main" val="3686130912"/>
       </p:ext>
     </p:extLst>
   </p:cSld>
@@ -12829,7 +12925,7 @@
           <a:p>
             <a:r>
               <a:rPr lang="en-US" dirty="0"/>
-              <a:t>Merges, Joins, Concatenation, and Appending….Merge</a:t>
+              <a:t>Merges, Joins, Concatenation, and Appending….Concatenation</a:t>
             </a:r>
           </a:p>
         </p:txBody>
@@ -12880,7 +12976,7 @@
     </p:spTree>
     <p:extLst>
       <p:ext uri="{BB962C8B-B14F-4D97-AF65-F5344CB8AC3E}">
-        <p14:creationId xmlns:p14="http://schemas.microsoft.com/office/powerpoint/2010/main" val="3167752634"/>
+        <p14:creationId xmlns:p14="http://schemas.microsoft.com/office/powerpoint/2010/main" val="4211453506"/>
       </p:ext>
     </p:extLst>
   </p:cSld>
@@ -12932,7 +13028,7 @@
           <a:p>
             <a:r>
               <a:rPr lang="en-US" dirty="0"/>
-              <a:t>Merges, Joins, Concatenation, and Appending….Join</a:t>
+              <a:t>Merges, Joins, Concatenation, and Appending….Merge</a:t>
             </a:r>
           </a:p>
         </p:txBody>
@@ -12983,7 +13079,7 @@
     </p:spTree>
     <p:extLst>
       <p:ext uri="{BB962C8B-B14F-4D97-AF65-F5344CB8AC3E}">
-        <p14:creationId xmlns:p14="http://schemas.microsoft.com/office/powerpoint/2010/main" val="1446672483"/>
+        <p14:creationId xmlns:p14="http://schemas.microsoft.com/office/powerpoint/2010/main" val="3167752634"/>
       </p:ext>
     </p:extLst>
   </p:cSld>
@@ -13028,12 +13124,14 @@
         </p:nvSpPr>
         <p:spPr/>
         <p:txBody>
-          <a:bodyPr/>
+          <a:bodyPr>
+            <a:normAutofit/>
+          </a:bodyPr>
           <a:lstStyle/>
           <a:p>
             <a:r>
               <a:rPr lang="en-US" dirty="0"/>
-              <a:t>Custom functions to create new columns</a:t>
+              <a:t>Merges, Joins, Concatenation, and Appending….Join</a:t>
             </a:r>
           </a:p>
         </p:txBody>
@@ -13056,78 +13154,25 @@
         </p:nvSpPr>
         <p:spPr/>
         <p:txBody>
-          <a:bodyPr>
-            <a:normAutofit lnSpcReduction="10000"/>
-          </a:bodyPr>
+          <a:bodyPr/>
           <a:lstStyle/>
           <a:p>
             <a:r>
               <a:rPr lang="en-US" dirty="0"/>
-              <a:t>The </a:t>
-            </a:r>
-            <a:r>
-              <a:rPr lang="en-US" b="1" dirty="0"/>
-              <a:t>apply</a:t>
-            </a:r>
-            <a:r>
-              <a:rPr lang="en-US" dirty="0"/>
-              <a:t> function</a:t>
-            </a:r>
-          </a:p>
-          <a:p>
-            <a:r>
-              <a:rPr lang="en-US" dirty="0"/>
-              <a:t>The</a:t>
-            </a:r>
-            <a:r>
-              <a:rPr lang="en-US" b="1" dirty="0"/>
-              <a:t> </a:t>
-            </a:r>
-            <a:r>
-              <a:rPr lang="en-US" b="1" dirty="0" err="1"/>
-              <a:t>applymap</a:t>
-            </a:r>
-            <a:r>
-              <a:rPr lang="en-US" b="1" dirty="0"/>
-              <a:t> </a:t>
-            </a:r>
-            <a:r>
-              <a:rPr lang="en-US" dirty="0"/>
-              <a:t>function</a:t>
-            </a:r>
-          </a:p>
-          <a:p>
-            <a:endParaRPr lang="en-US" dirty="0"/>
-          </a:p>
-          <a:p>
-            <a:endParaRPr lang="en-US" dirty="0"/>
-          </a:p>
-          <a:p>
-            <a:endParaRPr lang="en-US" dirty="0"/>
-          </a:p>
-          <a:p>
-            <a:endParaRPr lang="en-US" dirty="0"/>
-          </a:p>
-          <a:p>
-            <a:endParaRPr lang="en-US" dirty="0"/>
-          </a:p>
-          <a:p>
-            <a:r>
-              <a:rPr lang="en-US" dirty="0">
-                <a:hlinkClick r:id="rId2"/>
-              </a:rPr>
-              <a:t>https://pandas.pydata.org/pandas-docs/stable/reference/api/pandas.DataFrame.apply.html</a:t>
-            </a:r>
-            <a:endParaRPr lang="en-US" dirty="0"/>
-          </a:p>
-          <a:p>
-            <a:r>
-              <a:rPr lang="en-US" dirty="0">
-                <a:hlinkClick r:id="rId3"/>
-              </a:rPr>
-              <a:t>https://pandas.pydata.org/pandas-docs/stable/reference/api/pandas.DataFrame.applymap.html</a:t>
-            </a:r>
-            <a:endParaRPr lang="en-US" dirty="0"/>
+              <a:t>What is it?</a:t>
+            </a:r>
+          </a:p>
+          <a:p>
+            <a:r>
+              <a:rPr lang="en-US" dirty="0"/>
+              <a:t>When is it used?</a:t>
+            </a:r>
+          </a:p>
+          <a:p>
+            <a:r>
+              <a:rPr lang="en-US" dirty="0"/>
+              <a:t>Python syntax:</a:t>
+            </a:r>
           </a:p>
           <a:p>
             <a:endParaRPr lang="en-US" dirty="0"/>
@@ -13137,7 +13182,7 @@
     </p:spTree>
     <p:extLst>
       <p:ext uri="{BB962C8B-B14F-4D97-AF65-F5344CB8AC3E}">
-        <p14:creationId xmlns:p14="http://schemas.microsoft.com/office/powerpoint/2010/main" val="2886212689"/>
+        <p14:creationId xmlns:p14="http://schemas.microsoft.com/office/powerpoint/2010/main" val="1446672483"/>
       </p:ext>
     </p:extLst>
   </p:cSld>
@@ -13210,43 +13255,76 @@
         </p:nvSpPr>
         <p:spPr/>
         <p:txBody>
-          <a:bodyPr/>
+          <a:bodyPr>
+            <a:normAutofit lnSpcReduction="10000"/>
+          </a:bodyPr>
           <a:lstStyle/>
           <a:p>
             <a:r>
               <a:rPr lang="en-US" dirty="0"/>
-              <a:t>Lambda functions</a:t>
-            </a:r>
-          </a:p>
-          <a:p>
-            <a:r>
-              <a:rPr lang="en-US" dirty="0"/>
-              <a:t>Reference: </a:t>
-            </a:r>
+              <a:t>The </a:t>
+            </a:r>
+            <a:r>
+              <a:rPr lang="en-US" b="1" dirty="0"/>
+              <a:t>apply</a:t>
+            </a:r>
+            <a:r>
+              <a:rPr lang="en-US" dirty="0"/>
+              <a:t> function</a:t>
+            </a:r>
+          </a:p>
+          <a:p>
+            <a:r>
+              <a:rPr lang="en-US" dirty="0"/>
+              <a:t>The</a:t>
+            </a:r>
+            <a:r>
+              <a:rPr lang="en-US" b="1" dirty="0"/>
+              <a:t> </a:t>
+            </a:r>
+            <a:r>
+              <a:rPr lang="en-US" b="1" dirty="0" err="1"/>
+              <a:t>applymap</a:t>
+            </a:r>
+            <a:r>
+              <a:rPr lang="en-US" b="1" dirty="0"/>
+              <a:t> </a:t>
+            </a:r>
+            <a:r>
+              <a:rPr lang="en-US" dirty="0"/>
+              <a:t>function</a:t>
+            </a:r>
+          </a:p>
+          <a:p>
+            <a:endParaRPr lang="en-US" dirty="0"/>
+          </a:p>
+          <a:p>
+            <a:endParaRPr lang="en-US" dirty="0"/>
+          </a:p>
+          <a:p>
+            <a:endParaRPr lang="en-US" dirty="0"/>
+          </a:p>
+          <a:p>
+            <a:endParaRPr lang="en-US" dirty="0"/>
+          </a:p>
+          <a:p>
+            <a:endParaRPr lang="en-US" dirty="0"/>
+          </a:p>
+          <a:p>
             <a:r>
               <a:rPr lang="en-US" dirty="0">
                 <a:hlinkClick r:id="rId2"/>
               </a:rPr>
-              <a:t>https://realpython.com/python-lambda/</a:t>
+              <a:t>https://pandas.pydata.org/pandas-docs/stable/reference/api/pandas.DataFrame.apply.html</a:t>
             </a:r>
             <a:endParaRPr lang="en-US" dirty="0"/>
           </a:p>
           <a:p>
-            <a:r>
-              <a:rPr lang="en-US" dirty="0"/>
-              <a:t>List Comprehension</a:t>
-            </a:r>
-          </a:p>
-          <a:p>
-            <a:r>
-              <a:rPr lang="en-US" dirty="0"/>
-              <a:t>Reference: </a:t>
-            </a:r>
             <a:r>
               <a:rPr lang="en-US" dirty="0">
                 <a:hlinkClick r:id="rId3"/>
               </a:rPr>
-              <a:t>https://docs.python.org/3/tutorial/datastructures.html</a:t>
+              <a:t>https://pandas.pydata.org/pandas-docs/stable/reference/api/pandas.DataFrame.applymap.html</a:t>
             </a:r>
             <a:endParaRPr lang="en-US" dirty="0"/>
           </a:p>
@@ -13258,7 +13336,7 @@
     </p:spTree>
     <p:extLst>
       <p:ext uri="{BB962C8B-B14F-4D97-AF65-F5344CB8AC3E}">
-        <p14:creationId xmlns:p14="http://schemas.microsoft.com/office/powerpoint/2010/main" val="1940170947"/>
+        <p14:creationId xmlns:p14="http://schemas.microsoft.com/office/powerpoint/2010/main" val="2886212689"/>
       </p:ext>
     </p:extLst>
   </p:cSld>
@@ -13308,7 +13386,7 @@
           <a:p>
             <a:r>
               <a:rPr lang="en-US" dirty="0"/>
-              <a:t>Data cleaning- imputation and null values</a:t>
+              <a:t>Custom functions to create new columns</a:t>
             </a:r>
           </a:p>
         </p:txBody>
@@ -13336,63 +13414,38 @@
           <a:p>
             <a:r>
               <a:rPr lang="en-US" dirty="0"/>
-              <a:t>Displaying null records: print(</a:t>
-            </a:r>
-            <a:r>
-              <a:rPr lang="en-US" dirty="0" err="1"/>
-              <a:t>dataset.isnull</a:t>
-            </a:r>
-            <a:r>
-              <a:rPr lang="en-US" dirty="0"/>
-              <a:t>().sum())</a:t>
-            </a:r>
-          </a:p>
-          <a:p>
-            <a:r>
-              <a:rPr lang="en-US" dirty="0"/>
-              <a:t>The </a:t>
-            </a:r>
-            <a:r>
-              <a:rPr lang="en-US" b="1" dirty="0" err="1"/>
-              <a:t>fillna</a:t>
-            </a:r>
-            <a:r>
-              <a:rPr lang="en-US" dirty="0"/>
-              <a:t> method</a:t>
-            </a:r>
-          </a:p>
-          <a:p>
-            <a:r>
-              <a:rPr lang="en-US" dirty="0"/>
-              <a:t>The </a:t>
-            </a:r>
-            <a:r>
-              <a:rPr lang="en-US" b="1" dirty="0"/>
-              <a:t>replace</a:t>
-            </a:r>
-            <a:r>
-              <a:rPr lang="en-US" dirty="0"/>
-              <a:t> method</a:t>
-            </a:r>
-          </a:p>
-          <a:p>
-            <a:r>
-              <a:rPr lang="en-US" dirty="0"/>
-              <a:t>The </a:t>
-            </a:r>
-            <a:r>
-              <a:rPr lang="en-US" b="1" dirty="0" err="1"/>
-              <a:t>dropna</a:t>
-            </a:r>
-            <a:r>
-              <a:rPr lang="en-US" dirty="0"/>
-              <a:t> method: </a:t>
+              <a:t>Lambda functions</a:t>
+            </a:r>
+          </a:p>
+          <a:p>
+            <a:r>
+              <a:rPr lang="en-US" dirty="0"/>
+              <a:t>Reference: </a:t>
             </a:r>
             <a:r>
               <a:rPr lang="en-US" dirty="0">
                 <a:hlinkClick r:id="rId2"/>
               </a:rPr>
-              <a:t>https://machinelearningmastery.com/handle-missing-data-python/</a:t>
+              <a:t>https://realpython.com/python-lambda/</a:t>
+            </a:r>
+            <a:endParaRPr lang="en-US" dirty="0"/>
+          </a:p>
+          <a:p>
+            <a:r>
+              <a:rPr lang="en-US" dirty="0"/>
+              <a:t>List Comprehension</a:t>
+            </a:r>
+          </a:p>
+          <a:p>
+            <a:r>
+              <a:rPr lang="en-US" dirty="0"/>
+              <a:t>Reference: </a:t>
+            </a:r>
+            <a:r>
+              <a:rPr lang="en-US" dirty="0">
+                <a:hlinkClick r:id="rId3"/>
+              </a:rPr>
+              <a:t>https://docs.python.org/3/tutorial/datastructures.html</a:t>
             </a:r>
             <a:endParaRPr lang="en-US" dirty="0"/>
           </a:p>
@@ -13404,7 +13457,7 @@
     </p:spTree>
     <p:extLst>
       <p:ext uri="{BB962C8B-B14F-4D97-AF65-F5344CB8AC3E}">
-        <p14:creationId xmlns:p14="http://schemas.microsoft.com/office/powerpoint/2010/main" val="1397306951"/>
+        <p14:creationId xmlns:p14="http://schemas.microsoft.com/office/powerpoint/2010/main" val="1940170947"/>
       </p:ext>
     </p:extLst>
   </p:cSld>
@@ -13482,30 +13535,65 @@
           <a:p>
             <a:r>
               <a:rPr lang="en-US" dirty="0"/>
-              <a:t>Mean imputation with </a:t>
+              <a:t>Displaying null records: print(</a:t>
             </a:r>
             <a:r>
               <a:rPr lang="en-US" dirty="0" err="1"/>
-              <a:t>sklearn</a:t>
-            </a:r>
-            <a:r>
-              <a:rPr lang="en-US" dirty="0"/>
-              <a:t> impute transform</a:t>
-            </a:r>
-          </a:p>
-          <a:p>
-            <a:r>
-              <a:rPr lang="en-US" dirty="0"/>
-              <a:t>Median imputation with </a:t>
-            </a:r>
-            <a:r>
-              <a:rPr lang="en-US" dirty="0" err="1"/>
-              <a:t>sklearn</a:t>
-            </a:r>
-            <a:r>
-              <a:rPr lang="en-US" dirty="0"/>
-              <a:t> impute transform</a:t>
-            </a:r>
+              <a:t>dataset.isnull</a:t>
+            </a:r>
+            <a:r>
+              <a:rPr lang="en-US" dirty="0"/>
+              <a:t>().sum())</a:t>
+            </a:r>
+          </a:p>
+          <a:p>
+            <a:r>
+              <a:rPr lang="en-US" dirty="0"/>
+              <a:t>The </a:t>
+            </a:r>
+            <a:r>
+              <a:rPr lang="en-US" b="1" dirty="0" err="1"/>
+              <a:t>fillna</a:t>
+            </a:r>
+            <a:r>
+              <a:rPr lang="en-US" dirty="0"/>
+              <a:t> method</a:t>
+            </a:r>
+          </a:p>
+          <a:p>
+            <a:r>
+              <a:rPr lang="en-US" dirty="0"/>
+              <a:t>The </a:t>
+            </a:r>
+            <a:r>
+              <a:rPr lang="en-US" b="1" dirty="0"/>
+              <a:t>replace</a:t>
+            </a:r>
+            <a:r>
+              <a:rPr lang="en-US" dirty="0"/>
+              <a:t> method</a:t>
+            </a:r>
+          </a:p>
+          <a:p>
+            <a:r>
+              <a:rPr lang="en-US" dirty="0"/>
+              <a:t>The </a:t>
+            </a:r>
+            <a:r>
+              <a:rPr lang="en-US" b="1" dirty="0" err="1"/>
+              <a:t>dropna</a:t>
+            </a:r>
+            <a:r>
+              <a:rPr lang="en-US" dirty="0"/>
+              <a:t> method: </a:t>
+            </a:r>
+            <a:r>
+              <a:rPr lang="en-US" dirty="0">
+                <a:hlinkClick r:id="rId2"/>
+              </a:rPr>
+              <a:t>https://machinelearningmastery.com/handle-missing-data-python/</a:t>
+            </a:r>
+            <a:endParaRPr lang="en-US" dirty="0"/>
           </a:p>
           <a:p>
             <a:endParaRPr lang="en-US" dirty="0"/>
@@ -13515,7 +13603,7 @@
     </p:spTree>
     <p:extLst>
       <p:ext uri="{BB962C8B-B14F-4D97-AF65-F5344CB8AC3E}">
-        <p14:creationId xmlns:p14="http://schemas.microsoft.com/office/powerpoint/2010/main" val="1454460546"/>
+        <p14:creationId xmlns:p14="http://schemas.microsoft.com/office/powerpoint/2010/main" val="1397306951"/>
       </p:ext>
     </p:extLst>
   </p:cSld>
@@ -13565,7 +13653,7 @@
           <a:p>
             <a:r>
               <a:rPr lang="en-US" dirty="0"/>
-              <a:t>Begin transformation pipeline</a:t>
+              <a:t>Data cleaning- imputation and null values</a:t>
             </a:r>
           </a:p>
         </p:txBody>
@@ -13593,33 +13681,40 @@
           <a:p>
             <a:r>
               <a:rPr lang="en-US" dirty="0"/>
-              <a:t>Transformation pipelines</a:t>
-            </a:r>
-          </a:p>
-          <a:p>
-            <a:r>
-              <a:rPr lang="en-US" dirty="0"/>
-              <a:t>Best case scenario</a:t>
-            </a:r>
-          </a:p>
-          <a:p>
-            <a:r>
-              <a:rPr lang="en-US" dirty="0"/>
-              <a:t>What usually happens</a:t>
-            </a:r>
-          </a:p>
-          <a:p>
-            <a:r>
-              <a:rPr lang="en-US" dirty="0"/>
-              <a:t>Better than nothing</a:t>
-            </a:r>
+              <a:t>Mean imputation with </a:t>
+            </a:r>
+            <a:r>
+              <a:rPr lang="en-US" dirty="0" err="1"/>
+              <a:t>sklearn</a:t>
+            </a:r>
+            <a:r>
+              <a:rPr lang="en-US" dirty="0"/>
+              <a:t> impute transform</a:t>
+            </a:r>
+          </a:p>
+          <a:p>
+            <a:r>
+              <a:rPr lang="en-US" dirty="0"/>
+              <a:t>Median imputation with </a:t>
+            </a:r>
+            <a:r>
+              <a:rPr lang="en-US" dirty="0" err="1"/>
+              <a:t>sklearn</a:t>
+            </a:r>
+            <a:r>
+              <a:rPr lang="en-US" dirty="0"/>
+              <a:t> impute transform</a:t>
+            </a:r>
+          </a:p>
+          <a:p>
+            <a:endParaRPr lang="en-US" dirty="0"/>
           </a:p>
         </p:txBody>
       </p:sp>
     </p:spTree>
     <p:extLst>
       <p:ext uri="{BB962C8B-B14F-4D97-AF65-F5344CB8AC3E}">
-        <p14:creationId xmlns:p14="http://schemas.microsoft.com/office/powerpoint/2010/main" val="2143343497"/>
+        <p14:creationId xmlns:p14="http://schemas.microsoft.com/office/powerpoint/2010/main" val="1454460546"/>
       </p:ext>
     </p:extLst>
   </p:cSld>
@@ -13832,7 +13927,7 @@
           <p:cNvPr id="2" name="Title 1">
             <a:extLst>
               <a:ext uri="{FF2B5EF4-FFF2-40B4-BE49-F238E27FC236}">
-                <a16:creationId xmlns:a16="http://schemas.microsoft.com/office/drawing/2014/main" id="{37F47C21-4937-4FE1-BE59-56D978F65B8D}"/>
+                <a16:creationId xmlns:a16="http://schemas.microsoft.com/office/drawing/2014/main" id="{48B3797D-D25F-4519-BBBD-CA9CE8C6C2ED}"/>
               </a:ext>
             </a:extLst>
           </p:cNvPr>
@@ -13850,7 +13945,7 @@
           <a:p>
             <a:r>
               <a:rPr lang="en-US" dirty="0"/>
-              <a:t>Homework (Due March 11, 2020)</a:t>
+              <a:t>Begin transformation pipeline</a:t>
             </a:r>
           </a:p>
         </p:txBody>
@@ -13860,7 +13955,7 @@
           <p:cNvPr id="3" name="Content Placeholder 2">
             <a:extLst>
               <a:ext uri="{FF2B5EF4-FFF2-40B4-BE49-F238E27FC236}">
-                <a16:creationId xmlns:a16="http://schemas.microsoft.com/office/drawing/2014/main" id="{4BA640D3-C44B-4A6D-8102-C32143FBADEB}"/>
+                <a16:creationId xmlns:a16="http://schemas.microsoft.com/office/drawing/2014/main" id="{871D611E-F048-4388-BAFB-2958B0046040}"/>
               </a:ext>
             </a:extLst>
           </p:cNvPr>
@@ -13876,53 +13971,35 @@
           <a:bodyPr/>
           <a:lstStyle/>
           <a:p>
-            <a:pPr>
-              <a:buFont typeface="Arial" panose="020B0604020202020204" pitchFamily="34" charset="0"/>
-              <a:buChar char="•"/>
-            </a:pPr>
-            <a:r>
-              <a:rPr lang="en-US" dirty="0"/>
-              <a:t>Define a segment of code that accomplishes the tasks described (in Transform </a:t>
-            </a:r>
-            <a:r>
-              <a:rPr lang="en-US" dirty="0" err="1"/>
-              <a:t>Pipeline.ipynb</a:t>
-            </a:r>
-            <a:r>
-              <a:rPr lang="en-US" dirty="0"/>
-              <a:t>)</a:t>
-            </a:r>
-          </a:p>
-          <a:p>
-            <a:pPr>
-              <a:buFont typeface="Arial" panose="020B0604020202020204" pitchFamily="34" charset="0"/>
-              <a:buChar char="•"/>
-            </a:pPr>
-            <a:r>
-              <a:rPr lang="en-US" dirty="0"/>
-              <a:t>Finish EDA documentation in a Notebook using the markdown language and showcase a single visualization you feel is important</a:t>
-            </a:r>
-          </a:p>
-          <a:p>
-            <a:pPr>
-              <a:buFont typeface="Arial" panose="020B0604020202020204" pitchFamily="34" charset="0"/>
-              <a:buChar char="•"/>
-            </a:pPr>
-            <a:endParaRPr lang="en-US" dirty="0"/>
-          </a:p>
-          <a:p>
-            <a:pPr>
-              <a:buFont typeface="Arial" panose="020B0604020202020204" pitchFamily="34" charset="0"/>
-              <a:buChar char="•"/>
-            </a:pPr>
-            <a:endParaRPr lang="en-US" dirty="0"/>
+            <a:r>
+              <a:rPr lang="en-US" dirty="0"/>
+              <a:t>Transformation pipelines</a:t>
+            </a:r>
+          </a:p>
+          <a:p>
+            <a:r>
+              <a:rPr lang="en-US" dirty="0"/>
+              <a:t>Best case scenario</a:t>
+            </a:r>
+          </a:p>
+          <a:p>
+            <a:r>
+              <a:rPr lang="en-US" dirty="0"/>
+              <a:t>What usually happens</a:t>
+            </a:r>
+          </a:p>
+          <a:p>
+            <a:r>
+              <a:rPr lang="en-US" dirty="0"/>
+              <a:t>Better than nothing</a:t>
+            </a:r>
           </a:p>
         </p:txBody>
       </p:sp>
     </p:spTree>
     <p:extLst>
       <p:ext uri="{BB962C8B-B14F-4D97-AF65-F5344CB8AC3E}">
-        <p14:creationId xmlns:p14="http://schemas.microsoft.com/office/powerpoint/2010/main" val="2906621544"/>
+        <p14:creationId xmlns:p14="http://schemas.microsoft.com/office/powerpoint/2010/main" val="2143343497"/>
       </p:ext>
     </p:extLst>
   </p:cSld>
@@ -13954,7 +14031,7 @@
           <p:cNvPr id="2" name="Title 1">
             <a:extLst>
               <a:ext uri="{FF2B5EF4-FFF2-40B4-BE49-F238E27FC236}">
-                <a16:creationId xmlns:a16="http://schemas.microsoft.com/office/drawing/2014/main" id="{AD2860B2-7C83-4A55-8E7E-7A4B069D4A7E}"/>
+                <a16:creationId xmlns:a16="http://schemas.microsoft.com/office/drawing/2014/main" id="{37F47C21-4937-4FE1-BE59-56D978F65B8D}"/>
               </a:ext>
             </a:extLst>
           </p:cNvPr>
@@ -13972,17 +14049,17 @@
           <a:p>
             <a:r>
               <a:rPr lang="en-US" dirty="0"/>
-              <a:t>Week 4</a:t>
-            </a:r>
-          </a:p>
-        </p:txBody>
-      </p:sp>
-      <p:sp>
-        <p:nvSpPr>
-          <p:cNvPr id="3" name="Text Placeholder 2">
+              <a:t>Homework (Due March 11, 2020)</a:t>
+            </a:r>
+          </a:p>
+        </p:txBody>
+      </p:sp>
+      <p:sp>
+        <p:nvSpPr>
+          <p:cNvPr id="3" name="Content Placeholder 2">
             <a:extLst>
               <a:ext uri="{FF2B5EF4-FFF2-40B4-BE49-F238E27FC236}">
-                <a16:creationId xmlns:a16="http://schemas.microsoft.com/office/drawing/2014/main" id="{274FDD8D-BBB7-47AC-AD7F-DF359A4A9736}"/>
+                <a16:creationId xmlns:a16="http://schemas.microsoft.com/office/drawing/2014/main" id="{4BA640D3-C44B-4A6D-8102-C32143FBADEB}"/>
               </a:ext>
             </a:extLst>
           </p:cNvPr>
@@ -13990,7 +14067,7 @@
             <a:spLocks noGrp="1"/>
           </p:cNvSpPr>
           <p:nvPr>
-            <p:ph type="body" idx="1"/>
+            <p:ph idx="1"/>
           </p:nvPr>
         </p:nvSpPr>
         <p:spPr/>
@@ -13998,12 +14075,45 @@
           <a:bodyPr/>
           <a:lstStyle/>
           <a:p>
-            <a:r>
-              <a:rPr lang="en-US" dirty="0"/>
-              <a:t>Date: March 11, 2020 </a:t>
-            </a:r>
-          </a:p>
-          <a:p>
+            <a:pPr>
+              <a:buFont typeface="Arial" panose="020B0604020202020204" pitchFamily="34" charset="0"/>
+              <a:buChar char="•"/>
+            </a:pPr>
+            <a:r>
+              <a:rPr lang="en-US" dirty="0"/>
+              <a:t>Define a segment of code that accomplishes the tasks described (in Transform </a:t>
+            </a:r>
+            <a:r>
+              <a:rPr lang="en-US" dirty="0" err="1"/>
+              <a:t>Pipeline.ipynb</a:t>
+            </a:r>
+            <a:r>
+              <a:rPr lang="en-US" dirty="0"/>
+              <a:t>)</a:t>
+            </a:r>
+          </a:p>
+          <a:p>
+            <a:pPr>
+              <a:buFont typeface="Arial" panose="020B0604020202020204" pitchFamily="34" charset="0"/>
+              <a:buChar char="•"/>
+            </a:pPr>
+            <a:r>
+              <a:rPr lang="en-US" dirty="0"/>
+              <a:t>Finish EDA documentation in a Notebook using the markdown language and showcase a single visualization you feel is important</a:t>
+            </a:r>
+          </a:p>
+          <a:p>
+            <a:pPr>
+              <a:buFont typeface="Arial" panose="020B0604020202020204" pitchFamily="34" charset="0"/>
+              <a:buChar char="•"/>
+            </a:pPr>
+            <a:endParaRPr lang="en-US" dirty="0"/>
+          </a:p>
+          <a:p>
+            <a:pPr>
+              <a:buFont typeface="Arial" panose="020B0604020202020204" pitchFamily="34" charset="0"/>
+              <a:buChar char="•"/>
+            </a:pPr>
             <a:endParaRPr lang="en-US" dirty="0"/>
           </a:p>
         </p:txBody>
@@ -14011,7 +14121,7 @@
     </p:spTree>
     <p:extLst>
       <p:ext uri="{BB962C8B-B14F-4D97-AF65-F5344CB8AC3E}">
-        <p14:creationId xmlns:p14="http://schemas.microsoft.com/office/powerpoint/2010/main" val="896067087"/>
+        <p14:creationId xmlns:p14="http://schemas.microsoft.com/office/powerpoint/2010/main" val="2906621544"/>
       </p:ext>
     </p:extLst>
   </p:cSld>
@@ -14043,7 +14153,7 @@
           <p:cNvPr id="2" name="Title 1">
             <a:extLst>
               <a:ext uri="{FF2B5EF4-FFF2-40B4-BE49-F238E27FC236}">
-                <a16:creationId xmlns:a16="http://schemas.microsoft.com/office/drawing/2014/main" id="{7289EF6B-8AB6-4186-AF09-0D50FE1BB9FD}"/>
+                <a16:creationId xmlns:a16="http://schemas.microsoft.com/office/drawing/2014/main" id="{AD2860B2-7C83-4A55-8E7E-7A4B069D4A7E}"/>
               </a:ext>
             </a:extLst>
           </p:cNvPr>
@@ -14061,17 +14171,17 @@
           <a:p>
             <a:r>
               <a:rPr lang="en-US" dirty="0"/>
-              <a:t>Overview</a:t>
-            </a:r>
-          </a:p>
-        </p:txBody>
-      </p:sp>
-      <p:sp>
-        <p:nvSpPr>
-          <p:cNvPr id="3" name="Content Placeholder 2">
+              <a:t>Week 4</a:t>
+            </a:r>
+          </a:p>
+        </p:txBody>
+      </p:sp>
+      <p:sp>
+        <p:nvSpPr>
+          <p:cNvPr id="3" name="Text Placeholder 2">
             <a:extLst>
               <a:ext uri="{FF2B5EF4-FFF2-40B4-BE49-F238E27FC236}">
-                <a16:creationId xmlns:a16="http://schemas.microsoft.com/office/drawing/2014/main" id="{E8A26BB2-24A8-43EF-9A59-9E9533F17D85}"/>
+                <a16:creationId xmlns:a16="http://schemas.microsoft.com/office/drawing/2014/main" id="{274FDD8D-BBB7-47AC-AD7F-DF359A4A9736}"/>
               </a:ext>
             </a:extLst>
           </p:cNvPr>
@@ -14079,7 +14189,7 @@
             <a:spLocks noGrp="1"/>
           </p:cNvSpPr>
           <p:nvPr>
-            <p:ph idx="1"/>
+            <p:ph type="body" idx="1"/>
           </p:nvPr>
         </p:nvSpPr>
         <p:spPr/>
@@ -14089,35 +14199,8 @@
           <a:p>
             <a:r>
               <a:rPr lang="en-US" dirty="0"/>
-              <a:t>Machine learning introduction – Unsupervised versus Supervised</a:t>
-            </a:r>
-          </a:p>
-          <a:p>
-            <a:r>
-              <a:rPr lang="en-US" dirty="0"/>
-              <a:t>Classification type problems (overview)</a:t>
-            </a:r>
-          </a:p>
-          <a:p>
-            <a:r>
-              <a:rPr lang="en-US" dirty="0"/>
-              <a:t>Regression type problems</a:t>
-            </a:r>
-          </a:p>
-          <a:p>
-            <a:r>
-              <a:rPr lang="en-US" dirty="0"/>
-              <a:t>Ordinary least squares</a:t>
-            </a:r>
-          </a:p>
-          <a:p>
-            <a:r>
-              <a:rPr lang="en-US" dirty="0"/>
-              <a:t>Log transformation</a:t>
-            </a:r>
-          </a:p>
-          <a:p>
-            <a:endParaRPr lang="en-US" dirty="0"/>
+              <a:t>Date: March 11, 2020 </a:t>
+            </a:r>
           </a:p>
           <a:p>
             <a:endParaRPr lang="en-US" dirty="0"/>
@@ -14127,7 +14210,7 @@
     </p:spTree>
     <p:extLst>
       <p:ext uri="{BB962C8B-B14F-4D97-AF65-F5344CB8AC3E}">
-        <p14:creationId xmlns:p14="http://schemas.microsoft.com/office/powerpoint/2010/main" val="3448734590"/>
+        <p14:creationId xmlns:p14="http://schemas.microsoft.com/office/powerpoint/2010/main" val="896067087"/>
       </p:ext>
     </p:extLst>
   </p:cSld>
@@ -14159,7 +14242,7 @@
           <p:cNvPr id="2" name="Title 1">
             <a:extLst>
               <a:ext uri="{FF2B5EF4-FFF2-40B4-BE49-F238E27FC236}">
-                <a16:creationId xmlns:a16="http://schemas.microsoft.com/office/drawing/2014/main" id="{CDB09B07-304D-444A-816B-22C15ED48490}"/>
+                <a16:creationId xmlns:a16="http://schemas.microsoft.com/office/drawing/2014/main" id="{7289EF6B-8AB6-4186-AF09-0D50FE1BB9FD}"/>
               </a:ext>
             </a:extLst>
           </p:cNvPr>
@@ -14177,56 +14260,25 @@
           <a:p>
             <a:r>
               <a:rPr lang="en-US" dirty="0"/>
-              <a:t>What is Machine Learning?</a:t>
-            </a:r>
-          </a:p>
-        </p:txBody>
-      </p:sp>
-      <p:graphicFrame>
-        <p:nvGraphicFramePr>
-          <p:cNvPr id="4" name="Content Placeholder 3">
+              <a:t>Overview</a:t>
+            </a:r>
+          </a:p>
+        </p:txBody>
+      </p:sp>
+      <p:sp>
+        <p:nvSpPr>
+          <p:cNvPr id="3" name="Content Placeholder 2">
             <a:extLst>
               <a:ext uri="{FF2B5EF4-FFF2-40B4-BE49-F238E27FC236}">
-                <a16:creationId xmlns:a16="http://schemas.microsoft.com/office/drawing/2014/main" id="{ADE1C9CB-FD92-49DB-A81B-6BAB4C3EFDA3}"/>
+                <a16:creationId xmlns:a16="http://schemas.microsoft.com/office/drawing/2014/main" id="{E8A26BB2-24A8-43EF-9A59-9E9533F17D85}"/>
               </a:ext>
             </a:extLst>
           </p:cNvPr>
-          <p:cNvGraphicFramePr>
-            <a:graphicFrameLocks noGrp="1"/>
-          </p:cNvGraphicFramePr>
-          <p:nvPr>
-            <p:ph sz="half" idx="1"/>
-            <p:extLst>
-              <p:ext uri="{D42A27DB-BD31-4B8C-83A1-F6EECF244321}">
-                <p14:modId xmlns:p14="http://schemas.microsoft.com/office/powerpoint/2010/main" val="4086841365"/>
-              </p:ext>
-            </p:extLst>
-          </p:nvPr>
-        </p:nvGraphicFramePr>
-        <p:xfrm>
-          <a:off x="1096963" y="1846263"/>
-          <a:ext cx="4938712" cy="4022725"/>
-        </p:xfrm>
-        <a:graphic>
-          <a:graphicData uri="http://schemas.openxmlformats.org/drawingml/2006/diagram">
-            <dgm:relIds xmlns:dgm="http://schemas.openxmlformats.org/drawingml/2006/diagram" xmlns:r="http://schemas.openxmlformats.org/officeDocument/2006/relationships" r:dm="rId2" r:lo="rId3" r:qs="rId4" r:cs="rId5"/>
-          </a:graphicData>
-        </a:graphic>
-      </p:graphicFrame>
-      <p:sp>
-        <p:nvSpPr>
-          <p:cNvPr id="5" name="Content Placeholder 4">
-            <a:extLst>
-              <a:ext uri="{FF2B5EF4-FFF2-40B4-BE49-F238E27FC236}">
-                <a16:creationId xmlns:a16="http://schemas.microsoft.com/office/drawing/2014/main" id="{62743E33-D299-4835-B31A-85267056BEB8}"/>
-              </a:ext>
-            </a:extLst>
-          </p:cNvPr>
-          <p:cNvSpPr>
-            <a:spLocks noGrp="1"/>
-          </p:cNvSpPr>
-          <p:nvPr>
-            <p:ph sz="half" idx="2"/>
+          <p:cNvSpPr>
+            <a:spLocks noGrp="1"/>
+          </p:cNvSpPr>
+          <p:nvPr>
+            <p:ph idx="1"/>
           </p:nvPr>
         </p:nvSpPr>
         <p:spPr/>
@@ -14236,27 +14288,45 @@
           <a:p>
             <a:r>
               <a:rPr lang="en-US" dirty="0"/>
-              <a:t>Artificial Intelligence (AI): A computer and data driven solution that performs a talk that usually takes the intelligence of a human to complete.</a:t>
-            </a:r>
-          </a:p>
-          <a:p>
-            <a:r>
-              <a:rPr lang="en-US" dirty="0"/>
-              <a:t>Machine Learning: A computer’s (machine’s) ability to learn patterns from data that allow it to complete a specific task.</a:t>
-            </a:r>
-          </a:p>
-          <a:p>
-            <a:r>
-              <a:rPr lang="en-US" dirty="0"/>
-              <a:t>Deep Learning: A subset of machine learning that uses techniques that mimic the actions of a human brain.</a:t>
-            </a:r>
+              <a:t>Machine learning introduction – Unsupervised versus Supervised</a:t>
+            </a:r>
+          </a:p>
+          <a:p>
+            <a:r>
+              <a:rPr lang="en-US" dirty="0"/>
+              <a:t>Classification type problems (overview)</a:t>
+            </a:r>
+          </a:p>
+          <a:p>
+            <a:r>
+              <a:rPr lang="en-US" dirty="0"/>
+              <a:t>Regression type problems</a:t>
+            </a:r>
+          </a:p>
+          <a:p>
+            <a:r>
+              <a:rPr lang="en-US" dirty="0"/>
+              <a:t>Ordinary least squares</a:t>
+            </a:r>
+          </a:p>
+          <a:p>
+            <a:r>
+              <a:rPr lang="en-US" dirty="0"/>
+              <a:t>Log transformation</a:t>
+            </a:r>
+          </a:p>
+          <a:p>
+            <a:endParaRPr lang="en-US" dirty="0"/>
+          </a:p>
+          <a:p>
+            <a:endParaRPr lang="en-US" dirty="0"/>
           </a:p>
         </p:txBody>
       </p:sp>
     </p:spTree>
     <p:extLst>
       <p:ext uri="{BB962C8B-B14F-4D97-AF65-F5344CB8AC3E}">
-        <p14:creationId xmlns:p14="http://schemas.microsoft.com/office/powerpoint/2010/main" val="2152180907"/>
+        <p14:creationId xmlns:p14="http://schemas.microsoft.com/office/powerpoint/2010/main" val="3448734590"/>
       </p:ext>
     </p:extLst>
   </p:cSld>
@@ -14288,7 +14358,7 @@
           <p:cNvPr id="2" name="Title 1">
             <a:extLst>
               <a:ext uri="{FF2B5EF4-FFF2-40B4-BE49-F238E27FC236}">
-                <a16:creationId xmlns:a16="http://schemas.microsoft.com/office/drawing/2014/main" id="{80B1887C-D564-4E92-A6E2-6992EE55FB46}"/>
+                <a16:creationId xmlns:a16="http://schemas.microsoft.com/office/drawing/2014/main" id="{CDB09B07-304D-444A-816B-22C15ED48490}"/>
               </a:ext>
             </a:extLst>
           </p:cNvPr>
@@ -14301,52 +14371,53 @@
         </p:nvSpPr>
         <p:spPr/>
         <p:txBody>
-          <a:bodyPr>
-            <a:normAutofit/>
-          </a:bodyPr>
+          <a:bodyPr/>
           <a:lstStyle/>
           <a:p>
             <a:r>
               <a:rPr lang="en-US" dirty="0"/>
-              <a:t>Unsupervised versus Supervised Learning</a:t>
-            </a:r>
-          </a:p>
-        </p:txBody>
-      </p:sp>
-      <p:sp>
-        <p:nvSpPr>
-          <p:cNvPr id="4" name="Text Placeholder 3">
+              <a:t>What is Machine Learning?</a:t>
+            </a:r>
+          </a:p>
+        </p:txBody>
+      </p:sp>
+      <p:graphicFrame>
+        <p:nvGraphicFramePr>
+          <p:cNvPr id="4" name="Content Placeholder 3">
             <a:extLst>
               <a:ext uri="{FF2B5EF4-FFF2-40B4-BE49-F238E27FC236}">
-                <a16:creationId xmlns:a16="http://schemas.microsoft.com/office/drawing/2014/main" id="{A53ABA73-CB48-4C5F-B569-55A7FFB478C9}"/>
+                <a16:creationId xmlns:a16="http://schemas.microsoft.com/office/drawing/2014/main" id="{ADE1C9CB-FD92-49DB-A81B-6BAB4C3EFDA3}"/>
               </a:ext>
             </a:extLst>
           </p:cNvPr>
-          <p:cNvSpPr>
-            <a:spLocks noGrp="1"/>
-          </p:cNvSpPr>
-          <p:nvPr>
-            <p:ph type="body" idx="1"/>
-          </p:nvPr>
-        </p:nvSpPr>
-        <p:spPr/>
-        <p:txBody>
-          <a:bodyPr/>
-          <a:lstStyle/>
-          <a:p>
-            <a:r>
-              <a:rPr lang="en-US" dirty="0"/>
-              <a:t>Unsupervised</a:t>
-            </a:r>
-          </a:p>
-        </p:txBody>
-      </p:sp>
+          <p:cNvGraphicFramePr>
+            <a:graphicFrameLocks noGrp="1"/>
+          </p:cNvGraphicFramePr>
+          <p:nvPr>
+            <p:ph sz="half" idx="1"/>
+            <p:extLst>
+              <p:ext uri="{D42A27DB-BD31-4B8C-83A1-F6EECF244321}">
+                <p14:modId xmlns:p14="http://schemas.microsoft.com/office/powerpoint/2010/main" val="4086841365"/>
+              </p:ext>
+            </p:extLst>
+          </p:nvPr>
+        </p:nvGraphicFramePr>
+        <p:xfrm>
+          <a:off x="1096963" y="1846263"/>
+          <a:ext cx="4938712" cy="4022725"/>
+        </p:xfrm>
+        <a:graphic>
+          <a:graphicData uri="http://schemas.openxmlformats.org/drawingml/2006/diagram">
+            <dgm:relIds xmlns:dgm="http://schemas.openxmlformats.org/drawingml/2006/diagram" xmlns:r="http://schemas.openxmlformats.org/officeDocument/2006/relationships" r:dm="rId2" r:lo="rId3" r:qs="rId4" r:cs="rId5"/>
+          </a:graphicData>
+        </a:graphic>
+      </p:graphicFrame>
       <p:sp>
         <p:nvSpPr>
           <p:cNvPr id="5" name="Content Placeholder 4">
             <a:extLst>
               <a:ext uri="{FF2B5EF4-FFF2-40B4-BE49-F238E27FC236}">
-                <a16:creationId xmlns:a16="http://schemas.microsoft.com/office/drawing/2014/main" id="{124D30D5-5E69-42C0-B6DD-2B5C1DC96A6B}"/>
+                <a16:creationId xmlns:a16="http://schemas.microsoft.com/office/drawing/2014/main" id="{62743E33-D299-4835-B31A-85267056BEB8}"/>
               </a:ext>
             </a:extLst>
           </p:cNvPr>
@@ -14362,169 +14433,21 @@
           <a:bodyPr/>
           <a:lstStyle/>
           <a:p>
-            <a:pPr marL="0" indent="0">
-              <a:buNone/>
-            </a:pPr>
-            <a:r>
-              <a:rPr lang="en-US" dirty="0"/>
-              <a:t>Analytics and machine learning techniques that look for patterns in data without a target.</a:t>
-            </a:r>
-          </a:p>
-          <a:p>
-            <a:pPr marL="0" indent="0">
-              <a:buNone/>
-            </a:pPr>
-            <a:r>
-              <a:rPr lang="en-US" dirty="0"/>
-              <a:t>Examples:</a:t>
-            </a:r>
-          </a:p>
-          <a:p>
-            <a:pPr>
-              <a:buFont typeface="Arial" panose="020B0604020202020204" pitchFamily="34" charset="0"/>
-              <a:buChar char="•"/>
-            </a:pPr>
-            <a:r>
-              <a:rPr lang="en-US" dirty="0"/>
-              <a:t>K-means clustering</a:t>
-            </a:r>
-          </a:p>
-          <a:p>
-            <a:pPr>
-              <a:buFont typeface="Arial" panose="020B0604020202020204" pitchFamily="34" charset="0"/>
-              <a:buChar char="•"/>
-            </a:pPr>
-            <a:r>
-              <a:rPr lang="en-US" dirty="0"/>
-              <a:t>KNN</a:t>
-            </a:r>
-          </a:p>
-          <a:p>
-            <a:pPr>
-              <a:buFont typeface="Arial" panose="020B0604020202020204" pitchFamily="34" charset="0"/>
-              <a:buChar char="•"/>
-            </a:pPr>
-            <a:r>
-              <a:rPr lang="en-US" dirty="0"/>
-              <a:t>Principal components analysis</a:t>
-            </a:r>
-          </a:p>
-          <a:p>
-            <a:pPr marL="0" indent="0">
-              <a:buNone/>
-            </a:pPr>
-            <a:endParaRPr lang="en-US" dirty="0"/>
-          </a:p>
-          <a:p>
-            <a:pPr marL="0" indent="0">
-              <a:buNone/>
-            </a:pPr>
-            <a:endParaRPr lang="en-US" dirty="0"/>
-          </a:p>
-        </p:txBody>
-      </p:sp>
-      <p:sp>
-        <p:nvSpPr>
-          <p:cNvPr id="6" name="Text Placeholder 5">
-            <a:extLst>
-              <a:ext uri="{FF2B5EF4-FFF2-40B4-BE49-F238E27FC236}">
-                <a16:creationId xmlns:a16="http://schemas.microsoft.com/office/drawing/2014/main" id="{C0ECE3F4-A11B-4BB6-A4A2-D441B992440F}"/>
-              </a:ext>
-            </a:extLst>
-          </p:cNvPr>
-          <p:cNvSpPr>
-            <a:spLocks noGrp="1"/>
-          </p:cNvSpPr>
-          <p:nvPr>
-            <p:ph type="body" sz="quarter" idx="3"/>
-          </p:nvPr>
-        </p:nvSpPr>
-        <p:spPr/>
-        <p:txBody>
-          <a:bodyPr/>
-          <a:lstStyle/>
-          <a:p>
-            <a:r>
-              <a:rPr lang="en-US" dirty="0"/>
-              <a:t>supervised</a:t>
-            </a:r>
-          </a:p>
-        </p:txBody>
-      </p:sp>
-      <p:sp>
-        <p:nvSpPr>
-          <p:cNvPr id="7" name="Content Placeholder 6">
-            <a:extLst>
-              <a:ext uri="{FF2B5EF4-FFF2-40B4-BE49-F238E27FC236}">
-                <a16:creationId xmlns:a16="http://schemas.microsoft.com/office/drawing/2014/main" id="{90B44E02-DF1E-441A-8F16-7A1ABB36C257}"/>
-              </a:ext>
-            </a:extLst>
-          </p:cNvPr>
-          <p:cNvSpPr>
-            <a:spLocks noGrp="1"/>
-          </p:cNvSpPr>
-          <p:nvPr>
-            <p:ph sz="quarter" idx="4"/>
-          </p:nvPr>
-        </p:nvSpPr>
-        <p:spPr/>
-        <p:txBody>
-          <a:bodyPr/>
-          <a:lstStyle/>
-          <a:p>
-            <a:r>
-              <a:rPr lang="en-US" dirty="0"/>
-              <a:t>Machine learning techniques that look for patterns in data that best explain a target.</a:t>
-            </a:r>
-          </a:p>
-          <a:p>
-            <a:r>
-              <a:rPr lang="en-US" dirty="0"/>
-              <a:t>Examples:</a:t>
-            </a:r>
-          </a:p>
-          <a:p>
-            <a:pPr>
-              <a:buFont typeface="Arial" panose="020B0604020202020204" pitchFamily="34" charset="0"/>
-              <a:buChar char="•"/>
-            </a:pPr>
-            <a:r>
-              <a:rPr lang="en-US" dirty="0" err="1"/>
-              <a:t>Elasticnet</a:t>
-            </a:r>
-            <a:r>
-              <a:rPr lang="en-US" dirty="0"/>
-              <a:t> regression</a:t>
-            </a:r>
-          </a:p>
-          <a:p>
-            <a:pPr>
-              <a:buFont typeface="Arial" panose="020B0604020202020204" pitchFamily="34" charset="0"/>
-              <a:buChar char="•"/>
-            </a:pPr>
-            <a:r>
-              <a:rPr lang="en-US" dirty="0"/>
-              <a:t>Spline regression</a:t>
-            </a:r>
-          </a:p>
-          <a:p>
-            <a:pPr>
-              <a:buFont typeface="Arial" panose="020B0604020202020204" pitchFamily="34" charset="0"/>
-              <a:buChar char="•"/>
-            </a:pPr>
-            <a:r>
-              <a:rPr lang="en-US" dirty="0"/>
-              <a:t>Neural networks</a:t>
-            </a:r>
-          </a:p>
-          <a:p>
-            <a:pPr>
-              <a:buFont typeface="Arial" panose="020B0604020202020204" pitchFamily="34" charset="0"/>
-              <a:buChar char="•"/>
-            </a:pPr>
-            <a:r>
-              <a:rPr lang="en-US" dirty="0"/>
-              <a:t>Random Forest Classifiers</a:t>
+            <a:r>
+              <a:rPr lang="en-US" dirty="0"/>
+              <a:t>Artificial Intelligence (AI): A computer and data driven solution that performs a talk that usually takes the intelligence of a human to complete.</a:t>
+            </a:r>
+          </a:p>
+          <a:p>
+            <a:r>
+              <a:rPr lang="en-US" dirty="0"/>
+              <a:t>Machine Learning: A computer’s (machine’s) ability to learn patterns from data that allow it to complete a specific task.</a:t>
+            </a:r>
+          </a:p>
+          <a:p>
+            <a:r>
+              <a:rPr lang="en-US" dirty="0"/>
+              <a:t>Deep Learning: A subset of machine learning that uses techniques that mimic the actions of a human brain.</a:t>
             </a:r>
           </a:p>
         </p:txBody>
@@ -14532,7 +14455,7 @@
     </p:spTree>
     <p:extLst>
       <p:ext uri="{BB962C8B-B14F-4D97-AF65-F5344CB8AC3E}">
-        <p14:creationId xmlns:p14="http://schemas.microsoft.com/office/powerpoint/2010/main" val="639860742"/>
+        <p14:creationId xmlns:p14="http://schemas.microsoft.com/office/powerpoint/2010/main" val="2152180907"/>
       </p:ext>
     </p:extLst>
   </p:cSld>
@@ -14564,7 +14487,7 @@
           <p:cNvPr id="2" name="Title 1">
             <a:extLst>
               <a:ext uri="{FF2B5EF4-FFF2-40B4-BE49-F238E27FC236}">
-                <a16:creationId xmlns:a16="http://schemas.microsoft.com/office/drawing/2014/main" id="{1E6EECE1-4016-4AF2-8028-91070003901D}"/>
+                <a16:creationId xmlns:a16="http://schemas.microsoft.com/office/drawing/2014/main" id="{80B1887C-D564-4E92-A6E2-6992EE55FB46}"/>
               </a:ext>
             </a:extLst>
           </p:cNvPr>
@@ -14577,22 +14500,24 @@
         </p:nvSpPr>
         <p:spPr/>
         <p:txBody>
-          <a:bodyPr/>
+          <a:bodyPr>
+            <a:normAutofit/>
+          </a:bodyPr>
           <a:lstStyle/>
           <a:p>
             <a:r>
               <a:rPr lang="en-US" dirty="0"/>
-              <a:t>Classification Type Problems (Overview)</a:t>
-            </a:r>
-          </a:p>
-        </p:txBody>
-      </p:sp>
-      <p:sp>
-        <p:nvSpPr>
-          <p:cNvPr id="4" name="Content Placeholder 3">
+              <a:t>Unsupervised versus Supervised Learning</a:t>
+            </a:r>
+          </a:p>
+        </p:txBody>
+      </p:sp>
+      <p:sp>
+        <p:nvSpPr>
+          <p:cNvPr id="4" name="Text Placeholder 3">
             <a:extLst>
               <a:ext uri="{FF2B5EF4-FFF2-40B4-BE49-F238E27FC236}">
-                <a16:creationId xmlns:a16="http://schemas.microsoft.com/office/drawing/2014/main" id="{63F16612-D04C-46BE-A11D-5258D510C8D0}"/>
+                <a16:creationId xmlns:a16="http://schemas.microsoft.com/office/drawing/2014/main" id="{A53ABA73-CB48-4C5F-B569-55A7FFB478C9}"/>
               </a:ext>
             </a:extLst>
           </p:cNvPr>
@@ -14600,15 +14525,59 @@
             <a:spLocks noGrp="1"/>
           </p:cNvSpPr>
           <p:nvPr>
-            <p:ph sz="half" idx="1"/>
+            <p:ph type="body" idx="1"/>
           </p:nvPr>
         </p:nvSpPr>
         <p:spPr/>
         <p:txBody>
-          <a:bodyPr>
-            <a:normAutofit lnSpcReduction="10000"/>
-          </a:bodyPr>
+          <a:bodyPr/>
           <a:lstStyle/>
+          <a:p>
+            <a:r>
+              <a:rPr lang="en-US" dirty="0"/>
+              <a:t>Unsupervised</a:t>
+            </a:r>
+          </a:p>
+        </p:txBody>
+      </p:sp>
+      <p:sp>
+        <p:nvSpPr>
+          <p:cNvPr id="5" name="Content Placeholder 4">
+            <a:extLst>
+              <a:ext uri="{FF2B5EF4-FFF2-40B4-BE49-F238E27FC236}">
+                <a16:creationId xmlns:a16="http://schemas.microsoft.com/office/drawing/2014/main" id="{124D30D5-5E69-42C0-B6DD-2B5C1DC96A6B}"/>
+              </a:ext>
+            </a:extLst>
+          </p:cNvPr>
+          <p:cNvSpPr>
+            <a:spLocks noGrp="1"/>
+          </p:cNvSpPr>
+          <p:nvPr>
+            <p:ph sz="half" idx="2"/>
+          </p:nvPr>
+        </p:nvSpPr>
+        <p:spPr/>
+        <p:txBody>
+          <a:bodyPr/>
+          <a:lstStyle/>
+          <a:p>
+            <a:pPr marL="0" indent="0">
+              <a:buNone/>
+            </a:pPr>
+            <a:r>
+              <a:rPr lang="en-US" dirty="0"/>
+              <a:t>Analytics and machine learning techniques that look for patterns in data without a target.</a:t>
+            </a:r>
+          </a:p>
+          <a:p>
+            <a:pPr marL="0" indent="0">
+              <a:buNone/>
+            </a:pPr>
+            <a:r>
+              <a:rPr lang="en-US" dirty="0"/>
+              <a:t>Examples:</a:t>
+            </a:r>
+          </a:p>
           <a:p>
             <a:pPr>
               <a:buFont typeface="Arial" panose="020B0604020202020204" pitchFamily="34" charset="0"/>
@@ -14616,7 +14585,7 @@
             </a:pPr>
             <a:r>
               <a:rPr lang="en-US" dirty="0"/>
-              <a:t>Classification problems are supervised learning problems with a binary or multiclass target</a:t>
+              <a:t>K-means clustering</a:t>
             </a:r>
           </a:p>
           <a:p>
@@ -14626,7 +14595,7 @@
             </a:pPr>
             <a:r>
               <a:rPr lang="en-US" dirty="0"/>
-              <a:t>Think about predicting a 1 or 0</a:t>
+              <a:t>KNN</a:t>
             </a:r>
           </a:p>
           <a:p>
@@ -14636,7 +14605,75 @@
             </a:pPr>
             <a:r>
               <a:rPr lang="en-US" dirty="0"/>
-              <a:t>Think about predicting a 1, 2, 3, or 4</a:t>
+              <a:t>Principal components analysis</a:t>
+            </a:r>
+          </a:p>
+          <a:p>
+            <a:pPr marL="0" indent="0">
+              <a:buNone/>
+            </a:pPr>
+            <a:endParaRPr lang="en-US" dirty="0"/>
+          </a:p>
+          <a:p>
+            <a:pPr marL="0" indent="0">
+              <a:buNone/>
+            </a:pPr>
+            <a:endParaRPr lang="en-US" dirty="0"/>
+          </a:p>
+        </p:txBody>
+      </p:sp>
+      <p:sp>
+        <p:nvSpPr>
+          <p:cNvPr id="6" name="Text Placeholder 5">
+            <a:extLst>
+              <a:ext uri="{FF2B5EF4-FFF2-40B4-BE49-F238E27FC236}">
+                <a16:creationId xmlns:a16="http://schemas.microsoft.com/office/drawing/2014/main" id="{C0ECE3F4-A11B-4BB6-A4A2-D441B992440F}"/>
+              </a:ext>
+            </a:extLst>
+          </p:cNvPr>
+          <p:cNvSpPr>
+            <a:spLocks noGrp="1"/>
+          </p:cNvSpPr>
+          <p:nvPr>
+            <p:ph type="body" sz="quarter" idx="3"/>
+          </p:nvPr>
+        </p:nvSpPr>
+        <p:spPr/>
+        <p:txBody>
+          <a:bodyPr/>
+          <a:lstStyle/>
+          <a:p>
+            <a:r>
+              <a:rPr lang="en-US" dirty="0"/>
+              <a:t>supervised</a:t>
+            </a:r>
+          </a:p>
+        </p:txBody>
+      </p:sp>
+      <p:sp>
+        <p:nvSpPr>
+          <p:cNvPr id="7" name="Content Placeholder 6">
+            <a:extLst>
+              <a:ext uri="{FF2B5EF4-FFF2-40B4-BE49-F238E27FC236}">
+                <a16:creationId xmlns:a16="http://schemas.microsoft.com/office/drawing/2014/main" id="{90B44E02-DF1E-441A-8F16-7A1ABB36C257}"/>
+              </a:ext>
+            </a:extLst>
+          </p:cNvPr>
+          <p:cNvSpPr>
+            <a:spLocks noGrp="1"/>
+          </p:cNvSpPr>
+          <p:nvPr>
+            <p:ph sz="quarter" idx="4"/>
+          </p:nvPr>
+        </p:nvSpPr>
+        <p:spPr/>
+        <p:txBody>
+          <a:bodyPr/>
+          <a:lstStyle/>
+          <a:p>
+            <a:r>
+              <a:rPr lang="en-US" dirty="0"/>
+              <a:t>Machine learning techniques that look for patterns in data that best explain a target.</a:t>
             </a:r>
           </a:p>
           <a:p>
@@ -14651,8 +14688,12 @@
               <a:buChar char="•"/>
             </a:pPr>
             <a:r>
-              <a:rPr lang="en-US" dirty="0"/>
-              <a:t>How likely is a customer to churn (go to another company/stop buying)?</a:t>
+              <a:rPr lang="en-US" dirty="0" err="1"/>
+              <a:t>Elasticnet</a:t>
+            </a:r>
+            <a:r>
+              <a:rPr lang="en-US" dirty="0"/>
+              <a:t> regression</a:t>
             </a:r>
           </a:p>
           <a:p>
@@ -14662,7 +14703,7 @@
             </a:pPr>
             <a:r>
               <a:rPr lang="en-US" dirty="0"/>
-              <a:t>How likely is a customer to default on a loan?</a:t>
+              <a:t>Spline regression</a:t>
             </a:r>
           </a:p>
           <a:p>
@@ -14672,7 +14713,7 @@
             </a:pPr>
             <a:r>
               <a:rPr lang="en-US" dirty="0"/>
-              <a:t>Which type of car will a customer buy?</a:t>
+              <a:t>Neural networks</a:t>
             </a:r>
           </a:p>
           <a:p>
@@ -14682,42 +14723,15 @@
             </a:pPr>
             <a:r>
               <a:rPr lang="en-US" dirty="0"/>
-              <a:t>Will a shipment deliver on time?</a:t>
-            </a:r>
-          </a:p>
-        </p:txBody>
-      </p:sp>
-      <p:sp>
-        <p:nvSpPr>
-          <p:cNvPr id="5" name="Content Placeholder 4">
-            <a:extLst>
-              <a:ext uri="{FF2B5EF4-FFF2-40B4-BE49-F238E27FC236}">
-                <a16:creationId xmlns:a16="http://schemas.microsoft.com/office/drawing/2014/main" id="{6975756F-A068-44D2-9453-198AABB2D9A1}"/>
-              </a:ext>
-            </a:extLst>
-          </p:cNvPr>
-          <p:cNvSpPr>
-            <a:spLocks noGrp="1"/>
-          </p:cNvSpPr>
-          <p:nvPr>
-            <p:ph sz="half" idx="2"/>
-          </p:nvPr>
-        </p:nvSpPr>
-        <p:spPr/>
-        <p:txBody>
-          <a:bodyPr>
-            <a:normAutofit lnSpcReduction="10000"/>
-          </a:bodyPr>
-          <a:lstStyle/>
-          <a:p>
-            <a:endParaRPr lang="en-US" dirty="0"/>
+              <a:t>Random Forest Classifiers</a:t>
+            </a:r>
           </a:p>
         </p:txBody>
       </p:sp>
     </p:spTree>
     <p:extLst>
       <p:ext uri="{BB962C8B-B14F-4D97-AF65-F5344CB8AC3E}">
-        <p14:creationId xmlns:p14="http://schemas.microsoft.com/office/powerpoint/2010/main" val="4244387907"/>
+        <p14:creationId xmlns:p14="http://schemas.microsoft.com/office/powerpoint/2010/main" val="639860742"/>
       </p:ext>
     </p:extLst>
   </p:cSld>
@@ -14767,7 +14781,7 @@
           <a:p>
             <a:r>
               <a:rPr lang="en-US" dirty="0"/>
-              <a:t>Regression Type Problems</a:t>
+              <a:t>Classification Type Problems (Overview)</a:t>
             </a:r>
           </a:p>
         </p:txBody>
@@ -14777,7 +14791,7 @@
           <p:cNvPr id="4" name="Content Placeholder 3">
             <a:extLst>
               <a:ext uri="{FF2B5EF4-FFF2-40B4-BE49-F238E27FC236}">
-                <a16:creationId xmlns:a16="http://schemas.microsoft.com/office/drawing/2014/main" id="{D4561760-4D84-410D-B4A0-9371D63B7D3E}"/>
+                <a16:creationId xmlns:a16="http://schemas.microsoft.com/office/drawing/2014/main" id="{63F16612-D04C-46BE-A11D-5258D510C8D0}"/>
               </a:ext>
             </a:extLst>
           </p:cNvPr>
@@ -14790,7 +14804,9 @@
         </p:nvSpPr>
         <p:spPr/>
         <p:txBody>
-          <a:bodyPr/>
+          <a:bodyPr>
+            <a:normAutofit lnSpcReduction="10000"/>
+          </a:bodyPr>
           <a:lstStyle/>
           <a:p>
             <a:pPr>
@@ -14799,7 +14815,7 @@
             </a:pPr>
             <a:r>
               <a:rPr lang="en-US" dirty="0"/>
-              <a:t>Regression problems are supervised learning problems with a continuous target.</a:t>
+              <a:t>Classification problems are supervised learning problems with a binary or multiclass target</a:t>
             </a:r>
           </a:p>
           <a:p>
@@ -14809,13 +14825,7 @@
             </a:pPr>
             <a:r>
               <a:rPr lang="en-US" dirty="0"/>
-              <a:t>Think about predicting a number on a scale</a:t>
-            </a:r>
-          </a:p>
-          <a:p>
-            <a:r>
-              <a:rPr lang="en-US" dirty="0"/>
-              <a:t>Examples:</a:t>
+              <a:t>Think about predicting a 1 or 0</a:t>
             </a:r>
           </a:p>
           <a:p>
@@ -14825,7 +14835,13 @@
             </a:pPr>
             <a:r>
               <a:rPr lang="en-US" dirty="0"/>
-              <a:t>How long will a shipment take to be delivered?</a:t>
+              <a:t>Think about predicting a 1, 2, 3, or 4</a:t>
+            </a:r>
+          </a:p>
+          <a:p>
+            <a:r>
+              <a:rPr lang="en-US" dirty="0"/>
+              <a:t>Examples:</a:t>
             </a:r>
           </a:p>
           <a:p>
@@ -14835,14 +14851,38 @@
             </a:pPr>
             <a:r>
               <a:rPr lang="en-US" dirty="0"/>
-              <a:t>How many mugs will we sell in January if we decrease price</a:t>
-            </a:r>
-          </a:p>
-          <a:p>
-            <a:pPr marL="0" indent="0">
-              <a:buNone/>
+              <a:t>How likely is a customer to churn (go to another company/stop buying)?</a:t>
+            </a:r>
+          </a:p>
+          <a:p>
+            <a:pPr>
+              <a:buFont typeface="Arial" panose="020B0604020202020204" pitchFamily="34" charset="0"/>
+              <a:buChar char="•"/>
             </a:pPr>
-            <a:endParaRPr lang="en-US" dirty="0"/>
+            <a:r>
+              <a:rPr lang="en-US" dirty="0"/>
+              <a:t>How likely is a customer to default on a loan?</a:t>
+            </a:r>
+          </a:p>
+          <a:p>
+            <a:pPr>
+              <a:buFont typeface="Arial" panose="020B0604020202020204" pitchFamily="34" charset="0"/>
+              <a:buChar char="•"/>
+            </a:pPr>
+            <a:r>
+              <a:rPr lang="en-US" dirty="0"/>
+              <a:t>Which type of car will a customer buy?</a:t>
+            </a:r>
+          </a:p>
+          <a:p>
+            <a:pPr>
+              <a:buFont typeface="Arial" panose="020B0604020202020204" pitchFamily="34" charset="0"/>
+              <a:buChar char="•"/>
+            </a:pPr>
+            <a:r>
+              <a:rPr lang="en-US" dirty="0"/>
+              <a:t>Will a shipment deliver on time?</a:t>
+            </a:r>
           </a:p>
         </p:txBody>
       </p:sp>
@@ -14851,7 +14891,7 @@
           <p:cNvPr id="5" name="Content Placeholder 4">
             <a:extLst>
               <a:ext uri="{FF2B5EF4-FFF2-40B4-BE49-F238E27FC236}">
-                <a16:creationId xmlns:a16="http://schemas.microsoft.com/office/drawing/2014/main" id="{A57F2CE2-0B58-4D31-BE17-96A978CDD6CD}"/>
+                <a16:creationId xmlns:a16="http://schemas.microsoft.com/office/drawing/2014/main" id="{6975756F-A068-44D2-9453-198AABB2D9A1}"/>
               </a:ext>
             </a:extLst>
           </p:cNvPr>
@@ -14864,7 +14904,9 @@
         </p:nvSpPr>
         <p:spPr/>
         <p:txBody>
-          <a:bodyPr/>
+          <a:bodyPr>
+            <a:normAutofit lnSpcReduction="10000"/>
+          </a:bodyPr>
           <a:lstStyle/>
           <a:p>
             <a:endParaRPr lang="en-US" dirty="0"/>
@@ -14874,7 +14916,7 @@
     </p:spTree>
     <p:extLst>
       <p:ext uri="{BB962C8B-B14F-4D97-AF65-F5344CB8AC3E}">
-        <p14:creationId xmlns:p14="http://schemas.microsoft.com/office/powerpoint/2010/main" val="3795618161"/>
+        <p14:creationId xmlns:p14="http://schemas.microsoft.com/office/powerpoint/2010/main" val="4244387907"/>
       </p:ext>
     </p:extLst>
   </p:cSld>
@@ -14906,6 +14948,163 @@
           <p:cNvPr id="2" name="Title 1">
             <a:extLst>
               <a:ext uri="{FF2B5EF4-FFF2-40B4-BE49-F238E27FC236}">
+                <a16:creationId xmlns:a16="http://schemas.microsoft.com/office/drawing/2014/main" id="{1E6EECE1-4016-4AF2-8028-91070003901D}"/>
+              </a:ext>
+            </a:extLst>
+          </p:cNvPr>
+          <p:cNvSpPr>
+            <a:spLocks noGrp="1"/>
+          </p:cNvSpPr>
+          <p:nvPr>
+            <p:ph type="title"/>
+          </p:nvPr>
+        </p:nvSpPr>
+        <p:spPr/>
+        <p:txBody>
+          <a:bodyPr/>
+          <a:lstStyle/>
+          <a:p>
+            <a:r>
+              <a:rPr lang="en-US" dirty="0"/>
+              <a:t>Regression Type Problems</a:t>
+            </a:r>
+          </a:p>
+        </p:txBody>
+      </p:sp>
+      <p:sp>
+        <p:nvSpPr>
+          <p:cNvPr id="4" name="Content Placeholder 3">
+            <a:extLst>
+              <a:ext uri="{FF2B5EF4-FFF2-40B4-BE49-F238E27FC236}">
+                <a16:creationId xmlns:a16="http://schemas.microsoft.com/office/drawing/2014/main" id="{D4561760-4D84-410D-B4A0-9371D63B7D3E}"/>
+              </a:ext>
+            </a:extLst>
+          </p:cNvPr>
+          <p:cNvSpPr>
+            <a:spLocks noGrp="1"/>
+          </p:cNvSpPr>
+          <p:nvPr>
+            <p:ph sz="half" idx="1"/>
+          </p:nvPr>
+        </p:nvSpPr>
+        <p:spPr/>
+        <p:txBody>
+          <a:bodyPr/>
+          <a:lstStyle/>
+          <a:p>
+            <a:pPr>
+              <a:buFont typeface="Arial" panose="020B0604020202020204" pitchFamily="34" charset="0"/>
+              <a:buChar char="•"/>
+            </a:pPr>
+            <a:r>
+              <a:rPr lang="en-US" dirty="0"/>
+              <a:t>Regression problems are supervised learning problems with a continuous target.</a:t>
+            </a:r>
+          </a:p>
+          <a:p>
+            <a:pPr>
+              <a:buFont typeface="Arial" panose="020B0604020202020204" pitchFamily="34" charset="0"/>
+              <a:buChar char="•"/>
+            </a:pPr>
+            <a:r>
+              <a:rPr lang="en-US" dirty="0"/>
+              <a:t>Think about predicting a number on a scale</a:t>
+            </a:r>
+          </a:p>
+          <a:p>
+            <a:r>
+              <a:rPr lang="en-US" dirty="0"/>
+              <a:t>Examples:</a:t>
+            </a:r>
+          </a:p>
+          <a:p>
+            <a:pPr>
+              <a:buFont typeface="Arial" panose="020B0604020202020204" pitchFamily="34" charset="0"/>
+              <a:buChar char="•"/>
+            </a:pPr>
+            <a:r>
+              <a:rPr lang="en-US" dirty="0"/>
+              <a:t>How long will a shipment take to be delivered?</a:t>
+            </a:r>
+          </a:p>
+          <a:p>
+            <a:pPr>
+              <a:buFont typeface="Arial" panose="020B0604020202020204" pitchFamily="34" charset="0"/>
+              <a:buChar char="•"/>
+            </a:pPr>
+            <a:r>
+              <a:rPr lang="en-US" dirty="0"/>
+              <a:t>How many mugs will we sell in January if we decrease price</a:t>
+            </a:r>
+          </a:p>
+          <a:p>
+            <a:pPr marL="0" indent="0">
+              <a:buNone/>
+            </a:pPr>
+            <a:endParaRPr lang="en-US" dirty="0"/>
+          </a:p>
+        </p:txBody>
+      </p:sp>
+      <p:sp>
+        <p:nvSpPr>
+          <p:cNvPr id="5" name="Content Placeholder 4">
+            <a:extLst>
+              <a:ext uri="{FF2B5EF4-FFF2-40B4-BE49-F238E27FC236}">
+                <a16:creationId xmlns:a16="http://schemas.microsoft.com/office/drawing/2014/main" id="{A57F2CE2-0B58-4D31-BE17-96A978CDD6CD}"/>
+              </a:ext>
+            </a:extLst>
+          </p:cNvPr>
+          <p:cNvSpPr>
+            <a:spLocks noGrp="1"/>
+          </p:cNvSpPr>
+          <p:nvPr>
+            <p:ph sz="half" idx="2"/>
+          </p:nvPr>
+        </p:nvSpPr>
+        <p:spPr/>
+        <p:txBody>
+          <a:bodyPr/>
+          <a:lstStyle/>
+          <a:p>
+            <a:endParaRPr lang="en-US" dirty="0"/>
+          </a:p>
+        </p:txBody>
+      </p:sp>
+    </p:spTree>
+    <p:extLst>
+      <p:ext uri="{BB962C8B-B14F-4D97-AF65-F5344CB8AC3E}">
+        <p14:creationId xmlns:p14="http://schemas.microsoft.com/office/powerpoint/2010/main" val="3795618161"/>
+      </p:ext>
+    </p:extLst>
+  </p:cSld>
+  <p:clrMapOvr>
+    <a:masterClrMapping/>
+  </p:clrMapOvr>
+</p:sld>
+</file>
+
+<file path=ppt/slides/slide48.xml><?xml version="1.0" encoding="utf-8"?>
+<p:sld xmlns:a="http://schemas.openxmlformats.org/drawingml/2006/main" xmlns:r="http://schemas.openxmlformats.org/officeDocument/2006/relationships" xmlns:p="http://schemas.openxmlformats.org/presentationml/2006/main">
+  <p:cSld>
+    <p:spTree>
+      <p:nvGrpSpPr>
+        <p:cNvPr id="1" name=""/>
+        <p:cNvGrpSpPr/>
+        <p:nvPr/>
+      </p:nvGrpSpPr>
+      <p:grpSpPr>
+        <a:xfrm>
+          <a:off x="0" y="0"/>
+          <a:ext cx="0" cy="0"/>
+          <a:chOff x="0" y="0"/>
+          <a:chExt cx="0" cy="0"/>
+        </a:xfrm>
+      </p:grpSpPr>
+      <p:sp>
+        <p:nvSpPr>
+          <p:cNvPr id="2" name="Title 1">
+            <a:extLst>
+              <a:ext uri="{FF2B5EF4-FFF2-40B4-BE49-F238E27FC236}">
                 <a16:creationId xmlns:a16="http://schemas.microsoft.com/office/drawing/2014/main" id="{80B1887C-D564-4E92-A6E2-6992EE55FB46}"/>
               </a:ext>
             </a:extLst>
@@ -14988,7 +15187,7 @@
 </p:sld>
 </file>
 
-<file path=ppt/slides/slide48.xml><?xml version="1.0" encoding="utf-8"?>
+<file path=ppt/slides/slide49.xml><?xml version="1.0" encoding="utf-8"?>
 <p:sld xmlns:a="http://schemas.openxmlformats.org/drawingml/2006/main" xmlns:r="http://schemas.openxmlformats.org/officeDocument/2006/relationships" xmlns:p="http://schemas.openxmlformats.org/presentationml/2006/main">
   <p:cSld>
     <p:spTree>
@@ -15349,7 +15548,127 @@
 </p:sld>
 </file>
 
-<file path=ppt/slides/slide49.xml><?xml version="1.0" encoding="utf-8"?>
+<file path=ppt/slides/slide5.xml><?xml version="1.0" encoding="utf-8"?>
+<p:sld xmlns:a="http://schemas.openxmlformats.org/drawingml/2006/main" xmlns:r="http://schemas.openxmlformats.org/officeDocument/2006/relationships" xmlns:p="http://schemas.openxmlformats.org/presentationml/2006/main">
+  <p:cSld>
+    <p:spTree>
+      <p:nvGrpSpPr>
+        <p:cNvPr id="1" name=""/>
+        <p:cNvGrpSpPr/>
+        <p:nvPr/>
+      </p:nvGrpSpPr>
+      <p:grpSpPr>
+        <a:xfrm>
+          <a:off x="0" y="0"/>
+          <a:ext cx="0" cy="0"/>
+          <a:chOff x="0" y="0"/>
+          <a:chExt cx="0" cy="0"/>
+        </a:xfrm>
+      </p:grpSpPr>
+      <p:sp>
+        <p:nvSpPr>
+          <p:cNvPr id="2" name="Title 1">
+            <a:extLst>
+              <a:ext uri="{FF2B5EF4-FFF2-40B4-BE49-F238E27FC236}">
+                <a16:creationId xmlns:a16="http://schemas.microsoft.com/office/drawing/2014/main" id="{D2E6C308-D543-47BE-9DA4-3F6539A6D8E6}"/>
+              </a:ext>
+            </a:extLst>
+          </p:cNvPr>
+          <p:cNvSpPr>
+            <a:spLocks noGrp="1"/>
+          </p:cNvSpPr>
+          <p:nvPr>
+            <p:ph type="title"/>
+          </p:nvPr>
+        </p:nvSpPr>
+        <p:spPr/>
+        <p:txBody>
+          <a:bodyPr/>
+          <a:lstStyle/>
+          <a:p>
+            <a:r>
+              <a:rPr lang="en-US" dirty="0"/>
+              <a:t>Personal Introductions</a:t>
+            </a:r>
+          </a:p>
+        </p:txBody>
+      </p:sp>
+      <p:sp>
+        <p:nvSpPr>
+          <p:cNvPr id="3" name="Content Placeholder 2">
+            <a:extLst>
+              <a:ext uri="{FF2B5EF4-FFF2-40B4-BE49-F238E27FC236}">
+                <a16:creationId xmlns:a16="http://schemas.microsoft.com/office/drawing/2014/main" id="{8FDA4BE2-9027-407C-9966-BB77F3800853}"/>
+              </a:ext>
+            </a:extLst>
+          </p:cNvPr>
+          <p:cNvSpPr>
+            <a:spLocks noGrp="1"/>
+          </p:cNvSpPr>
+          <p:nvPr>
+            <p:ph idx="1"/>
+          </p:nvPr>
+        </p:nvSpPr>
+        <p:spPr/>
+        <p:txBody>
+          <a:bodyPr/>
+          <a:lstStyle/>
+          <a:p>
+            <a:pPr marL="457200" indent="-457200">
+              <a:buFont typeface="+mj-lt"/>
+              <a:buAutoNum type="arabicPeriod"/>
+            </a:pPr>
+            <a:r>
+              <a:rPr lang="en-US" dirty="0"/>
+              <a:t>Name</a:t>
+            </a:r>
+          </a:p>
+          <a:p>
+            <a:pPr marL="457200" indent="-457200">
+              <a:buFont typeface="+mj-lt"/>
+              <a:buAutoNum type="arabicPeriod"/>
+            </a:pPr>
+            <a:r>
+              <a:rPr lang="en-US" dirty="0"/>
+              <a:t>Major or What you are studying</a:t>
+            </a:r>
+          </a:p>
+          <a:p>
+            <a:pPr marL="457200" indent="-457200">
+              <a:buFont typeface="+mj-lt"/>
+              <a:buAutoNum type="arabicPeriod"/>
+            </a:pPr>
+            <a:r>
+              <a:rPr lang="en-US" dirty="0"/>
+              <a:t>Undergraduate/graduate</a:t>
+            </a:r>
+          </a:p>
+          <a:p>
+            <a:pPr marL="457200" indent="-457200">
+              <a:buFont typeface="+mj-lt"/>
+              <a:buAutoNum type="arabicPeriod"/>
+            </a:pPr>
+            <a:r>
+              <a:rPr lang="en-US" dirty="0"/>
+              <a:t>What do you want to get out of this class?</a:t>
+            </a:r>
+          </a:p>
+        </p:txBody>
+      </p:sp>
+    </p:spTree>
+    <p:extLst>
+      <p:ext uri="{BB962C8B-B14F-4D97-AF65-F5344CB8AC3E}">
+        <p14:creationId xmlns:p14="http://schemas.microsoft.com/office/powerpoint/2010/main" val="367066837"/>
+      </p:ext>
+    </p:extLst>
+  </p:cSld>
+  <p:clrMapOvr>
+    <a:masterClrMapping/>
+  </p:clrMapOvr>
+</p:sld>
+</file>
+
+<file path=ppt/slides/slide50.xml><?xml version="1.0" encoding="utf-8"?>
 <p:sld xmlns:a="http://schemas.openxmlformats.org/drawingml/2006/main" xmlns:r="http://schemas.openxmlformats.org/officeDocument/2006/relationships" xmlns:p="http://schemas.openxmlformats.org/presentationml/2006/main">
   <p:cSld>
     <p:spTree>
@@ -15622,392 +15941,6 @@
 </p:sld>
 </file>
 
-<file path=ppt/slides/slide5.xml><?xml version="1.0" encoding="utf-8"?>
-<p:sld xmlns:a="http://schemas.openxmlformats.org/drawingml/2006/main" xmlns:r="http://schemas.openxmlformats.org/officeDocument/2006/relationships" xmlns:p="http://schemas.openxmlformats.org/presentationml/2006/main">
-  <p:cSld>
-    <p:spTree>
-      <p:nvGrpSpPr>
-        <p:cNvPr id="1" name=""/>
-        <p:cNvGrpSpPr/>
-        <p:nvPr/>
-      </p:nvGrpSpPr>
-      <p:grpSpPr>
-        <a:xfrm>
-          <a:off x="0" y="0"/>
-          <a:ext cx="0" cy="0"/>
-          <a:chOff x="0" y="0"/>
-          <a:chExt cx="0" cy="0"/>
-        </a:xfrm>
-      </p:grpSpPr>
-      <p:sp>
-        <p:nvSpPr>
-          <p:cNvPr id="2" name="Title 1">
-            <a:extLst>
-              <a:ext uri="{FF2B5EF4-FFF2-40B4-BE49-F238E27FC236}">
-                <a16:creationId xmlns:a16="http://schemas.microsoft.com/office/drawing/2014/main" id="{D2E6C308-D543-47BE-9DA4-3F6539A6D8E6}"/>
-              </a:ext>
-            </a:extLst>
-          </p:cNvPr>
-          <p:cNvSpPr>
-            <a:spLocks noGrp="1"/>
-          </p:cNvSpPr>
-          <p:nvPr>
-            <p:ph type="title"/>
-          </p:nvPr>
-        </p:nvSpPr>
-        <p:spPr/>
-        <p:txBody>
-          <a:bodyPr/>
-          <a:lstStyle/>
-          <a:p>
-            <a:r>
-              <a:rPr lang="en-US" dirty="0"/>
-              <a:t>Personal Introductions</a:t>
-            </a:r>
-          </a:p>
-        </p:txBody>
-      </p:sp>
-      <p:sp>
-        <p:nvSpPr>
-          <p:cNvPr id="3" name="Content Placeholder 2">
-            <a:extLst>
-              <a:ext uri="{FF2B5EF4-FFF2-40B4-BE49-F238E27FC236}">
-                <a16:creationId xmlns:a16="http://schemas.microsoft.com/office/drawing/2014/main" id="{8FDA4BE2-9027-407C-9966-BB77F3800853}"/>
-              </a:ext>
-            </a:extLst>
-          </p:cNvPr>
-          <p:cNvSpPr>
-            <a:spLocks noGrp="1"/>
-          </p:cNvSpPr>
-          <p:nvPr>
-            <p:ph idx="1"/>
-          </p:nvPr>
-        </p:nvSpPr>
-        <p:spPr/>
-        <p:txBody>
-          <a:bodyPr/>
-          <a:lstStyle/>
-          <a:p>
-            <a:pPr marL="457200" indent="-457200">
-              <a:buFont typeface="+mj-lt"/>
-              <a:buAutoNum type="arabicPeriod"/>
-            </a:pPr>
-            <a:r>
-              <a:rPr lang="en-US" dirty="0"/>
-              <a:t>Name</a:t>
-            </a:r>
-          </a:p>
-          <a:p>
-            <a:pPr marL="457200" indent="-457200">
-              <a:buFont typeface="+mj-lt"/>
-              <a:buAutoNum type="arabicPeriod"/>
-            </a:pPr>
-            <a:r>
-              <a:rPr lang="en-US" dirty="0"/>
-              <a:t>Major or What you are studying</a:t>
-            </a:r>
-          </a:p>
-          <a:p>
-            <a:pPr marL="457200" indent="-457200">
-              <a:buFont typeface="+mj-lt"/>
-              <a:buAutoNum type="arabicPeriod"/>
-            </a:pPr>
-            <a:r>
-              <a:rPr lang="en-US" dirty="0"/>
-              <a:t>Undergraduate/graduate</a:t>
-            </a:r>
-          </a:p>
-          <a:p>
-            <a:pPr marL="457200" indent="-457200">
-              <a:buFont typeface="+mj-lt"/>
-              <a:buAutoNum type="arabicPeriod"/>
-            </a:pPr>
-            <a:r>
-              <a:rPr lang="en-US" dirty="0"/>
-              <a:t>What do you want to get out of this class?</a:t>
-            </a:r>
-          </a:p>
-        </p:txBody>
-      </p:sp>
-    </p:spTree>
-    <p:extLst>
-      <p:ext uri="{BB962C8B-B14F-4D97-AF65-F5344CB8AC3E}">
-        <p14:creationId xmlns:p14="http://schemas.microsoft.com/office/powerpoint/2010/main" val="367066837"/>
-      </p:ext>
-    </p:extLst>
-  </p:cSld>
-  <p:clrMapOvr>
-    <a:masterClrMapping/>
-  </p:clrMapOvr>
-</p:sld>
-</file>
-
-<file path=ppt/slides/slide50.xml><?xml version="1.0" encoding="utf-8"?>
-<p:sld xmlns:a="http://schemas.openxmlformats.org/drawingml/2006/main" xmlns:r="http://schemas.openxmlformats.org/officeDocument/2006/relationships" xmlns:p="http://schemas.openxmlformats.org/presentationml/2006/main">
-  <p:cSld>
-    <p:spTree>
-      <p:nvGrpSpPr>
-        <p:cNvPr id="1" name=""/>
-        <p:cNvGrpSpPr/>
-        <p:nvPr/>
-      </p:nvGrpSpPr>
-      <p:grpSpPr>
-        <a:xfrm>
-          <a:off x="0" y="0"/>
-          <a:ext cx="0" cy="0"/>
-          <a:chOff x="0" y="0"/>
-          <a:chExt cx="0" cy="0"/>
-        </a:xfrm>
-      </p:grpSpPr>
-      <p:sp>
-        <p:nvSpPr>
-          <p:cNvPr id="2" name="Title 1">
-            <a:extLst>
-              <a:ext uri="{FF2B5EF4-FFF2-40B4-BE49-F238E27FC236}">
-                <a16:creationId xmlns:a16="http://schemas.microsoft.com/office/drawing/2014/main" id="{807BE763-80FE-477B-8655-BE89958C39FE}"/>
-              </a:ext>
-            </a:extLst>
-          </p:cNvPr>
-          <p:cNvSpPr>
-            <a:spLocks noGrp="1"/>
-          </p:cNvSpPr>
-          <p:nvPr>
-            <p:ph type="title"/>
-          </p:nvPr>
-        </p:nvSpPr>
-        <p:spPr/>
-        <p:txBody>
-          <a:bodyPr/>
-          <a:lstStyle/>
-          <a:p>
-            <a:r>
-              <a:rPr lang="en-US" dirty="0"/>
-              <a:t>Fitting a Regression Model</a:t>
-            </a:r>
-          </a:p>
-        </p:txBody>
-      </p:sp>
-      <p:sp>
-        <p:nvSpPr>
-          <p:cNvPr id="6" name="Text Placeholder 5">
-            <a:extLst>
-              <a:ext uri="{FF2B5EF4-FFF2-40B4-BE49-F238E27FC236}">
-                <a16:creationId xmlns:a16="http://schemas.microsoft.com/office/drawing/2014/main" id="{5F6F14FA-F1C4-4495-B9C3-7F109E745A9E}"/>
-              </a:ext>
-            </a:extLst>
-          </p:cNvPr>
-          <p:cNvSpPr>
-            <a:spLocks noGrp="1"/>
-          </p:cNvSpPr>
-          <p:nvPr>
-            <p:ph type="body" idx="1"/>
-          </p:nvPr>
-        </p:nvSpPr>
-        <p:spPr/>
-        <p:txBody>
-          <a:bodyPr/>
-          <a:lstStyle/>
-          <a:p>
-            <a:r>
-              <a:rPr lang="en-US" dirty="0" err="1"/>
-              <a:t>Scikit</a:t>
-            </a:r>
-            <a:r>
-              <a:rPr lang="en-US" dirty="0"/>
-              <a:t> learn</a:t>
-            </a:r>
-          </a:p>
-        </p:txBody>
-      </p:sp>
-      <p:sp>
-        <p:nvSpPr>
-          <p:cNvPr id="7" name="Content Placeholder 6">
-            <a:extLst>
-              <a:ext uri="{FF2B5EF4-FFF2-40B4-BE49-F238E27FC236}">
-                <a16:creationId xmlns:a16="http://schemas.microsoft.com/office/drawing/2014/main" id="{DD82AB87-FE2F-4C9B-AE43-59651504B9CB}"/>
-              </a:ext>
-            </a:extLst>
-          </p:cNvPr>
-          <p:cNvSpPr>
-            <a:spLocks noGrp="1"/>
-          </p:cNvSpPr>
-          <p:nvPr>
-            <p:ph sz="half" idx="2"/>
-          </p:nvPr>
-        </p:nvSpPr>
-        <p:spPr/>
-        <p:txBody>
-          <a:bodyPr>
-            <a:normAutofit fontScale="85000" lnSpcReduction="20000"/>
-          </a:bodyPr>
-          <a:lstStyle/>
-          <a:p>
-            <a:pPr>
-              <a:buFont typeface="Arial" panose="020B0604020202020204" pitchFamily="34" charset="0"/>
-              <a:buChar char="•"/>
-            </a:pPr>
-            <a:r>
-              <a:rPr lang="en-US" dirty="0"/>
-              <a:t>You need a target and explanatory (exogenous) variables with the same length</a:t>
-            </a:r>
-          </a:p>
-          <a:p>
-            <a:pPr>
-              <a:buFont typeface="Arial" panose="020B0604020202020204" pitchFamily="34" charset="0"/>
-              <a:buChar char="•"/>
-            </a:pPr>
-            <a:r>
-              <a:rPr lang="en-US" dirty="0"/>
-              <a:t>Import the package</a:t>
-            </a:r>
-          </a:p>
-          <a:p>
-            <a:endParaRPr lang="en-US" dirty="0"/>
-          </a:p>
-        </p:txBody>
-      </p:sp>
-      <p:sp>
-        <p:nvSpPr>
-          <p:cNvPr id="8" name="Text Placeholder 7">
-            <a:extLst>
-              <a:ext uri="{FF2B5EF4-FFF2-40B4-BE49-F238E27FC236}">
-                <a16:creationId xmlns:a16="http://schemas.microsoft.com/office/drawing/2014/main" id="{91C96F1B-71A0-4F56-AE4E-C821127FA753}"/>
-              </a:ext>
-            </a:extLst>
-          </p:cNvPr>
-          <p:cNvSpPr>
-            <a:spLocks noGrp="1"/>
-          </p:cNvSpPr>
-          <p:nvPr>
-            <p:ph type="body" sz="quarter" idx="3"/>
-          </p:nvPr>
-        </p:nvSpPr>
-        <p:spPr/>
-        <p:txBody>
-          <a:bodyPr/>
-          <a:lstStyle/>
-          <a:p>
-            <a:r>
-              <a:rPr lang="en-US" dirty="0" err="1"/>
-              <a:t>statsmodels</a:t>
-            </a:r>
-            <a:endParaRPr lang="en-US" dirty="0"/>
-          </a:p>
-        </p:txBody>
-      </p:sp>
-      <p:sp>
-        <p:nvSpPr>
-          <p:cNvPr id="9" name="Content Placeholder 8">
-            <a:extLst>
-              <a:ext uri="{FF2B5EF4-FFF2-40B4-BE49-F238E27FC236}">
-                <a16:creationId xmlns:a16="http://schemas.microsoft.com/office/drawing/2014/main" id="{A18DB7F5-0C0A-48ED-8EFB-D90910755F9E}"/>
-              </a:ext>
-            </a:extLst>
-          </p:cNvPr>
-          <p:cNvSpPr>
-            <a:spLocks noGrp="1"/>
-          </p:cNvSpPr>
-          <p:nvPr>
-            <p:ph sz="quarter" idx="4"/>
-          </p:nvPr>
-        </p:nvSpPr>
-        <p:spPr/>
-        <p:txBody>
-          <a:bodyPr>
-            <a:normAutofit fontScale="85000" lnSpcReduction="20000"/>
-          </a:bodyPr>
-          <a:lstStyle/>
-          <a:p>
-            <a:pPr>
-              <a:buFont typeface="Arial" panose="020B0604020202020204" pitchFamily="34" charset="0"/>
-              <a:buChar char="•"/>
-            </a:pPr>
-            <a:r>
-              <a:rPr lang="en-US" dirty="0"/>
-              <a:t>You need a target and explanatory (exogenous) variables with the same length</a:t>
-            </a:r>
-          </a:p>
-          <a:p>
-            <a:pPr>
-              <a:buFont typeface="Arial" panose="020B0604020202020204" pitchFamily="34" charset="0"/>
-              <a:buChar char="•"/>
-            </a:pPr>
-            <a:r>
-              <a:rPr lang="en-US" dirty="0"/>
-              <a:t>Import the package</a:t>
-            </a:r>
-          </a:p>
-          <a:p>
-            <a:pPr>
-              <a:buFont typeface="Arial" panose="020B0604020202020204" pitchFamily="34" charset="0"/>
-              <a:buChar char="•"/>
-            </a:pPr>
-            <a:endParaRPr lang="en-US" dirty="0"/>
-          </a:p>
-          <a:p>
-            <a:pPr>
-              <a:buFont typeface="Arial" panose="020B0604020202020204" pitchFamily="34" charset="0"/>
-              <a:buChar char="•"/>
-            </a:pPr>
-            <a:endParaRPr lang="en-US" dirty="0"/>
-          </a:p>
-          <a:p>
-            <a:pPr>
-              <a:buFont typeface="Arial" panose="020B0604020202020204" pitchFamily="34" charset="0"/>
-              <a:buChar char="•"/>
-            </a:pPr>
-            <a:endParaRPr lang="en-US" dirty="0"/>
-          </a:p>
-          <a:p>
-            <a:pPr>
-              <a:buFont typeface="Arial" panose="020B0604020202020204" pitchFamily="34" charset="0"/>
-              <a:buChar char="•"/>
-            </a:pPr>
-            <a:endParaRPr lang="en-US" dirty="0"/>
-          </a:p>
-          <a:p>
-            <a:pPr>
-              <a:buFont typeface="Arial" panose="020B0604020202020204" pitchFamily="34" charset="0"/>
-              <a:buChar char="•"/>
-            </a:pPr>
-            <a:r>
-              <a:rPr lang="en-US" dirty="0"/>
-              <a:t>A nice pro for the </a:t>
-            </a:r>
-            <a:r>
-              <a:rPr lang="en-US" dirty="0" err="1"/>
-              <a:t>statsmodels</a:t>
-            </a:r>
-            <a:r>
-              <a:rPr lang="en-US" dirty="0"/>
-              <a:t> package is the ease of viewing results</a:t>
-            </a:r>
-          </a:p>
-          <a:p>
-            <a:pPr>
-              <a:buFont typeface="Arial" panose="020B0604020202020204" pitchFamily="34" charset="0"/>
-              <a:buChar char="•"/>
-            </a:pPr>
-            <a:r>
-              <a:rPr lang="en-US" dirty="0"/>
-              <a:t>If you use or plan on using R for your job, then a lot of this package will make sense to you</a:t>
-            </a:r>
-          </a:p>
-        </p:txBody>
-      </p:sp>
-    </p:spTree>
-    <p:extLst>
-      <p:ext uri="{BB962C8B-B14F-4D97-AF65-F5344CB8AC3E}">
-        <p14:creationId xmlns:p14="http://schemas.microsoft.com/office/powerpoint/2010/main" val="2279381107"/>
-      </p:ext>
-    </p:extLst>
-  </p:cSld>
-  <p:clrMapOvr>
-    <a:masterClrMapping/>
-  </p:clrMapOvr>
-</p:sld>
-</file>
-
 <file path=ppt/slides/slide51.xml><?xml version="1.0" encoding="utf-8"?>
 <p:sld xmlns:a="http://schemas.openxmlformats.org/drawingml/2006/main" xmlns:r="http://schemas.openxmlformats.org/officeDocument/2006/relationships" xmlns:p="http://schemas.openxmlformats.org/presentationml/2006/main">
   <p:cSld>
@@ -16030,7 +15963,7 @@
           <p:cNvPr id="2" name="Title 1">
             <a:extLst>
               <a:ext uri="{FF2B5EF4-FFF2-40B4-BE49-F238E27FC236}">
-                <a16:creationId xmlns:a16="http://schemas.microsoft.com/office/drawing/2014/main" id="{17F92DC2-8A5A-430A-94E4-FE918BA114E1}"/>
+                <a16:creationId xmlns:a16="http://schemas.microsoft.com/office/drawing/2014/main" id="{807BE763-80FE-477B-8655-BE89958C39FE}"/>
               </a:ext>
             </a:extLst>
           </p:cNvPr>
@@ -16048,17 +15981,17 @@
           <a:p>
             <a:r>
               <a:rPr lang="en-US" dirty="0"/>
-              <a:t>Viewing Results &amp; Next Steps</a:t>
-            </a:r>
-          </a:p>
-        </p:txBody>
-      </p:sp>
-      <p:sp>
-        <p:nvSpPr>
-          <p:cNvPr id="4" name="Content Placeholder 3">
+              <a:t>Fitting a Regression Model</a:t>
+            </a:r>
+          </a:p>
+        </p:txBody>
+      </p:sp>
+      <p:sp>
+        <p:nvSpPr>
+          <p:cNvPr id="6" name="Text Placeholder 5">
             <a:extLst>
               <a:ext uri="{FF2B5EF4-FFF2-40B4-BE49-F238E27FC236}">
-                <a16:creationId xmlns:a16="http://schemas.microsoft.com/office/drawing/2014/main" id="{CFFD67B3-18A2-4246-8F35-EAB38F4ADB1D}"/>
+                <a16:creationId xmlns:a16="http://schemas.microsoft.com/office/drawing/2014/main" id="{5F6F14FA-F1C4-4495-B9C3-7F109E745A9E}"/>
               </a:ext>
             </a:extLst>
           </p:cNvPr>
@@ -16066,7 +15999,7 @@
             <a:spLocks noGrp="1"/>
           </p:cNvSpPr>
           <p:nvPr>
-            <p:ph sz="half" idx="1"/>
+            <p:ph type="body" idx="1"/>
           </p:nvPr>
         </p:nvSpPr>
         <p:spPr/>
@@ -16074,16 +16007,23 @@
           <a:bodyPr/>
           <a:lstStyle/>
           <a:p>
-            <a:endParaRPr lang="en-US"/>
-          </a:p>
-        </p:txBody>
-      </p:sp>
-      <p:sp>
-        <p:nvSpPr>
-          <p:cNvPr id="5" name="Content Placeholder 4">
+            <a:r>
+              <a:rPr lang="en-US" dirty="0" err="1"/>
+              <a:t>Scikit</a:t>
+            </a:r>
+            <a:r>
+              <a:rPr lang="en-US" dirty="0"/>
+              <a:t> learn</a:t>
+            </a:r>
+          </a:p>
+        </p:txBody>
+      </p:sp>
+      <p:sp>
+        <p:nvSpPr>
+          <p:cNvPr id="7" name="Content Placeholder 6">
             <a:extLst>
               <a:ext uri="{FF2B5EF4-FFF2-40B4-BE49-F238E27FC236}">
-                <a16:creationId xmlns:a16="http://schemas.microsoft.com/office/drawing/2014/main" id="{172E9FB7-6417-4FE1-8A20-352A7E397C7B}"/>
+                <a16:creationId xmlns:a16="http://schemas.microsoft.com/office/drawing/2014/main" id="{DD82AB87-FE2F-4C9B-AE43-59651504B9CB}"/>
               </a:ext>
             </a:extLst>
           </p:cNvPr>
@@ -16096,17 +16036,168 @@
         </p:nvSpPr>
         <p:spPr/>
         <p:txBody>
+          <a:bodyPr>
+            <a:normAutofit fontScale="85000" lnSpcReduction="20000"/>
+          </a:bodyPr>
+          <a:lstStyle/>
+          <a:p>
+            <a:pPr>
+              <a:buFont typeface="Arial" panose="020B0604020202020204" pitchFamily="34" charset="0"/>
+              <a:buChar char="•"/>
+            </a:pPr>
+            <a:r>
+              <a:rPr lang="en-US" dirty="0"/>
+              <a:t>You need a target and explanatory (exogenous) variables with the same length</a:t>
+            </a:r>
+          </a:p>
+          <a:p>
+            <a:pPr>
+              <a:buFont typeface="Arial" panose="020B0604020202020204" pitchFamily="34" charset="0"/>
+              <a:buChar char="•"/>
+            </a:pPr>
+            <a:r>
+              <a:rPr lang="en-US" dirty="0"/>
+              <a:t>Import the package</a:t>
+            </a:r>
+          </a:p>
+          <a:p>
+            <a:endParaRPr lang="en-US" dirty="0"/>
+          </a:p>
+        </p:txBody>
+      </p:sp>
+      <p:sp>
+        <p:nvSpPr>
+          <p:cNvPr id="8" name="Text Placeholder 7">
+            <a:extLst>
+              <a:ext uri="{FF2B5EF4-FFF2-40B4-BE49-F238E27FC236}">
+                <a16:creationId xmlns:a16="http://schemas.microsoft.com/office/drawing/2014/main" id="{91C96F1B-71A0-4F56-AE4E-C821127FA753}"/>
+              </a:ext>
+            </a:extLst>
+          </p:cNvPr>
+          <p:cNvSpPr>
+            <a:spLocks noGrp="1"/>
+          </p:cNvSpPr>
+          <p:nvPr>
+            <p:ph type="body" sz="quarter" idx="3"/>
+          </p:nvPr>
+        </p:nvSpPr>
+        <p:spPr/>
+        <p:txBody>
           <a:bodyPr/>
           <a:lstStyle/>
           <a:p>
-            <a:endParaRPr lang="en-US"/>
+            <a:r>
+              <a:rPr lang="en-US" dirty="0" err="1"/>
+              <a:t>statsmodels</a:t>
+            </a:r>
+            <a:endParaRPr lang="en-US" dirty="0"/>
+          </a:p>
+        </p:txBody>
+      </p:sp>
+      <p:sp>
+        <p:nvSpPr>
+          <p:cNvPr id="9" name="Content Placeholder 8">
+            <a:extLst>
+              <a:ext uri="{FF2B5EF4-FFF2-40B4-BE49-F238E27FC236}">
+                <a16:creationId xmlns:a16="http://schemas.microsoft.com/office/drawing/2014/main" id="{A18DB7F5-0C0A-48ED-8EFB-D90910755F9E}"/>
+              </a:ext>
+            </a:extLst>
+          </p:cNvPr>
+          <p:cNvSpPr>
+            <a:spLocks noGrp="1"/>
+          </p:cNvSpPr>
+          <p:nvPr>
+            <p:ph sz="quarter" idx="4"/>
+          </p:nvPr>
+        </p:nvSpPr>
+        <p:spPr/>
+        <p:txBody>
+          <a:bodyPr>
+            <a:normAutofit fontScale="85000" lnSpcReduction="20000"/>
+          </a:bodyPr>
+          <a:lstStyle/>
+          <a:p>
+            <a:pPr>
+              <a:buFont typeface="Arial" panose="020B0604020202020204" pitchFamily="34" charset="0"/>
+              <a:buChar char="•"/>
+            </a:pPr>
+            <a:r>
+              <a:rPr lang="en-US" dirty="0"/>
+              <a:t>You need a target and explanatory (exogenous) variables with the same length</a:t>
+            </a:r>
+          </a:p>
+          <a:p>
+            <a:pPr>
+              <a:buFont typeface="Arial" panose="020B0604020202020204" pitchFamily="34" charset="0"/>
+              <a:buChar char="•"/>
+            </a:pPr>
+            <a:r>
+              <a:rPr lang="en-US" dirty="0"/>
+              <a:t>Import the package</a:t>
+            </a:r>
+          </a:p>
+          <a:p>
+            <a:pPr>
+              <a:buFont typeface="Arial" panose="020B0604020202020204" pitchFamily="34" charset="0"/>
+              <a:buChar char="•"/>
+            </a:pPr>
+            <a:endParaRPr lang="en-US" dirty="0"/>
+          </a:p>
+          <a:p>
+            <a:pPr>
+              <a:buFont typeface="Arial" panose="020B0604020202020204" pitchFamily="34" charset="0"/>
+              <a:buChar char="•"/>
+            </a:pPr>
+            <a:endParaRPr lang="en-US" dirty="0"/>
+          </a:p>
+          <a:p>
+            <a:pPr>
+              <a:buFont typeface="Arial" panose="020B0604020202020204" pitchFamily="34" charset="0"/>
+              <a:buChar char="•"/>
+            </a:pPr>
+            <a:endParaRPr lang="en-US" dirty="0"/>
+          </a:p>
+          <a:p>
+            <a:pPr>
+              <a:buFont typeface="Arial" panose="020B0604020202020204" pitchFamily="34" charset="0"/>
+              <a:buChar char="•"/>
+            </a:pPr>
+            <a:endParaRPr lang="en-US" dirty="0"/>
+          </a:p>
+          <a:p>
+            <a:pPr>
+              <a:buFont typeface="Arial" panose="020B0604020202020204" pitchFamily="34" charset="0"/>
+              <a:buChar char="•"/>
+            </a:pPr>
+            <a:r>
+              <a:rPr lang="en-US" dirty="0"/>
+              <a:t>A nice pro for the </a:t>
+            </a:r>
+            <a:r>
+              <a:rPr lang="en-US" dirty="0" err="1"/>
+              <a:t>statsmodels</a:t>
+            </a:r>
+            <a:r>
+              <a:rPr lang="en-US" dirty="0"/>
+              <a:t> package is the ease of viewing results</a:t>
+            </a:r>
+          </a:p>
+          <a:p>
+            <a:pPr>
+              <a:buFont typeface="Arial" panose="020B0604020202020204" pitchFamily="34" charset="0"/>
+              <a:buChar char="•"/>
+            </a:pPr>
+            <a:r>
+              <a:rPr lang="en-US" dirty="0"/>
+              <a:t>If you use or plan on using R for your job, then a lot of this package will make sense to you</a:t>
+            </a:r>
           </a:p>
         </p:txBody>
       </p:sp>
     </p:spTree>
     <p:extLst>
       <p:ext uri="{BB962C8B-B14F-4D97-AF65-F5344CB8AC3E}">
-        <p14:creationId xmlns:p14="http://schemas.microsoft.com/office/powerpoint/2010/main" val="364919299"/>
+        <p14:creationId xmlns:p14="http://schemas.microsoft.com/office/powerpoint/2010/main" val="2279381107"/>
       </p:ext>
     </p:extLst>
   </p:cSld>
@@ -16138,7 +16229,7 @@
           <p:cNvPr id="2" name="Title 1">
             <a:extLst>
               <a:ext uri="{FF2B5EF4-FFF2-40B4-BE49-F238E27FC236}">
-                <a16:creationId xmlns:a16="http://schemas.microsoft.com/office/drawing/2014/main" id="{37F47C21-4937-4FE1-BE59-56D978F65B8D}"/>
+                <a16:creationId xmlns:a16="http://schemas.microsoft.com/office/drawing/2014/main" id="{17F92DC2-8A5A-430A-94E4-FE918BA114E1}"/>
               </a:ext>
             </a:extLst>
           </p:cNvPr>
@@ -16156,17 +16247,17 @@
           <a:p>
             <a:r>
               <a:rPr lang="en-US" dirty="0"/>
-              <a:t>Homework (Due March 18, 2020)</a:t>
-            </a:r>
-          </a:p>
-        </p:txBody>
-      </p:sp>
-      <p:sp>
-        <p:nvSpPr>
-          <p:cNvPr id="3" name="Content Placeholder 2">
+              <a:t>Viewing Results &amp; Next Steps</a:t>
+            </a:r>
+          </a:p>
+        </p:txBody>
+      </p:sp>
+      <p:sp>
+        <p:nvSpPr>
+          <p:cNvPr id="4" name="Content Placeholder 3">
             <a:extLst>
               <a:ext uri="{FF2B5EF4-FFF2-40B4-BE49-F238E27FC236}">
-                <a16:creationId xmlns:a16="http://schemas.microsoft.com/office/drawing/2014/main" id="{4BA640D3-C44B-4A6D-8102-C32143FBADEB}"/>
+                <a16:creationId xmlns:a16="http://schemas.microsoft.com/office/drawing/2014/main" id="{CFFD67B3-18A2-4246-8F35-EAB38F4ADB1D}"/>
               </a:ext>
             </a:extLst>
           </p:cNvPr>
@@ -16174,7 +16265,7 @@
             <a:spLocks noGrp="1"/>
           </p:cNvSpPr>
           <p:nvPr>
-            <p:ph idx="1"/>
+            <p:ph sz="half" idx="1"/>
           </p:nvPr>
         </p:nvSpPr>
         <p:spPr/>
@@ -16182,55 +16273,39 @@
           <a:bodyPr/>
           <a:lstStyle/>
           <a:p>
-            <a:pPr>
-              <a:buFont typeface="Arial" panose="020B0604020202020204" pitchFamily="34" charset="0"/>
-              <a:buChar char="•"/>
-            </a:pPr>
-            <a:r>
-              <a:rPr lang="en-US" dirty="0"/>
-              <a:t>Complete the notebook on regression type problems</a:t>
-            </a:r>
-          </a:p>
-          <a:p>
-            <a:pPr>
-              <a:buFont typeface="Arial" panose="020B0604020202020204" pitchFamily="34" charset="0"/>
-              <a:buChar char="•"/>
-            </a:pPr>
-            <a:r>
-              <a:rPr lang="en-US" dirty="0"/>
-              <a:t>Add a log transformation step to the transformation pipeline &amp; documentation</a:t>
-            </a:r>
-          </a:p>
-          <a:p>
-            <a:pPr>
-              <a:buFont typeface="Arial" panose="020B0604020202020204" pitchFamily="34" charset="0"/>
-              <a:buChar char="•"/>
-            </a:pPr>
-            <a:r>
-              <a:rPr lang="en-US" dirty="0"/>
-              <a:t>Fit a regression model to our dataset and add include the fitted model</a:t>
-            </a:r>
-          </a:p>
-          <a:p>
-            <a:pPr>
-              <a:buFont typeface="Arial" panose="020B0604020202020204" pitchFamily="34" charset="0"/>
-              <a:buChar char="•"/>
-            </a:pPr>
-            <a:endParaRPr lang="en-US" dirty="0"/>
-          </a:p>
-          <a:p>
-            <a:pPr>
-              <a:buFont typeface="Arial" panose="020B0604020202020204" pitchFamily="34" charset="0"/>
-              <a:buChar char="•"/>
-            </a:pPr>
-            <a:endParaRPr lang="en-US" dirty="0"/>
+            <a:endParaRPr lang="en-US"/>
+          </a:p>
+        </p:txBody>
+      </p:sp>
+      <p:sp>
+        <p:nvSpPr>
+          <p:cNvPr id="5" name="Content Placeholder 4">
+            <a:extLst>
+              <a:ext uri="{FF2B5EF4-FFF2-40B4-BE49-F238E27FC236}">
+                <a16:creationId xmlns:a16="http://schemas.microsoft.com/office/drawing/2014/main" id="{172E9FB7-6417-4FE1-8A20-352A7E397C7B}"/>
+              </a:ext>
+            </a:extLst>
+          </p:cNvPr>
+          <p:cNvSpPr>
+            <a:spLocks noGrp="1"/>
+          </p:cNvSpPr>
+          <p:nvPr>
+            <p:ph sz="half" idx="2"/>
+          </p:nvPr>
+        </p:nvSpPr>
+        <p:spPr/>
+        <p:txBody>
+          <a:bodyPr/>
+          <a:lstStyle/>
+          <a:p>
+            <a:endParaRPr lang="en-US"/>
           </a:p>
         </p:txBody>
       </p:sp>
     </p:spTree>
     <p:extLst>
       <p:ext uri="{BB962C8B-B14F-4D97-AF65-F5344CB8AC3E}">
-        <p14:creationId xmlns:p14="http://schemas.microsoft.com/office/powerpoint/2010/main" val="1884213234"/>
+        <p14:creationId xmlns:p14="http://schemas.microsoft.com/office/powerpoint/2010/main" val="364919299"/>
       </p:ext>
     </p:extLst>
   </p:cSld>
@@ -16262,7 +16337,7 @@
           <p:cNvPr id="2" name="Title 1">
             <a:extLst>
               <a:ext uri="{FF2B5EF4-FFF2-40B4-BE49-F238E27FC236}">
-                <a16:creationId xmlns:a16="http://schemas.microsoft.com/office/drawing/2014/main" id="{AD2860B2-7C83-4A55-8E7E-7A4B069D4A7E}"/>
+                <a16:creationId xmlns:a16="http://schemas.microsoft.com/office/drawing/2014/main" id="{37F47C21-4937-4FE1-BE59-56D978F65B8D}"/>
               </a:ext>
             </a:extLst>
           </p:cNvPr>
@@ -16280,17 +16355,17 @@
           <a:p>
             <a:r>
               <a:rPr lang="en-US" dirty="0"/>
-              <a:t>Week 5</a:t>
-            </a:r>
-          </a:p>
-        </p:txBody>
-      </p:sp>
-      <p:sp>
-        <p:nvSpPr>
-          <p:cNvPr id="3" name="Text Placeholder 2">
+              <a:t>Homework (Due March 18, 2020)</a:t>
+            </a:r>
+          </a:p>
+        </p:txBody>
+      </p:sp>
+      <p:sp>
+        <p:nvSpPr>
+          <p:cNvPr id="3" name="Content Placeholder 2">
             <a:extLst>
               <a:ext uri="{FF2B5EF4-FFF2-40B4-BE49-F238E27FC236}">
-                <a16:creationId xmlns:a16="http://schemas.microsoft.com/office/drawing/2014/main" id="{274FDD8D-BBB7-47AC-AD7F-DF359A4A9736}"/>
+                <a16:creationId xmlns:a16="http://schemas.microsoft.com/office/drawing/2014/main" id="{4BA640D3-C44B-4A6D-8102-C32143FBADEB}"/>
               </a:ext>
             </a:extLst>
           </p:cNvPr>
@@ -16298,7 +16373,7 @@
             <a:spLocks noGrp="1"/>
           </p:cNvSpPr>
           <p:nvPr>
-            <p:ph type="body" idx="1"/>
+            <p:ph idx="1"/>
           </p:nvPr>
         </p:nvSpPr>
         <p:spPr/>
@@ -16306,12 +16381,47 @@
           <a:bodyPr/>
           <a:lstStyle/>
           <a:p>
-            <a:r>
-              <a:rPr lang="en-US" dirty="0"/>
-              <a:t>Date: March 18, 2020</a:t>
-            </a:r>
-          </a:p>
-          <a:p>
+            <a:pPr>
+              <a:buFont typeface="Arial" panose="020B0604020202020204" pitchFamily="34" charset="0"/>
+              <a:buChar char="•"/>
+            </a:pPr>
+            <a:r>
+              <a:rPr lang="en-US" dirty="0"/>
+              <a:t>Complete the notebook on regression type problems</a:t>
+            </a:r>
+          </a:p>
+          <a:p>
+            <a:pPr>
+              <a:buFont typeface="Arial" panose="020B0604020202020204" pitchFamily="34" charset="0"/>
+              <a:buChar char="•"/>
+            </a:pPr>
+            <a:r>
+              <a:rPr lang="en-US" dirty="0"/>
+              <a:t>Add a log transformation step to the transformation pipeline &amp; documentation</a:t>
+            </a:r>
+          </a:p>
+          <a:p>
+            <a:pPr>
+              <a:buFont typeface="Arial" panose="020B0604020202020204" pitchFamily="34" charset="0"/>
+              <a:buChar char="•"/>
+            </a:pPr>
+            <a:r>
+              <a:rPr lang="en-US" dirty="0"/>
+              <a:t>Fit a regression model to our dataset and add include the fitted model</a:t>
+            </a:r>
+          </a:p>
+          <a:p>
+            <a:pPr>
+              <a:buFont typeface="Arial" panose="020B0604020202020204" pitchFamily="34" charset="0"/>
+              <a:buChar char="•"/>
+            </a:pPr>
+            <a:endParaRPr lang="en-US" dirty="0"/>
+          </a:p>
+          <a:p>
+            <a:pPr>
+              <a:buFont typeface="Arial" panose="020B0604020202020204" pitchFamily="34" charset="0"/>
+              <a:buChar char="•"/>
+            </a:pPr>
             <a:endParaRPr lang="en-US" dirty="0"/>
           </a:p>
         </p:txBody>
@@ -16319,7 +16429,7 @@
     </p:spTree>
     <p:extLst>
       <p:ext uri="{BB962C8B-B14F-4D97-AF65-F5344CB8AC3E}">
-        <p14:creationId xmlns:p14="http://schemas.microsoft.com/office/powerpoint/2010/main" val="1402019155"/>
+        <p14:creationId xmlns:p14="http://schemas.microsoft.com/office/powerpoint/2010/main" val="1884213234"/>
       </p:ext>
     </p:extLst>
   </p:cSld>
@@ -16351,7 +16461,7 @@
           <p:cNvPr id="2" name="Title 1">
             <a:extLst>
               <a:ext uri="{FF2B5EF4-FFF2-40B4-BE49-F238E27FC236}">
-                <a16:creationId xmlns:a16="http://schemas.microsoft.com/office/drawing/2014/main" id="{7289EF6B-8AB6-4186-AF09-0D50FE1BB9FD}"/>
+                <a16:creationId xmlns:a16="http://schemas.microsoft.com/office/drawing/2014/main" id="{AD2860B2-7C83-4A55-8E7E-7A4B069D4A7E}"/>
               </a:ext>
             </a:extLst>
           </p:cNvPr>
@@ -16369,17 +16479,17 @@
           <a:p>
             <a:r>
               <a:rPr lang="en-US" dirty="0"/>
-              <a:t>Overview</a:t>
-            </a:r>
-          </a:p>
-        </p:txBody>
-      </p:sp>
-      <p:sp>
-        <p:nvSpPr>
-          <p:cNvPr id="3" name="Content Placeholder 2">
+              <a:t>Week 5</a:t>
+            </a:r>
+          </a:p>
+        </p:txBody>
+      </p:sp>
+      <p:sp>
+        <p:nvSpPr>
+          <p:cNvPr id="3" name="Text Placeholder 2">
             <a:extLst>
               <a:ext uri="{FF2B5EF4-FFF2-40B4-BE49-F238E27FC236}">
-                <a16:creationId xmlns:a16="http://schemas.microsoft.com/office/drawing/2014/main" id="{E8A26BB2-24A8-43EF-9A59-9E9533F17D85}"/>
+                <a16:creationId xmlns:a16="http://schemas.microsoft.com/office/drawing/2014/main" id="{274FDD8D-BBB7-47AC-AD7F-DF359A4A9736}"/>
               </a:ext>
             </a:extLst>
           </p:cNvPr>
@@ -16387,7 +16497,7 @@
             <a:spLocks noGrp="1"/>
           </p:cNvSpPr>
           <p:nvPr>
-            <p:ph idx="1"/>
+            <p:ph type="body" idx="1"/>
           </p:nvPr>
         </p:nvSpPr>
         <p:spPr/>
@@ -16397,19 +16507,7 @@
           <a:p>
             <a:r>
               <a:rPr lang="en-US" dirty="0"/>
-              <a:t>Elasticity</a:t>
-            </a:r>
-          </a:p>
-          <a:p>
-            <a:r>
-              <a:rPr lang="en-US" dirty="0"/>
-              <a:t>Decision Tree Models</a:t>
-            </a:r>
-          </a:p>
-          <a:p>
-            <a:r>
-              <a:rPr lang="en-US" dirty="0"/>
-              <a:t>Clustering</a:t>
+              <a:t>Date: March 18, 2020</a:t>
             </a:r>
           </a:p>
           <a:p>
@@ -16420,7 +16518,7 @@
     </p:spTree>
     <p:extLst>
       <p:ext uri="{BB962C8B-B14F-4D97-AF65-F5344CB8AC3E}">
-        <p14:creationId xmlns:p14="http://schemas.microsoft.com/office/powerpoint/2010/main" val="2273827461"/>
+        <p14:creationId xmlns:p14="http://schemas.microsoft.com/office/powerpoint/2010/main" val="1402019155"/>
       </p:ext>
     </p:extLst>
   </p:cSld>
@@ -16452,7 +16550,7 @@
           <p:cNvPr id="2" name="Title 1">
             <a:extLst>
               <a:ext uri="{FF2B5EF4-FFF2-40B4-BE49-F238E27FC236}">
-                <a16:creationId xmlns:a16="http://schemas.microsoft.com/office/drawing/2014/main" id="{9FE1B086-9D5D-4298-9B37-ED8375D0EAAB}"/>
+                <a16:creationId xmlns:a16="http://schemas.microsoft.com/office/drawing/2014/main" id="{7289EF6B-8AB6-4186-AF09-0D50FE1BB9FD}"/>
               </a:ext>
             </a:extLst>
           </p:cNvPr>
@@ -16470,7 +16568,7 @@
           <a:p>
             <a:r>
               <a:rPr lang="en-US" dirty="0"/>
-              <a:t>Elasticity</a:t>
+              <a:t>Overview</a:t>
             </a:r>
           </a:p>
         </p:txBody>
@@ -16480,7 +16578,7 @@
           <p:cNvPr id="3" name="Content Placeholder 2">
             <a:extLst>
               <a:ext uri="{FF2B5EF4-FFF2-40B4-BE49-F238E27FC236}">
-                <a16:creationId xmlns:a16="http://schemas.microsoft.com/office/drawing/2014/main" id="{28509D20-E0B6-47C6-86F6-84227CF4EE41}"/>
+                <a16:creationId xmlns:a16="http://schemas.microsoft.com/office/drawing/2014/main" id="{E8A26BB2-24A8-43EF-9A59-9E9533F17D85}"/>
               </a:ext>
             </a:extLst>
           </p:cNvPr>
@@ -16496,14 +16594,32 @@
           <a:bodyPr/>
           <a:lstStyle/>
           <a:p>
-            <a:endParaRPr lang="en-US"/>
+            <a:r>
+              <a:rPr lang="en-US" dirty="0"/>
+              <a:t>Elasticity</a:t>
+            </a:r>
+          </a:p>
+          <a:p>
+            <a:r>
+              <a:rPr lang="en-US" dirty="0"/>
+              <a:t>Decision Tree Models</a:t>
+            </a:r>
+          </a:p>
+          <a:p>
+            <a:r>
+              <a:rPr lang="en-US" dirty="0"/>
+              <a:t>Clustering</a:t>
+            </a:r>
+          </a:p>
+          <a:p>
+            <a:endParaRPr lang="en-US" dirty="0"/>
           </a:p>
         </p:txBody>
       </p:sp>
     </p:spTree>
     <p:extLst>
       <p:ext uri="{BB962C8B-B14F-4D97-AF65-F5344CB8AC3E}">
-        <p14:creationId xmlns:p14="http://schemas.microsoft.com/office/powerpoint/2010/main" val="175478187"/>
+        <p14:creationId xmlns:p14="http://schemas.microsoft.com/office/powerpoint/2010/main" val="2273827461"/>
       </p:ext>
     </p:extLst>
   </p:cSld>
@@ -16586,7 +16702,7 @@
     </p:spTree>
     <p:extLst>
       <p:ext uri="{BB962C8B-B14F-4D97-AF65-F5344CB8AC3E}">
-        <p14:creationId xmlns:p14="http://schemas.microsoft.com/office/powerpoint/2010/main" val="122303473"/>
+        <p14:creationId xmlns:p14="http://schemas.microsoft.com/office/powerpoint/2010/main" val="175478187"/>
       </p:ext>
     </p:extLst>
   </p:cSld>
@@ -16618,7 +16734,7 @@
           <p:cNvPr id="2" name="Title 1">
             <a:extLst>
               <a:ext uri="{FF2B5EF4-FFF2-40B4-BE49-F238E27FC236}">
-                <a16:creationId xmlns:a16="http://schemas.microsoft.com/office/drawing/2014/main" id="{7289EF6B-8AB6-4186-AF09-0D50FE1BB9FD}"/>
+                <a16:creationId xmlns:a16="http://schemas.microsoft.com/office/drawing/2014/main" id="{9FE1B086-9D5D-4298-9B37-ED8375D0EAAB}"/>
               </a:ext>
             </a:extLst>
           </p:cNvPr>
@@ -16636,7 +16752,7 @@
           <a:p>
             <a:r>
               <a:rPr lang="en-US" dirty="0"/>
-              <a:t>Decision Tree Models</a:t>
+              <a:t>Elasticity</a:t>
             </a:r>
           </a:p>
         </p:txBody>
@@ -16646,7 +16762,7 @@
           <p:cNvPr id="3" name="Content Placeholder 2">
             <a:extLst>
               <a:ext uri="{FF2B5EF4-FFF2-40B4-BE49-F238E27FC236}">
-                <a16:creationId xmlns:a16="http://schemas.microsoft.com/office/drawing/2014/main" id="{E8A26BB2-24A8-43EF-9A59-9E9533F17D85}"/>
+                <a16:creationId xmlns:a16="http://schemas.microsoft.com/office/drawing/2014/main" id="{28509D20-E0B6-47C6-86F6-84227CF4EE41}"/>
               </a:ext>
             </a:extLst>
           </p:cNvPr>
@@ -16662,14 +16778,14 @@
           <a:bodyPr/>
           <a:lstStyle/>
           <a:p>
-            <a:endParaRPr lang="en-US" dirty="0"/>
+            <a:endParaRPr lang="en-US"/>
           </a:p>
         </p:txBody>
       </p:sp>
     </p:spTree>
     <p:extLst>
       <p:ext uri="{BB962C8B-B14F-4D97-AF65-F5344CB8AC3E}">
-        <p14:creationId xmlns:p14="http://schemas.microsoft.com/office/powerpoint/2010/main" val="291288199"/>
+        <p14:creationId xmlns:p14="http://schemas.microsoft.com/office/powerpoint/2010/main" val="122303473"/>
       </p:ext>
     </p:extLst>
   </p:cSld>
@@ -16719,13 +16835,8 @@
           <a:p>
             <a:r>
               <a:rPr lang="en-US" dirty="0"/>
-              <a:t>Decision Tree Models - </a:t>
-            </a:r>
-            <a:r>
-              <a:rPr lang="en-US" dirty="0" err="1"/>
-              <a:t>scikitlearn</a:t>
-            </a:r>
-            <a:endParaRPr lang="en-US" dirty="0"/>
+              <a:t>Decision Tree Models</a:t>
+            </a:r>
           </a:p>
         </p:txBody>
       </p:sp>
@@ -16757,7 +16868,7 @@
     </p:spTree>
     <p:extLst>
       <p:ext uri="{BB962C8B-B14F-4D97-AF65-F5344CB8AC3E}">
-        <p14:creationId xmlns:p14="http://schemas.microsoft.com/office/powerpoint/2010/main" val="2023846889"/>
+        <p14:creationId xmlns:p14="http://schemas.microsoft.com/office/powerpoint/2010/main" val="291288199"/>
       </p:ext>
     </p:extLst>
   </p:cSld>
@@ -16789,7 +16900,7 @@
           <p:cNvPr id="2" name="Title 1">
             <a:extLst>
               <a:ext uri="{FF2B5EF4-FFF2-40B4-BE49-F238E27FC236}">
-                <a16:creationId xmlns:a16="http://schemas.microsoft.com/office/drawing/2014/main" id="{EF78D16D-D8ED-4DD6-83CF-98C856279B2B}"/>
+                <a16:creationId xmlns:a16="http://schemas.microsoft.com/office/drawing/2014/main" id="{7289EF6B-8AB6-4186-AF09-0D50FE1BB9FD}"/>
               </a:ext>
             </a:extLst>
           </p:cNvPr>
@@ -16807,8 +16918,13 @@
           <a:p>
             <a:r>
               <a:rPr lang="en-US" dirty="0"/>
-              <a:t>Clustering</a:t>
-            </a:r>
+              <a:t>Decision Tree Models - </a:t>
+            </a:r>
+            <a:r>
+              <a:rPr lang="en-US" dirty="0" err="1"/>
+              <a:t>scikitlearn</a:t>
+            </a:r>
+            <a:endParaRPr lang="en-US" dirty="0"/>
           </a:p>
         </p:txBody>
       </p:sp>
@@ -16817,7 +16933,7 @@
           <p:cNvPr id="3" name="Content Placeholder 2">
             <a:extLst>
               <a:ext uri="{FF2B5EF4-FFF2-40B4-BE49-F238E27FC236}">
-                <a16:creationId xmlns:a16="http://schemas.microsoft.com/office/drawing/2014/main" id="{F8AB9A0C-4431-4D5F-A887-FCA1ABA5340B}"/>
+                <a16:creationId xmlns:a16="http://schemas.microsoft.com/office/drawing/2014/main" id="{E8A26BB2-24A8-43EF-9A59-9E9533F17D85}"/>
               </a:ext>
             </a:extLst>
           </p:cNvPr>
@@ -16833,14 +16949,14 @@
           <a:bodyPr/>
           <a:lstStyle/>
           <a:p>
-            <a:endParaRPr lang="en-US"/>
+            <a:endParaRPr lang="en-US" dirty="0"/>
           </a:p>
         </p:txBody>
       </p:sp>
     </p:spTree>
     <p:extLst>
       <p:ext uri="{BB962C8B-B14F-4D97-AF65-F5344CB8AC3E}">
-        <p14:creationId xmlns:p14="http://schemas.microsoft.com/office/powerpoint/2010/main" val="417440962"/>
+        <p14:creationId xmlns:p14="http://schemas.microsoft.com/office/powerpoint/2010/main" val="2023846889"/>
       </p:ext>
     </p:extLst>
   </p:cSld>
@@ -17067,13 +17183,8 @@
           <a:p>
             <a:r>
               <a:rPr lang="en-US" dirty="0"/>
-              <a:t>Clustering - </a:t>
-            </a:r>
-            <a:r>
-              <a:rPr lang="en-US" dirty="0" err="1"/>
-              <a:t>scikitlearn</a:t>
-            </a:r>
-            <a:endParaRPr lang="en-US" dirty="0"/>
+              <a:t>Clustering</a:t>
+            </a:r>
           </a:p>
         </p:txBody>
       </p:sp>
@@ -17105,7 +17216,7 @@
     </p:spTree>
     <p:extLst>
       <p:ext uri="{BB962C8B-B14F-4D97-AF65-F5344CB8AC3E}">
-        <p14:creationId xmlns:p14="http://schemas.microsoft.com/office/powerpoint/2010/main" val="885144112"/>
+        <p14:creationId xmlns:p14="http://schemas.microsoft.com/office/powerpoint/2010/main" val="417440962"/>
       </p:ext>
     </p:extLst>
   </p:cSld>
@@ -17137,7 +17248,7 @@
           <p:cNvPr id="2" name="Title 1">
             <a:extLst>
               <a:ext uri="{FF2B5EF4-FFF2-40B4-BE49-F238E27FC236}">
-                <a16:creationId xmlns:a16="http://schemas.microsoft.com/office/drawing/2014/main" id="{37F47C21-4937-4FE1-BE59-56D978F65B8D}"/>
+                <a16:creationId xmlns:a16="http://schemas.microsoft.com/office/drawing/2014/main" id="{EF78D16D-D8ED-4DD6-83CF-98C856279B2B}"/>
               </a:ext>
             </a:extLst>
           </p:cNvPr>
@@ -17155,8 +17266,13 @@
           <a:p>
             <a:r>
               <a:rPr lang="en-US" dirty="0"/>
-              <a:t>Homework (Due March 25, 2020)</a:t>
-            </a:r>
+              <a:t>Clustering - </a:t>
+            </a:r>
+            <a:r>
+              <a:rPr lang="en-US" dirty="0" err="1"/>
+              <a:t>scikitlearn</a:t>
+            </a:r>
+            <a:endParaRPr lang="en-US" dirty="0"/>
           </a:p>
         </p:txBody>
       </p:sp>
@@ -17165,7 +17281,7 @@
           <p:cNvPr id="3" name="Content Placeholder 2">
             <a:extLst>
               <a:ext uri="{FF2B5EF4-FFF2-40B4-BE49-F238E27FC236}">
-                <a16:creationId xmlns:a16="http://schemas.microsoft.com/office/drawing/2014/main" id="{4BA640D3-C44B-4A6D-8102-C32143FBADEB}"/>
+                <a16:creationId xmlns:a16="http://schemas.microsoft.com/office/drawing/2014/main" id="{F8AB9A0C-4431-4D5F-A887-FCA1ABA5340B}"/>
               </a:ext>
             </a:extLst>
           </p:cNvPr>
@@ -17181,25 +17297,14 @@
           <a:bodyPr/>
           <a:lstStyle/>
           <a:p>
-            <a:pPr>
-              <a:buFont typeface="Arial" panose="020B0604020202020204" pitchFamily="34" charset="0"/>
-              <a:buChar char="•"/>
-            </a:pPr>
-            <a:endParaRPr lang="en-US" dirty="0"/>
-          </a:p>
-          <a:p>
-            <a:pPr>
-              <a:buFont typeface="Arial" panose="020B0604020202020204" pitchFamily="34" charset="0"/>
-              <a:buChar char="•"/>
-            </a:pPr>
-            <a:endParaRPr lang="en-US" dirty="0"/>
+            <a:endParaRPr lang="en-US"/>
           </a:p>
         </p:txBody>
       </p:sp>
     </p:spTree>
     <p:extLst>
       <p:ext uri="{BB962C8B-B14F-4D97-AF65-F5344CB8AC3E}">
-        <p14:creationId xmlns:p14="http://schemas.microsoft.com/office/powerpoint/2010/main" val="1015306222"/>
+        <p14:creationId xmlns:p14="http://schemas.microsoft.com/office/powerpoint/2010/main" val="885144112"/>
       </p:ext>
     </p:extLst>
   </p:cSld>
@@ -17231,7 +17336,7 @@
           <p:cNvPr id="2" name="Title 1">
             <a:extLst>
               <a:ext uri="{FF2B5EF4-FFF2-40B4-BE49-F238E27FC236}">
-                <a16:creationId xmlns:a16="http://schemas.microsoft.com/office/drawing/2014/main" id="{AD2860B2-7C83-4A55-8E7E-7A4B069D4A7E}"/>
+                <a16:creationId xmlns:a16="http://schemas.microsoft.com/office/drawing/2014/main" id="{37F47C21-4937-4FE1-BE59-56D978F65B8D}"/>
               </a:ext>
             </a:extLst>
           </p:cNvPr>
@@ -17249,17 +17354,17 @@
           <a:p>
             <a:r>
               <a:rPr lang="en-US" dirty="0"/>
-              <a:t>Week 6</a:t>
-            </a:r>
-          </a:p>
-        </p:txBody>
-      </p:sp>
-      <p:sp>
-        <p:nvSpPr>
-          <p:cNvPr id="3" name="Text Placeholder 2">
+              <a:t>Homework (Due March 25, 2020)</a:t>
+            </a:r>
+          </a:p>
+        </p:txBody>
+      </p:sp>
+      <p:sp>
+        <p:nvSpPr>
+          <p:cNvPr id="3" name="Content Placeholder 2">
             <a:extLst>
               <a:ext uri="{FF2B5EF4-FFF2-40B4-BE49-F238E27FC236}">
-                <a16:creationId xmlns:a16="http://schemas.microsoft.com/office/drawing/2014/main" id="{274FDD8D-BBB7-47AC-AD7F-DF359A4A9736}"/>
+                <a16:creationId xmlns:a16="http://schemas.microsoft.com/office/drawing/2014/main" id="{4BA640D3-C44B-4A6D-8102-C32143FBADEB}"/>
               </a:ext>
             </a:extLst>
           </p:cNvPr>
@@ -17267,7 +17372,7 @@
             <a:spLocks noGrp="1"/>
           </p:cNvSpPr>
           <p:nvPr>
-            <p:ph type="body" idx="1"/>
+            <p:ph idx="1"/>
           </p:nvPr>
         </p:nvSpPr>
         <p:spPr/>
@@ -17275,12 +17380,17 @@
           <a:bodyPr/>
           <a:lstStyle/>
           <a:p>
-            <a:r>
-              <a:rPr lang="en-US" dirty="0"/>
-              <a:t>Date: March 25, 2020</a:t>
-            </a:r>
-          </a:p>
-          <a:p>
+            <a:pPr>
+              <a:buFont typeface="Arial" panose="020B0604020202020204" pitchFamily="34" charset="0"/>
+              <a:buChar char="•"/>
+            </a:pPr>
+            <a:endParaRPr lang="en-US" dirty="0"/>
+          </a:p>
+          <a:p>
+            <a:pPr>
+              <a:buFont typeface="Arial" panose="020B0604020202020204" pitchFamily="34" charset="0"/>
+              <a:buChar char="•"/>
+            </a:pPr>
             <a:endParaRPr lang="en-US" dirty="0"/>
           </a:p>
         </p:txBody>
@@ -17288,7 +17398,7 @@
     </p:spTree>
     <p:extLst>
       <p:ext uri="{BB962C8B-B14F-4D97-AF65-F5344CB8AC3E}">
-        <p14:creationId xmlns:p14="http://schemas.microsoft.com/office/powerpoint/2010/main" val="478373071"/>
+        <p14:creationId xmlns:p14="http://schemas.microsoft.com/office/powerpoint/2010/main" val="1015306222"/>
       </p:ext>
     </p:extLst>
   </p:cSld>
@@ -17320,7 +17430,7 @@
           <p:cNvPr id="2" name="Title 1">
             <a:extLst>
               <a:ext uri="{FF2B5EF4-FFF2-40B4-BE49-F238E27FC236}">
-                <a16:creationId xmlns:a16="http://schemas.microsoft.com/office/drawing/2014/main" id="{56812E27-DBE9-45BB-AB7A-4B7EDFF1F3F2}"/>
+                <a16:creationId xmlns:a16="http://schemas.microsoft.com/office/drawing/2014/main" id="{AD2860B2-7C83-4A55-8E7E-7A4B069D4A7E}"/>
               </a:ext>
             </a:extLst>
           </p:cNvPr>
@@ -17338,17 +17448,17 @@
           <a:p>
             <a:r>
               <a:rPr lang="en-US" dirty="0"/>
-              <a:t>Elasticity models</a:t>
-            </a:r>
-          </a:p>
-        </p:txBody>
-      </p:sp>
-      <p:sp>
-        <p:nvSpPr>
-          <p:cNvPr id="3" name="Content Placeholder 2">
+              <a:t>Week 6</a:t>
+            </a:r>
+          </a:p>
+        </p:txBody>
+      </p:sp>
+      <p:sp>
+        <p:nvSpPr>
+          <p:cNvPr id="3" name="Text Placeholder 2">
             <a:extLst>
               <a:ext uri="{FF2B5EF4-FFF2-40B4-BE49-F238E27FC236}">
-                <a16:creationId xmlns:a16="http://schemas.microsoft.com/office/drawing/2014/main" id="{DF7A58C9-2060-4FC4-A7B7-2B9864FF1946}"/>
+                <a16:creationId xmlns:a16="http://schemas.microsoft.com/office/drawing/2014/main" id="{274FDD8D-BBB7-47AC-AD7F-DF359A4A9736}"/>
               </a:ext>
             </a:extLst>
           </p:cNvPr>
@@ -17356,7 +17466,7 @@
             <a:spLocks noGrp="1"/>
           </p:cNvSpPr>
           <p:nvPr>
-            <p:ph idx="1"/>
+            <p:ph type="body" idx="1"/>
           </p:nvPr>
         </p:nvSpPr>
         <p:spPr/>
@@ -17364,14 +17474,20 @@
           <a:bodyPr/>
           <a:lstStyle/>
           <a:p>
-            <a:endParaRPr lang="en-US"/>
+            <a:r>
+              <a:rPr lang="en-US" dirty="0"/>
+              <a:t>Date: March 25, 2020</a:t>
+            </a:r>
+          </a:p>
+          <a:p>
+            <a:endParaRPr lang="en-US" dirty="0"/>
           </a:p>
         </p:txBody>
       </p:sp>
     </p:spTree>
     <p:extLst>
       <p:ext uri="{BB962C8B-B14F-4D97-AF65-F5344CB8AC3E}">
-        <p14:creationId xmlns:p14="http://schemas.microsoft.com/office/powerpoint/2010/main" val="3914258039"/>
+        <p14:creationId xmlns:p14="http://schemas.microsoft.com/office/powerpoint/2010/main" val="478373071"/>
       </p:ext>
     </p:extLst>
   </p:cSld>
@@ -17403,7 +17519,7 @@
           <p:cNvPr id="2" name="Title 1">
             <a:extLst>
               <a:ext uri="{FF2B5EF4-FFF2-40B4-BE49-F238E27FC236}">
-                <a16:creationId xmlns:a16="http://schemas.microsoft.com/office/drawing/2014/main" id="{E6DFB96B-A5D0-4C65-AC3B-E7BC259F70B2}"/>
+                <a16:creationId xmlns:a16="http://schemas.microsoft.com/office/drawing/2014/main" id="{56812E27-DBE9-45BB-AB7A-4B7EDFF1F3F2}"/>
               </a:ext>
             </a:extLst>
           </p:cNvPr>
@@ -17421,7 +17537,7 @@
           <a:p>
             <a:r>
               <a:rPr lang="en-US" dirty="0"/>
-              <a:t>Decision trees continued</a:t>
+              <a:t>Elasticity models</a:t>
             </a:r>
           </a:p>
         </p:txBody>
@@ -17431,7 +17547,7 @@
           <p:cNvPr id="3" name="Content Placeholder 2">
             <a:extLst>
               <a:ext uri="{FF2B5EF4-FFF2-40B4-BE49-F238E27FC236}">
-                <a16:creationId xmlns:a16="http://schemas.microsoft.com/office/drawing/2014/main" id="{B66F49DB-CED0-4D93-AD80-56A6A64F4C27}"/>
+                <a16:creationId xmlns:a16="http://schemas.microsoft.com/office/drawing/2014/main" id="{DF7A58C9-2060-4FC4-A7B7-2B9864FF1946}"/>
               </a:ext>
             </a:extLst>
           </p:cNvPr>
@@ -17454,7 +17570,7 @@
     </p:spTree>
     <p:extLst>
       <p:ext uri="{BB962C8B-B14F-4D97-AF65-F5344CB8AC3E}">
-        <p14:creationId xmlns:p14="http://schemas.microsoft.com/office/powerpoint/2010/main" val="2520431104"/>
+        <p14:creationId xmlns:p14="http://schemas.microsoft.com/office/powerpoint/2010/main" val="3914258039"/>
       </p:ext>
     </p:extLst>
   </p:cSld>
@@ -17486,7 +17602,7 @@
           <p:cNvPr id="2" name="Title 1">
             <a:extLst>
               <a:ext uri="{FF2B5EF4-FFF2-40B4-BE49-F238E27FC236}">
-                <a16:creationId xmlns:a16="http://schemas.microsoft.com/office/drawing/2014/main" id="{37F47C21-4937-4FE1-BE59-56D978F65B8D}"/>
+                <a16:creationId xmlns:a16="http://schemas.microsoft.com/office/drawing/2014/main" id="{E6DFB96B-A5D0-4C65-AC3B-E7BC259F70B2}"/>
               </a:ext>
             </a:extLst>
           </p:cNvPr>
@@ -17504,7 +17620,7 @@
           <a:p>
             <a:r>
               <a:rPr lang="en-US" dirty="0"/>
-              <a:t>Homework (Due April 1, 2020)</a:t>
+              <a:t>Decision trees continued</a:t>
             </a:r>
           </a:p>
         </p:txBody>
@@ -17514,7 +17630,7 @@
           <p:cNvPr id="3" name="Content Placeholder 2">
             <a:extLst>
               <a:ext uri="{FF2B5EF4-FFF2-40B4-BE49-F238E27FC236}">
-                <a16:creationId xmlns:a16="http://schemas.microsoft.com/office/drawing/2014/main" id="{4BA640D3-C44B-4A6D-8102-C32143FBADEB}"/>
+                <a16:creationId xmlns:a16="http://schemas.microsoft.com/office/drawing/2014/main" id="{B66F49DB-CED0-4D93-AD80-56A6A64F4C27}"/>
               </a:ext>
             </a:extLst>
           </p:cNvPr>
@@ -17530,41 +17646,14 @@
           <a:bodyPr/>
           <a:lstStyle/>
           <a:p>
-            <a:pPr>
-              <a:buFont typeface="Arial" panose="020B0604020202020204" pitchFamily="34" charset="0"/>
-              <a:buChar char="•"/>
-            </a:pPr>
-            <a:r>
-              <a:rPr lang="en-US" dirty="0"/>
-              <a:t>Decision Tree notebook</a:t>
-            </a:r>
-          </a:p>
-          <a:p>
-            <a:pPr>
-              <a:buFont typeface="Arial" panose="020B0604020202020204" pitchFamily="34" charset="0"/>
-              <a:buChar char="•"/>
-            </a:pPr>
-            <a:r>
-              <a:rPr lang="en-US" dirty="0"/>
-              <a:t>Submit final notebook (include your name in the title)</a:t>
-            </a:r>
-          </a:p>
-          <a:p>
-            <a:pPr>
-              <a:buFont typeface="Arial" panose="020B0604020202020204" pitchFamily="34" charset="0"/>
-              <a:buChar char="•"/>
-            </a:pPr>
-            <a:r>
-              <a:rPr lang="en-US" dirty="0"/>
-              <a:t>Complete survey</a:t>
-            </a:r>
+            <a:endParaRPr lang="en-US"/>
           </a:p>
         </p:txBody>
       </p:sp>
     </p:spTree>
     <p:extLst>
       <p:ext uri="{BB962C8B-B14F-4D97-AF65-F5344CB8AC3E}">
-        <p14:creationId xmlns:p14="http://schemas.microsoft.com/office/powerpoint/2010/main" val="3089444643"/>
+        <p14:creationId xmlns:p14="http://schemas.microsoft.com/office/powerpoint/2010/main" val="2520431104"/>
       </p:ext>
     </p:extLst>
   </p:cSld>
@@ -17596,6 +17685,116 @@
           <p:cNvPr id="2" name="Title 1">
             <a:extLst>
               <a:ext uri="{FF2B5EF4-FFF2-40B4-BE49-F238E27FC236}">
+                <a16:creationId xmlns:a16="http://schemas.microsoft.com/office/drawing/2014/main" id="{37F47C21-4937-4FE1-BE59-56D978F65B8D}"/>
+              </a:ext>
+            </a:extLst>
+          </p:cNvPr>
+          <p:cNvSpPr>
+            <a:spLocks noGrp="1"/>
+          </p:cNvSpPr>
+          <p:nvPr>
+            <p:ph type="title"/>
+          </p:nvPr>
+        </p:nvSpPr>
+        <p:spPr/>
+        <p:txBody>
+          <a:bodyPr/>
+          <a:lstStyle/>
+          <a:p>
+            <a:r>
+              <a:rPr lang="en-US" dirty="0"/>
+              <a:t>Homework (Due April 1, 2020)</a:t>
+            </a:r>
+          </a:p>
+        </p:txBody>
+      </p:sp>
+      <p:sp>
+        <p:nvSpPr>
+          <p:cNvPr id="3" name="Content Placeholder 2">
+            <a:extLst>
+              <a:ext uri="{FF2B5EF4-FFF2-40B4-BE49-F238E27FC236}">
+                <a16:creationId xmlns:a16="http://schemas.microsoft.com/office/drawing/2014/main" id="{4BA640D3-C44B-4A6D-8102-C32143FBADEB}"/>
+              </a:ext>
+            </a:extLst>
+          </p:cNvPr>
+          <p:cNvSpPr>
+            <a:spLocks noGrp="1"/>
+          </p:cNvSpPr>
+          <p:nvPr>
+            <p:ph idx="1"/>
+          </p:nvPr>
+        </p:nvSpPr>
+        <p:spPr/>
+        <p:txBody>
+          <a:bodyPr/>
+          <a:lstStyle/>
+          <a:p>
+            <a:pPr>
+              <a:buFont typeface="Arial" panose="020B0604020202020204" pitchFamily="34" charset="0"/>
+              <a:buChar char="•"/>
+            </a:pPr>
+            <a:r>
+              <a:rPr lang="en-US" dirty="0"/>
+              <a:t>Decision Tree notebook</a:t>
+            </a:r>
+          </a:p>
+          <a:p>
+            <a:pPr>
+              <a:buFont typeface="Arial" panose="020B0604020202020204" pitchFamily="34" charset="0"/>
+              <a:buChar char="•"/>
+            </a:pPr>
+            <a:r>
+              <a:rPr lang="en-US" dirty="0"/>
+              <a:t>Submit final notebook (include your name in the title)</a:t>
+            </a:r>
+          </a:p>
+          <a:p>
+            <a:pPr>
+              <a:buFont typeface="Arial" panose="020B0604020202020204" pitchFamily="34" charset="0"/>
+              <a:buChar char="•"/>
+            </a:pPr>
+            <a:r>
+              <a:rPr lang="en-US" dirty="0"/>
+              <a:t>Complete survey</a:t>
+            </a:r>
+          </a:p>
+        </p:txBody>
+      </p:sp>
+    </p:spTree>
+    <p:extLst>
+      <p:ext uri="{BB962C8B-B14F-4D97-AF65-F5344CB8AC3E}">
+        <p14:creationId xmlns:p14="http://schemas.microsoft.com/office/powerpoint/2010/main" val="3089444643"/>
+      </p:ext>
+    </p:extLst>
+  </p:cSld>
+  <p:clrMapOvr>
+    <a:masterClrMapping/>
+  </p:clrMapOvr>
+</p:sld>
+</file>
+
+<file path=ppt/slides/slide67.xml><?xml version="1.0" encoding="utf-8"?>
+<p:sld xmlns:a="http://schemas.openxmlformats.org/drawingml/2006/main" xmlns:r="http://schemas.openxmlformats.org/officeDocument/2006/relationships" xmlns:p="http://schemas.openxmlformats.org/presentationml/2006/main">
+  <p:cSld>
+    <p:spTree>
+      <p:nvGrpSpPr>
+        <p:cNvPr id="1" name=""/>
+        <p:cNvGrpSpPr/>
+        <p:nvPr/>
+      </p:nvGrpSpPr>
+      <p:grpSpPr>
+        <a:xfrm>
+          <a:off x="0" y="0"/>
+          <a:ext cx="0" cy="0"/>
+          <a:chOff x="0" y="0"/>
+          <a:chExt cx="0" cy="0"/>
+        </a:xfrm>
+      </p:grpSpPr>
+      <p:sp>
+        <p:nvSpPr>
+          <p:cNvPr id="2" name="Title 1">
+            <a:extLst>
+              <a:ext uri="{FF2B5EF4-FFF2-40B4-BE49-F238E27FC236}">
                 <a16:creationId xmlns:a16="http://schemas.microsoft.com/office/drawing/2014/main" id="{AD2860B2-7C83-4A55-8E7E-7A4B069D4A7E}"/>
               </a:ext>
             </a:extLst>
@@ -17668,7 +17867,7 @@
 </p:sld>
 </file>
 
-<file path=ppt/slides/slide67.xml><?xml version="1.0" encoding="utf-8"?>
+<file path=ppt/slides/slide68.xml><?xml version="1.0" encoding="utf-8"?>
 <p:sld xmlns:a="http://schemas.openxmlformats.org/drawingml/2006/main" xmlns:r="http://schemas.openxmlformats.org/officeDocument/2006/relationships" xmlns:p="http://schemas.openxmlformats.org/presentationml/2006/main">
   <p:cSld>
     <p:spTree>

--- a/Wayne State Course.pptx
+++ b/Wayne State Course.pptx
@@ -71,15 +71,13 @@
     <p:sldId id="343" r:id="rId65"/>
     <p:sldId id="345" r:id="rId66"/>
     <p:sldId id="346" r:id="rId67"/>
-    <p:sldId id="319" r:id="rId68"/>
-    <p:sldId id="340" r:id="rId69"/>
-    <p:sldId id="314" r:id="rId70"/>
-    <p:sldId id="262" r:id="rId71"/>
-    <p:sldId id="291" r:id="rId72"/>
-    <p:sldId id="292" r:id="rId73"/>
-    <p:sldId id="315" r:id="rId74"/>
-    <p:sldId id="263" r:id="rId75"/>
-    <p:sldId id="270" r:id="rId76"/>
+    <p:sldId id="340" r:id="rId68"/>
+    <p:sldId id="314" r:id="rId69"/>
+    <p:sldId id="262" r:id="rId70"/>
+    <p:sldId id="292" r:id="rId71"/>
+    <p:sldId id="347" r:id="rId72"/>
+    <p:sldId id="263" r:id="rId73"/>
+    <p:sldId id="270" r:id="rId74"/>
   </p:sldIdLst>
   <p:sldSz cx="12192000" cy="6858000"/>
   <p:notesSz cx="6858000" cy="9144000"/>
@@ -189,7 +187,7 @@
 <file path=ppt/revisionInfo.xml><?xml version="1.0" encoding="utf-8"?>
 <p1510:revInfo xmlns:a="http://schemas.openxmlformats.org/drawingml/2006/main" xmlns:r="http://schemas.openxmlformats.org/officeDocument/2006/relationships" xmlns:p1510="http://schemas.microsoft.com/office/powerpoint/2015/10/main">
   <p1510:revLst>
-    <p1510:client id="{49CF1250-C2FD-4ACC-A1B6-A7A733012DB9}" v="1331" dt="2020-03-24T01:53:43.645"/>
+    <p1510:client id="{49CF1250-C2FD-4ACC-A1B6-A7A733012DB9}" v="1342" dt="2020-04-04T19:00:02.353"/>
   </p1510:revLst>
 </p1510:revInfo>
 </file>
@@ -2159,7 +2157,7 @@
   <pc:docChgLst>
     <pc:chgData name="Casey Whorton" userId="ca5133bb86cb7820" providerId="LiveId" clId="{49CF1250-C2FD-4ACC-A1B6-A7A733012DB9}"/>
     <pc:docChg chg="undo custSel mod addSld delSld modSld sldOrd">
-      <pc:chgData name="Casey Whorton" userId="ca5133bb86cb7820" providerId="LiveId" clId="{49CF1250-C2FD-4ACC-A1B6-A7A733012DB9}" dt="2020-03-24T01:53:43.556" v="10897" actId="113"/>
+      <pc:chgData name="Casey Whorton" userId="ca5133bb86cb7820" providerId="LiveId" clId="{49CF1250-C2FD-4ACC-A1B6-A7A733012DB9}" dt="2020-04-04T19:00:55.995" v="11715" actId="12"/>
       <pc:docMkLst>
         <pc:docMk/>
       </pc:docMkLst>
@@ -2194,6 +2192,36 @@
         </pc:spChg>
       </pc:sldChg>
       <pc:sldChg chg="modSp">
+        <pc:chgData name="Casey Whorton" userId="ca5133bb86cb7820" providerId="LiveId" clId="{49CF1250-C2FD-4ACC-A1B6-A7A733012DB9}" dt="2020-04-04T18:56:05.616" v="11058" actId="20577"/>
+        <pc:sldMkLst>
+          <pc:docMk/>
+          <pc:sldMk cId="478373071" sldId="262"/>
+        </pc:sldMkLst>
+        <pc:spChg chg="mod">
+          <ac:chgData name="Casey Whorton" userId="ca5133bb86cb7820" providerId="LiveId" clId="{49CF1250-C2FD-4ACC-A1B6-A7A733012DB9}" dt="2020-04-04T18:56:05.616" v="11058" actId="20577"/>
+          <ac:spMkLst>
+            <pc:docMk/>
+            <pc:sldMk cId="478373071" sldId="262"/>
+            <ac:spMk id="3" creationId="{274FDD8D-BBB7-47AC-AD7F-DF359A4A9736}"/>
+          </ac:spMkLst>
+        </pc:spChg>
+      </pc:sldChg>
+      <pc:sldChg chg="modSp">
+        <pc:chgData name="Casey Whorton" userId="ca5133bb86cb7820" providerId="LiveId" clId="{49CF1250-C2FD-4ACC-A1B6-A7A733012DB9}" dt="2020-04-04T18:57:32.969" v="11130" actId="20577"/>
+        <pc:sldMkLst>
+          <pc:docMk/>
+          <pc:sldMk cId="3750065332" sldId="263"/>
+        </pc:sldMkLst>
+        <pc:spChg chg="mod">
+          <ac:chgData name="Casey Whorton" userId="ca5133bb86cb7820" providerId="LiveId" clId="{49CF1250-C2FD-4ACC-A1B6-A7A733012DB9}" dt="2020-04-04T18:57:32.969" v="11130" actId="20577"/>
+          <ac:spMkLst>
+            <pc:docMk/>
+            <pc:sldMk cId="3750065332" sldId="263"/>
+            <ac:spMk id="3" creationId="{274FDD8D-BBB7-47AC-AD7F-DF359A4A9736}"/>
+          </ac:spMkLst>
+        </pc:spChg>
+      </pc:sldChg>
+      <pc:sldChg chg="modSp">
         <pc:chgData name="Casey Whorton" userId="ca5133bb86cb7820" providerId="LiveId" clId="{49CF1250-C2FD-4ACC-A1B6-A7A733012DB9}" dt="2020-03-10T23:55:15.480" v="898" actId="20577"/>
         <pc:sldMkLst>
           <pc:docMk/>
@@ -2220,6 +2248,29 @@
             <pc:docMk/>
             <pc:sldMk cId="2273827461" sldId="268"/>
             <ac:spMk id="3" creationId="{E8A26BB2-24A8-43EF-9A59-9E9533F17D85}"/>
+          </ac:spMkLst>
+        </pc:spChg>
+      </pc:sldChg>
+      <pc:sldChg chg="modSp">
+        <pc:chgData name="Casey Whorton" userId="ca5133bb86cb7820" providerId="LiveId" clId="{49CF1250-C2FD-4ACC-A1B6-A7A733012DB9}" dt="2020-04-04T18:59:44.285" v="11544" actId="20577"/>
+        <pc:sldMkLst>
+          <pc:docMk/>
+          <pc:sldMk cId="2391162298" sldId="270"/>
+        </pc:sldMkLst>
+        <pc:spChg chg="mod">
+          <ac:chgData name="Casey Whorton" userId="ca5133bb86cb7820" providerId="LiveId" clId="{49CF1250-C2FD-4ACC-A1B6-A7A733012DB9}" dt="2020-04-04T18:59:04.308" v="11446" actId="20577"/>
+          <ac:spMkLst>
+            <pc:docMk/>
+            <pc:sldMk cId="2391162298" sldId="270"/>
+            <ac:spMk id="2" creationId="{D506ECDD-8296-4572-8EE0-55E59330B45E}"/>
+          </ac:spMkLst>
+        </pc:spChg>
+        <pc:spChg chg="mod">
+          <ac:chgData name="Casey Whorton" userId="ca5133bb86cb7820" providerId="LiveId" clId="{49CF1250-C2FD-4ACC-A1B6-A7A733012DB9}" dt="2020-04-04T18:59:44.285" v="11544" actId="20577"/>
+          <ac:spMkLst>
+            <pc:docMk/>
+            <pc:sldMk cId="2391162298" sldId="270"/>
+            <ac:spMk id="3" creationId="{FB1FEE6F-A6FB-4CF4-8149-DABBDC15D151}"/>
           </ac:spMkLst>
         </pc:spChg>
       </pc:sldChg>
@@ -2393,6 +2444,51 @@
             <ac:spMk id="3" creationId="{E8A26BB2-24A8-43EF-9A59-9E9533F17D85}"/>
           </ac:spMkLst>
         </pc:spChg>
+      </pc:sldChg>
+      <pc:sldChg chg="del">
+        <pc:chgData name="Casey Whorton" userId="ca5133bb86cb7820" providerId="LiveId" clId="{49CF1250-C2FD-4ACC-A1B6-A7A733012DB9}" dt="2020-04-04T18:55:24.350" v="11049" actId="47"/>
+        <pc:sldMkLst>
+          <pc:docMk/>
+          <pc:sldMk cId="3914258039" sldId="291"/>
+        </pc:sldMkLst>
+      </pc:sldChg>
+      <pc:sldChg chg="modSp">
+        <pc:chgData name="Casey Whorton" userId="ca5133bb86cb7820" providerId="LiveId" clId="{49CF1250-C2FD-4ACC-A1B6-A7A733012DB9}" dt="2020-04-04T18:57:22.906" v="11128" actId="20577"/>
+        <pc:sldMkLst>
+          <pc:docMk/>
+          <pc:sldMk cId="2520431104" sldId="292"/>
+        </pc:sldMkLst>
+        <pc:spChg chg="mod">
+          <ac:chgData name="Casey Whorton" userId="ca5133bb86cb7820" providerId="LiveId" clId="{49CF1250-C2FD-4ACC-A1B6-A7A733012DB9}" dt="2020-04-04T18:56:17.741" v="11090" actId="20577"/>
+          <ac:spMkLst>
+            <pc:docMk/>
+            <pc:sldMk cId="2520431104" sldId="292"/>
+            <ac:spMk id="2" creationId="{E6DFB96B-A5D0-4C65-AC3B-E7BC259F70B2}"/>
+          </ac:spMkLst>
+        </pc:spChg>
+        <pc:spChg chg="mod">
+          <ac:chgData name="Casey Whorton" userId="ca5133bb86cb7820" providerId="LiveId" clId="{49CF1250-C2FD-4ACC-A1B6-A7A733012DB9}" dt="2020-04-04T18:57:22.906" v="11128" actId="20577"/>
+          <ac:spMkLst>
+            <pc:docMk/>
+            <pc:sldMk cId="2520431104" sldId="292"/>
+            <ac:spMk id="3" creationId="{B66F49DB-CED0-4D93-AD80-56A6A64F4C27}"/>
+          </ac:spMkLst>
+        </pc:spChg>
+      </pc:sldChg>
+      <pc:sldChg chg="modSp">
+        <pc:chgData name="Casey Whorton" userId="ca5133bb86cb7820" providerId="LiveId" clId="{49CF1250-C2FD-4ACC-A1B6-A7A733012DB9}" dt="2020-04-04T12:26:17.957" v="10906" actId="1076"/>
+        <pc:sldMkLst>
+          <pc:docMk/>
+          <pc:sldMk cId="340799084" sldId="299"/>
+        </pc:sldMkLst>
+        <pc:picChg chg="mod">
+          <ac:chgData name="Casey Whorton" userId="ca5133bb86cb7820" providerId="LiveId" clId="{49CF1250-C2FD-4ACC-A1B6-A7A733012DB9}" dt="2020-04-04T12:26:17.957" v="10906" actId="1076"/>
+          <ac:picMkLst>
+            <pc:docMk/>
+            <pc:sldMk cId="340799084" sldId="299"/>
+            <ac:picMk id="1026" creationId="{E030FDB5-A088-4047-AE12-48A21DEED50B}"/>
+          </ac:picMkLst>
+        </pc:picChg>
       </pc:sldChg>
       <pc:sldChg chg="del">
         <pc:chgData name="Casey Whorton" userId="ca5133bb86cb7820" providerId="LiveId" clId="{49CF1250-C2FD-4ACC-A1B6-A7A733012DB9}" dt="2020-03-11T00:00:14.846" v="1390" actId="47"/>
@@ -2779,6 +2875,21 @@
           </ac:spMkLst>
         </pc:spChg>
       </pc:sldChg>
+      <pc:sldChg chg="modSp del">
+        <pc:chgData name="Casey Whorton" userId="ca5133bb86cb7820" providerId="LiveId" clId="{49CF1250-C2FD-4ACC-A1B6-A7A733012DB9}" dt="2020-04-04T18:55:42.356" v="11051" actId="47"/>
+        <pc:sldMkLst>
+          <pc:docMk/>
+          <pc:sldMk cId="3089444643" sldId="315"/>
+        </pc:sldMkLst>
+        <pc:spChg chg="mod">
+          <ac:chgData name="Casey Whorton" userId="ca5133bb86cb7820" providerId="LiveId" clId="{49CF1250-C2FD-4ACC-A1B6-A7A733012DB9}" dt="2020-04-04T18:55:40.056" v="11050" actId="20577"/>
+          <ac:spMkLst>
+            <pc:docMk/>
+            <pc:sldMk cId="3089444643" sldId="315"/>
+            <ac:spMk id="3" creationId="{4BA640D3-C44B-4A6D-8102-C32143FBADEB}"/>
+          </ac:spMkLst>
+        </pc:spChg>
+      </pc:sldChg>
       <pc:sldChg chg="del">
         <pc:chgData name="Casey Whorton" userId="ca5133bb86cb7820" providerId="LiveId" clId="{49CF1250-C2FD-4ACC-A1B6-A7A733012DB9}" dt="2020-03-24T00:15:49.513" v="5489" actId="47"/>
         <pc:sldMkLst>
@@ -2793,8 +2904,8 @@
           <pc:sldMk cId="122303473" sldId="318"/>
         </pc:sldMkLst>
       </pc:sldChg>
-      <pc:sldChg chg="modSp">
-        <pc:chgData name="Casey Whorton" userId="ca5133bb86cb7820" providerId="LiveId" clId="{49CF1250-C2FD-4ACC-A1B6-A7A733012DB9}" dt="2020-03-24T00:55:52.803" v="8527" actId="5793"/>
+      <pc:sldChg chg="modSp del">
+        <pc:chgData name="Casey Whorton" userId="ca5133bb86cb7820" providerId="LiveId" clId="{49CF1250-C2FD-4ACC-A1B6-A7A733012DB9}" dt="2020-04-04T18:55:19.995" v="11048" actId="47"/>
         <pc:sldMkLst>
           <pc:docMk/>
           <pc:sldMk cId="2023846889" sldId="319"/>
@@ -3365,7 +3476,7 @@
         </pc:spChg>
       </pc:sldChg>
       <pc:sldChg chg="addSp delSp modSp add mod setBg">
-        <pc:chgData name="Casey Whorton" userId="ca5133bb86cb7820" providerId="LiveId" clId="{49CF1250-C2FD-4ACC-A1B6-A7A733012DB9}" dt="2020-03-24T00:45:04.246" v="7891" actId="20577"/>
+        <pc:chgData name="Casey Whorton" userId="ca5133bb86cb7820" providerId="LiveId" clId="{49CF1250-C2FD-4ACC-A1B6-A7A733012DB9}" dt="2020-04-04T18:55:11.089" v="11047" actId="20577"/>
         <pc:sldMkLst>
           <pc:docMk/>
           <pc:sldMk cId="2687232128" sldId="339"/>
@@ -3379,7 +3490,7 @@
           </ac:spMkLst>
         </pc:spChg>
         <pc:spChg chg="mod ord">
-          <ac:chgData name="Casey Whorton" userId="ca5133bb86cb7820" providerId="LiveId" clId="{49CF1250-C2FD-4ACC-A1B6-A7A733012DB9}" dt="2020-03-24T00:45:04.246" v="7891" actId="20577"/>
+          <ac:chgData name="Casey Whorton" userId="ca5133bb86cb7820" providerId="LiveId" clId="{49CF1250-C2FD-4ACC-A1B6-A7A733012DB9}" dt="2020-04-04T18:55:11.089" v="11047" actId="20577"/>
           <ac:spMkLst>
             <pc:docMk/>
             <pc:sldMk cId="2687232128" sldId="339"/>
@@ -3736,7 +3847,7 @@
         </pc:picChg>
       </pc:sldChg>
       <pc:sldChg chg="addSp delSp modSp add mod setBg">
-        <pc:chgData name="Casey Whorton" userId="ca5133bb86cb7820" providerId="LiveId" clId="{49CF1250-C2FD-4ACC-A1B6-A7A733012DB9}" dt="2020-03-24T01:53:43.556" v="10897" actId="113"/>
+        <pc:chgData name="Casey Whorton" userId="ca5133bb86cb7820" providerId="LiveId" clId="{49CF1250-C2FD-4ACC-A1B6-A7A733012DB9}" dt="2020-03-25T22:11:16.414" v="10900" actId="1076"/>
         <pc:sldMkLst>
           <pc:docMk/>
           <pc:sldMk cId="1730731503" sldId="344"/>
@@ -3766,7 +3877,7 @@
           </ac:spMkLst>
         </pc:spChg>
         <pc:picChg chg="add mod">
-          <ac:chgData name="Casey Whorton" userId="ca5133bb86cb7820" providerId="LiveId" clId="{49CF1250-C2FD-4ACC-A1B6-A7A733012DB9}" dt="2020-03-24T01:28:45.516" v="9880" actId="26606"/>
+          <ac:chgData name="Casey Whorton" userId="ca5133bb86cb7820" providerId="LiveId" clId="{49CF1250-C2FD-4ACC-A1B6-A7A733012DB9}" dt="2020-03-25T22:11:16.414" v="10900" actId="1076"/>
           <ac:picMkLst>
             <pc:docMk/>
             <pc:sldMk cId="1730731503" sldId="344"/>
@@ -3825,6 +3936,29 @@
             <pc:docMk/>
             <pc:sldMk cId="793903923" sldId="346"/>
             <ac:spMk id="3" creationId="{14861954-EA94-49CF-A574-3962FC95CF1D}"/>
+          </ac:spMkLst>
+        </pc:spChg>
+      </pc:sldChg>
+      <pc:sldChg chg="modSp add">
+        <pc:chgData name="Casey Whorton" userId="ca5133bb86cb7820" providerId="LiveId" clId="{49CF1250-C2FD-4ACC-A1B6-A7A733012DB9}" dt="2020-04-04T19:00:55.995" v="11715" actId="12"/>
+        <pc:sldMkLst>
+          <pc:docMk/>
+          <pc:sldMk cId="2199156644" sldId="347"/>
+        </pc:sldMkLst>
+        <pc:spChg chg="mod">
+          <ac:chgData name="Casey Whorton" userId="ca5133bb86cb7820" providerId="LiveId" clId="{49CF1250-C2FD-4ACC-A1B6-A7A733012DB9}" dt="2020-04-04T19:00:12.821" v="11576" actId="20577"/>
+          <ac:spMkLst>
+            <pc:docMk/>
+            <pc:sldMk cId="2199156644" sldId="347"/>
+            <ac:spMk id="2" creationId="{6AB5ACDD-03B4-44CB-85FC-36A0EF56065E}"/>
+          </ac:spMkLst>
+        </pc:spChg>
+        <pc:spChg chg="mod">
+          <ac:chgData name="Casey Whorton" userId="ca5133bb86cb7820" providerId="LiveId" clId="{49CF1250-C2FD-4ACC-A1B6-A7A733012DB9}" dt="2020-04-04T19:00:55.995" v="11715" actId="12"/>
+          <ac:spMkLst>
+            <pc:docMk/>
+            <pc:sldMk cId="2199156644" sldId="347"/>
+            <ac:spMk id="3" creationId="{5968B795-6E49-4996-A0C1-AE1C46F7BFB8}"/>
           </ac:spMkLst>
         </pc:spChg>
       </pc:sldChg>
@@ -17263,7 +17397,7 @@
           <a:p>
             <a:fld id="{02AC24A9-CCB6-4F8D-B8DB-C2F3692CFA5A}" type="datetimeFigureOut">
               <a:rPr lang="en-US" smtClean="0"/>
-              <a:t>3/23/2020</a:t>
+              <a:t>4/4/2020</a:t>
             </a:fld>
             <a:endParaRPr lang="en-US" dirty="0"/>
           </a:p>
@@ -17471,7 +17605,7 @@
           <a:p>
             <a:fld id="{02AC24A9-CCB6-4F8D-B8DB-C2F3692CFA5A}" type="datetimeFigureOut">
               <a:rPr lang="en-US" smtClean="0"/>
-              <a:t>3/23/2020</a:t>
+              <a:t>4/4/2020</a:t>
             </a:fld>
             <a:endParaRPr lang="en-US"/>
           </a:p>
@@ -17729,7 +17863,7 @@
           <a:p>
             <a:fld id="{02AC24A9-CCB6-4F8D-B8DB-C2F3692CFA5A}" type="datetimeFigureOut">
               <a:rPr lang="en-US" smtClean="0"/>
-              <a:t>3/23/2020</a:t>
+              <a:t>4/4/2020</a:t>
             </a:fld>
             <a:endParaRPr lang="en-US"/>
           </a:p>
@@ -17899,7 +18033,7 @@
           <a:p>
             <a:fld id="{02AC24A9-CCB6-4F8D-B8DB-C2F3692CFA5A}" type="datetimeFigureOut">
               <a:rPr lang="en-US" smtClean="0"/>
-              <a:t>3/23/2020</a:t>
+              <a:t>4/4/2020</a:t>
             </a:fld>
             <a:endParaRPr lang="en-US"/>
           </a:p>
@@ -18236,7 +18370,7 @@
           <a:p>
             <a:fld id="{02AC24A9-CCB6-4F8D-B8DB-C2F3692CFA5A}" type="datetimeFigureOut">
               <a:rPr lang="en-US" smtClean="0"/>
-              <a:t>3/23/2020</a:t>
+              <a:t>4/4/2020</a:t>
             </a:fld>
             <a:endParaRPr lang="en-US"/>
           </a:p>
@@ -18511,7 +18645,7 @@
           <a:p>
             <a:fld id="{02AC24A9-CCB6-4F8D-B8DB-C2F3692CFA5A}" type="datetimeFigureOut">
               <a:rPr lang="en-US" smtClean="0"/>
-              <a:t>3/23/2020</a:t>
+              <a:t>4/4/2020</a:t>
             </a:fld>
             <a:endParaRPr lang="en-US"/>
           </a:p>
@@ -18890,7 +19024,7 @@
           <a:p>
             <a:fld id="{02AC24A9-CCB6-4F8D-B8DB-C2F3692CFA5A}" type="datetimeFigureOut">
               <a:rPr lang="en-US" smtClean="0"/>
-              <a:t>3/23/2020</a:t>
+              <a:t>4/4/2020</a:t>
             </a:fld>
             <a:endParaRPr lang="en-US"/>
           </a:p>
@@ -19008,7 +19142,7 @@
           <a:p>
             <a:fld id="{02AC24A9-CCB6-4F8D-B8DB-C2F3692CFA5A}" type="datetimeFigureOut">
               <a:rPr lang="en-US" smtClean="0"/>
-              <a:t>3/23/2020</a:t>
+              <a:t>4/4/2020</a:t>
             </a:fld>
             <a:endParaRPr lang="en-US"/>
           </a:p>
@@ -19181,7 +19315,7 @@
           <a:p>
             <a:fld id="{02AC24A9-CCB6-4F8D-B8DB-C2F3692CFA5A}" type="datetimeFigureOut">
               <a:rPr lang="en-US" smtClean="0"/>
-              <a:t>3/23/2020</a:t>
+              <a:t>4/4/2020</a:t>
             </a:fld>
             <a:endParaRPr lang="en-US"/>
           </a:p>
@@ -19537,7 +19671,7 @@
           <a:p>
             <a:fld id="{02AC24A9-CCB6-4F8D-B8DB-C2F3692CFA5A}" type="datetimeFigureOut">
               <a:rPr lang="en-US" smtClean="0"/>
-              <a:t>3/23/2020</a:t>
+              <a:t>4/4/2020</a:t>
             </a:fld>
             <a:endParaRPr lang="en-US" dirty="0"/>
           </a:p>
@@ -19916,7 +20050,7 @@
           <a:p>
             <a:fld id="{02AC24A9-CCB6-4F8D-B8DB-C2F3692CFA5A}" type="datetimeFigureOut">
               <a:rPr lang="en-US" smtClean="0"/>
-              <a:t>3/23/2020</a:t>
+              <a:t>4/4/2020</a:t>
             </a:fld>
             <a:endParaRPr lang="en-US"/>
           </a:p>
@@ -20205,7 +20339,7 @@
           <a:p>
             <a:fld id="{02AC24A9-CCB6-4F8D-B8DB-C2F3692CFA5A}" type="datetimeFigureOut">
               <a:rPr lang="en-US" smtClean="0"/>
-              <a:t>3/23/2020</a:t>
+              <a:t>4/4/2020</a:t>
             </a:fld>
             <a:endParaRPr lang="en-US"/>
           </a:p>
@@ -23461,8 +23595,8 @@
         </p:blipFill>
         <p:spPr bwMode="auto">
           <a:xfrm>
-            <a:off x="6743531" y="1845734"/>
-            <a:ext cx="4351189" cy="4023360"/>
+            <a:off x="6989545" y="2193234"/>
+            <a:ext cx="3992132" cy="2931857"/>
           </a:xfrm>
           <a:prstGeom prst="rect">
             <a:avLst/>
@@ -32214,19 +32348,19 @@
           <a:p>
             <a:r>
               <a:rPr lang="en-US" dirty="0"/>
-              <a:t>April 1, 2020: Week 6 – Clustering in Python</a:t>
-            </a:r>
-          </a:p>
-          <a:p>
-            <a:r>
-              <a:rPr lang="en-US" dirty="0"/>
-              <a:t>April 7, 2020: Week 7 – Final presentations</a:t>
-            </a:r>
-          </a:p>
-          <a:p>
-            <a:r>
-              <a:rPr lang="en-US" dirty="0"/>
-              <a:t>April 8, 2020: Week 8 – Take-home Exam due 5:30PM</a:t>
+              <a:t>April 1, 2020: Week 6 – Bringing it all together in Python</a:t>
+            </a:r>
+          </a:p>
+          <a:p>
+            <a:r>
+              <a:rPr lang="en-US" dirty="0"/>
+              <a:t>April 7, 2020: Week 7 – Open hours – Work on project in class (on Microsoft Teams)</a:t>
+            </a:r>
+          </a:p>
+          <a:p>
+            <a:r>
+              <a:rPr lang="en-US" dirty="0"/>
+              <a:t>April 15, 2020: Week 8 – Take-home Exam and Final Assignment due 5:30PM</a:t>
             </a:r>
           </a:p>
         </p:txBody>
@@ -33139,8 +33273,8 @@
           </a:p>
         </p:txBody>
       </p:sp>
-      <mc:AlternateContent xmlns:mc="http://schemas.openxmlformats.org/markup-compatibility/2006">
-        <mc:Choice xmlns:a14="http://schemas.microsoft.com/office/drawing/2010/main" Requires="a14">
+      <mc:AlternateContent xmlns:mc="http://schemas.openxmlformats.org/markup-compatibility/2006" xmlns:a14="http://schemas.microsoft.com/office/drawing/2010/main">
+        <mc:Choice Requires="a14">
           <p:sp>
             <p:nvSpPr>
               <p:cNvPr id="3" name="Content Placeholder 2">
@@ -34494,7 +34628,7 @@
             </p:txBody>
           </p:sp>
         </mc:Choice>
-        <mc:Fallback>
+        <mc:Fallback xmlns="">
           <p:sp>
             <p:nvSpPr>
               <p:cNvPr id="3" name="Content Placeholder 2">
@@ -34767,8 +34901,8 @@
           </a:p>
         </p:txBody>
       </p:sp>
-      <mc:AlternateContent xmlns:mc="http://schemas.openxmlformats.org/markup-compatibility/2006">
-        <mc:Choice xmlns:a14="http://schemas.microsoft.com/office/drawing/2010/main" Requires="a14">
+      <mc:AlternateContent xmlns:mc="http://schemas.openxmlformats.org/markup-compatibility/2006" xmlns:a14="http://schemas.microsoft.com/office/drawing/2010/main">
+        <mc:Choice Requires="a14">
           <p:sp>
             <p:nvSpPr>
               <p:cNvPr id="3" name="Content Placeholder 2">
@@ -35293,7 +35427,13 @@
                                 <a:rPr lang="en-US" b="0" i="1" smtClean="0">
                                   <a:latin typeface="Cambria Math" panose="02040503050406030204" pitchFamily="18" charset="0"/>
                                 </a:rPr>
-                                <m:t>0 </m:t>
+                                <m:t>0</m:t>
+                              </m:r>
+                              <m:r>
+                                <a:rPr lang="en-US" b="0" i="1" smtClean="0">
+                                  <a:latin typeface="Cambria Math" panose="02040503050406030204" pitchFamily="18" charset="0"/>
+                                </a:rPr>
+                                <m:t> </m:t>
                               </m:r>
                               <m:r>
                                 <a:rPr lang="en-US" b="0" i="1" smtClean="0">
@@ -35368,7 +35508,7 @@
             </p:txBody>
           </p:sp>
         </mc:Choice>
-        <mc:Fallback>
+        <mc:Fallback xmlns="">
           <p:sp>
             <p:nvSpPr>
               <p:cNvPr id="3" name="Content Placeholder 2">
@@ -35434,8 +35574,8 @@
         </p:blipFill>
         <p:spPr>
           <a:xfrm>
-            <a:off x="8020570" y="2555607"/>
-            <a:ext cx="3135109" cy="2192433"/>
+            <a:off x="7481959" y="2178953"/>
+            <a:ext cx="4419446" cy="3090591"/>
           </a:xfrm>
           <a:prstGeom prst="rect">
             <a:avLst/>
@@ -35558,8 +35698,8 @@
           </a:p>
         </p:txBody>
       </p:sp>
-      <mc:AlternateContent xmlns:mc="http://schemas.openxmlformats.org/markup-compatibility/2006">
-        <mc:Choice xmlns:a14="http://schemas.microsoft.com/office/drawing/2010/main" Requires="a14">
+      <mc:AlternateContent xmlns:mc="http://schemas.openxmlformats.org/markup-compatibility/2006" xmlns:a14="http://schemas.microsoft.com/office/drawing/2010/main">
+        <mc:Choice Requires="a14">
           <p:sp>
             <p:nvSpPr>
               <p:cNvPr id="3" name="Content Placeholder 2">
@@ -35865,7 +36005,7 @@
             </p:txBody>
           </p:sp>
         </mc:Choice>
-        <mc:Fallback>
+        <mc:Fallback xmlns="">
           <p:sp>
             <p:nvSpPr>
               <p:cNvPr id="3" name="Content Placeholder 2">
@@ -35997,8 +36137,8 @@
           </a:p>
         </p:txBody>
       </p:sp>
-      <mc:AlternateContent xmlns:mc="http://schemas.openxmlformats.org/markup-compatibility/2006">
-        <mc:Choice xmlns:a14="http://schemas.microsoft.com/office/drawing/2010/main" Requires="a14">
+      <mc:AlternateContent xmlns:mc="http://schemas.openxmlformats.org/markup-compatibility/2006" xmlns:a14="http://schemas.microsoft.com/office/drawing/2010/main">
+        <mc:Choice Requires="a14">
           <p:sp>
             <p:nvSpPr>
               <p:cNvPr id="3" name="Content Placeholder 2">
@@ -36896,7 +37036,7 @@
             </p:txBody>
           </p:sp>
         </mc:Choice>
-        <mc:Fallback>
+        <mc:Fallback xmlns="">
           <p:sp>
             <p:nvSpPr>
               <p:cNvPr id="3" name="Content Placeholder 2">
@@ -36994,8 +37134,8 @@
           </a:p>
         </p:txBody>
       </p:sp>
-      <mc:AlternateContent xmlns:mc="http://schemas.openxmlformats.org/markup-compatibility/2006">
-        <mc:Choice xmlns:a14="http://schemas.microsoft.com/office/drawing/2010/main" Requires="a14">
+      <mc:AlternateContent xmlns:mc="http://schemas.openxmlformats.org/markup-compatibility/2006" xmlns:a14="http://schemas.microsoft.com/office/drawing/2010/main">
+        <mc:Choice Requires="a14">
           <p:sp>
             <p:nvSpPr>
               <p:cNvPr id="3" name="Content Placeholder 2">
@@ -37442,7 +37582,7 @@
             </p:txBody>
           </p:sp>
         </mc:Choice>
-        <mc:Fallback>
+        <mc:Fallback xmlns="">
           <p:sp>
             <p:nvSpPr>
               <p:cNvPr id="3" name="Content Placeholder 2">
@@ -37521,97 +37661,6 @@
           <p:cNvPr id="2" name="Title 1">
             <a:extLst>
               <a:ext uri="{FF2B5EF4-FFF2-40B4-BE49-F238E27FC236}">
-                <a16:creationId xmlns:a16="http://schemas.microsoft.com/office/drawing/2014/main" id="{7289EF6B-8AB6-4186-AF09-0D50FE1BB9FD}"/>
-              </a:ext>
-            </a:extLst>
-          </p:cNvPr>
-          <p:cNvSpPr>
-            <a:spLocks noGrp="1"/>
-          </p:cNvSpPr>
-          <p:nvPr>
-            <p:ph type="title"/>
-          </p:nvPr>
-        </p:nvSpPr>
-        <p:spPr/>
-        <p:txBody>
-          <a:bodyPr/>
-          <a:lstStyle/>
-          <a:p>
-            <a:r>
-              <a:rPr lang="en-US" dirty="0"/>
-              <a:t>Decision Tree Models – </a:t>
-            </a:r>
-            <a:r>
-              <a:rPr lang="en-US" dirty="0" err="1"/>
-              <a:t>scikit</a:t>
-            </a:r>
-            <a:r>
-              <a:rPr lang="en-US" dirty="0"/>
-              <a:t> learn</a:t>
-            </a:r>
-          </a:p>
-        </p:txBody>
-      </p:sp>
-      <p:sp>
-        <p:nvSpPr>
-          <p:cNvPr id="3" name="Content Placeholder 2">
-            <a:extLst>
-              <a:ext uri="{FF2B5EF4-FFF2-40B4-BE49-F238E27FC236}">
-                <a16:creationId xmlns:a16="http://schemas.microsoft.com/office/drawing/2014/main" id="{E8A26BB2-24A8-43EF-9A59-9E9533F17D85}"/>
-              </a:ext>
-            </a:extLst>
-          </p:cNvPr>
-          <p:cNvSpPr>
-            <a:spLocks noGrp="1"/>
-          </p:cNvSpPr>
-          <p:nvPr>
-            <p:ph idx="1"/>
-          </p:nvPr>
-        </p:nvSpPr>
-        <p:spPr/>
-        <p:txBody>
-          <a:bodyPr/>
-          <a:lstStyle/>
-          <a:p>
-            <a:endParaRPr lang="en-US" dirty="0"/>
-          </a:p>
-        </p:txBody>
-      </p:sp>
-    </p:spTree>
-    <p:extLst>
-      <p:ext uri="{BB962C8B-B14F-4D97-AF65-F5344CB8AC3E}">
-        <p14:creationId xmlns:p14="http://schemas.microsoft.com/office/powerpoint/2010/main" val="2023846889"/>
-      </p:ext>
-    </p:extLst>
-  </p:cSld>
-  <p:clrMapOvr>
-    <a:masterClrMapping/>
-  </p:clrMapOvr>
-</p:sld>
-</file>
-
-<file path=ppt/slides/slide68.xml><?xml version="1.0" encoding="utf-8"?>
-<p:sld xmlns:a="http://schemas.openxmlformats.org/drawingml/2006/main" xmlns:r="http://schemas.openxmlformats.org/officeDocument/2006/relationships" xmlns:p="http://schemas.openxmlformats.org/presentationml/2006/main">
-  <p:cSld>
-    <p:spTree>
-      <p:nvGrpSpPr>
-        <p:cNvPr id="1" name=""/>
-        <p:cNvGrpSpPr/>
-        <p:nvPr/>
-      </p:nvGrpSpPr>
-      <p:grpSpPr>
-        <a:xfrm>
-          <a:off x="0" y="0"/>
-          <a:ext cx="0" cy="0"/>
-          <a:chOff x="0" y="0"/>
-          <a:chExt cx="0" cy="0"/>
-        </a:xfrm>
-      </p:grpSpPr>
-      <p:sp>
-        <p:nvSpPr>
-          <p:cNvPr id="2" name="Title 1">
-            <a:extLst>
-              <a:ext uri="{FF2B5EF4-FFF2-40B4-BE49-F238E27FC236}">
                 <a16:creationId xmlns:a16="http://schemas.microsoft.com/office/drawing/2014/main" id="{807BE763-80FE-477B-8655-BE89958C39FE}"/>
               </a:ext>
             </a:extLst>
@@ -37786,7 +37835,7 @@
 </p:sld>
 </file>
 
-<file path=ppt/slides/slide69.xml><?xml version="1.0" encoding="utf-8"?>
+<file path=ppt/slides/slide68.xml><?xml version="1.0" encoding="utf-8"?>
 <p:sld xmlns:a="http://schemas.openxmlformats.org/drawingml/2006/main" xmlns:r="http://schemas.openxmlformats.org/officeDocument/2006/relationships" xmlns:p="http://schemas.openxmlformats.org/presentationml/2006/main">
   <p:cSld>
     <p:spTree>
@@ -37969,6 +38018,95 @@
     <p:extLst>
       <p:ext uri="{BB962C8B-B14F-4D97-AF65-F5344CB8AC3E}">
         <p14:creationId xmlns:p14="http://schemas.microsoft.com/office/powerpoint/2010/main" val="1015306222"/>
+      </p:ext>
+    </p:extLst>
+  </p:cSld>
+  <p:clrMapOvr>
+    <a:masterClrMapping/>
+  </p:clrMapOvr>
+</p:sld>
+</file>
+
+<file path=ppt/slides/slide69.xml><?xml version="1.0" encoding="utf-8"?>
+<p:sld xmlns:a="http://schemas.openxmlformats.org/drawingml/2006/main" xmlns:r="http://schemas.openxmlformats.org/officeDocument/2006/relationships" xmlns:p="http://schemas.openxmlformats.org/presentationml/2006/main">
+  <p:cSld>
+    <p:spTree>
+      <p:nvGrpSpPr>
+        <p:cNvPr id="1" name=""/>
+        <p:cNvGrpSpPr/>
+        <p:nvPr/>
+      </p:nvGrpSpPr>
+      <p:grpSpPr>
+        <a:xfrm>
+          <a:off x="0" y="0"/>
+          <a:ext cx="0" cy="0"/>
+          <a:chOff x="0" y="0"/>
+          <a:chExt cx="0" cy="0"/>
+        </a:xfrm>
+      </p:grpSpPr>
+      <p:sp>
+        <p:nvSpPr>
+          <p:cNvPr id="2" name="Title 1">
+            <a:extLst>
+              <a:ext uri="{FF2B5EF4-FFF2-40B4-BE49-F238E27FC236}">
+                <a16:creationId xmlns:a16="http://schemas.microsoft.com/office/drawing/2014/main" id="{AD2860B2-7C83-4A55-8E7E-7A4B069D4A7E}"/>
+              </a:ext>
+            </a:extLst>
+          </p:cNvPr>
+          <p:cNvSpPr>
+            <a:spLocks noGrp="1"/>
+          </p:cNvSpPr>
+          <p:nvPr>
+            <p:ph type="title"/>
+          </p:nvPr>
+        </p:nvSpPr>
+        <p:spPr/>
+        <p:txBody>
+          <a:bodyPr/>
+          <a:lstStyle/>
+          <a:p>
+            <a:r>
+              <a:rPr lang="en-US" dirty="0"/>
+              <a:t>Week 6</a:t>
+            </a:r>
+          </a:p>
+        </p:txBody>
+      </p:sp>
+      <p:sp>
+        <p:nvSpPr>
+          <p:cNvPr id="3" name="Text Placeholder 2">
+            <a:extLst>
+              <a:ext uri="{FF2B5EF4-FFF2-40B4-BE49-F238E27FC236}">
+                <a16:creationId xmlns:a16="http://schemas.microsoft.com/office/drawing/2014/main" id="{274FDD8D-BBB7-47AC-AD7F-DF359A4A9736}"/>
+              </a:ext>
+            </a:extLst>
+          </p:cNvPr>
+          <p:cNvSpPr>
+            <a:spLocks noGrp="1"/>
+          </p:cNvSpPr>
+          <p:nvPr>
+            <p:ph type="body" idx="1"/>
+          </p:nvPr>
+        </p:nvSpPr>
+        <p:spPr/>
+        <p:txBody>
+          <a:bodyPr/>
+          <a:lstStyle/>
+          <a:p>
+            <a:r>
+              <a:rPr lang="en-US" dirty="0"/>
+              <a:t>Date: April 1, 2020</a:t>
+            </a:r>
+          </a:p>
+          <a:p>
+            <a:endParaRPr lang="en-US" dirty="0"/>
+          </a:p>
+        </p:txBody>
+      </p:sp>
+    </p:spTree>
+    <p:extLst>
+      <p:ext uri="{BB962C8B-B14F-4D97-AF65-F5344CB8AC3E}">
+        <p14:creationId xmlns:p14="http://schemas.microsoft.com/office/powerpoint/2010/main" val="478373071"/>
       </p:ext>
     </p:extLst>
   </p:cSld>
@@ -38132,7 +38270,7 @@
           <p:cNvPr id="2" name="Title 1">
             <a:extLst>
               <a:ext uri="{FF2B5EF4-FFF2-40B4-BE49-F238E27FC236}">
-                <a16:creationId xmlns:a16="http://schemas.microsoft.com/office/drawing/2014/main" id="{AD2860B2-7C83-4A55-8E7E-7A4B069D4A7E}"/>
+                <a16:creationId xmlns:a16="http://schemas.microsoft.com/office/drawing/2014/main" id="{E6DFB96B-A5D0-4C65-AC3B-E7BC259F70B2}"/>
               </a:ext>
             </a:extLst>
           </p:cNvPr>
@@ -38150,17 +38288,17 @@
           <a:p>
             <a:r>
               <a:rPr lang="en-US" dirty="0"/>
-              <a:t>Week 6</a:t>
+              <a:t>Bringing it Together</a:t>
             </a:r>
           </a:p>
         </p:txBody>
       </p:sp>
       <p:sp>
         <p:nvSpPr>
-          <p:cNvPr id="3" name="Text Placeholder 2">
+          <p:cNvPr id="3" name="Content Placeholder 2">
             <a:extLst>
               <a:ext uri="{FF2B5EF4-FFF2-40B4-BE49-F238E27FC236}">
-                <a16:creationId xmlns:a16="http://schemas.microsoft.com/office/drawing/2014/main" id="{274FDD8D-BBB7-47AC-AD7F-DF359A4A9736}"/>
+                <a16:creationId xmlns:a16="http://schemas.microsoft.com/office/drawing/2014/main" id="{B66F49DB-CED0-4D93-AD80-56A6A64F4C27}"/>
               </a:ext>
             </a:extLst>
           </p:cNvPr>
@@ -38168,7 +38306,7 @@
             <a:spLocks noGrp="1"/>
           </p:cNvSpPr>
           <p:nvPr>
-            <p:ph type="body" idx="1"/>
+            <p:ph idx="1"/>
           </p:nvPr>
         </p:nvSpPr>
         <p:spPr/>
@@ -38178,18 +38316,29 @@
           <a:p>
             <a:r>
               <a:rPr lang="en-US" dirty="0"/>
-              <a:t>Date: March 25, 2020</a:t>
-            </a:r>
-          </a:p>
-          <a:p>
-            <a:endParaRPr lang="en-US" dirty="0"/>
+              <a:t>Refer to notebook:</a:t>
+            </a:r>
+          </a:p>
+          <a:p>
+            <a:r>
+              <a:rPr lang="en-US" dirty="0"/>
+              <a:t> “Data Science Practicum for Business with Python - Bringing it </a:t>
+            </a:r>
+            <a:r>
+              <a:rPr lang="en-US" dirty="0" err="1"/>
+              <a:t>Together.ipynb</a:t>
+            </a:r>
+            <a:r>
+              <a:rPr lang="en-US" dirty="0"/>
+              <a:t>”</a:t>
+            </a:r>
           </a:p>
         </p:txBody>
       </p:sp>
     </p:spTree>
     <p:extLst>
       <p:ext uri="{BB962C8B-B14F-4D97-AF65-F5344CB8AC3E}">
-        <p14:creationId xmlns:p14="http://schemas.microsoft.com/office/powerpoint/2010/main" val="478373071"/>
+        <p14:creationId xmlns:p14="http://schemas.microsoft.com/office/powerpoint/2010/main" val="2520431104"/>
       </p:ext>
     </p:extLst>
   </p:cSld>
@@ -38221,7 +38370,7 @@
           <p:cNvPr id="2" name="Title 1">
             <a:extLst>
               <a:ext uri="{FF2B5EF4-FFF2-40B4-BE49-F238E27FC236}">
-                <a16:creationId xmlns:a16="http://schemas.microsoft.com/office/drawing/2014/main" id="{56812E27-DBE9-45BB-AB7A-4B7EDFF1F3F2}"/>
+                <a16:creationId xmlns:a16="http://schemas.microsoft.com/office/drawing/2014/main" id="{6AB5ACDD-03B4-44CB-85FC-36A0EF56065E}"/>
               </a:ext>
             </a:extLst>
           </p:cNvPr>
@@ -38239,7 +38388,15 @@
           <a:p>
             <a:r>
               <a:rPr lang="en-US" dirty="0"/>
-              <a:t>Elasticity models</a:t>
+              <a:t>Homework (Due April 7</a:t>
+            </a:r>
+            <a:r>
+              <a:rPr lang="en-US" baseline="30000" dirty="0"/>
+              <a:t>th</a:t>
+            </a:r>
+            <a:r>
+              <a:rPr lang="en-US" dirty="0"/>
+              <a:t>, 2020)</a:t>
             </a:r>
           </a:p>
         </p:txBody>
@@ -38249,7 +38406,7 @@
           <p:cNvPr id="3" name="Content Placeholder 2">
             <a:extLst>
               <a:ext uri="{FF2B5EF4-FFF2-40B4-BE49-F238E27FC236}">
-                <a16:creationId xmlns:a16="http://schemas.microsoft.com/office/drawing/2014/main" id="{DF7A58C9-2060-4FC4-A7B7-2B9864FF1946}"/>
+                <a16:creationId xmlns:a16="http://schemas.microsoft.com/office/drawing/2014/main" id="{5968B795-6E49-4996-A0C1-AE1C46F7BFB8}"/>
               </a:ext>
             </a:extLst>
           </p:cNvPr>
@@ -38265,14 +38422,41 @@
           <a:bodyPr/>
           <a:lstStyle/>
           <a:p>
-            <a:endParaRPr lang="en-US"/>
+            <a:pPr>
+              <a:buFont typeface="Arial" panose="020B0604020202020204" pitchFamily="34" charset="0"/>
+              <a:buChar char="•"/>
+            </a:pPr>
+            <a:r>
+              <a:rPr lang="en-US" dirty="0"/>
+              <a:t>Begin working on final assignment</a:t>
+            </a:r>
+          </a:p>
+          <a:p>
+            <a:pPr>
+              <a:buFont typeface="Arial" panose="020B0604020202020204" pitchFamily="34" charset="0"/>
+              <a:buChar char="•"/>
+            </a:pPr>
+            <a:r>
+              <a:rPr lang="en-US" dirty="0"/>
+              <a:t>Final assignment instructions were sent via email attachment</a:t>
+            </a:r>
+          </a:p>
+          <a:p>
+            <a:pPr>
+              <a:buFont typeface="Arial" panose="020B0604020202020204" pitchFamily="34" charset="0"/>
+              <a:buChar char="•"/>
+            </a:pPr>
+            <a:r>
+              <a:rPr lang="en-US" dirty="0"/>
+              <a:t>Come with questions and ideas</a:t>
+            </a:r>
           </a:p>
         </p:txBody>
       </p:sp>
     </p:spTree>
     <p:extLst>
       <p:ext uri="{BB962C8B-B14F-4D97-AF65-F5344CB8AC3E}">
-        <p14:creationId xmlns:p14="http://schemas.microsoft.com/office/powerpoint/2010/main" val="3914258039"/>
+        <p14:creationId xmlns:p14="http://schemas.microsoft.com/office/powerpoint/2010/main" val="2199156644"/>
       </p:ext>
     </p:extLst>
   </p:cSld>
@@ -38283,199 +38467,6 @@
 </file>
 
 <file path=ppt/slides/slide72.xml><?xml version="1.0" encoding="utf-8"?>
-<p:sld xmlns:a="http://schemas.openxmlformats.org/drawingml/2006/main" xmlns:r="http://schemas.openxmlformats.org/officeDocument/2006/relationships" xmlns:p="http://schemas.openxmlformats.org/presentationml/2006/main">
-  <p:cSld>
-    <p:spTree>
-      <p:nvGrpSpPr>
-        <p:cNvPr id="1" name=""/>
-        <p:cNvGrpSpPr/>
-        <p:nvPr/>
-      </p:nvGrpSpPr>
-      <p:grpSpPr>
-        <a:xfrm>
-          <a:off x="0" y="0"/>
-          <a:ext cx="0" cy="0"/>
-          <a:chOff x="0" y="0"/>
-          <a:chExt cx="0" cy="0"/>
-        </a:xfrm>
-      </p:grpSpPr>
-      <p:sp>
-        <p:nvSpPr>
-          <p:cNvPr id="2" name="Title 1">
-            <a:extLst>
-              <a:ext uri="{FF2B5EF4-FFF2-40B4-BE49-F238E27FC236}">
-                <a16:creationId xmlns:a16="http://schemas.microsoft.com/office/drawing/2014/main" id="{E6DFB96B-A5D0-4C65-AC3B-E7BC259F70B2}"/>
-              </a:ext>
-            </a:extLst>
-          </p:cNvPr>
-          <p:cNvSpPr>
-            <a:spLocks noGrp="1"/>
-          </p:cNvSpPr>
-          <p:nvPr>
-            <p:ph type="title"/>
-          </p:nvPr>
-        </p:nvSpPr>
-        <p:spPr/>
-        <p:txBody>
-          <a:bodyPr/>
-          <a:lstStyle/>
-          <a:p>
-            <a:r>
-              <a:rPr lang="en-US" dirty="0"/>
-              <a:t>Decision trees continued</a:t>
-            </a:r>
-          </a:p>
-        </p:txBody>
-      </p:sp>
-      <p:sp>
-        <p:nvSpPr>
-          <p:cNvPr id="3" name="Content Placeholder 2">
-            <a:extLst>
-              <a:ext uri="{FF2B5EF4-FFF2-40B4-BE49-F238E27FC236}">
-                <a16:creationId xmlns:a16="http://schemas.microsoft.com/office/drawing/2014/main" id="{B66F49DB-CED0-4D93-AD80-56A6A64F4C27}"/>
-              </a:ext>
-            </a:extLst>
-          </p:cNvPr>
-          <p:cNvSpPr>
-            <a:spLocks noGrp="1"/>
-          </p:cNvSpPr>
-          <p:nvPr>
-            <p:ph idx="1"/>
-          </p:nvPr>
-        </p:nvSpPr>
-        <p:spPr/>
-        <p:txBody>
-          <a:bodyPr/>
-          <a:lstStyle/>
-          <a:p>
-            <a:endParaRPr lang="en-US"/>
-          </a:p>
-        </p:txBody>
-      </p:sp>
-    </p:spTree>
-    <p:extLst>
-      <p:ext uri="{BB962C8B-B14F-4D97-AF65-F5344CB8AC3E}">
-        <p14:creationId xmlns:p14="http://schemas.microsoft.com/office/powerpoint/2010/main" val="2520431104"/>
-      </p:ext>
-    </p:extLst>
-  </p:cSld>
-  <p:clrMapOvr>
-    <a:masterClrMapping/>
-  </p:clrMapOvr>
-</p:sld>
-</file>
-
-<file path=ppt/slides/slide73.xml><?xml version="1.0" encoding="utf-8"?>
-<p:sld xmlns:a="http://schemas.openxmlformats.org/drawingml/2006/main" xmlns:r="http://schemas.openxmlformats.org/officeDocument/2006/relationships" xmlns:p="http://schemas.openxmlformats.org/presentationml/2006/main">
-  <p:cSld>
-    <p:spTree>
-      <p:nvGrpSpPr>
-        <p:cNvPr id="1" name=""/>
-        <p:cNvGrpSpPr/>
-        <p:nvPr/>
-      </p:nvGrpSpPr>
-      <p:grpSpPr>
-        <a:xfrm>
-          <a:off x="0" y="0"/>
-          <a:ext cx="0" cy="0"/>
-          <a:chOff x="0" y="0"/>
-          <a:chExt cx="0" cy="0"/>
-        </a:xfrm>
-      </p:grpSpPr>
-      <p:sp>
-        <p:nvSpPr>
-          <p:cNvPr id="2" name="Title 1">
-            <a:extLst>
-              <a:ext uri="{FF2B5EF4-FFF2-40B4-BE49-F238E27FC236}">
-                <a16:creationId xmlns:a16="http://schemas.microsoft.com/office/drawing/2014/main" id="{37F47C21-4937-4FE1-BE59-56D978F65B8D}"/>
-              </a:ext>
-            </a:extLst>
-          </p:cNvPr>
-          <p:cNvSpPr>
-            <a:spLocks noGrp="1"/>
-          </p:cNvSpPr>
-          <p:nvPr>
-            <p:ph type="title"/>
-          </p:nvPr>
-        </p:nvSpPr>
-        <p:spPr/>
-        <p:txBody>
-          <a:bodyPr/>
-          <a:lstStyle/>
-          <a:p>
-            <a:r>
-              <a:rPr lang="en-US" dirty="0"/>
-              <a:t>Homework (Due April 1, 2020)</a:t>
-            </a:r>
-          </a:p>
-        </p:txBody>
-      </p:sp>
-      <p:sp>
-        <p:nvSpPr>
-          <p:cNvPr id="3" name="Content Placeholder 2">
-            <a:extLst>
-              <a:ext uri="{FF2B5EF4-FFF2-40B4-BE49-F238E27FC236}">
-                <a16:creationId xmlns:a16="http://schemas.microsoft.com/office/drawing/2014/main" id="{4BA640D3-C44B-4A6D-8102-C32143FBADEB}"/>
-              </a:ext>
-            </a:extLst>
-          </p:cNvPr>
-          <p:cNvSpPr>
-            <a:spLocks noGrp="1"/>
-          </p:cNvSpPr>
-          <p:nvPr>
-            <p:ph idx="1"/>
-          </p:nvPr>
-        </p:nvSpPr>
-        <p:spPr/>
-        <p:txBody>
-          <a:bodyPr/>
-          <a:lstStyle/>
-          <a:p>
-            <a:pPr>
-              <a:buFont typeface="Arial" panose="020B0604020202020204" pitchFamily="34" charset="0"/>
-              <a:buChar char="•"/>
-            </a:pPr>
-            <a:r>
-              <a:rPr lang="en-US" dirty="0"/>
-              <a:t>Decision Tree notebook</a:t>
-            </a:r>
-          </a:p>
-          <a:p>
-            <a:pPr>
-              <a:buFont typeface="Arial" panose="020B0604020202020204" pitchFamily="34" charset="0"/>
-              <a:buChar char="•"/>
-            </a:pPr>
-            <a:r>
-              <a:rPr lang="en-US" dirty="0"/>
-              <a:t>Submit final notebook (include your name in the title)</a:t>
-            </a:r>
-          </a:p>
-          <a:p>
-            <a:pPr>
-              <a:buFont typeface="Arial" panose="020B0604020202020204" pitchFamily="34" charset="0"/>
-              <a:buChar char="•"/>
-            </a:pPr>
-            <a:r>
-              <a:rPr lang="en-US" dirty="0"/>
-              <a:t>Complete survey</a:t>
-            </a:r>
-          </a:p>
-        </p:txBody>
-      </p:sp>
-    </p:spTree>
-    <p:extLst>
-      <p:ext uri="{BB962C8B-B14F-4D97-AF65-F5344CB8AC3E}">
-        <p14:creationId xmlns:p14="http://schemas.microsoft.com/office/powerpoint/2010/main" val="3089444643"/>
-      </p:ext>
-    </p:extLst>
-  </p:cSld>
-  <p:clrMapOvr>
-    <a:masterClrMapping/>
-  </p:clrMapOvr>
-</p:sld>
-</file>
-
-<file path=ppt/slides/slide74.xml><?xml version="1.0" encoding="utf-8"?>
 <p:sld xmlns:a="http://schemas.openxmlformats.org/drawingml/2006/main" xmlns:r="http://schemas.openxmlformats.org/officeDocument/2006/relationships" xmlns:p="http://schemas.openxmlformats.org/presentationml/2006/main">
   <p:cSld>
     <p:spTree>
@@ -38548,7 +38539,7 @@
           <a:p>
             <a:r>
               <a:rPr lang="en-US" dirty="0"/>
-              <a:t>Date: April 1, 2020 </a:t>
+              <a:t>Date: April 7, 2020 </a:t>
             </a:r>
           </a:p>
           <a:p>
@@ -38569,7 +38560,7 @@
 </p:sld>
 </file>
 
-<file path=ppt/slides/slide75.xml><?xml version="1.0" encoding="utf-8"?>
+<file path=ppt/slides/slide73.xml><?xml version="1.0" encoding="utf-8"?>
 <p:sld xmlns:a="http://schemas.openxmlformats.org/drawingml/2006/main" xmlns:r="http://schemas.openxmlformats.org/officeDocument/2006/relationships" xmlns:p="http://schemas.openxmlformats.org/presentationml/2006/main">
   <p:cSld>
     <p:spTree>
@@ -38609,7 +38600,7 @@
           <a:p>
             <a:r>
               <a:rPr lang="en-US" dirty="0"/>
-              <a:t>Overview</a:t>
+              <a:t>Week 7</a:t>
             </a:r>
           </a:p>
         </p:txBody>
@@ -38637,14 +38628,65 @@
           <a:p>
             <a:r>
               <a:rPr lang="en-US" dirty="0"/>
-              <a:t>Exam</a:t>
-            </a:r>
-          </a:p>
-          <a:p>
-            <a:r>
-              <a:rPr lang="en-US" dirty="0"/>
-              <a:t>Submit notebook - print and submit to private repo</a:t>
-            </a:r>
+              <a:t>Final Assignments are due on April 15</a:t>
+            </a:r>
+            <a:r>
+              <a:rPr lang="en-US" baseline="30000" dirty="0"/>
+              <a:t>th</a:t>
+            </a:r>
+            <a:r>
+              <a:rPr lang="en-US" dirty="0"/>
+              <a:t> at 5:30pm (sent to my email address at </a:t>
+            </a:r>
+            <a:r>
+              <a:rPr lang="en-US" dirty="0">
+                <a:hlinkClick r:id="rId2"/>
+              </a:rPr>
+              <a:t>casey.whorton.waynestate@gmail.com</a:t>
+            </a:r>
+            <a:r>
+              <a:rPr lang="en-US" dirty="0"/>
+              <a:t>)</a:t>
+            </a:r>
+          </a:p>
+          <a:p>
+            <a:r>
+              <a:rPr lang="en-US" dirty="0"/>
+              <a:t>Final Exams are due on April 15</a:t>
+            </a:r>
+            <a:r>
+              <a:rPr lang="en-US" baseline="30000" dirty="0"/>
+              <a:t>th</a:t>
+            </a:r>
+            <a:r>
+              <a:rPr lang="en-US" dirty="0"/>
+              <a:t> at 5:30pm (sent to my email address at </a:t>
+            </a:r>
+            <a:r>
+              <a:rPr lang="en-US" dirty="0">
+                <a:hlinkClick r:id="rId2"/>
+              </a:rPr>
+              <a:t>casey.whorton.waynestate@gmail.com</a:t>
+            </a:r>
+            <a:r>
+              <a:rPr lang="en-US" dirty="0"/>
+              <a:t>)</a:t>
+            </a:r>
+          </a:p>
+          <a:p>
+            <a:pPr marL="0" indent="0">
+              <a:buNone/>
+            </a:pPr>
+            <a:r>
+              <a:rPr lang="en-US" dirty="0"/>
+              <a:t>Work on final assignment in class using Microsoft Teams from 5:30pm to 7:30pm or beyond</a:t>
+            </a:r>
+          </a:p>
+          <a:p>
+            <a:pPr marL="0" indent="0">
+              <a:buNone/>
+            </a:pPr>
+            <a:endParaRPr lang="en-US" dirty="0"/>
           </a:p>
         </p:txBody>
       </p:sp>
